--- a/bujo_printouts.pptx
+++ b/bujo_printouts.pptx
@@ -5,7 +5,7 @@
     <p:sldMasterId id="2147483672" r:id="rId4"/>
   </p:sldMasterIdLst>
   <p:notesMasterIdLst>
-    <p:notesMasterId r:id="rId18"/>
+    <p:notesMasterId r:id="rId24"/>
   </p:notesMasterIdLst>
   <p:sldIdLst>
     <p:sldId id="273" r:id="rId5"/>
@@ -21,6 +21,12 @@
     <p:sldId id="272" r:id="rId15"/>
     <p:sldId id="270" r:id="rId16"/>
     <p:sldId id="271" r:id="rId17"/>
+    <p:sldId id="276" r:id="rId18"/>
+    <p:sldId id="277" r:id="rId19"/>
+    <p:sldId id="278" r:id="rId20"/>
+    <p:sldId id="279" r:id="rId21"/>
+    <p:sldId id="280" r:id="rId22"/>
+    <p:sldId id="281" r:id="rId23"/>
   </p:sldIdLst>
   <p:sldSz cx="6858000" cy="9144000" type="letter"/>
   <p:notesSz cx="6858000" cy="9144000"/>
@@ -209,7 +215,7 @@
           <a:p>
             <a:fld id="{0B79DF5C-0C24-4B63-9C9D-9245A97A6F02}" type="datetimeFigureOut">
               <a:rPr lang="en-US" smtClean="0"/>
-              <a:t>11/15/2021</a:t>
+              <a:t>11/23/2021</a:t>
             </a:fld>
             <a:endParaRPr lang="en-US"/>
           </a:p>
@@ -607,7 +613,7 @@
           <a:p>
             <a:fld id="{D7B46692-156A-48DE-9028-B604EC18BE8F}" type="datetimeFigureOut">
               <a:rPr lang="en-US" smtClean="0"/>
-              <a:t>11/15/2021</a:t>
+              <a:t>11/23/2021</a:t>
             </a:fld>
             <a:endParaRPr lang="en-US"/>
           </a:p>
@@ -777,7 +783,7 @@
           <a:p>
             <a:fld id="{D7B46692-156A-48DE-9028-B604EC18BE8F}" type="datetimeFigureOut">
               <a:rPr lang="en-US" smtClean="0"/>
-              <a:t>11/15/2021</a:t>
+              <a:t>11/23/2021</a:t>
             </a:fld>
             <a:endParaRPr lang="en-US"/>
           </a:p>
@@ -957,7 +963,7 @@
           <a:p>
             <a:fld id="{D7B46692-156A-48DE-9028-B604EC18BE8F}" type="datetimeFigureOut">
               <a:rPr lang="en-US" smtClean="0"/>
-              <a:t>11/15/2021</a:t>
+              <a:t>11/23/2021</a:t>
             </a:fld>
             <a:endParaRPr lang="en-US"/>
           </a:p>
@@ -1127,7 +1133,7 @@
           <a:p>
             <a:fld id="{D7B46692-156A-48DE-9028-B604EC18BE8F}" type="datetimeFigureOut">
               <a:rPr lang="en-US" smtClean="0"/>
-              <a:t>11/15/2021</a:t>
+              <a:t>11/23/2021</a:t>
             </a:fld>
             <a:endParaRPr lang="en-US"/>
           </a:p>
@@ -1371,7 +1377,7 @@
           <a:p>
             <a:fld id="{D7B46692-156A-48DE-9028-B604EC18BE8F}" type="datetimeFigureOut">
               <a:rPr lang="en-US" smtClean="0"/>
-              <a:t>11/15/2021</a:t>
+              <a:t>11/23/2021</a:t>
             </a:fld>
             <a:endParaRPr lang="en-US"/>
           </a:p>
@@ -1603,7 +1609,7 @@
           <a:p>
             <a:fld id="{D7B46692-156A-48DE-9028-B604EC18BE8F}" type="datetimeFigureOut">
               <a:rPr lang="en-US" smtClean="0"/>
-              <a:t>11/15/2021</a:t>
+              <a:t>11/23/2021</a:t>
             </a:fld>
             <a:endParaRPr lang="en-US"/>
           </a:p>
@@ -1970,7 +1976,7 @@
           <a:p>
             <a:fld id="{D7B46692-156A-48DE-9028-B604EC18BE8F}" type="datetimeFigureOut">
               <a:rPr lang="en-US" smtClean="0"/>
-              <a:t>11/15/2021</a:t>
+              <a:t>11/23/2021</a:t>
             </a:fld>
             <a:endParaRPr lang="en-US"/>
           </a:p>
@@ -2088,7 +2094,7 @@
           <a:p>
             <a:fld id="{D7B46692-156A-48DE-9028-B604EC18BE8F}" type="datetimeFigureOut">
               <a:rPr lang="en-US" smtClean="0"/>
-              <a:t>11/15/2021</a:t>
+              <a:t>11/23/2021</a:t>
             </a:fld>
             <a:endParaRPr lang="en-US"/>
           </a:p>
@@ -2183,7 +2189,7 @@
           <a:p>
             <a:fld id="{D7B46692-156A-48DE-9028-B604EC18BE8F}" type="datetimeFigureOut">
               <a:rPr lang="en-US" smtClean="0"/>
-              <a:t>11/15/2021</a:t>
+              <a:t>11/23/2021</a:t>
             </a:fld>
             <a:endParaRPr lang="en-US"/>
           </a:p>
@@ -2460,7 +2466,7 @@
           <a:p>
             <a:fld id="{D7B46692-156A-48DE-9028-B604EC18BE8F}" type="datetimeFigureOut">
               <a:rPr lang="en-US" smtClean="0"/>
-              <a:t>11/15/2021</a:t>
+              <a:t>11/23/2021</a:t>
             </a:fld>
             <a:endParaRPr lang="en-US"/>
           </a:p>
@@ -2717,7 +2723,7 @@
           <a:p>
             <a:fld id="{D7B46692-156A-48DE-9028-B604EC18BE8F}" type="datetimeFigureOut">
               <a:rPr lang="en-US" smtClean="0"/>
-              <a:t>11/15/2021</a:t>
+              <a:t>11/23/2021</a:t>
             </a:fld>
             <a:endParaRPr lang="en-US"/>
           </a:p>
@@ -2930,7 +2936,7 @@
           <a:p>
             <a:fld id="{D7B46692-156A-48DE-9028-B604EC18BE8F}" type="datetimeFigureOut">
               <a:rPr lang="en-US" smtClean="0"/>
-              <a:t>11/15/2021</a:t>
+              <a:t>11/23/2021</a:t>
             </a:fld>
             <a:endParaRPr lang="en-US"/>
           </a:p>
@@ -18795,6 +18801,7596 @@
     <p:extLst>
       <p:ext uri="{BB962C8B-B14F-4D97-AF65-F5344CB8AC3E}">
         <p14:creationId xmlns:p14="http://schemas.microsoft.com/office/powerpoint/2010/main" val="4022954404"/>
+      </p:ext>
+    </p:extLst>
+  </p:cSld>
+  <p:clrMapOvr>
+    <a:masterClrMapping/>
+  </p:clrMapOvr>
+</p:sld>
+</file>
+
+<file path=ppt/slides/slide14.xml><?xml version="1.0" encoding="utf-8"?>
+<p:sld xmlns:a="http://schemas.openxmlformats.org/drawingml/2006/main" xmlns:r="http://schemas.openxmlformats.org/officeDocument/2006/relationships" xmlns:p="http://schemas.openxmlformats.org/presentationml/2006/main">
+  <p:cSld>
+    <p:spTree>
+      <p:nvGrpSpPr>
+        <p:cNvPr id="1" name=""/>
+        <p:cNvGrpSpPr/>
+        <p:nvPr/>
+      </p:nvGrpSpPr>
+      <p:grpSpPr>
+        <a:xfrm>
+          <a:off x="0" y="0"/>
+          <a:ext cx="0" cy="0"/>
+          <a:chOff x="0" y="0"/>
+          <a:chExt cx="0" cy="0"/>
+        </a:xfrm>
+      </p:grpSpPr>
+      <p:sp>
+        <p:nvSpPr>
+          <p:cNvPr id="2" name="Title 1">
+            <a:extLst>
+              <a:ext uri="{FF2B5EF4-FFF2-40B4-BE49-F238E27FC236}">
+                <a16:creationId xmlns:a16="http://schemas.microsoft.com/office/drawing/2014/main" id="{A74213E1-862F-41FA-8086-E45259778689}"/>
+              </a:ext>
+            </a:extLst>
+          </p:cNvPr>
+          <p:cNvSpPr>
+            <a:spLocks noGrp="1"/>
+          </p:cNvSpPr>
+          <p:nvPr>
+            <p:ph type="title"/>
+          </p:nvPr>
+        </p:nvSpPr>
+        <p:spPr>
+          <a:xfrm>
+            <a:off x="471487" y="3688291"/>
+            <a:ext cx="5915025" cy="1767417"/>
+          </a:xfrm>
+        </p:spPr>
+        <p:txBody>
+          <a:bodyPr/>
+          <a:lstStyle/>
+          <a:p>
+            <a:pPr algn="ctr"/>
+            <a:r>
+              <a:rPr lang="en-US" b="1" dirty="0"/>
+              <a:t>DECEMBER</a:t>
+            </a:r>
+          </a:p>
+        </p:txBody>
+      </p:sp>
+    </p:spTree>
+    <p:extLst>
+      <p:ext uri="{BB962C8B-B14F-4D97-AF65-F5344CB8AC3E}">
+        <p14:creationId xmlns:p14="http://schemas.microsoft.com/office/powerpoint/2010/main" val="3983887611"/>
+      </p:ext>
+    </p:extLst>
+  </p:cSld>
+  <p:clrMapOvr>
+    <a:masterClrMapping/>
+  </p:clrMapOvr>
+</p:sld>
+</file>
+
+<file path=ppt/slides/slide15.xml><?xml version="1.0" encoding="utf-8"?>
+<p:sld xmlns:a="http://schemas.openxmlformats.org/drawingml/2006/main" xmlns:r="http://schemas.openxmlformats.org/officeDocument/2006/relationships" xmlns:p="http://schemas.openxmlformats.org/presentationml/2006/main">
+  <p:cSld>
+    <p:spTree>
+      <p:nvGrpSpPr>
+        <p:cNvPr id="1" name=""/>
+        <p:cNvGrpSpPr/>
+        <p:nvPr/>
+      </p:nvGrpSpPr>
+      <p:grpSpPr>
+        <a:xfrm>
+          <a:off x="0" y="0"/>
+          <a:ext cx="0" cy="0"/>
+          <a:chOff x="0" y="0"/>
+          <a:chExt cx="0" cy="0"/>
+        </a:xfrm>
+      </p:grpSpPr>
+      <p:grpSp>
+        <p:nvGrpSpPr>
+          <p:cNvPr id="7" name="Group 6">
+            <a:extLst>
+              <a:ext uri="{FF2B5EF4-FFF2-40B4-BE49-F238E27FC236}">
+                <a16:creationId xmlns:a16="http://schemas.microsoft.com/office/drawing/2014/main" id="{9B476A56-60F8-4B47-8B19-18247D9A707A}"/>
+              </a:ext>
+            </a:extLst>
+          </p:cNvPr>
+          <p:cNvGrpSpPr/>
+          <p:nvPr/>
+        </p:nvGrpSpPr>
+        <p:grpSpPr>
+          <a:xfrm>
+            <a:off x="0" y="0"/>
+            <a:ext cx="6858000" cy="9384632"/>
+            <a:chOff x="1" y="0"/>
+            <a:chExt cx="6692898" cy="9296400"/>
+          </a:xfrm>
+        </p:grpSpPr>
+        <p:pic>
+          <p:nvPicPr>
+            <p:cNvPr id="1026" name="Picture 2" descr="Printable Dot Paper – Dotted Grid Paper Two Dots Per Inch – Free Printable  Paper">
+              <a:extLst>
+                <a:ext uri="{FF2B5EF4-FFF2-40B4-BE49-F238E27FC236}">
+                  <a16:creationId xmlns:a16="http://schemas.microsoft.com/office/drawing/2014/main" id="{80E89EC7-AFCA-409A-8B4F-BAC47C57CA26}"/>
+                </a:ext>
+              </a:extLst>
+            </p:cNvPr>
+            <p:cNvPicPr>
+              <a:picLocks noChangeAspect="1" noChangeArrowheads="1"/>
+            </p:cNvPicPr>
+            <p:nvPr/>
+          </p:nvPicPr>
+          <p:blipFill rotWithShape="1">
+            <a:blip r:embed="rId2">
+              <a:extLst>
+                <a:ext uri="{28A0092B-C50C-407E-A947-70E740481C1C}">
+                  <a14:useLocalDpi xmlns:a14="http://schemas.microsoft.com/office/drawing/2010/main" val="0"/>
+                </a:ext>
+              </a:extLst>
+            </a:blip>
+            <a:srcRect b="5555"/>
+            <a:stretch/>
+          </p:blipFill>
+          <p:spPr bwMode="auto">
+            <a:xfrm>
+              <a:off x="1" y="0"/>
+              <a:ext cx="3429000" cy="4724400"/>
+            </a:xfrm>
+            <a:prstGeom prst="rect">
+              <a:avLst/>
+            </a:prstGeom>
+            <a:noFill/>
+            <a:extLst>
+              <a:ext uri="{909E8E84-426E-40DD-AFC4-6F175D3DCCD1}">
+                <a14:hiddenFill xmlns:a14="http://schemas.microsoft.com/office/drawing/2010/main">
+                  <a:solidFill>
+                    <a:srgbClr val="FFFFFF"/>
+                  </a:solidFill>
+                </a14:hiddenFill>
+              </a:ext>
+            </a:extLst>
+          </p:spPr>
+        </p:pic>
+        <p:pic>
+          <p:nvPicPr>
+            <p:cNvPr id="4" name="Picture 2" descr="Printable Dot Paper – Dotted Grid Paper Two Dots Per Inch – Free Printable  Paper">
+              <a:extLst>
+                <a:ext uri="{FF2B5EF4-FFF2-40B4-BE49-F238E27FC236}">
+                  <a16:creationId xmlns:a16="http://schemas.microsoft.com/office/drawing/2014/main" id="{446C36FF-C716-40AA-9092-177B2961DB9A}"/>
+                </a:ext>
+              </a:extLst>
+            </p:cNvPr>
+            <p:cNvPicPr>
+              <a:picLocks noChangeAspect="1" noChangeArrowheads="1"/>
+            </p:cNvPicPr>
+            <p:nvPr/>
+          </p:nvPicPr>
+          <p:blipFill rotWithShape="1">
+            <a:blip r:embed="rId2">
+              <a:extLst>
+                <a:ext uri="{28A0092B-C50C-407E-A947-70E740481C1C}">
+                  <a14:useLocalDpi xmlns:a14="http://schemas.microsoft.com/office/drawing/2010/main" val="0"/>
+                </a:ext>
+              </a:extLst>
+            </a:blip>
+            <a:srcRect b="5555"/>
+            <a:stretch/>
+          </p:blipFill>
+          <p:spPr bwMode="auto">
+            <a:xfrm>
+              <a:off x="3263899" y="0"/>
+              <a:ext cx="3429000" cy="4724400"/>
+            </a:xfrm>
+            <a:prstGeom prst="rect">
+              <a:avLst/>
+            </a:prstGeom>
+            <a:noFill/>
+            <a:extLst>
+              <a:ext uri="{909E8E84-426E-40DD-AFC4-6F175D3DCCD1}">
+                <a14:hiddenFill xmlns:a14="http://schemas.microsoft.com/office/drawing/2010/main">
+                  <a:solidFill>
+                    <a:srgbClr val="FFFFFF"/>
+                  </a:solidFill>
+                </a14:hiddenFill>
+              </a:ext>
+            </a:extLst>
+          </p:spPr>
+        </p:pic>
+        <p:pic>
+          <p:nvPicPr>
+            <p:cNvPr id="5" name="Picture 2" descr="Printable Dot Paper – Dotted Grid Paper Two Dots Per Inch – Free Printable  Paper">
+              <a:extLst>
+                <a:ext uri="{FF2B5EF4-FFF2-40B4-BE49-F238E27FC236}">
+                  <a16:creationId xmlns:a16="http://schemas.microsoft.com/office/drawing/2014/main" id="{85217A84-168A-4816-A14F-19CC6EFB5577}"/>
+                </a:ext>
+              </a:extLst>
+            </p:cNvPr>
+            <p:cNvPicPr>
+              <a:picLocks noChangeAspect="1" noChangeArrowheads="1"/>
+            </p:cNvPicPr>
+            <p:nvPr/>
+          </p:nvPicPr>
+          <p:blipFill rotWithShape="1">
+            <a:blip r:embed="rId2">
+              <a:extLst>
+                <a:ext uri="{28A0092B-C50C-407E-A947-70E740481C1C}">
+                  <a14:useLocalDpi xmlns:a14="http://schemas.microsoft.com/office/drawing/2010/main" val="0"/>
+                </a:ext>
+              </a:extLst>
+            </a:blip>
+            <a:srcRect b="5555"/>
+            <a:stretch/>
+          </p:blipFill>
+          <p:spPr bwMode="auto">
+            <a:xfrm>
+              <a:off x="1" y="4572000"/>
+              <a:ext cx="3429000" cy="4724400"/>
+            </a:xfrm>
+            <a:prstGeom prst="rect">
+              <a:avLst/>
+            </a:prstGeom>
+            <a:noFill/>
+            <a:extLst>
+              <a:ext uri="{909E8E84-426E-40DD-AFC4-6F175D3DCCD1}">
+                <a14:hiddenFill xmlns:a14="http://schemas.microsoft.com/office/drawing/2010/main">
+                  <a:solidFill>
+                    <a:srgbClr val="FFFFFF"/>
+                  </a:solidFill>
+                </a14:hiddenFill>
+              </a:ext>
+            </a:extLst>
+          </p:spPr>
+        </p:pic>
+        <p:pic>
+          <p:nvPicPr>
+            <p:cNvPr id="6" name="Picture 2" descr="Printable Dot Paper – Dotted Grid Paper Two Dots Per Inch – Free Printable  Paper">
+              <a:extLst>
+                <a:ext uri="{FF2B5EF4-FFF2-40B4-BE49-F238E27FC236}">
+                  <a16:creationId xmlns:a16="http://schemas.microsoft.com/office/drawing/2014/main" id="{CF963C10-30F0-4320-902C-D75C9AA73EAE}"/>
+                </a:ext>
+              </a:extLst>
+            </p:cNvPr>
+            <p:cNvPicPr>
+              <a:picLocks noChangeAspect="1" noChangeArrowheads="1"/>
+            </p:cNvPicPr>
+            <p:nvPr/>
+          </p:nvPicPr>
+          <p:blipFill rotWithShape="1">
+            <a:blip r:embed="rId2">
+              <a:extLst>
+                <a:ext uri="{28A0092B-C50C-407E-A947-70E740481C1C}">
+                  <a14:useLocalDpi xmlns:a14="http://schemas.microsoft.com/office/drawing/2010/main" val="0"/>
+                </a:ext>
+              </a:extLst>
+            </a:blip>
+            <a:srcRect b="5555"/>
+            <a:stretch/>
+          </p:blipFill>
+          <p:spPr bwMode="auto">
+            <a:xfrm>
+              <a:off x="3263899" y="4572000"/>
+              <a:ext cx="3429000" cy="4724400"/>
+            </a:xfrm>
+            <a:prstGeom prst="rect">
+              <a:avLst/>
+            </a:prstGeom>
+            <a:noFill/>
+            <a:extLst>
+              <a:ext uri="{909E8E84-426E-40DD-AFC4-6F175D3DCCD1}">
+                <a14:hiddenFill xmlns:a14="http://schemas.microsoft.com/office/drawing/2010/main">
+                  <a:solidFill>
+                    <a:srgbClr val="FFFFFF"/>
+                  </a:solidFill>
+                </a14:hiddenFill>
+              </a:ext>
+            </a:extLst>
+          </p:spPr>
+        </p:pic>
+      </p:grpSp>
+      <p:sp>
+        <p:nvSpPr>
+          <p:cNvPr id="9" name="TextBox 8">
+            <a:extLst>
+              <a:ext uri="{FF2B5EF4-FFF2-40B4-BE49-F238E27FC236}">
+                <a16:creationId xmlns:a16="http://schemas.microsoft.com/office/drawing/2014/main" id="{FCB09617-452C-4ED4-9B38-F8AE6C7F1177}"/>
+              </a:ext>
+            </a:extLst>
+          </p:cNvPr>
+          <p:cNvSpPr txBox="1"/>
+          <p:nvPr/>
+        </p:nvSpPr>
+        <p:spPr>
+          <a:xfrm>
+            <a:off x="275891" y="246490"/>
+            <a:ext cx="1728393" cy="584775"/>
+          </a:xfrm>
+          <a:prstGeom prst="rect">
+            <a:avLst/>
+          </a:prstGeom>
+          <a:noFill/>
+          <a:effectLst/>
+        </p:spPr>
+        <p:txBody>
+          <a:bodyPr wrap="square" rtlCol="0">
+            <a:spAutoFit/>
+          </a:bodyPr>
+          <a:lstStyle/>
+          <a:p>
+            <a:pPr algn="ctr"/>
+            <a:r>
+              <a:rPr lang="en-US" sz="3200" dirty="0">
+                <a:latin typeface="Kristen ITC" panose="03050502040202030202" pitchFamily="66" charset="0"/>
+              </a:rPr>
+              <a:t>NOV</a:t>
+            </a:r>
+          </a:p>
+        </p:txBody>
+      </p:sp>
+      <p:graphicFrame>
+        <p:nvGraphicFramePr>
+          <p:cNvPr id="10" name="Table 12">
+            <a:extLst>
+              <a:ext uri="{FF2B5EF4-FFF2-40B4-BE49-F238E27FC236}">
+                <a16:creationId xmlns:a16="http://schemas.microsoft.com/office/drawing/2014/main" id="{87B78A60-9D29-463D-9FFB-93394104C5B7}"/>
+              </a:ext>
+            </a:extLst>
+          </p:cNvPr>
+          <p:cNvGraphicFramePr>
+            <a:graphicFrameLocks noGrp="1"/>
+          </p:cNvGraphicFramePr>
+          <p:nvPr>
+            <p:extLst>
+              <p:ext uri="{D42A27DB-BD31-4B8C-83A1-F6EECF244321}">
+                <p14:modId xmlns:p14="http://schemas.microsoft.com/office/powerpoint/2010/main" val="214639447"/>
+              </p:ext>
+            </p:extLst>
+          </p:nvPr>
+        </p:nvGraphicFramePr>
+        <p:xfrm>
+          <a:off x="168511" y="783847"/>
+          <a:ext cx="1943151" cy="1220070"/>
+        </p:xfrm>
+        <a:graphic>
+          <a:graphicData uri="http://schemas.openxmlformats.org/drawingml/2006/table">
+            <a:tbl>
+              <a:tblPr firstRow="1" bandRow="1">
+                <a:tableStyleId>{5C22544A-7EE6-4342-B048-85BDC9FD1C3A}</a:tableStyleId>
+              </a:tblPr>
+              <a:tblGrid>
+                <a:gridCol w="277593">
+                  <a:extLst>
+                    <a:ext uri="{9D8B030D-6E8A-4147-A177-3AD203B41FA5}">
+                      <a16:colId xmlns:a16="http://schemas.microsoft.com/office/drawing/2014/main" val="2738528116"/>
+                    </a:ext>
+                  </a:extLst>
+                </a:gridCol>
+                <a:gridCol w="277593">
+                  <a:extLst>
+                    <a:ext uri="{9D8B030D-6E8A-4147-A177-3AD203B41FA5}">
+                      <a16:colId xmlns:a16="http://schemas.microsoft.com/office/drawing/2014/main" val="2065245427"/>
+                    </a:ext>
+                  </a:extLst>
+                </a:gridCol>
+                <a:gridCol w="277593">
+                  <a:extLst>
+                    <a:ext uri="{9D8B030D-6E8A-4147-A177-3AD203B41FA5}">
+                      <a16:colId xmlns:a16="http://schemas.microsoft.com/office/drawing/2014/main" val="1783999147"/>
+                    </a:ext>
+                  </a:extLst>
+                </a:gridCol>
+                <a:gridCol w="277593">
+                  <a:extLst>
+                    <a:ext uri="{9D8B030D-6E8A-4147-A177-3AD203B41FA5}">
+                      <a16:colId xmlns:a16="http://schemas.microsoft.com/office/drawing/2014/main" val="3883858860"/>
+                    </a:ext>
+                  </a:extLst>
+                </a:gridCol>
+                <a:gridCol w="277593">
+                  <a:extLst>
+                    <a:ext uri="{9D8B030D-6E8A-4147-A177-3AD203B41FA5}">
+                      <a16:colId xmlns:a16="http://schemas.microsoft.com/office/drawing/2014/main" val="2395704738"/>
+                    </a:ext>
+                  </a:extLst>
+                </a:gridCol>
+                <a:gridCol w="277593">
+                  <a:extLst>
+                    <a:ext uri="{9D8B030D-6E8A-4147-A177-3AD203B41FA5}">
+                      <a16:colId xmlns:a16="http://schemas.microsoft.com/office/drawing/2014/main" val="1337388969"/>
+                    </a:ext>
+                  </a:extLst>
+                </a:gridCol>
+                <a:gridCol w="277593">
+                  <a:extLst>
+                    <a:ext uri="{9D8B030D-6E8A-4147-A177-3AD203B41FA5}">
+                      <a16:colId xmlns:a16="http://schemas.microsoft.com/office/drawing/2014/main" val="2136939679"/>
+                    </a:ext>
+                  </a:extLst>
+                </a:gridCol>
+              </a:tblGrid>
+              <a:tr h="203345">
+                <a:tc>
+                  <a:txBody>
+                    <a:bodyPr/>
+                    <a:lstStyle/>
+                    <a:p>
+                      <a:pPr algn="ctr"/>
+                      <a:r>
+                        <a:rPr lang="en-US" sz="1050" b="1" dirty="0">
+                          <a:solidFill>
+                            <a:schemeClr val="tx1"/>
+                          </a:solidFill>
+                          <a:latin typeface="Consolas" panose="020B0609020204030204" pitchFamily="49" charset="0"/>
+                        </a:rPr>
+                        <a:t>M</a:t>
+                      </a:r>
+                    </a:p>
+                  </a:txBody>
+                  <a:tcPr marL="0" marR="0" marT="0" marB="0" anchor="ctr">
+                    <a:lnL w="12700" cap="flat" cmpd="sng" algn="ctr">
+                      <a:noFill/>
+                      <a:prstDash val="sysDot"/>
+                      <a:round/>
+                      <a:headEnd type="none" w="med" len="med"/>
+                      <a:tailEnd type="none" w="med" len="med"/>
+                    </a:lnL>
+                    <a:lnR w="12700" cap="flat" cmpd="sng" algn="ctr">
+                      <a:noFill/>
+                      <a:prstDash val="sysDot"/>
+                      <a:round/>
+                      <a:headEnd type="none" w="med" len="med"/>
+                      <a:tailEnd type="none" w="med" len="med"/>
+                    </a:lnR>
+                    <a:lnT w="12700" cap="flat" cmpd="sng" algn="ctr">
+                      <a:noFill/>
+                      <a:prstDash val="sysDot"/>
+                      <a:round/>
+                      <a:headEnd type="none" w="med" len="med"/>
+                      <a:tailEnd type="none" w="med" len="med"/>
+                    </a:lnT>
+                    <a:lnB w="12700" cap="flat" cmpd="sng" algn="ctr">
+                      <a:noFill/>
+                      <a:prstDash val="sysDot"/>
+                      <a:round/>
+                      <a:headEnd type="none" w="med" len="med"/>
+                      <a:tailEnd type="none" w="med" len="med"/>
+                    </a:lnB>
+                    <a:lnTlToBr w="12700" cmpd="sng">
+                      <a:noFill/>
+                      <a:prstDash val="solid"/>
+                    </a:lnTlToBr>
+                    <a:lnBlToTr w="12700" cmpd="sng">
+                      <a:noFill/>
+                      <a:prstDash val="solid"/>
+                    </a:lnBlToTr>
+                    <a:noFill/>
+                  </a:tcPr>
+                </a:tc>
+                <a:tc>
+                  <a:txBody>
+                    <a:bodyPr/>
+                    <a:lstStyle/>
+                    <a:p>
+                      <a:pPr algn="ctr"/>
+                      <a:r>
+                        <a:rPr lang="en-US" sz="1050" dirty="0">
+                          <a:solidFill>
+                            <a:schemeClr val="tx1"/>
+                          </a:solidFill>
+                          <a:latin typeface="Consolas" panose="020B0609020204030204" pitchFamily="49" charset="0"/>
+                        </a:rPr>
+                        <a:t>T</a:t>
+                      </a:r>
+                    </a:p>
+                  </a:txBody>
+                  <a:tcPr marL="0" marR="0" marT="0" marB="0" anchor="ctr">
+                    <a:lnL w="12700" cap="flat" cmpd="sng" algn="ctr">
+                      <a:noFill/>
+                      <a:prstDash val="sysDot"/>
+                      <a:round/>
+                      <a:headEnd type="none" w="med" len="med"/>
+                      <a:tailEnd type="none" w="med" len="med"/>
+                    </a:lnL>
+                    <a:lnR w="12700" cap="flat" cmpd="sng" algn="ctr">
+                      <a:noFill/>
+                      <a:prstDash val="sysDot"/>
+                      <a:round/>
+                      <a:headEnd type="none" w="med" len="med"/>
+                      <a:tailEnd type="none" w="med" len="med"/>
+                    </a:lnR>
+                    <a:lnT w="12700" cap="flat" cmpd="sng" algn="ctr">
+                      <a:noFill/>
+                      <a:prstDash val="sysDot"/>
+                      <a:round/>
+                      <a:headEnd type="none" w="med" len="med"/>
+                      <a:tailEnd type="none" w="med" len="med"/>
+                    </a:lnT>
+                    <a:lnB w="12700" cap="flat" cmpd="sng" algn="ctr">
+                      <a:noFill/>
+                      <a:prstDash val="sysDot"/>
+                      <a:round/>
+                      <a:headEnd type="none" w="med" len="med"/>
+                      <a:tailEnd type="none" w="med" len="med"/>
+                    </a:lnB>
+                    <a:lnTlToBr w="12700" cmpd="sng">
+                      <a:noFill/>
+                      <a:prstDash val="solid"/>
+                    </a:lnTlToBr>
+                    <a:lnBlToTr w="12700" cmpd="sng">
+                      <a:noFill/>
+                      <a:prstDash val="solid"/>
+                    </a:lnBlToTr>
+                    <a:noFill/>
+                  </a:tcPr>
+                </a:tc>
+                <a:tc>
+                  <a:txBody>
+                    <a:bodyPr/>
+                    <a:lstStyle/>
+                    <a:p>
+                      <a:pPr algn="ctr"/>
+                      <a:r>
+                        <a:rPr lang="en-US" sz="1050" dirty="0">
+                          <a:solidFill>
+                            <a:schemeClr val="tx1"/>
+                          </a:solidFill>
+                          <a:latin typeface="Consolas" panose="020B0609020204030204" pitchFamily="49" charset="0"/>
+                        </a:rPr>
+                        <a:t>W</a:t>
+                      </a:r>
+                    </a:p>
+                  </a:txBody>
+                  <a:tcPr marL="0" marR="0" marT="0" marB="0" anchor="ctr">
+                    <a:lnL w="12700" cap="flat" cmpd="sng" algn="ctr">
+                      <a:noFill/>
+                      <a:prstDash val="sysDot"/>
+                      <a:round/>
+                      <a:headEnd type="none" w="med" len="med"/>
+                      <a:tailEnd type="none" w="med" len="med"/>
+                    </a:lnL>
+                    <a:lnR w="12700" cap="flat" cmpd="sng" algn="ctr">
+                      <a:noFill/>
+                      <a:prstDash val="sysDot"/>
+                      <a:round/>
+                      <a:headEnd type="none" w="med" len="med"/>
+                      <a:tailEnd type="none" w="med" len="med"/>
+                    </a:lnR>
+                    <a:lnT w="12700" cap="flat" cmpd="sng" algn="ctr">
+                      <a:noFill/>
+                      <a:prstDash val="sysDot"/>
+                      <a:round/>
+                      <a:headEnd type="none" w="med" len="med"/>
+                      <a:tailEnd type="none" w="med" len="med"/>
+                    </a:lnT>
+                    <a:lnB w="12700" cap="flat" cmpd="sng" algn="ctr">
+                      <a:noFill/>
+                      <a:prstDash val="sysDot"/>
+                      <a:round/>
+                      <a:headEnd type="none" w="med" len="med"/>
+                      <a:tailEnd type="none" w="med" len="med"/>
+                    </a:lnB>
+                    <a:lnTlToBr w="12700" cmpd="sng">
+                      <a:noFill/>
+                      <a:prstDash val="solid"/>
+                    </a:lnTlToBr>
+                    <a:lnBlToTr w="12700" cmpd="sng">
+                      <a:noFill/>
+                      <a:prstDash val="solid"/>
+                    </a:lnBlToTr>
+                    <a:noFill/>
+                  </a:tcPr>
+                </a:tc>
+                <a:tc>
+                  <a:txBody>
+                    <a:bodyPr/>
+                    <a:lstStyle/>
+                    <a:p>
+                      <a:pPr algn="ctr"/>
+                      <a:r>
+                        <a:rPr lang="en-US" sz="1050" dirty="0">
+                          <a:solidFill>
+                            <a:schemeClr val="tx1"/>
+                          </a:solidFill>
+                          <a:latin typeface="Consolas" panose="020B0609020204030204" pitchFamily="49" charset="0"/>
+                        </a:rPr>
+                        <a:t>R</a:t>
+                      </a:r>
+                    </a:p>
+                  </a:txBody>
+                  <a:tcPr marL="0" marR="0" marT="0" marB="0" anchor="ctr">
+                    <a:lnL w="12700" cap="flat" cmpd="sng" algn="ctr">
+                      <a:noFill/>
+                      <a:prstDash val="sysDot"/>
+                      <a:round/>
+                      <a:headEnd type="none" w="med" len="med"/>
+                      <a:tailEnd type="none" w="med" len="med"/>
+                    </a:lnL>
+                    <a:lnR w="12700" cap="flat" cmpd="sng" algn="ctr">
+                      <a:noFill/>
+                      <a:prstDash val="sysDot"/>
+                      <a:round/>
+                      <a:headEnd type="none" w="med" len="med"/>
+                      <a:tailEnd type="none" w="med" len="med"/>
+                    </a:lnR>
+                    <a:lnT w="12700" cap="flat" cmpd="sng" algn="ctr">
+                      <a:noFill/>
+                      <a:prstDash val="sysDot"/>
+                      <a:round/>
+                      <a:headEnd type="none" w="med" len="med"/>
+                      <a:tailEnd type="none" w="med" len="med"/>
+                    </a:lnT>
+                    <a:lnB w="12700" cap="flat" cmpd="sng" algn="ctr">
+                      <a:noFill/>
+                      <a:prstDash val="sysDot"/>
+                      <a:round/>
+                      <a:headEnd type="none" w="med" len="med"/>
+                      <a:tailEnd type="none" w="med" len="med"/>
+                    </a:lnB>
+                    <a:lnTlToBr w="12700" cmpd="sng">
+                      <a:noFill/>
+                      <a:prstDash val="solid"/>
+                    </a:lnTlToBr>
+                    <a:lnBlToTr w="12700" cmpd="sng">
+                      <a:noFill/>
+                      <a:prstDash val="solid"/>
+                    </a:lnBlToTr>
+                    <a:noFill/>
+                  </a:tcPr>
+                </a:tc>
+                <a:tc>
+                  <a:txBody>
+                    <a:bodyPr/>
+                    <a:lstStyle/>
+                    <a:p>
+                      <a:pPr algn="ctr"/>
+                      <a:r>
+                        <a:rPr lang="en-US" sz="1050" dirty="0">
+                          <a:solidFill>
+                            <a:schemeClr val="tx1"/>
+                          </a:solidFill>
+                          <a:latin typeface="Consolas" panose="020B0609020204030204" pitchFamily="49" charset="0"/>
+                        </a:rPr>
+                        <a:t>F</a:t>
+                      </a:r>
+                    </a:p>
+                  </a:txBody>
+                  <a:tcPr marL="0" marR="0" marT="0" marB="0" anchor="ctr">
+                    <a:lnL w="12700" cap="flat" cmpd="sng" algn="ctr">
+                      <a:noFill/>
+                      <a:prstDash val="sysDot"/>
+                      <a:round/>
+                      <a:headEnd type="none" w="med" len="med"/>
+                      <a:tailEnd type="none" w="med" len="med"/>
+                    </a:lnL>
+                    <a:lnR w="12700" cap="flat" cmpd="sng" algn="ctr">
+                      <a:noFill/>
+                      <a:prstDash val="sysDot"/>
+                      <a:round/>
+                      <a:headEnd type="none" w="med" len="med"/>
+                      <a:tailEnd type="none" w="med" len="med"/>
+                    </a:lnR>
+                    <a:lnT w="12700" cap="flat" cmpd="sng" algn="ctr">
+                      <a:noFill/>
+                      <a:prstDash val="sysDot"/>
+                      <a:round/>
+                      <a:headEnd type="none" w="med" len="med"/>
+                      <a:tailEnd type="none" w="med" len="med"/>
+                    </a:lnT>
+                    <a:lnB w="12700" cap="flat" cmpd="sng" algn="ctr">
+                      <a:noFill/>
+                      <a:prstDash val="sysDot"/>
+                      <a:round/>
+                      <a:headEnd type="none" w="med" len="med"/>
+                      <a:tailEnd type="none" w="med" len="med"/>
+                    </a:lnB>
+                    <a:lnTlToBr w="12700" cmpd="sng">
+                      <a:noFill/>
+                      <a:prstDash val="solid"/>
+                    </a:lnTlToBr>
+                    <a:lnBlToTr w="12700" cmpd="sng">
+                      <a:noFill/>
+                      <a:prstDash val="solid"/>
+                    </a:lnBlToTr>
+                    <a:noFill/>
+                  </a:tcPr>
+                </a:tc>
+                <a:tc>
+                  <a:txBody>
+                    <a:bodyPr/>
+                    <a:lstStyle/>
+                    <a:p>
+                      <a:pPr algn="ctr"/>
+                      <a:r>
+                        <a:rPr lang="en-US" sz="1050" dirty="0">
+                          <a:solidFill>
+                            <a:schemeClr val="tx1"/>
+                          </a:solidFill>
+                          <a:latin typeface="Consolas" panose="020B0609020204030204" pitchFamily="49" charset="0"/>
+                        </a:rPr>
+                        <a:t>A</a:t>
+                      </a:r>
+                    </a:p>
+                  </a:txBody>
+                  <a:tcPr marL="0" marR="0" marT="0" marB="0" anchor="ctr">
+                    <a:lnL w="12700" cap="flat" cmpd="sng" algn="ctr">
+                      <a:noFill/>
+                      <a:prstDash val="sysDot"/>
+                      <a:round/>
+                      <a:headEnd type="none" w="med" len="med"/>
+                      <a:tailEnd type="none" w="med" len="med"/>
+                    </a:lnL>
+                    <a:lnR w="12700" cap="flat" cmpd="sng" algn="ctr">
+                      <a:noFill/>
+                      <a:prstDash val="sysDot"/>
+                      <a:round/>
+                      <a:headEnd type="none" w="med" len="med"/>
+                      <a:tailEnd type="none" w="med" len="med"/>
+                    </a:lnR>
+                    <a:lnT w="12700" cap="flat" cmpd="sng" algn="ctr">
+                      <a:noFill/>
+                      <a:prstDash val="sysDot"/>
+                      <a:round/>
+                      <a:headEnd type="none" w="med" len="med"/>
+                      <a:tailEnd type="none" w="med" len="med"/>
+                    </a:lnT>
+                    <a:lnB w="12700" cap="flat" cmpd="sng" algn="ctr">
+                      <a:noFill/>
+                      <a:prstDash val="sysDot"/>
+                      <a:round/>
+                      <a:headEnd type="none" w="med" len="med"/>
+                      <a:tailEnd type="none" w="med" len="med"/>
+                    </a:lnB>
+                    <a:lnTlToBr w="12700" cmpd="sng">
+                      <a:noFill/>
+                      <a:prstDash val="solid"/>
+                    </a:lnTlToBr>
+                    <a:lnBlToTr w="12700" cmpd="sng">
+                      <a:noFill/>
+                      <a:prstDash val="solid"/>
+                    </a:lnBlToTr>
+                    <a:noFill/>
+                  </a:tcPr>
+                </a:tc>
+                <a:tc>
+                  <a:txBody>
+                    <a:bodyPr/>
+                    <a:lstStyle/>
+                    <a:p>
+                      <a:pPr algn="ctr"/>
+                      <a:r>
+                        <a:rPr lang="en-US" sz="1050" dirty="0">
+                          <a:solidFill>
+                            <a:schemeClr val="tx1"/>
+                          </a:solidFill>
+                          <a:latin typeface="Consolas" panose="020B0609020204030204" pitchFamily="49" charset="0"/>
+                        </a:rPr>
+                        <a:t>U</a:t>
+                      </a:r>
+                    </a:p>
+                  </a:txBody>
+                  <a:tcPr marL="0" marR="0" marT="0" marB="0" anchor="ctr">
+                    <a:lnL w="12700" cap="flat" cmpd="sng" algn="ctr">
+                      <a:noFill/>
+                      <a:prstDash val="sysDot"/>
+                      <a:round/>
+                      <a:headEnd type="none" w="med" len="med"/>
+                      <a:tailEnd type="none" w="med" len="med"/>
+                    </a:lnL>
+                    <a:lnR w="12700" cap="flat" cmpd="sng" algn="ctr">
+                      <a:noFill/>
+                      <a:prstDash val="sysDot"/>
+                      <a:round/>
+                      <a:headEnd type="none" w="med" len="med"/>
+                      <a:tailEnd type="none" w="med" len="med"/>
+                    </a:lnR>
+                    <a:lnT w="12700" cap="flat" cmpd="sng" algn="ctr">
+                      <a:noFill/>
+                      <a:prstDash val="sysDot"/>
+                      <a:round/>
+                      <a:headEnd type="none" w="med" len="med"/>
+                      <a:tailEnd type="none" w="med" len="med"/>
+                    </a:lnT>
+                    <a:lnB w="12700" cap="flat" cmpd="sng" algn="ctr">
+                      <a:noFill/>
+                      <a:prstDash val="sysDot"/>
+                      <a:round/>
+                      <a:headEnd type="none" w="med" len="med"/>
+                      <a:tailEnd type="none" w="med" len="med"/>
+                    </a:lnB>
+                    <a:lnTlToBr w="12700" cmpd="sng">
+                      <a:noFill/>
+                      <a:prstDash val="solid"/>
+                    </a:lnTlToBr>
+                    <a:lnBlToTr w="12700" cmpd="sng">
+                      <a:noFill/>
+                      <a:prstDash val="solid"/>
+                    </a:lnBlToTr>
+                    <a:noFill/>
+                  </a:tcPr>
+                </a:tc>
+                <a:extLst>
+                  <a:ext uri="{0D108BD9-81ED-4DB2-BD59-A6C34878D82A}">
+                    <a16:rowId xmlns:a16="http://schemas.microsoft.com/office/drawing/2014/main" val="1046638443"/>
+                  </a:ext>
+                </a:extLst>
+              </a:tr>
+              <a:tr h="203345">
+                <a:tc>
+                  <a:txBody>
+                    <a:bodyPr/>
+                    <a:lstStyle/>
+                    <a:p>
+                      <a:pPr algn="ctr"/>
+                      <a:r>
+                        <a:rPr lang="en-US" sz="1000" dirty="0">
+                          <a:solidFill>
+                            <a:schemeClr val="tx1"/>
+                          </a:solidFill>
+                          <a:latin typeface="Consolas" panose="020B0609020204030204" pitchFamily="49" charset="0"/>
+                        </a:rPr>
+                        <a:t>1</a:t>
+                      </a:r>
+                    </a:p>
+                  </a:txBody>
+                  <a:tcPr marL="0" marR="0" marT="0" marB="0" anchor="ctr">
+                    <a:lnL w="12700" cap="flat" cmpd="sng" algn="ctr">
+                      <a:noFill/>
+                      <a:prstDash val="sysDot"/>
+                      <a:round/>
+                      <a:headEnd type="none" w="med" len="med"/>
+                      <a:tailEnd type="none" w="med" len="med"/>
+                    </a:lnL>
+                    <a:lnR w="12700" cap="flat" cmpd="sng" algn="ctr">
+                      <a:noFill/>
+                      <a:prstDash val="sysDot"/>
+                      <a:round/>
+                      <a:headEnd type="none" w="med" len="med"/>
+                      <a:tailEnd type="none" w="med" len="med"/>
+                    </a:lnR>
+                    <a:lnT w="12700" cap="flat" cmpd="sng" algn="ctr">
+                      <a:noFill/>
+                      <a:prstDash val="sysDot"/>
+                      <a:round/>
+                      <a:headEnd type="none" w="med" len="med"/>
+                      <a:tailEnd type="none" w="med" len="med"/>
+                    </a:lnT>
+                    <a:lnB w="12700" cap="flat" cmpd="sng" algn="ctr">
+                      <a:noFill/>
+                      <a:prstDash val="sysDot"/>
+                      <a:round/>
+                      <a:headEnd type="none" w="med" len="med"/>
+                      <a:tailEnd type="none" w="med" len="med"/>
+                    </a:lnB>
+                    <a:lnTlToBr w="12700" cmpd="sng">
+                      <a:noFill/>
+                      <a:prstDash val="solid"/>
+                    </a:lnTlToBr>
+                    <a:lnBlToTr w="12700" cmpd="sng">
+                      <a:noFill/>
+                      <a:prstDash val="solid"/>
+                    </a:lnBlToTr>
+                    <a:noFill/>
+                  </a:tcPr>
+                </a:tc>
+                <a:tc>
+                  <a:txBody>
+                    <a:bodyPr/>
+                    <a:lstStyle/>
+                    <a:p>
+                      <a:pPr algn="ctr"/>
+                      <a:r>
+                        <a:rPr lang="en-US" sz="1000" dirty="0">
+                          <a:solidFill>
+                            <a:schemeClr val="tx1"/>
+                          </a:solidFill>
+                          <a:latin typeface="Consolas" panose="020B0609020204030204" pitchFamily="49" charset="0"/>
+                        </a:rPr>
+                        <a:t>2</a:t>
+                      </a:r>
+                    </a:p>
+                  </a:txBody>
+                  <a:tcPr marL="0" marR="0" marT="0" marB="0" anchor="ctr">
+                    <a:lnL w="12700" cap="flat" cmpd="sng" algn="ctr">
+                      <a:noFill/>
+                      <a:prstDash val="sysDot"/>
+                      <a:round/>
+                      <a:headEnd type="none" w="med" len="med"/>
+                      <a:tailEnd type="none" w="med" len="med"/>
+                    </a:lnL>
+                    <a:lnR w="12700" cap="flat" cmpd="sng" algn="ctr">
+                      <a:noFill/>
+                      <a:prstDash val="sysDot"/>
+                      <a:round/>
+                      <a:headEnd type="none" w="med" len="med"/>
+                      <a:tailEnd type="none" w="med" len="med"/>
+                    </a:lnR>
+                    <a:lnT w="12700" cap="flat" cmpd="sng" algn="ctr">
+                      <a:noFill/>
+                      <a:prstDash val="sysDot"/>
+                      <a:round/>
+                      <a:headEnd type="none" w="med" len="med"/>
+                      <a:tailEnd type="none" w="med" len="med"/>
+                    </a:lnT>
+                    <a:lnB w="12700" cap="flat" cmpd="sng" algn="ctr">
+                      <a:noFill/>
+                      <a:prstDash val="sysDot"/>
+                      <a:round/>
+                      <a:headEnd type="none" w="med" len="med"/>
+                      <a:tailEnd type="none" w="med" len="med"/>
+                    </a:lnB>
+                    <a:lnTlToBr w="12700" cmpd="sng">
+                      <a:noFill/>
+                      <a:prstDash val="solid"/>
+                    </a:lnTlToBr>
+                    <a:lnBlToTr w="12700" cmpd="sng">
+                      <a:noFill/>
+                      <a:prstDash val="solid"/>
+                    </a:lnBlToTr>
+                    <a:noFill/>
+                  </a:tcPr>
+                </a:tc>
+                <a:tc>
+                  <a:txBody>
+                    <a:bodyPr/>
+                    <a:lstStyle/>
+                    <a:p>
+                      <a:pPr algn="ctr"/>
+                      <a:r>
+                        <a:rPr lang="en-US" sz="1000" dirty="0">
+                          <a:solidFill>
+                            <a:schemeClr val="tx1"/>
+                          </a:solidFill>
+                          <a:latin typeface="Consolas" panose="020B0609020204030204" pitchFamily="49" charset="0"/>
+                        </a:rPr>
+                        <a:t>3</a:t>
+                      </a:r>
+                    </a:p>
+                  </a:txBody>
+                  <a:tcPr marL="0" marR="0" marT="0" marB="0" anchor="ctr">
+                    <a:lnL w="12700" cap="flat" cmpd="sng" algn="ctr">
+                      <a:noFill/>
+                      <a:prstDash val="sysDot"/>
+                      <a:round/>
+                      <a:headEnd type="none" w="med" len="med"/>
+                      <a:tailEnd type="none" w="med" len="med"/>
+                    </a:lnL>
+                    <a:lnR w="12700" cap="flat" cmpd="sng" algn="ctr">
+                      <a:noFill/>
+                      <a:prstDash val="sysDot"/>
+                      <a:round/>
+                      <a:headEnd type="none" w="med" len="med"/>
+                      <a:tailEnd type="none" w="med" len="med"/>
+                    </a:lnR>
+                    <a:lnT w="12700" cap="flat" cmpd="sng" algn="ctr">
+                      <a:noFill/>
+                      <a:prstDash val="sysDot"/>
+                      <a:round/>
+                      <a:headEnd type="none" w="med" len="med"/>
+                      <a:tailEnd type="none" w="med" len="med"/>
+                    </a:lnT>
+                    <a:lnB w="12700" cap="flat" cmpd="sng" algn="ctr">
+                      <a:noFill/>
+                      <a:prstDash val="sysDot"/>
+                      <a:round/>
+                      <a:headEnd type="none" w="med" len="med"/>
+                      <a:tailEnd type="none" w="med" len="med"/>
+                    </a:lnB>
+                    <a:lnTlToBr w="12700" cmpd="sng">
+                      <a:noFill/>
+                      <a:prstDash val="solid"/>
+                    </a:lnTlToBr>
+                    <a:lnBlToTr w="12700" cmpd="sng">
+                      <a:noFill/>
+                      <a:prstDash val="solid"/>
+                    </a:lnBlToTr>
+                    <a:noFill/>
+                  </a:tcPr>
+                </a:tc>
+                <a:tc>
+                  <a:txBody>
+                    <a:bodyPr/>
+                    <a:lstStyle/>
+                    <a:p>
+                      <a:pPr algn="ctr"/>
+                      <a:r>
+                        <a:rPr lang="en-US" sz="1000" dirty="0">
+                          <a:solidFill>
+                            <a:schemeClr val="tx1"/>
+                          </a:solidFill>
+                          <a:latin typeface="Consolas" panose="020B0609020204030204" pitchFamily="49" charset="0"/>
+                        </a:rPr>
+                        <a:t>4</a:t>
+                      </a:r>
+                    </a:p>
+                  </a:txBody>
+                  <a:tcPr marL="0" marR="0" marT="0" marB="0" anchor="ctr">
+                    <a:lnL w="12700" cap="flat" cmpd="sng" algn="ctr">
+                      <a:noFill/>
+                      <a:prstDash val="sysDot"/>
+                      <a:round/>
+                      <a:headEnd type="none" w="med" len="med"/>
+                      <a:tailEnd type="none" w="med" len="med"/>
+                    </a:lnL>
+                    <a:lnR w="12700" cap="flat" cmpd="sng" algn="ctr">
+                      <a:noFill/>
+                      <a:prstDash val="sysDot"/>
+                      <a:round/>
+                      <a:headEnd type="none" w="med" len="med"/>
+                      <a:tailEnd type="none" w="med" len="med"/>
+                    </a:lnR>
+                    <a:lnT w="12700" cap="flat" cmpd="sng" algn="ctr">
+                      <a:noFill/>
+                      <a:prstDash val="sysDot"/>
+                      <a:round/>
+                      <a:headEnd type="none" w="med" len="med"/>
+                      <a:tailEnd type="none" w="med" len="med"/>
+                    </a:lnT>
+                    <a:lnB w="12700" cap="flat" cmpd="sng" algn="ctr">
+                      <a:noFill/>
+                      <a:prstDash val="sysDot"/>
+                      <a:round/>
+                      <a:headEnd type="none" w="med" len="med"/>
+                      <a:tailEnd type="none" w="med" len="med"/>
+                    </a:lnB>
+                    <a:lnTlToBr w="12700" cmpd="sng">
+                      <a:noFill/>
+                      <a:prstDash val="solid"/>
+                    </a:lnTlToBr>
+                    <a:lnBlToTr w="12700" cmpd="sng">
+                      <a:noFill/>
+                      <a:prstDash val="solid"/>
+                    </a:lnBlToTr>
+                    <a:noFill/>
+                  </a:tcPr>
+                </a:tc>
+                <a:tc>
+                  <a:txBody>
+                    <a:bodyPr/>
+                    <a:lstStyle/>
+                    <a:p>
+                      <a:pPr algn="ctr"/>
+                      <a:r>
+                        <a:rPr lang="en-US" sz="1000" dirty="0">
+                          <a:solidFill>
+                            <a:schemeClr val="tx1"/>
+                          </a:solidFill>
+                          <a:latin typeface="Consolas" panose="020B0609020204030204" pitchFamily="49" charset="0"/>
+                        </a:rPr>
+                        <a:t>5</a:t>
+                      </a:r>
+                    </a:p>
+                  </a:txBody>
+                  <a:tcPr marL="0" marR="0" marT="0" marB="0" anchor="ctr">
+                    <a:lnL w="12700" cap="flat" cmpd="sng" algn="ctr">
+                      <a:noFill/>
+                      <a:prstDash val="sysDot"/>
+                      <a:round/>
+                      <a:headEnd type="none" w="med" len="med"/>
+                      <a:tailEnd type="none" w="med" len="med"/>
+                    </a:lnL>
+                    <a:lnR w="12700" cap="flat" cmpd="sng" algn="ctr">
+                      <a:noFill/>
+                      <a:prstDash val="sysDot"/>
+                      <a:round/>
+                      <a:headEnd type="none" w="med" len="med"/>
+                      <a:tailEnd type="none" w="med" len="med"/>
+                    </a:lnR>
+                    <a:lnT w="12700" cap="flat" cmpd="sng" algn="ctr">
+                      <a:noFill/>
+                      <a:prstDash val="sysDot"/>
+                      <a:round/>
+                      <a:headEnd type="none" w="med" len="med"/>
+                      <a:tailEnd type="none" w="med" len="med"/>
+                    </a:lnT>
+                    <a:lnB w="12700" cap="flat" cmpd="sng" algn="ctr">
+                      <a:noFill/>
+                      <a:prstDash val="sysDot"/>
+                      <a:round/>
+                      <a:headEnd type="none" w="med" len="med"/>
+                      <a:tailEnd type="none" w="med" len="med"/>
+                    </a:lnB>
+                    <a:lnTlToBr w="12700" cmpd="sng">
+                      <a:noFill/>
+                      <a:prstDash val="solid"/>
+                    </a:lnTlToBr>
+                    <a:lnBlToTr w="12700" cmpd="sng">
+                      <a:noFill/>
+                      <a:prstDash val="solid"/>
+                    </a:lnBlToTr>
+                    <a:noFill/>
+                  </a:tcPr>
+                </a:tc>
+                <a:tc>
+                  <a:txBody>
+                    <a:bodyPr/>
+                    <a:lstStyle/>
+                    <a:p>
+                      <a:pPr algn="ctr"/>
+                      <a:r>
+                        <a:rPr lang="en-US" sz="1000" dirty="0">
+                          <a:solidFill>
+                            <a:schemeClr val="tx1"/>
+                          </a:solidFill>
+                          <a:latin typeface="Consolas" panose="020B0609020204030204" pitchFamily="49" charset="0"/>
+                        </a:rPr>
+                        <a:t>6</a:t>
+                      </a:r>
+                    </a:p>
+                  </a:txBody>
+                  <a:tcPr marL="0" marR="0" marT="0" marB="0" anchor="ctr">
+                    <a:lnL w="12700" cap="flat" cmpd="sng" algn="ctr">
+                      <a:noFill/>
+                      <a:prstDash val="sysDot"/>
+                      <a:round/>
+                      <a:headEnd type="none" w="med" len="med"/>
+                      <a:tailEnd type="none" w="med" len="med"/>
+                    </a:lnL>
+                    <a:lnR w="12700" cap="flat" cmpd="sng" algn="ctr">
+                      <a:noFill/>
+                      <a:prstDash val="sysDot"/>
+                      <a:round/>
+                      <a:headEnd type="none" w="med" len="med"/>
+                      <a:tailEnd type="none" w="med" len="med"/>
+                    </a:lnR>
+                    <a:lnT w="12700" cap="flat" cmpd="sng" algn="ctr">
+                      <a:noFill/>
+                      <a:prstDash val="sysDot"/>
+                      <a:round/>
+                      <a:headEnd type="none" w="med" len="med"/>
+                      <a:tailEnd type="none" w="med" len="med"/>
+                    </a:lnT>
+                    <a:lnB w="12700" cap="flat" cmpd="sng" algn="ctr">
+                      <a:noFill/>
+                      <a:prstDash val="sysDot"/>
+                      <a:round/>
+                      <a:headEnd type="none" w="med" len="med"/>
+                      <a:tailEnd type="none" w="med" len="med"/>
+                    </a:lnB>
+                    <a:lnTlToBr w="12700" cmpd="sng">
+                      <a:noFill/>
+                      <a:prstDash val="solid"/>
+                    </a:lnTlToBr>
+                    <a:lnBlToTr w="12700" cmpd="sng">
+                      <a:noFill/>
+                      <a:prstDash val="solid"/>
+                    </a:lnBlToTr>
+                    <a:noFill/>
+                  </a:tcPr>
+                </a:tc>
+                <a:tc>
+                  <a:txBody>
+                    <a:bodyPr/>
+                    <a:lstStyle/>
+                    <a:p>
+                      <a:pPr algn="ctr"/>
+                      <a:r>
+                        <a:rPr lang="en-US" sz="1000" dirty="0">
+                          <a:solidFill>
+                            <a:schemeClr val="tx1"/>
+                          </a:solidFill>
+                          <a:latin typeface="Consolas" panose="020B0609020204030204" pitchFamily="49" charset="0"/>
+                        </a:rPr>
+                        <a:t>7</a:t>
+                      </a:r>
+                    </a:p>
+                  </a:txBody>
+                  <a:tcPr marL="0" marR="0" marT="0" marB="0" anchor="ctr">
+                    <a:lnL w="12700" cap="flat" cmpd="sng" algn="ctr">
+                      <a:noFill/>
+                      <a:prstDash val="sysDot"/>
+                      <a:round/>
+                      <a:headEnd type="none" w="med" len="med"/>
+                      <a:tailEnd type="none" w="med" len="med"/>
+                    </a:lnL>
+                    <a:lnR w="12700" cap="flat" cmpd="sng" algn="ctr">
+                      <a:noFill/>
+                      <a:prstDash val="sysDot"/>
+                      <a:round/>
+                      <a:headEnd type="none" w="med" len="med"/>
+                      <a:tailEnd type="none" w="med" len="med"/>
+                    </a:lnR>
+                    <a:lnT w="12700" cap="flat" cmpd="sng" algn="ctr">
+                      <a:noFill/>
+                      <a:prstDash val="sysDot"/>
+                      <a:round/>
+                      <a:headEnd type="none" w="med" len="med"/>
+                      <a:tailEnd type="none" w="med" len="med"/>
+                    </a:lnT>
+                    <a:lnB w="12700" cap="flat" cmpd="sng" algn="ctr">
+                      <a:noFill/>
+                      <a:prstDash val="sysDot"/>
+                      <a:round/>
+                      <a:headEnd type="none" w="med" len="med"/>
+                      <a:tailEnd type="none" w="med" len="med"/>
+                    </a:lnB>
+                    <a:lnTlToBr w="12700" cmpd="sng">
+                      <a:noFill/>
+                      <a:prstDash val="solid"/>
+                    </a:lnTlToBr>
+                    <a:lnBlToTr w="12700" cmpd="sng">
+                      <a:noFill/>
+                      <a:prstDash val="solid"/>
+                    </a:lnBlToTr>
+                    <a:noFill/>
+                  </a:tcPr>
+                </a:tc>
+                <a:extLst>
+                  <a:ext uri="{0D108BD9-81ED-4DB2-BD59-A6C34878D82A}">
+                    <a16:rowId xmlns:a16="http://schemas.microsoft.com/office/drawing/2014/main" val="2825370694"/>
+                  </a:ext>
+                </a:extLst>
+              </a:tr>
+              <a:tr h="203345">
+                <a:tc>
+                  <a:txBody>
+                    <a:bodyPr/>
+                    <a:lstStyle/>
+                    <a:p>
+                      <a:pPr algn="ctr"/>
+                      <a:r>
+                        <a:rPr lang="en-US" sz="1000" dirty="0">
+                          <a:solidFill>
+                            <a:schemeClr val="tx1"/>
+                          </a:solidFill>
+                          <a:latin typeface="Consolas" panose="020B0609020204030204" pitchFamily="49" charset="0"/>
+                        </a:rPr>
+                        <a:t>8</a:t>
+                      </a:r>
+                    </a:p>
+                  </a:txBody>
+                  <a:tcPr marL="0" marR="0" marT="0" marB="0" anchor="ctr">
+                    <a:lnL w="12700" cap="flat" cmpd="sng" algn="ctr">
+                      <a:noFill/>
+                      <a:prstDash val="sysDot"/>
+                      <a:round/>
+                      <a:headEnd type="none" w="med" len="med"/>
+                      <a:tailEnd type="none" w="med" len="med"/>
+                    </a:lnL>
+                    <a:lnR w="12700" cap="flat" cmpd="sng" algn="ctr">
+                      <a:noFill/>
+                      <a:prstDash val="sysDot"/>
+                      <a:round/>
+                      <a:headEnd type="none" w="med" len="med"/>
+                      <a:tailEnd type="none" w="med" len="med"/>
+                    </a:lnR>
+                    <a:lnT w="12700" cap="flat" cmpd="sng" algn="ctr">
+                      <a:noFill/>
+                      <a:prstDash val="sysDot"/>
+                      <a:round/>
+                      <a:headEnd type="none" w="med" len="med"/>
+                      <a:tailEnd type="none" w="med" len="med"/>
+                    </a:lnT>
+                    <a:lnB w="12700" cap="flat" cmpd="sng" algn="ctr">
+                      <a:noFill/>
+                      <a:prstDash val="sysDot"/>
+                      <a:round/>
+                      <a:headEnd type="none" w="med" len="med"/>
+                      <a:tailEnd type="none" w="med" len="med"/>
+                    </a:lnB>
+                    <a:lnTlToBr w="12700" cmpd="sng">
+                      <a:noFill/>
+                      <a:prstDash val="solid"/>
+                    </a:lnTlToBr>
+                    <a:lnBlToTr w="12700" cmpd="sng">
+                      <a:noFill/>
+                      <a:prstDash val="solid"/>
+                    </a:lnBlToTr>
+                    <a:noFill/>
+                  </a:tcPr>
+                </a:tc>
+                <a:tc>
+                  <a:txBody>
+                    <a:bodyPr/>
+                    <a:lstStyle/>
+                    <a:p>
+                      <a:pPr algn="ctr"/>
+                      <a:r>
+                        <a:rPr lang="en-US" sz="1000" dirty="0">
+                          <a:solidFill>
+                            <a:schemeClr val="tx1"/>
+                          </a:solidFill>
+                          <a:latin typeface="Consolas" panose="020B0609020204030204" pitchFamily="49" charset="0"/>
+                        </a:rPr>
+                        <a:t>9</a:t>
+                      </a:r>
+                    </a:p>
+                  </a:txBody>
+                  <a:tcPr marL="0" marR="0" marT="0" marB="0" anchor="ctr">
+                    <a:lnL w="12700" cap="flat" cmpd="sng" algn="ctr">
+                      <a:noFill/>
+                      <a:prstDash val="sysDot"/>
+                      <a:round/>
+                      <a:headEnd type="none" w="med" len="med"/>
+                      <a:tailEnd type="none" w="med" len="med"/>
+                    </a:lnL>
+                    <a:lnR w="12700" cap="flat" cmpd="sng" algn="ctr">
+                      <a:noFill/>
+                      <a:prstDash val="sysDot"/>
+                      <a:round/>
+                      <a:headEnd type="none" w="med" len="med"/>
+                      <a:tailEnd type="none" w="med" len="med"/>
+                    </a:lnR>
+                    <a:lnT w="12700" cap="flat" cmpd="sng" algn="ctr">
+                      <a:noFill/>
+                      <a:prstDash val="sysDot"/>
+                      <a:round/>
+                      <a:headEnd type="none" w="med" len="med"/>
+                      <a:tailEnd type="none" w="med" len="med"/>
+                    </a:lnT>
+                    <a:lnB w="12700" cap="flat" cmpd="sng" algn="ctr">
+                      <a:noFill/>
+                      <a:prstDash val="sysDot"/>
+                      <a:round/>
+                      <a:headEnd type="none" w="med" len="med"/>
+                      <a:tailEnd type="none" w="med" len="med"/>
+                    </a:lnB>
+                    <a:lnTlToBr w="12700" cmpd="sng">
+                      <a:noFill/>
+                      <a:prstDash val="solid"/>
+                    </a:lnTlToBr>
+                    <a:lnBlToTr w="12700" cmpd="sng">
+                      <a:noFill/>
+                      <a:prstDash val="solid"/>
+                    </a:lnBlToTr>
+                    <a:noFill/>
+                  </a:tcPr>
+                </a:tc>
+                <a:tc>
+                  <a:txBody>
+                    <a:bodyPr/>
+                    <a:lstStyle/>
+                    <a:p>
+                      <a:pPr algn="ctr"/>
+                      <a:r>
+                        <a:rPr lang="en-US" sz="1000" dirty="0">
+                          <a:solidFill>
+                            <a:schemeClr val="tx1"/>
+                          </a:solidFill>
+                          <a:latin typeface="Consolas" panose="020B0609020204030204" pitchFamily="49" charset="0"/>
+                        </a:rPr>
+                        <a:t>10</a:t>
+                      </a:r>
+                    </a:p>
+                  </a:txBody>
+                  <a:tcPr marL="0" marR="0" marT="0" marB="0" anchor="ctr">
+                    <a:lnL w="12700" cap="flat" cmpd="sng" algn="ctr">
+                      <a:noFill/>
+                      <a:prstDash val="sysDot"/>
+                      <a:round/>
+                      <a:headEnd type="none" w="med" len="med"/>
+                      <a:tailEnd type="none" w="med" len="med"/>
+                    </a:lnL>
+                    <a:lnR w="12700" cap="flat" cmpd="sng" algn="ctr">
+                      <a:noFill/>
+                      <a:prstDash val="sysDot"/>
+                      <a:round/>
+                      <a:headEnd type="none" w="med" len="med"/>
+                      <a:tailEnd type="none" w="med" len="med"/>
+                    </a:lnR>
+                    <a:lnT w="12700" cap="flat" cmpd="sng" algn="ctr">
+                      <a:noFill/>
+                      <a:prstDash val="sysDot"/>
+                      <a:round/>
+                      <a:headEnd type="none" w="med" len="med"/>
+                      <a:tailEnd type="none" w="med" len="med"/>
+                    </a:lnT>
+                    <a:lnB w="12700" cap="flat" cmpd="sng" algn="ctr">
+                      <a:noFill/>
+                      <a:prstDash val="sysDot"/>
+                      <a:round/>
+                      <a:headEnd type="none" w="med" len="med"/>
+                      <a:tailEnd type="none" w="med" len="med"/>
+                    </a:lnB>
+                    <a:lnTlToBr w="12700" cmpd="sng">
+                      <a:noFill/>
+                      <a:prstDash val="solid"/>
+                    </a:lnTlToBr>
+                    <a:lnBlToTr w="12700" cmpd="sng">
+                      <a:noFill/>
+                      <a:prstDash val="solid"/>
+                    </a:lnBlToTr>
+                    <a:noFill/>
+                  </a:tcPr>
+                </a:tc>
+                <a:tc>
+                  <a:txBody>
+                    <a:bodyPr/>
+                    <a:lstStyle/>
+                    <a:p>
+                      <a:pPr algn="ctr"/>
+                      <a:r>
+                        <a:rPr lang="en-US" sz="1000" dirty="0">
+                          <a:solidFill>
+                            <a:schemeClr val="tx1"/>
+                          </a:solidFill>
+                          <a:latin typeface="Consolas" panose="020B0609020204030204" pitchFamily="49" charset="0"/>
+                        </a:rPr>
+                        <a:t>11</a:t>
+                      </a:r>
+                    </a:p>
+                  </a:txBody>
+                  <a:tcPr marL="0" marR="0" marT="0" marB="0" anchor="ctr">
+                    <a:lnL w="12700" cap="flat" cmpd="sng" algn="ctr">
+                      <a:noFill/>
+                      <a:prstDash val="sysDot"/>
+                      <a:round/>
+                      <a:headEnd type="none" w="med" len="med"/>
+                      <a:tailEnd type="none" w="med" len="med"/>
+                    </a:lnL>
+                    <a:lnR w="12700" cap="flat" cmpd="sng" algn="ctr">
+                      <a:noFill/>
+                      <a:prstDash val="sysDot"/>
+                      <a:round/>
+                      <a:headEnd type="none" w="med" len="med"/>
+                      <a:tailEnd type="none" w="med" len="med"/>
+                    </a:lnR>
+                    <a:lnT w="12700" cap="flat" cmpd="sng" algn="ctr">
+                      <a:noFill/>
+                      <a:prstDash val="sysDot"/>
+                      <a:round/>
+                      <a:headEnd type="none" w="med" len="med"/>
+                      <a:tailEnd type="none" w="med" len="med"/>
+                    </a:lnT>
+                    <a:lnB w="12700" cap="flat" cmpd="sng" algn="ctr">
+                      <a:noFill/>
+                      <a:prstDash val="sysDot"/>
+                      <a:round/>
+                      <a:headEnd type="none" w="med" len="med"/>
+                      <a:tailEnd type="none" w="med" len="med"/>
+                    </a:lnB>
+                    <a:lnTlToBr w="12700" cmpd="sng">
+                      <a:noFill/>
+                      <a:prstDash val="solid"/>
+                    </a:lnTlToBr>
+                    <a:lnBlToTr w="12700" cmpd="sng">
+                      <a:noFill/>
+                      <a:prstDash val="solid"/>
+                    </a:lnBlToTr>
+                    <a:noFill/>
+                  </a:tcPr>
+                </a:tc>
+                <a:tc>
+                  <a:txBody>
+                    <a:bodyPr/>
+                    <a:lstStyle/>
+                    <a:p>
+                      <a:pPr algn="ctr"/>
+                      <a:r>
+                        <a:rPr lang="en-US" sz="1000" dirty="0">
+                          <a:solidFill>
+                            <a:schemeClr val="tx1"/>
+                          </a:solidFill>
+                          <a:latin typeface="Consolas" panose="020B0609020204030204" pitchFamily="49" charset="0"/>
+                        </a:rPr>
+                        <a:t>12</a:t>
+                      </a:r>
+                    </a:p>
+                  </a:txBody>
+                  <a:tcPr marL="0" marR="0" marT="0" marB="0" anchor="ctr">
+                    <a:lnL w="12700" cap="flat" cmpd="sng" algn="ctr">
+                      <a:noFill/>
+                      <a:prstDash val="sysDot"/>
+                      <a:round/>
+                      <a:headEnd type="none" w="med" len="med"/>
+                      <a:tailEnd type="none" w="med" len="med"/>
+                    </a:lnL>
+                    <a:lnR w="12700" cap="flat" cmpd="sng" algn="ctr">
+                      <a:noFill/>
+                      <a:prstDash val="sysDot"/>
+                      <a:round/>
+                      <a:headEnd type="none" w="med" len="med"/>
+                      <a:tailEnd type="none" w="med" len="med"/>
+                    </a:lnR>
+                    <a:lnT w="12700" cap="flat" cmpd="sng" algn="ctr">
+                      <a:noFill/>
+                      <a:prstDash val="sysDot"/>
+                      <a:round/>
+                      <a:headEnd type="none" w="med" len="med"/>
+                      <a:tailEnd type="none" w="med" len="med"/>
+                    </a:lnT>
+                    <a:lnB w="12700" cap="flat" cmpd="sng" algn="ctr">
+                      <a:noFill/>
+                      <a:prstDash val="sysDot"/>
+                      <a:round/>
+                      <a:headEnd type="none" w="med" len="med"/>
+                      <a:tailEnd type="none" w="med" len="med"/>
+                    </a:lnB>
+                    <a:lnTlToBr w="12700" cmpd="sng">
+                      <a:noFill/>
+                      <a:prstDash val="solid"/>
+                    </a:lnTlToBr>
+                    <a:lnBlToTr w="12700" cmpd="sng">
+                      <a:noFill/>
+                      <a:prstDash val="solid"/>
+                    </a:lnBlToTr>
+                    <a:noFill/>
+                  </a:tcPr>
+                </a:tc>
+                <a:tc>
+                  <a:txBody>
+                    <a:bodyPr/>
+                    <a:lstStyle/>
+                    <a:p>
+                      <a:pPr algn="ctr"/>
+                      <a:r>
+                        <a:rPr lang="en-US" sz="1000" dirty="0">
+                          <a:solidFill>
+                            <a:schemeClr val="tx1"/>
+                          </a:solidFill>
+                          <a:latin typeface="Consolas" panose="020B0609020204030204" pitchFamily="49" charset="0"/>
+                        </a:rPr>
+                        <a:t>13</a:t>
+                      </a:r>
+                    </a:p>
+                  </a:txBody>
+                  <a:tcPr marL="0" marR="0" marT="0" marB="0" anchor="ctr">
+                    <a:lnL w="12700" cap="flat" cmpd="sng" algn="ctr">
+                      <a:noFill/>
+                      <a:prstDash val="sysDot"/>
+                      <a:round/>
+                      <a:headEnd type="none" w="med" len="med"/>
+                      <a:tailEnd type="none" w="med" len="med"/>
+                    </a:lnL>
+                    <a:lnR w="12700" cap="flat" cmpd="sng" algn="ctr">
+                      <a:noFill/>
+                      <a:prstDash val="sysDot"/>
+                      <a:round/>
+                      <a:headEnd type="none" w="med" len="med"/>
+                      <a:tailEnd type="none" w="med" len="med"/>
+                    </a:lnR>
+                    <a:lnT w="12700" cap="flat" cmpd="sng" algn="ctr">
+                      <a:noFill/>
+                      <a:prstDash val="sysDot"/>
+                      <a:round/>
+                      <a:headEnd type="none" w="med" len="med"/>
+                      <a:tailEnd type="none" w="med" len="med"/>
+                    </a:lnT>
+                    <a:lnB w="12700" cap="flat" cmpd="sng" algn="ctr">
+                      <a:noFill/>
+                      <a:prstDash val="sysDot"/>
+                      <a:round/>
+                      <a:headEnd type="none" w="med" len="med"/>
+                      <a:tailEnd type="none" w="med" len="med"/>
+                    </a:lnB>
+                    <a:lnTlToBr w="12700" cmpd="sng">
+                      <a:noFill/>
+                      <a:prstDash val="solid"/>
+                    </a:lnTlToBr>
+                    <a:lnBlToTr w="12700" cmpd="sng">
+                      <a:noFill/>
+                      <a:prstDash val="solid"/>
+                    </a:lnBlToTr>
+                    <a:noFill/>
+                  </a:tcPr>
+                </a:tc>
+                <a:tc>
+                  <a:txBody>
+                    <a:bodyPr/>
+                    <a:lstStyle/>
+                    <a:p>
+                      <a:pPr algn="ctr"/>
+                      <a:r>
+                        <a:rPr lang="en-US" sz="1000" dirty="0">
+                          <a:solidFill>
+                            <a:schemeClr val="tx1"/>
+                          </a:solidFill>
+                          <a:latin typeface="Consolas" panose="020B0609020204030204" pitchFamily="49" charset="0"/>
+                        </a:rPr>
+                        <a:t>14</a:t>
+                      </a:r>
+                    </a:p>
+                  </a:txBody>
+                  <a:tcPr marL="0" marR="0" marT="0" marB="0" anchor="ctr">
+                    <a:lnL w="12700" cap="flat" cmpd="sng" algn="ctr">
+                      <a:noFill/>
+                      <a:prstDash val="sysDot"/>
+                      <a:round/>
+                      <a:headEnd type="none" w="med" len="med"/>
+                      <a:tailEnd type="none" w="med" len="med"/>
+                    </a:lnL>
+                    <a:lnR w="12700" cap="flat" cmpd="sng" algn="ctr">
+                      <a:noFill/>
+                      <a:prstDash val="sysDot"/>
+                      <a:round/>
+                      <a:headEnd type="none" w="med" len="med"/>
+                      <a:tailEnd type="none" w="med" len="med"/>
+                    </a:lnR>
+                    <a:lnT w="12700" cap="flat" cmpd="sng" algn="ctr">
+                      <a:noFill/>
+                      <a:prstDash val="sysDot"/>
+                      <a:round/>
+                      <a:headEnd type="none" w="med" len="med"/>
+                      <a:tailEnd type="none" w="med" len="med"/>
+                    </a:lnT>
+                    <a:lnB w="12700" cap="flat" cmpd="sng" algn="ctr">
+                      <a:noFill/>
+                      <a:prstDash val="sysDot"/>
+                      <a:round/>
+                      <a:headEnd type="none" w="med" len="med"/>
+                      <a:tailEnd type="none" w="med" len="med"/>
+                    </a:lnB>
+                    <a:lnTlToBr w="12700" cmpd="sng">
+                      <a:noFill/>
+                      <a:prstDash val="solid"/>
+                    </a:lnTlToBr>
+                    <a:lnBlToTr w="12700" cmpd="sng">
+                      <a:noFill/>
+                      <a:prstDash val="solid"/>
+                    </a:lnBlToTr>
+                    <a:noFill/>
+                  </a:tcPr>
+                </a:tc>
+                <a:extLst>
+                  <a:ext uri="{0D108BD9-81ED-4DB2-BD59-A6C34878D82A}">
+                    <a16:rowId xmlns:a16="http://schemas.microsoft.com/office/drawing/2014/main" val="1462379632"/>
+                  </a:ext>
+                </a:extLst>
+              </a:tr>
+              <a:tr h="203345">
+                <a:tc>
+                  <a:txBody>
+                    <a:bodyPr/>
+                    <a:lstStyle/>
+                    <a:p>
+                      <a:pPr algn="ctr"/>
+                      <a:r>
+                        <a:rPr lang="en-US" sz="1000" dirty="0">
+                          <a:solidFill>
+                            <a:schemeClr val="tx1"/>
+                          </a:solidFill>
+                          <a:latin typeface="Consolas" panose="020B0609020204030204" pitchFamily="49" charset="0"/>
+                        </a:rPr>
+                        <a:t>15</a:t>
+                      </a:r>
+                    </a:p>
+                  </a:txBody>
+                  <a:tcPr marL="0" marR="0" marT="0" marB="0" anchor="ctr">
+                    <a:lnL w="12700" cap="flat" cmpd="sng" algn="ctr">
+                      <a:noFill/>
+                      <a:prstDash val="sysDot"/>
+                      <a:round/>
+                      <a:headEnd type="none" w="med" len="med"/>
+                      <a:tailEnd type="none" w="med" len="med"/>
+                    </a:lnL>
+                    <a:lnR w="12700" cap="flat" cmpd="sng" algn="ctr">
+                      <a:noFill/>
+                      <a:prstDash val="sysDot"/>
+                      <a:round/>
+                      <a:headEnd type="none" w="med" len="med"/>
+                      <a:tailEnd type="none" w="med" len="med"/>
+                    </a:lnR>
+                    <a:lnT w="12700" cap="flat" cmpd="sng" algn="ctr">
+                      <a:noFill/>
+                      <a:prstDash val="sysDot"/>
+                      <a:round/>
+                      <a:headEnd type="none" w="med" len="med"/>
+                      <a:tailEnd type="none" w="med" len="med"/>
+                    </a:lnT>
+                    <a:lnB w="12700" cap="flat" cmpd="sng" algn="ctr">
+                      <a:noFill/>
+                      <a:prstDash val="sysDot"/>
+                      <a:round/>
+                      <a:headEnd type="none" w="med" len="med"/>
+                      <a:tailEnd type="none" w="med" len="med"/>
+                    </a:lnB>
+                    <a:lnTlToBr w="12700" cmpd="sng">
+                      <a:noFill/>
+                      <a:prstDash val="solid"/>
+                    </a:lnTlToBr>
+                    <a:lnBlToTr w="12700" cmpd="sng">
+                      <a:noFill/>
+                      <a:prstDash val="solid"/>
+                    </a:lnBlToTr>
+                    <a:noFill/>
+                  </a:tcPr>
+                </a:tc>
+                <a:tc>
+                  <a:txBody>
+                    <a:bodyPr/>
+                    <a:lstStyle/>
+                    <a:p>
+                      <a:pPr algn="ctr"/>
+                      <a:r>
+                        <a:rPr lang="en-US" sz="1000" dirty="0">
+                          <a:solidFill>
+                            <a:schemeClr val="tx1"/>
+                          </a:solidFill>
+                          <a:latin typeface="Consolas" panose="020B0609020204030204" pitchFamily="49" charset="0"/>
+                        </a:rPr>
+                        <a:t>16</a:t>
+                      </a:r>
+                    </a:p>
+                  </a:txBody>
+                  <a:tcPr marL="0" marR="0" marT="0" marB="0" anchor="ctr">
+                    <a:lnL w="12700" cap="flat" cmpd="sng" algn="ctr">
+                      <a:noFill/>
+                      <a:prstDash val="sysDot"/>
+                      <a:round/>
+                      <a:headEnd type="none" w="med" len="med"/>
+                      <a:tailEnd type="none" w="med" len="med"/>
+                    </a:lnL>
+                    <a:lnR w="12700" cap="flat" cmpd="sng" algn="ctr">
+                      <a:noFill/>
+                      <a:prstDash val="sysDot"/>
+                      <a:round/>
+                      <a:headEnd type="none" w="med" len="med"/>
+                      <a:tailEnd type="none" w="med" len="med"/>
+                    </a:lnR>
+                    <a:lnT w="12700" cap="flat" cmpd="sng" algn="ctr">
+                      <a:noFill/>
+                      <a:prstDash val="sysDot"/>
+                      <a:round/>
+                      <a:headEnd type="none" w="med" len="med"/>
+                      <a:tailEnd type="none" w="med" len="med"/>
+                    </a:lnT>
+                    <a:lnB w="12700" cap="flat" cmpd="sng" algn="ctr">
+                      <a:noFill/>
+                      <a:prstDash val="sysDot"/>
+                      <a:round/>
+                      <a:headEnd type="none" w="med" len="med"/>
+                      <a:tailEnd type="none" w="med" len="med"/>
+                    </a:lnB>
+                    <a:lnTlToBr w="12700" cmpd="sng">
+                      <a:noFill/>
+                      <a:prstDash val="solid"/>
+                    </a:lnTlToBr>
+                    <a:lnBlToTr w="12700" cmpd="sng">
+                      <a:noFill/>
+                      <a:prstDash val="solid"/>
+                    </a:lnBlToTr>
+                    <a:noFill/>
+                  </a:tcPr>
+                </a:tc>
+                <a:tc>
+                  <a:txBody>
+                    <a:bodyPr/>
+                    <a:lstStyle/>
+                    <a:p>
+                      <a:pPr algn="ctr"/>
+                      <a:r>
+                        <a:rPr lang="en-US" sz="1000" dirty="0">
+                          <a:solidFill>
+                            <a:schemeClr val="tx1"/>
+                          </a:solidFill>
+                          <a:latin typeface="Consolas" panose="020B0609020204030204" pitchFamily="49" charset="0"/>
+                        </a:rPr>
+                        <a:t>17</a:t>
+                      </a:r>
+                    </a:p>
+                  </a:txBody>
+                  <a:tcPr marL="0" marR="0" marT="0" marB="0" anchor="ctr">
+                    <a:lnL w="12700" cap="flat" cmpd="sng" algn="ctr">
+                      <a:noFill/>
+                      <a:prstDash val="sysDot"/>
+                      <a:round/>
+                      <a:headEnd type="none" w="med" len="med"/>
+                      <a:tailEnd type="none" w="med" len="med"/>
+                    </a:lnL>
+                    <a:lnR w="12700" cap="flat" cmpd="sng" algn="ctr">
+                      <a:noFill/>
+                      <a:prstDash val="sysDot"/>
+                      <a:round/>
+                      <a:headEnd type="none" w="med" len="med"/>
+                      <a:tailEnd type="none" w="med" len="med"/>
+                    </a:lnR>
+                    <a:lnT w="12700" cap="flat" cmpd="sng" algn="ctr">
+                      <a:noFill/>
+                      <a:prstDash val="sysDot"/>
+                      <a:round/>
+                      <a:headEnd type="none" w="med" len="med"/>
+                      <a:tailEnd type="none" w="med" len="med"/>
+                    </a:lnT>
+                    <a:lnB w="12700" cap="flat" cmpd="sng" algn="ctr">
+                      <a:noFill/>
+                      <a:prstDash val="sysDot"/>
+                      <a:round/>
+                      <a:headEnd type="none" w="med" len="med"/>
+                      <a:tailEnd type="none" w="med" len="med"/>
+                    </a:lnB>
+                    <a:lnTlToBr w="12700" cmpd="sng">
+                      <a:noFill/>
+                      <a:prstDash val="solid"/>
+                    </a:lnTlToBr>
+                    <a:lnBlToTr w="12700" cmpd="sng">
+                      <a:noFill/>
+                      <a:prstDash val="solid"/>
+                    </a:lnBlToTr>
+                    <a:noFill/>
+                  </a:tcPr>
+                </a:tc>
+                <a:tc>
+                  <a:txBody>
+                    <a:bodyPr/>
+                    <a:lstStyle/>
+                    <a:p>
+                      <a:pPr algn="ctr"/>
+                      <a:r>
+                        <a:rPr lang="en-US" sz="1000" dirty="0">
+                          <a:solidFill>
+                            <a:schemeClr val="tx1"/>
+                          </a:solidFill>
+                          <a:latin typeface="Consolas" panose="020B0609020204030204" pitchFamily="49" charset="0"/>
+                        </a:rPr>
+                        <a:t>18</a:t>
+                      </a:r>
+                    </a:p>
+                  </a:txBody>
+                  <a:tcPr marL="0" marR="0" marT="0" marB="0" anchor="ctr">
+                    <a:lnL w="12700" cap="flat" cmpd="sng" algn="ctr">
+                      <a:noFill/>
+                      <a:prstDash val="sysDot"/>
+                      <a:round/>
+                      <a:headEnd type="none" w="med" len="med"/>
+                      <a:tailEnd type="none" w="med" len="med"/>
+                    </a:lnL>
+                    <a:lnR w="12700" cap="flat" cmpd="sng" algn="ctr">
+                      <a:noFill/>
+                      <a:prstDash val="sysDot"/>
+                      <a:round/>
+                      <a:headEnd type="none" w="med" len="med"/>
+                      <a:tailEnd type="none" w="med" len="med"/>
+                    </a:lnR>
+                    <a:lnT w="12700" cap="flat" cmpd="sng" algn="ctr">
+                      <a:noFill/>
+                      <a:prstDash val="sysDot"/>
+                      <a:round/>
+                      <a:headEnd type="none" w="med" len="med"/>
+                      <a:tailEnd type="none" w="med" len="med"/>
+                    </a:lnT>
+                    <a:lnB w="12700" cap="flat" cmpd="sng" algn="ctr">
+                      <a:noFill/>
+                      <a:prstDash val="sysDot"/>
+                      <a:round/>
+                      <a:headEnd type="none" w="med" len="med"/>
+                      <a:tailEnd type="none" w="med" len="med"/>
+                    </a:lnB>
+                    <a:lnTlToBr w="12700" cmpd="sng">
+                      <a:noFill/>
+                      <a:prstDash val="solid"/>
+                    </a:lnTlToBr>
+                    <a:lnBlToTr w="12700" cmpd="sng">
+                      <a:noFill/>
+                      <a:prstDash val="solid"/>
+                    </a:lnBlToTr>
+                    <a:noFill/>
+                  </a:tcPr>
+                </a:tc>
+                <a:tc>
+                  <a:txBody>
+                    <a:bodyPr/>
+                    <a:lstStyle/>
+                    <a:p>
+                      <a:pPr algn="ctr"/>
+                      <a:r>
+                        <a:rPr lang="en-US" sz="1000" dirty="0">
+                          <a:solidFill>
+                            <a:schemeClr val="tx1"/>
+                          </a:solidFill>
+                          <a:latin typeface="Consolas" panose="020B0609020204030204" pitchFamily="49" charset="0"/>
+                        </a:rPr>
+                        <a:t>19</a:t>
+                      </a:r>
+                    </a:p>
+                  </a:txBody>
+                  <a:tcPr marL="0" marR="0" marT="0" marB="0" anchor="ctr">
+                    <a:lnL w="12700" cap="flat" cmpd="sng" algn="ctr">
+                      <a:noFill/>
+                      <a:prstDash val="sysDot"/>
+                      <a:round/>
+                      <a:headEnd type="none" w="med" len="med"/>
+                      <a:tailEnd type="none" w="med" len="med"/>
+                    </a:lnL>
+                    <a:lnR w="12700" cap="flat" cmpd="sng" algn="ctr">
+                      <a:noFill/>
+                      <a:prstDash val="sysDot"/>
+                      <a:round/>
+                      <a:headEnd type="none" w="med" len="med"/>
+                      <a:tailEnd type="none" w="med" len="med"/>
+                    </a:lnR>
+                    <a:lnT w="12700" cap="flat" cmpd="sng" algn="ctr">
+                      <a:noFill/>
+                      <a:prstDash val="sysDot"/>
+                      <a:round/>
+                      <a:headEnd type="none" w="med" len="med"/>
+                      <a:tailEnd type="none" w="med" len="med"/>
+                    </a:lnT>
+                    <a:lnB w="12700" cap="flat" cmpd="sng" algn="ctr">
+                      <a:noFill/>
+                      <a:prstDash val="sysDot"/>
+                      <a:round/>
+                      <a:headEnd type="none" w="med" len="med"/>
+                      <a:tailEnd type="none" w="med" len="med"/>
+                    </a:lnB>
+                    <a:lnTlToBr w="12700" cmpd="sng">
+                      <a:noFill/>
+                      <a:prstDash val="solid"/>
+                    </a:lnTlToBr>
+                    <a:lnBlToTr w="12700" cmpd="sng">
+                      <a:noFill/>
+                      <a:prstDash val="solid"/>
+                    </a:lnBlToTr>
+                    <a:noFill/>
+                  </a:tcPr>
+                </a:tc>
+                <a:tc>
+                  <a:txBody>
+                    <a:bodyPr/>
+                    <a:lstStyle/>
+                    <a:p>
+                      <a:pPr algn="ctr"/>
+                      <a:r>
+                        <a:rPr lang="en-US" sz="1000" dirty="0">
+                          <a:solidFill>
+                            <a:schemeClr val="tx1"/>
+                          </a:solidFill>
+                          <a:latin typeface="Consolas" panose="020B0609020204030204" pitchFamily="49" charset="0"/>
+                        </a:rPr>
+                        <a:t>20</a:t>
+                      </a:r>
+                    </a:p>
+                  </a:txBody>
+                  <a:tcPr marL="0" marR="0" marT="0" marB="0" anchor="ctr">
+                    <a:lnL w="12700" cap="flat" cmpd="sng" algn="ctr">
+                      <a:noFill/>
+                      <a:prstDash val="sysDot"/>
+                      <a:round/>
+                      <a:headEnd type="none" w="med" len="med"/>
+                      <a:tailEnd type="none" w="med" len="med"/>
+                    </a:lnL>
+                    <a:lnR w="12700" cap="flat" cmpd="sng" algn="ctr">
+                      <a:noFill/>
+                      <a:prstDash val="sysDot"/>
+                      <a:round/>
+                      <a:headEnd type="none" w="med" len="med"/>
+                      <a:tailEnd type="none" w="med" len="med"/>
+                    </a:lnR>
+                    <a:lnT w="12700" cap="flat" cmpd="sng" algn="ctr">
+                      <a:noFill/>
+                      <a:prstDash val="sysDot"/>
+                      <a:round/>
+                      <a:headEnd type="none" w="med" len="med"/>
+                      <a:tailEnd type="none" w="med" len="med"/>
+                    </a:lnT>
+                    <a:lnB w="12700" cap="flat" cmpd="sng" algn="ctr">
+                      <a:noFill/>
+                      <a:prstDash val="sysDot"/>
+                      <a:round/>
+                      <a:headEnd type="none" w="med" len="med"/>
+                      <a:tailEnd type="none" w="med" len="med"/>
+                    </a:lnB>
+                    <a:lnTlToBr w="12700" cmpd="sng">
+                      <a:noFill/>
+                      <a:prstDash val="solid"/>
+                    </a:lnTlToBr>
+                    <a:lnBlToTr w="12700" cmpd="sng">
+                      <a:noFill/>
+                      <a:prstDash val="solid"/>
+                    </a:lnBlToTr>
+                    <a:noFill/>
+                  </a:tcPr>
+                </a:tc>
+                <a:tc>
+                  <a:txBody>
+                    <a:bodyPr/>
+                    <a:lstStyle/>
+                    <a:p>
+                      <a:pPr algn="ctr"/>
+                      <a:r>
+                        <a:rPr lang="en-US" sz="1000" dirty="0">
+                          <a:solidFill>
+                            <a:schemeClr val="tx1"/>
+                          </a:solidFill>
+                          <a:latin typeface="Consolas" panose="020B0609020204030204" pitchFamily="49" charset="0"/>
+                        </a:rPr>
+                        <a:t>21</a:t>
+                      </a:r>
+                    </a:p>
+                  </a:txBody>
+                  <a:tcPr marL="0" marR="0" marT="0" marB="0" anchor="ctr">
+                    <a:lnL w="12700" cap="flat" cmpd="sng" algn="ctr">
+                      <a:noFill/>
+                      <a:prstDash val="sysDot"/>
+                      <a:round/>
+                      <a:headEnd type="none" w="med" len="med"/>
+                      <a:tailEnd type="none" w="med" len="med"/>
+                    </a:lnL>
+                    <a:lnR w="12700" cap="flat" cmpd="sng" algn="ctr">
+                      <a:noFill/>
+                      <a:prstDash val="sysDot"/>
+                      <a:round/>
+                      <a:headEnd type="none" w="med" len="med"/>
+                      <a:tailEnd type="none" w="med" len="med"/>
+                    </a:lnR>
+                    <a:lnT w="12700" cap="flat" cmpd="sng" algn="ctr">
+                      <a:noFill/>
+                      <a:prstDash val="sysDot"/>
+                      <a:round/>
+                      <a:headEnd type="none" w="med" len="med"/>
+                      <a:tailEnd type="none" w="med" len="med"/>
+                    </a:lnT>
+                    <a:lnB w="12700" cap="flat" cmpd="sng" algn="ctr">
+                      <a:noFill/>
+                      <a:prstDash val="sysDot"/>
+                      <a:round/>
+                      <a:headEnd type="none" w="med" len="med"/>
+                      <a:tailEnd type="none" w="med" len="med"/>
+                    </a:lnB>
+                    <a:lnTlToBr w="12700" cmpd="sng">
+                      <a:noFill/>
+                      <a:prstDash val="solid"/>
+                    </a:lnTlToBr>
+                    <a:lnBlToTr w="12700" cmpd="sng">
+                      <a:noFill/>
+                      <a:prstDash val="solid"/>
+                    </a:lnBlToTr>
+                    <a:noFill/>
+                  </a:tcPr>
+                </a:tc>
+                <a:extLst>
+                  <a:ext uri="{0D108BD9-81ED-4DB2-BD59-A6C34878D82A}">
+                    <a16:rowId xmlns:a16="http://schemas.microsoft.com/office/drawing/2014/main" val="2203473580"/>
+                  </a:ext>
+                </a:extLst>
+              </a:tr>
+              <a:tr h="203345">
+                <a:tc>
+                  <a:txBody>
+                    <a:bodyPr/>
+                    <a:lstStyle/>
+                    <a:p>
+                      <a:pPr algn="ctr"/>
+                      <a:r>
+                        <a:rPr lang="en-US" sz="1000" dirty="0">
+                          <a:solidFill>
+                            <a:schemeClr val="tx1"/>
+                          </a:solidFill>
+                          <a:latin typeface="Consolas" panose="020B0609020204030204" pitchFamily="49" charset="0"/>
+                        </a:rPr>
+                        <a:t>22</a:t>
+                      </a:r>
+                    </a:p>
+                  </a:txBody>
+                  <a:tcPr marL="0" marR="0" marT="0" marB="0" anchor="ctr">
+                    <a:lnL w="12700" cap="flat" cmpd="sng" algn="ctr">
+                      <a:noFill/>
+                      <a:prstDash val="sysDot"/>
+                      <a:round/>
+                      <a:headEnd type="none" w="med" len="med"/>
+                      <a:tailEnd type="none" w="med" len="med"/>
+                    </a:lnL>
+                    <a:lnR w="12700" cap="flat" cmpd="sng" algn="ctr">
+                      <a:noFill/>
+                      <a:prstDash val="sysDot"/>
+                      <a:round/>
+                      <a:headEnd type="none" w="med" len="med"/>
+                      <a:tailEnd type="none" w="med" len="med"/>
+                    </a:lnR>
+                    <a:lnT w="12700" cap="flat" cmpd="sng" algn="ctr">
+                      <a:noFill/>
+                      <a:prstDash val="sysDot"/>
+                      <a:round/>
+                      <a:headEnd type="none" w="med" len="med"/>
+                      <a:tailEnd type="none" w="med" len="med"/>
+                    </a:lnT>
+                    <a:lnB w="12700" cap="flat" cmpd="sng" algn="ctr">
+                      <a:noFill/>
+                      <a:prstDash val="sysDot"/>
+                      <a:round/>
+                      <a:headEnd type="none" w="med" len="med"/>
+                      <a:tailEnd type="none" w="med" len="med"/>
+                    </a:lnB>
+                    <a:lnTlToBr w="12700" cmpd="sng">
+                      <a:noFill/>
+                      <a:prstDash val="solid"/>
+                    </a:lnTlToBr>
+                    <a:lnBlToTr w="12700" cmpd="sng">
+                      <a:noFill/>
+                      <a:prstDash val="solid"/>
+                    </a:lnBlToTr>
+                    <a:noFill/>
+                  </a:tcPr>
+                </a:tc>
+                <a:tc>
+                  <a:txBody>
+                    <a:bodyPr/>
+                    <a:lstStyle/>
+                    <a:p>
+                      <a:pPr algn="ctr"/>
+                      <a:r>
+                        <a:rPr lang="en-US" sz="1000" dirty="0">
+                          <a:solidFill>
+                            <a:schemeClr val="tx1"/>
+                          </a:solidFill>
+                          <a:latin typeface="Consolas" panose="020B0609020204030204" pitchFamily="49" charset="0"/>
+                        </a:rPr>
+                        <a:t>23</a:t>
+                      </a:r>
+                    </a:p>
+                  </a:txBody>
+                  <a:tcPr marL="0" marR="0" marT="0" marB="0" anchor="ctr">
+                    <a:lnL w="12700" cap="flat" cmpd="sng" algn="ctr">
+                      <a:noFill/>
+                      <a:prstDash val="sysDot"/>
+                      <a:round/>
+                      <a:headEnd type="none" w="med" len="med"/>
+                      <a:tailEnd type="none" w="med" len="med"/>
+                    </a:lnL>
+                    <a:lnR w="12700" cap="flat" cmpd="sng" algn="ctr">
+                      <a:noFill/>
+                      <a:prstDash val="sysDot"/>
+                      <a:round/>
+                      <a:headEnd type="none" w="med" len="med"/>
+                      <a:tailEnd type="none" w="med" len="med"/>
+                    </a:lnR>
+                    <a:lnT w="12700" cap="flat" cmpd="sng" algn="ctr">
+                      <a:noFill/>
+                      <a:prstDash val="sysDot"/>
+                      <a:round/>
+                      <a:headEnd type="none" w="med" len="med"/>
+                      <a:tailEnd type="none" w="med" len="med"/>
+                    </a:lnT>
+                    <a:lnB w="12700" cap="flat" cmpd="sng" algn="ctr">
+                      <a:noFill/>
+                      <a:prstDash val="sysDot"/>
+                      <a:round/>
+                      <a:headEnd type="none" w="med" len="med"/>
+                      <a:tailEnd type="none" w="med" len="med"/>
+                    </a:lnB>
+                    <a:lnTlToBr w="12700" cmpd="sng">
+                      <a:noFill/>
+                      <a:prstDash val="solid"/>
+                    </a:lnTlToBr>
+                    <a:lnBlToTr w="12700" cmpd="sng">
+                      <a:noFill/>
+                      <a:prstDash val="solid"/>
+                    </a:lnBlToTr>
+                    <a:noFill/>
+                  </a:tcPr>
+                </a:tc>
+                <a:tc>
+                  <a:txBody>
+                    <a:bodyPr/>
+                    <a:lstStyle/>
+                    <a:p>
+                      <a:pPr algn="ctr"/>
+                      <a:r>
+                        <a:rPr lang="en-US" sz="1000" dirty="0">
+                          <a:solidFill>
+                            <a:schemeClr val="tx1"/>
+                          </a:solidFill>
+                          <a:latin typeface="Consolas" panose="020B0609020204030204" pitchFamily="49" charset="0"/>
+                        </a:rPr>
+                        <a:t>24</a:t>
+                      </a:r>
+                    </a:p>
+                  </a:txBody>
+                  <a:tcPr marL="0" marR="0" marT="0" marB="0" anchor="ctr">
+                    <a:lnL w="12700" cap="flat" cmpd="sng" algn="ctr">
+                      <a:noFill/>
+                      <a:prstDash val="sysDot"/>
+                      <a:round/>
+                      <a:headEnd type="none" w="med" len="med"/>
+                      <a:tailEnd type="none" w="med" len="med"/>
+                    </a:lnL>
+                    <a:lnR w="12700" cap="flat" cmpd="sng" algn="ctr">
+                      <a:noFill/>
+                      <a:prstDash val="sysDot"/>
+                      <a:round/>
+                      <a:headEnd type="none" w="med" len="med"/>
+                      <a:tailEnd type="none" w="med" len="med"/>
+                    </a:lnR>
+                    <a:lnT w="12700" cap="flat" cmpd="sng" algn="ctr">
+                      <a:noFill/>
+                      <a:prstDash val="sysDot"/>
+                      <a:round/>
+                      <a:headEnd type="none" w="med" len="med"/>
+                      <a:tailEnd type="none" w="med" len="med"/>
+                    </a:lnT>
+                    <a:lnB w="12700" cap="flat" cmpd="sng" algn="ctr">
+                      <a:noFill/>
+                      <a:prstDash val="sysDot"/>
+                      <a:round/>
+                      <a:headEnd type="none" w="med" len="med"/>
+                      <a:tailEnd type="none" w="med" len="med"/>
+                    </a:lnB>
+                    <a:lnTlToBr w="12700" cmpd="sng">
+                      <a:noFill/>
+                      <a:prstDash val="solid"/>
+                    </a:lnTlToBr>
+                    <a:lnBlToTr w="12700" cmpd="sng">
+                      <a:noFill/>
+                      <a:prstDash val="solid"/>
+                    </a:lnBlToTr>
+                    <a:noFill/>
+                  </a:tcPr>
+                </a:tc>
+                <a:tc>
+                  <a:txBody>
+                    <a:bodyPr/>
+                    <a:lstStyle/>
+                    <a:p>
+                      <a:pPr algn="ctr"/>
+                      <a:r>
+                        <a:rPr lang="en-US" sz="1000" dirty="0">
+                          <a:solidFill>
+                            <a:schemeClr val="tx1"/>
+                          </a:solidFill>
+                          <a:latin typeface="Consolas" panose="020B0609020204030204" pitchFamily="49" charset="0"/>
+                        </a:rPr>
+                        <a:t>25</a:t>
+                      </a:r>
+                    </a:p>
+                  </a:txBody>
+                  <a:tcPr marL="0" marR="0" marT="0" marB="0" anchor="ctr">
+                    <a:lnL w="12700" cap="flat" cmpd="sng" algn="ctr">
+                      <a:noFill/>
+                      <a:prstDash val="sysDot"/>
+                      <a:round/>
+                      <a:headEnd type="none" w="med" len="med"/>
+                      <a:tailEnd type="none" w="med" len="med"/>
+                    </a:lnL>
+                    <a:lnR w="12700" cap="flat" cmpd="sng" algn="ctr">
+                      <a:noFill/>
+                      <a:prstDash val="sysDot"/>
+                      <a:round/>
+                      <a:headEnd type="none" w="med" len="med"/>
+                      <a:tailEnd type="none" w="med" len="med"/>
+                    </a:lnR>
+                    <a:lnT w="12700" cap="flat" cmpd="sng" algn="ctr">
+                      <a:noFill/>
+                      <a:prstDash val="sysDot"/>
+                      <a:round/>
+                      <a:headEnd type="none" w="med" len="med"/>
+                      <a:tailEnd type="none" w="med" len="med"/>
+                    </a:lnT>
+                    <a:lnB w="12700" cap="flat" cmpd="sng" algn="ctr">
+                      <a:noFill/>
+                      <a:prstDash val="sysDot"/>
+                      <a:round/>
+                      <a:headEnd type="none" w="med" len="med"/>
+                      <a:tailEnd type="none" w="med" len="med"/>
+                    </a:lnB>
+                    <a:lnTlToBr w="12700" cmpd="sng">
+                      <a:noFill/>
+                      <a:prstDash val="solid"/>
+                    </a:lnTlToBr>
+                    <a:lnBlToTr w="12700" cmpd="sng">
+                      <a:noFill/>
+                      <a:prstDash val="solid"/>
+                    </a:lnBlToTr>
+                    <a:noFill/>
+                  </a:tcPr>
+                </a:tc>
+                <a:tc>
+                  <a:txBody>
+                    <a:bodyPr/>
+                    <a:lstStyle/>
+                    <a:p>
+                      <a:pPr algn="ctr"/>
+                      <a:r>
+                        <a:rPr lang="en-US" sz="1000" dirty="0">
+                          <a:solidFill>
+                            <a:schemeClr val="tx1"/>
+                          </a:solidFill>
+                          <a:latin typeface="Consolas" panose="020B0609020204030204" pitchFamily="49" charset="0"/>
+                        </a:rPr>
+                        <a:t>26</a:t>
+                      </a:r>
+                    </a:p>
+                  </a:txBody>
+                  <a:tcPr marL="0" marR="0" marT="0" marB="0" anchor="ctr">
+                    <a:lnL w="12700" cap="flat" cmpd="sng" algn="ctr">
+                      <a:noFill/>
+                      <a:prstDash val="sysDot"/>
+                      <a:round/>
+                      <a:headEnd type="none" w="med" len="med"/>
+                      <a:tailEnd type="none" w="med" len="med"/>
+                    </a:lnL>
+                    <a:lnR w="12700" cap="flat" cmpd="sng" algn="ctr">
+                      <a:noFill/>
+                      <a:prstDash val="sysDot"/>
+                      <a:round/>
+                      <a:headEnd type="none" w="med" len="med"/>
+                      <a:tailEnd type="none" w="med" len="med"/>
+                    </a:lnR>
+                    <a:lnT w="12700" cap="flat" cmpd="sng" algn="ctr">
+                      <a:noFill/>
+                      <a:prstDash val="sysDot"/>
+                      <a:round/>
+                      <a:headEnd type="none" w="med" len="med"/>
+                      <a:tailEnd type="none" w="med" len="med"/>
+                    </a:lnT>
+                    <a:lnB w="12700" cap="flat" cmpd="sng" algn="ctr">
+                      <a:noFill/>
+                      <a:prstDash val="sysDot"/>
+                      <a:round/>
+                      <a:headEnd type="none" w="med" len="med"/>
+                      <a:tailEnd type="none" w="med" len="med"/>
+                    </a:lnB>
+                    <a:lnTlToBr w="12700" cmpd="sng">
+                      <a:noFill/>
+                      <a:prstDash val="solid"/>
+                    </a:lnTlToBr>
+                    <a:lnBlToTr w="12700" cmpd="sng">
+                      <a:noFill/>
+                      <a:prstDash val="solid"/>
+                    </a:lnBlToTr>
+                    <a:noFill/>
+                  </a:tcPr>
+                </a:tc>
+                <a:tc>
+                  <a:txBody>
+                    <a:bodyPr/>
+                    <a:lstStyle/>
+                    <a:p>
+                      <a:pPr algn="ctr"/>
+                      <a:r>
+                        <a:rPr lang="en-US" sz="1000" dirty="0">
+                          <a:solidFill>
+                            <a:schemeClr val="tx1"/>
+                          </a:solidFill>
+                          <a:latin typeface="Consolas" panose="020B0609020204030204" pitchFamily="49" charset="0"/>
+                        </a:rPr>
+                        <a:t>27</a:t>
+                      </a:r>
+                    </a:p>
+                  </a:txBody>
+                  <a:tcPr marL="0" marR="0" marT="0" marB="0" anchor="ctr">
+                    <a:lnL w="12700" cap="flat" cmpd="sng" algn="ctr">
+                      <a:noFill/>
+                      <a:prstDash val="sysDot"/>
+                      <a:round/>
+                      <a:headEnd type="none" w="med" len="med"/>
+                      <a:tailEnd type="none" w="med" len="med"/>
+                    </a:lnL>
+                    <a:lnR w="12700" cap="flat" cmpd="sng" algn="ctr">
+                      <a:noFill/>
+                      <a:prstDash val="sysDot"/>
+                      <a:round/>
+                      <a:headEnd type="none" w="med" len="med"/>
+                      <a:tailEnd type="none" w="med" len="med"/>
+                    </a:lnR>
+                    <a:lnT w="12700" cap="flat" cmpd="sng" algn="ctr">
+                      <a:noFill/>
+                      <a:prstDash val="sysDot"/>
+                      <a:round/>
+                      <a:headEnd type="none" w="med" len="med"/>
+                      <a:tailEnd type="none" w="med" len="med"/>
+                    </a:lnT>
+                    <a:lnB w="12700" cap="flat" cmpd="sng" algn="ctr">
+                      <a:noFill/>
+                      <a:prstDash val="sysDot"/>
+                      <a:round/>
+                      <a:headEnd type="none" w="med" len="med"/>
+                      <a:tailEnd type="none" w="med" len="med"/>
+                    </a:lnB>
+                    <a:lnTlToBr w="12700" cmpd="sng">
+                      <a:noFill/>
+                      <a:prstDash val="solid"/>
+                    </a:lnTlToBr>
+                    <a:lnBlToTr w="12700" cmpd="sng">
+                      <a:noFill/>
+                      <a:prstDash val="solid"/>
+                    </a:lnBlToTr>
+                    <a:noFill/>
+                  </a:tcPr>
+                </a:tc>
+                <a:tc>
+                  <a:txBody>
+                    <a:bodyPr/>
+                    <a:lstStyle/>
+                    <a:p>
+                      <a:pPr algn="ctr"/>
+                      <a:r>
+                        <a:rPr lang="en-US" sz="1000" dirty="0">
+                          <a:solidFill>
+                            <a:schemeClr val="tx1"/>
+                          </a:solidFill>
+                          <a:latin typeface="Consolas" panose="020B0609020204030204" pitchFamily="49" charset="0"/>
+                        </a:rPr>
+                        <a:t>28</a:t>
+                      </a:r>
+                    </a:p>
+                  </a:txBody>
+                  <a:tcPr marL="0" marR="0" marT="0" marB="0" anchor="ctr">
+                    <a:lnL w="12700" cap="flat" cmpd="sng" algn="ctr">
+                      <a:noFill/>
+                      <a:prstDash val="sysDot"/>
+                      <a:round/>
+                      <a:headEnd type="none" w="med" len="med"/>
+                      <a:tailEnd type="none" w="med" len="med"/>
+                    </a:lnL>
+                    <a:lnR w="12700" cap="flat" cmpd="sng" algn="ctr">
+                      <a:noFill/>
+                      <a:prstDash val="sysDot"/>
+                      <a:round/>
+                      <a:headEnd type="none" w="med" len="med"/>
+                      <a:tailEnd type="none" w="med" len="med"/>
+                    </a:lnR>
+                    <a:lnT w="12700" cap="flat" cmpd="sng" algn="ctr">
+                      <a:noFill/>
+                      <a:prstDash val="sysDot"/>
+                      <a:round/>
+                      <a:headEnd type="none" w="med" len="med"/>
+                      <a:tailEnd type="none" w="med" len="med"/>
+                    </a:lnT>
+                    <a:lnB w="12700" cap="flat" cmpd="sng" algn="ctr">
+                      <a:noFill/>
+                      <a:prstDash val="sysDot"/>
+                      <a:round/>
+                      <a:headEnd type="none" w="med" len="med"/>
+                      <a:tailEnd type="none" w="med" len="med"/>
+                    </a:lnB>
+                    <a:lnTlToBr w="12700" cmpd="sng">
+                      <a:noFill/>
+                      <a:prstDash val="solid"/>
+                    </a:lnTlToBr>
+                    <a:lnBlToTr w="12700" cmpd="sng">
+                      <a:noFill/>
+                      <a:prstDash val="solid"/>
+                    </a:lnBlToTr>
+                    <a:noFill/>
+                  </a:tcPr>
+                </a:tc>
+                <a:extLst>
+                  <a:ext uri="{0D108BD9-81ED-4DB2-BD59-A6C34878D82A}">
+                    <a16:rowId xmlns:a16="http://schemas.microsoft.com/office/drawing/2014/main" val="3725367810"/>
+                  </a:ext>
+                </a:extLst>
+              </a:tr>
+              <a:tr h="203345">
+                <a:tc>
+                  <a:txBody>
+                    <a:bodyPr/>
+                    <a:lstStyle/>
+                    <a:p>
+                      <a:pPr algn="ctr"/>
+                      <a:r>
+                        <a:rPr lang="en-US" sz="1000" dirty="0">
+                          <a:solidFill>
+                            <a:schemeClr val="tx1"/>
+                          </a:solidFill>
+                          <a:latin typeface="Consolas" panose="020B0609020204030204" pitchFamily="49" charset="0"/>
+                        </a:rPr>
+                        <a:t>29</a:t>
+                      </a:r>
+                    </a:p>
+                  </a:txBody>
+                  <a:tcPr marL="0" marR="0" marT="0" marB="0" anchor="ctr">
+                    <a:lnL w="12700" cap="flat" cmpd="sng" algn="ctr">
+                      <a:noFill/>
+                      <a:prstDash val="sysDot"/>
+                      <a:round/>
+                      <a:headEnd type="none" w="med" len="med"/>
+                      <a:tailEnd type="none" w="med" len="med"/>
+                    </a:lnL>
+                    <a:lnR w="12700" cap="flat" cmpd="sng" algn="ctr">
+                      <a:noFill/>
+                      <a:prstDash val="sysDot"/>
+                      <a:round/>
+                      <a:headEnd type="none" w="med" len="med"/>
+                      <a:tailEnd type="none" w="med" len="med"/>
+                    </a:lnR>
+                    <a:lnT w="12700" cap="flat" cmpd="sng" algn="ctr">
+                      <a:noFill/>
+                      <a:prstDash val="sysDot"/>
+                      <a:round/>
+                      <a:headEnd type="none" w="med" len="med"/>
+                      <a:tailEnd type="none" w="med" len="med"/>
+                    </a:lnT>
+                    <a:lnB w="12700" cap="flat" cmpd="sng" algn="ctr">
+                      <a:noFill/>
+                      <a:prstDash val="sysDot"/>
+                      <a:round/>
+                      <a:headEnd type="none" w="med" len="med"/>
+                      <a:tailEnd type="none" w="med" len="med"/>
+                    </a:lnB>
+                    <a:lnTlToBr w="12700" cmpd="sng">
+                      <a:noFill/>
+                      <a:prstDash val="solid"/>
+                    </a:lnTlToBr>
+                    <a:lnBlToTr w="12700" cmpd="sng">
+                      <a:noFill/>
+                      <a:prstDash val="solid"/>
+                    </a:lnBlToTr>
+                    <a:noFill/>
+                  </a:tcPr>
+                </a:tc>
+                <a:tc>
+                  <a:txBody>
+                    <a:bodyPr/>
+                    <a:lstStyle/>
+                    <a:p>
+                      <a:pPr algn="ctr"/>
+                      <a:r>
+                        <a:rPr lang="en-US" sz="1000" dirty="0">
+                          <a:solidFill>
+                            <a:schemeClr val="tx1"/>
+                          </a:solidFill>
+                          <a:latin typeface="Consolas" panose="020B0609020204030204" pitchFamily="49" charset="0"/>
+                        </a:rPr>
+                        <a:t>30</a:t>
+                      </a:r>
+                    </a:p>
+                  </a:txBody>
+                  <a:tcPr marL="0" marR="0" marT="0" marB="0" anchor="ctr">
+                    <a:lnL w="12700" cap="flat" cmpd="sng" algn="ctr">
+                      <a:noFill/>
+                      <a:prstDash val="sysDot"/>
+                      <a:round/>
+                      <a:headEnd type="none" w="med" len="med"/>
+                      <a:tailEnd type="none" w="med" len="med"/>
+                    </a:lnL>
+                    <a:lnR w="12700" cap="flat" cmpd="sng" algn="ctr">
+                      <a:noFill/>
+                      <a:prstDash val="sysDot"/>
+                      <a:round/>
+                      <a:headEnd type="none" w="med" len="med"/>
+                      <a:tailEnd type="none" w="med" len="med"/>
+                    </a:lnR>
+                    <a:lnT w="12700" cap="flat" cmpd="sng" algn="ctr">
+                      <a:noFill/>
+                      <a:prstDash val="sysDot"/>
+                      <a:round/>
+                      <a:headEnd type="none" w="med" len="med"/>
+                      <a:tailEnd type="none" w="med" len="med"/>
+                    </a:lnT>
+                    <a:lnB w="12700" cap="flat" cmpd="sng" algn="ctr">
+                      <a:noFill/>
+                      <a:prstDash val="sysDot"/>
+                      <a:round/>
+                      <a:headEnd type="none" w="med" len="med"/>
+                      <a:tailEnd type="none" w="med" len="med"/>
+                    </a:lnB>
+                    <a:lnTlToBr w="12700" cmpd="sng">
+                      <a:noFill/>
+                      <a:prstDash val="solid"/>
+                    </a:lnTlToBr>
+                    <a:lnBlToTr w="12700" cmpd="sng">
+                      <a:noFill/>
+                      <a:prstDash val="solid"/>
+                    </a:lnBlToTr>
+                    <a:noFill/>
+                  </a:tcPr>
+                </a:tc>
+                <a:tc>
+                  <a:txBody>
+                    <a:bodyPr/>
+                    <a:lstStyle/>
+                    <a:p>
+                      <a:pPr algn="ctr"/>
+                      <a:endParaRPr lang="en-US" sz="1000" dirty="0">
+                        <a:solidFill>
+                          <a:schemeClr val="tx1"/>
+                        </a:solidFill>
+                        <a:latin typeface="Consolas" panose="020B0609020204030204" pitchFamily="49" charset="0"/>
+                      </a:endParaRPr>
+                    </a:p>
+                  </a:txBody>
+                  <a:tcPr marL="0" marR="0" marT="0" marB="0" anchor="ctr">
+                    <a:lnL w="12700" cap="flat" cmpd="sng" algn="ctr">
+                      <a:noFill/>
+                      <a:prstDash val="sysDot"/>
+                      <a:round/>
+                      <a:headEnd type="none" w="med" len="med"/>
+                      <a:tailEnd type="none" w="med" len="med"/>
+                    </a:lnL>
+                    <a:lnR w="12700" cap="flat" cmpd="sng" algn="ctr">
+                      <a:noFill/>
+                      <a:prstDash val="sysDot"/>
+                      <a:round/>
+                      <a:headEnd type="none" w="med" len="med"/>
+                      <a:tailEnd type="none" w="med" len="med"/>
+                    </a:lnR>
+                    <a:lnT w="12700" cap="flat" cmpd="sng" algn="ctr">
+                      <a:noFill/>
+                      <a:prstDash val="sysDot"/>
+                      <a:round/>
+                      <a:headEnd type="none" w="med" len="med"/>
+                      <a:tailEnd type="none" w="med" len="med"/>
+                    </a:lnT>
+                    <a:lnB w="12700" cap="flat" cmpd="sng" algn="ctr">
+                      <a:noFill/>
+                      <a:prstDash val="sysDot"/>
+                      <a:round/>
+                      <a:headEnd type="none" w="med" len="med"/>
+                      <a:tailEnd type="none" w="med" len="med"/>
+                    </a:lnB>
+                    <a:lnTlToBr w="12700" cmpd="sng">
+                      <a:noFill/>
+                      <a:prstDash val="solid"/>
+                    </a:lnTlToBr>
+                    <a:lnBlToTr w="12700" cmpd="sng">
+                      <a:noFill/>
+                      <a:prstDash val="solid"/>
+                    </a:lnBlToTr>
+                    <a:noFill/>
+                  </a:tcPr>
+                </a:tc>
+                <a:tc>
+                  <a:txBody>
+                    <a:bodyPr/>
+                    <a:lstStyle/>
+                    <a:p>
+                      <a:pPr algn="ctr"/>
+                      <a:endParaRPr lang="en-US" sz="1000" dirty="0">
+                        <a:solidFill>
+                          <a:schemeClr val="tx1"/>
+                        </a:solidFill>
+                        <a:latin typeface="Consolas" panose="020B0609020204030204" pitchFamily="49" charset="0"/>
+                      </a:endParaRPr>
+                    </a:p>
+                  </a:txBody>
+                  <a:tcPr marL="0" marR="0" marT="0" marB="0" anchor="ctr">
+                    <a:lnL w="12700" cap="flat" cmpd="sng" algn="ctr">
+                      <a:noFill/>
+                      <a:prstDash val="sysDot"/>
+                      <a:round/>
+                      <a:headEnd type="none" w="med" len="med"/>
+                      <a:tailEnd type="none" w="med" len="med"/>
+                    </a:lnL>
+                    <a:lnR w="12700" cap="flat" cmpd="sng" algn="ctr">
+                      <a:noFill/>
+                      <a:prstDash val="sysDot"/>
+                      <a:round/>
+                      <a:headEnd type="none" w="med" len="med"/>
+                      <a:tailEnd type="none" w="med" len="med"/>
+                    </a:lnR>
+                    <a:lnT w="12700" cap="flat" cmpd="sng" algn="ctr">
+                      <a:noFill/>
+                      <a:prstDash val="sysDot"/>
+                      <a:round/>
+                      <a:headEnd type="none" w="med" len="med"/>
+                      <a:tailEnd type="none" w="med" len="med"/>
+                    </a:lnT>
+                    <a:lnB w="12700" cap="flat" cmpd="sng" algn="ctr">
+                      <a:noFill/>
+                      <a:prstDash val="sysDot"/>
+                      <a:round/>
+                      <a:headEnd type="none" w="med" len="med"/>
+                      <a:tailEnd type="none" w="med" len="med"/>
+                    </a:lnB>
+                    <a:lnTlToBr w="12700" cmpd="sng">
+                      <a:noFill/>
+                      <a:prstDash val="solid"/>
+                    </a:lnTlToBr>
+                    <a:lnBlToTr w="12700" cmpd="sng">
+                      <a:noFill/>
+                      <a:prstDash val="solid"/>
+                    </a:lnBlToTr>
+                    <a:noFill/>
+                  </a:tcPr>
+                </a:tc>
+                <a:tc>
+                  <a:txBody>
+                    <a:bodyPr/>
+                    <a:lstStyle/>
+                    <a:p>
+                      <a:pPr algn="ctr"/>
+                      <a:endParaRPr lang="en-US" sz="1000" dirty="0">
+                        <a:solidFill>
+                          <a:schemeClr val="tx1"/>
+                        </a:solidFill>
+                        <a:latin typeface="Consolas" panose="020B0609020204030204" pitchFamily="49" charset="0"/>
+                      </a:endParaRPr>
+                    </a:p>
+                  </a:txBody>
+                  <a:tcPr marL="0" marR="0" marT="0" marB="0" anchor="ctr">
+                    <a:lnL w="12700" cap="flat" cmpd="sng" algn="ctr">
+                      <a:noFill/>
+                      <a:prstDash val="sysDot"/>
+                      <a:round/>
+                      <a:headEnd type="none" w="med" len="med"/>
+                      <a:tailEnd type="none" w="med" len="med"/>
+                    </a:lnL>
+                    <a:lnR w="12700" cap="flat" cmpd="sng" algn="ctr">
+                      <a:noFill/>
+                      <a:prstDash val="sysDot"/>
+                      <a:round/>
+                      <a:headEnd type="none" w="med" len="med"/>
+                      <a:tailEnd type="none" w="med" len="med"/>
+                    </a:lnR>
+                    <a:lnT w="12700" cap="flat" cmpd="sng" algn="ctr">
+                      <a:noFill/>
+                      <a:prstDash val="sysDot"/>
+                      <a:round/>
+                      <a:headEnd type="none" w="med" len="med"/>
+                      <a:tailEnd type="none" w="med" len="med"/>
+                    </a:lnT>
+                    <a:lnB w="12700" cap="flat" cmpd="sng" algn="ctr">
+                      <a:noFill/>
+                      <a:prstDash val="sysDot"/>
+                      <a:round/>
+                      <a:headEnd type="none" w="med" len="med"/>
+                      <a:tailEnd type="none" w="med" len="med"/>
+                    </a:lnB>
+                    <a:lnTlToBr w="12700" cmpd="sng">
+                      <a:noFill/>
+                      <a:prstDash val="solid"/>
+                    </a:lnTlToBr>
+                    <a:lnBlToTr w="12700" cmpd="sng">
+                      <a:noFill/>
+                      <a:prstDash val="solid"/>
+                    </a:lnBlToTr>
+                    <a:noFill/>
+                  </a:tcPr>
+                </a:tc>
+                <a:tc>
+                  <a:txBody>
+                    <a:bodyPr/>
+                    <a:lstStyle/>
+                    <a:p>
+                      <a:pPr algn="ctr"/>
+                      <a:endParaRPr lang="en-US" sz="1000" dirty="0">
+                        <a:solidFill>
+                          <a:schemeClr val="tx1"/>
+                        </a:solidFill>
+                        <a:latin typeface="Consolas" panose="020B0609020204030204" pitchFamily="49" charset="0"/>
+                      </a:endParaRPr>
+                    </a:p>
+                  </a:txBody>
+                  <a:tcPr marL="0" marR="0" marT="0" marB="0" anchor="ctr">
+                    <a:lnL w="12700" cap="flat" cmpd="sng" algn="ctr">
+                      <a:noFill/>
+                      <a:prstDash val="sysDot"/>
+                      <a:round/>
+                      <a:headEnd type="none" w="med" len="med"/>
+                      <a:tailEnd type="none" w="med" len="med"/>
+                    </a:lnL>
+                    <a:lnR w="12700" cap="flat" cmpd="sng" algn="ctr">
+                      <a:noFill/>
+                      <a:prstDash val="sysDot"/>
+                      <a:round/>
+                      <a:headEnd type="none" w="med" len="med"/>
+                      <a:tailEnd type="none" w="med" len="med"/>
+                    </a:lnR>
+                    <a:lnT w="12700" cap="flat" cmpd="sng" algn="ctr">
+                      <a:noFill/>
+                      <a:prstDash val="sysDot"/>
+                      <a:round/>
+                      <a:headEnd type="none" w="med" len="med"/>
+                      <a:tailEnd type="none" w="med" len="med"/>
+                    </a:lnT>
+                    <a:lnB w="12700" cap="flat" cmpd="sng" algn="ctr">
+                      <a:noFill/>
+                      <a:prstDash val="sysDot"/>
+                      <a:round/>
+                      <a:headEnd type="none" w="med" len="med"/>
+                      <a:tailEnd type="none" w="med" len="med"/>
+                    </a:lnB>
+                    <a:lnTlToBr w="12700" cmpd="sng">
+                      <a:noFill/>
+                      <a:prstDash val="solid"/>
+                    </a:lnTlToBr>
+                    <a:lnBlToTr w="12700" cmpd="sng">
+                      <a:noFill/>
+                      <a:prstDash val="solid"/>
+                    </a:lnBlToTr>
+                    <a:noFill/>
+                  </a:tcPr>
+                </a:tc>
+                <a:tc>
+                  <a:txBody>
+                    <a:bodyPr/>
+                    <a:lstStyle/>
+                    <a:p>
+                      <a:pPr algn="ctr"/>
+                      <a:endParaRPr lang="en-US" sz="1000" dirty="0">
+                        <a:solidFill>
+                          <a:schemeClr val="tx1"/>
+                        </a:solidFill>
+                        <a:latin typeface="Consolas" panose="020B0609020204030204" pitchFamily="49" charset="0"/>
+                      </a:endParaRPr>
+                    </a:p>
+                  </a:txBody>
+                  <a:tcPr marL="0" marR="0" marT="0" marB="0" anchor="ctr">
+                    <a:lnL w="12700" cap="flat" cmpd="sng" algn="ctr">
+                      <a:noFill/>
+                      <a:prstDash val="sysDot"/>
+                      <a:round/>
+                      <a:headEnd type="none" w="med" len="med"/>
+                      <a:tailEnd type="none" w="med" len="med"/>
+                    </a:lnL>
+                    <a:lnR w="12700" cap="flat" cmpd="sng" algn="ctr">
+                      <a:noFill/>
+                      <a:prstDash val="sysDot"/>
+                      <a:round/>
+                      <a:headEnd type="none" w="med" len="med"/>
+                      <a:tailEnd type="none" w="med" len="med"/>
+                    </a:lnR>
+                    <a:lnT w="12700" cap="flat" cmpd="sng" algn="ctr">
+                      <a:noFill/>
+                      <a:prstDash val="sysDot"/>
+                      <a:round/>
+                      <a:headEnd type="none" w="med" len="med"/>
+                      <a:tailEnd type="none" w="med" len="med"/>
+                    </a:lnT>
+                    <a:lnB w="12700" cap="flat" cmpd="sng" algn="ctr">
+                      <a:noFill/>
+                      <a:prstDash val="sysDot"/>
+                      <a:round/>
+                      <a:headEnd type="none" w="med" len="med"/>
+                      <a:tailEnd type="none" w="med" len="med"/>
+                    </a:lnB>
+                    <a:lnTlToBr w="12700" cmpd="sng">
+                      <a:noFill/>
+                      <a:prstDash val="solid"/>
+                    </a:lnTlToBr>
+                    <a:lnBlToTr w="12700" cmpd="sng">
+                      <a:noFill/>
+                      <a:prstDash val="solid"/>
+                    </a:lnBlToTr>
+                    <a:noFill/>
+                  </a:tcPr>
+                </a:tc>
+                <a:extLst>
+                  <a:ext uri="{0D108BD9-81ED-4DB2-BD59-A6C34878D82A}">
+                    <a16:rowId xmlns:a16="http://schemas.microsoft.com/office/drawing/2014/main" val="3334782150"/>
+                  </a:ext>
+                </a:extLst>
+              </a:tr>
+            </a:tbl>
+          </a:graphicData>
+        </a:graphic>
+      </p:graphicFrame>
+    </p:spTree>
+    <p:extLst>
+      <p:ext uri="{BB962C8B-B14F-4D97-AF65-F5344CB8AC3E}">
+        <p14:creationId xmlns:p14="http://schemas.microsoft.com/office/powerpoint/2010/main" val="1584556639"/>
+      </p:ext>
+    </p:extLst>
+  </p:cSld>
+  <p:clrMapOvr>
+    <a:masterClrMapping/>
+  </p:clrMapOvr>
+</p:sld>
+</file>
+
+<file path=ppt/slides/slide16.xml><?xml version="1.0" encoding="utf-8"?>
+<p:sld xmlns:a="http://schemas.openxmlformats.org/drawingml/2006/main" xmlns:r="http://schemas.openxmlformats.org/officeDocument/2006/relationships" xmlns:p="http://schemas.openxmlformats.org/presentationml/2006/main">
+  <p:cSld>
+    <p:bg>
+      <p:bgPr>
+        <a:solidFill>
+          <a:schemeClr val="bg1"/>
+        </a:solidFill>
+        <a:effectLst/>
+      </p:bgPr>
+    </p:bg>
+    <p:spTree>
+      <p:nvGrpSpPr>
+        <p:cNvPr id="1" name=""/>
+        <p:cNvGrpSpPr/>
+        <p:nvPr/>
+      </p:nvGrpSpPr>
+      <p:grpSpPr>
+        <a:xfrm>
+          <a:off x="0" y="0"/>
+          <a:ext cx="0" cy="0"/>
+          <a:chOff x="0" y="0"/>
+          <a:chExt cx="0" cy="0"/>
+        </a:xfrm>
+      </p:grpSpPr>
+      <p:sp>
+        <p:nvSpPr>
+          <p:cNvPr id="2" name="TextBox 1">
+            <a:extLst>
+              <a:ext uri="{FF2B5EF4-FFF2-40B4-BE49-F238E27FC236}">
+                <a16:creationId xmlns:a16="http://schemas.microsoft.com/office/drawing/2014/main" id="{BB1A3341-6B33-46DA-A8CD-A74C5B269479}"/>
+              </a:ext>
+            </a:extLst>
+          </p:cNvPr>
+          <p:cNvSpPr txBox="1"/>
+          <p:nvPr/>
+        </p:nvSpPr>
+        <p:spPr>
+          <a:xfrm>
+            <a:off x="275891" y="246490"/>
+            <a:ext cx="1728393" cy="584775"/>
+          </a:xfrm>
+          <a:prstGeom prst="rect">
+            <a:avLst/>
+          </a:prstGeom>
+          <a:noFill/>
+          <a:effectLst/>
+        </p:spPr>
+        <p:txBody>
+          <a:bodyPr wrap="square" rtlCol="0">
+            <a:spAutoFit/>
+          </a:bodyPr>
+          <a:lstStyle/>
+          <a:p>
+            <a:pPr algn="ctr"/>
+            <a:r>
+              <a:rPr lang="en-US" sz="3200" dirty="0">
+                <a:latin typeface="Kristen ITC" panose="03050502040202030202" pitchFamily="66" charset="0"/>
+              </a:rPr>
+              <a:t>DEC</a:t>
+            </a:r>
+          </a:p>
+        </p:txBody>
+      </p:sp>
+      <p:graphicFrame>
+        <p:nvGraphicFramePr>
+          <p:cNvPr id="3" name="Table 12">
+            <a:extLst>
+              <a:ext uri="{FF2B5EF4-FFF2-40B4-BE49-F238E27FC236}">
+                <a16:creationId xmlns:a16="http://schemas.microsoft.com/office/drawing/2014/main" id="{EFFBD7EF-0BD3-489A-A340-2EA973D26821}"/>
+              </a:ext>
+            </a:extLst>
+          </p:cNvPr>
+          <p:cNvGraphicFramePr>
+            <a:graphicFrameLocks noGrp="1"/>
+          </p:cNvGraphicFramePr>
+          <p:nvPr>
+            <p:extLst>
+              <p:ext uri="{D42A27DB-BD31-4B8C-83A1-F6EECF244321}">
+                <p14:modId xmlns:p14="http://schemas.microsoft.com/office/powerpoint/2010/main" val="4068593103"/>
+              </p:ext>
+            </p:extLst>
+          </p:nvPr>
+        </p:nvGraphicFramePr>
+        <p:xfrm>
+          <a:off x="168511" y="754351"/>
+          <a:ext cx="1943151" cy="1220070"/>
+        </p:xfrm>
+        <a:graphic>
+          <a:graphicData uri="http://schemas.openxmlformats.org/drawingml/2006/table">
+            <a:tbl>
+              <a:tblPr firstRow="1" bandRow="1">
+                <a:tableStyleId>{5C22544A-7EE6-4342-B048-85BDC9FD1C3A}</a:tableStyleId>
+              </a:tblPr>
+              <a:tblGrid>
+                <a:gridCol w="277593">
+                  <a:extLst>
+                    <a:ext uri="{9D8B030D-6E8A-4147-A177-3AD203B41FA5}">
+                      <a16:colId xmlns:a16="http://schemas.microsoft.com/office/drawing/2014/main" val="2738528116"/>
+                    </a:ext>
+                  </a:extLst>
+                </a:gridCol>
+                <a:gridCol w="277593">
+                  <a:extLst>
+                    <a:ext uri="{9D8B030D-6E8A-4147-A177-3AD203B41FA5}">
+                      <a16:colId xmlns:a16="http://schemas.microsoft.com/office/drawing/2014/main" val="2065245427"/>
+                    </a:ext>
+                  </a:extLst>
+                </a:gridCol>
+                <a:gridCol w="277593">
+                  <a:extLst>
+                    <a:ext uri="{9D8B030D-6E8A-4147-A177-3AD203B41FA5}">
+                      <a16:colId xmlns:a16="http://schemas.microsoft.com/office/drawing/2014/main" val="1783999147"/>
+                    </a:ext>
+                  </a:extLst>
+                </a:gridCol>
+                <a:gridCol w="277593">
+                  <a:extLst>
+                    <a:ext uri="{9D8B030D-6E8A-4147-A177-3AD203B41FA5}">
+                      <a16:colId xmlns:a16="http://schemas.microsoft.com/office/drawing/2014/main" val="3883858860"/>
+                    </a:ext>
+                  </a:extLst>
+                </a:gridCol>
+                <a:gridCol w="277593">
+                  <a:extLst>
+                    <a:ext uri="{9D8B030D-6E8A-4147-A177-3AD203B41FA5}">
+                      <a16:colId xmlns:a16="http://schemas.microsoft.com/office/drawing/2014/main" val="2395704738"/>
+                    </a:ext>
+                  </a:extLst>
+                </a:gridCol>
+                <a:gridCol w="277593">
+                  <a:extLst>
+                    <a:ext uri="{9D8B030D-6E8A-4147-A177-3AD203B41FA5}">
+                      <a16:colId xmlns:a16="http://schemas.microsoft.com/office/drawing/2014/main" val="1337388969"/>
+                    </a:ext>
+                  </a:extLst>
+                </a:gridCol>
+                <a:gridCol w="277593">
+                  <a:extLst>
+                    <a:ext uri="{9D8B030D-6E8A-4147-A177-3AD203B41FA5}">
+                      <a16:colId xmlns:a16="http://schemas.microsoft.com/office/drawing/2014/main" val="2136939679"/>
+                    </a:ext>
+                  </a:extLst>
+                </a:gridCol>
+              </a:tblGrid>
+              <a:tr h="203345">
+                <a:tc>
+                  <a:txBody>
+                    <a:bodyPr/>
+                    <a:lstStyle/>
+                    <a:p>
+                      <a:pPr algn="ctr"/>
+                      <a:r>
+                        <a:rPr lang="en-US" sz="1050" b="1" dirty="0">
+                          <a:solidFill>
+                            <a:schemeClr val="tx1"/>
+                          </a:solidFill>
+                          <a:latin typeface="Consolas" panose="020B0609020204030204" pitchFamily="49" charset="0"/>
+                        </a:rPr>
+                        <a:t>M</a:t>
+                      </a:r>
+                    </a:p>
+                  </a:txBody>
+                  <a:tcPr marL="0" marR="0" marT="0" marB="0" anchor="ctr">
+                    <a:lnL w="12700" cap="flat" cmpd="sng" algn="ctr">
+                      <a:noFill/>
+                      <a:prstDash val="sysDot"/>
+                      <a:round/>
+                      <a:headEnd type="none" w="med" len="med"/>
+                      <a:tailEnd type="none" w="med" len="med"/>
+                    </a:lnL>
+                    <a:lnR w="12700" cap="flat" cmpd="sng" algn="ctr">
+                      <a:noFill/>
+                      <a:prstDash val="sysDot"/>
+                      <a:round/>
+                      <a:headEnd type="none" w="med" len="med"/>
+                      <a:tailEnd type="none" w="med" len="med"/>
+                    </a:lnR>
+                    <a:lnT w="12700" cap="flat" cmpd="sng" algn="ctr">
+                      <a:noFill/>
+                      <a:prstDash val="sysDot"/>
+                      <a:round/>
+                      <a:headEnd type="none" w="med" len="med"/>
+                      <a:tailEnd type="none" w="med" len="med"/>
+                    </a:lnT>
+                    <a:lnB w="12700" cap="flat" cmpd="sng" algn="ctr">
+                      <a:solidFill>
+                        <a:schemeClr val="tx1"/>
+                      </a:solidFill>
+                      <a:prstDash val="solid"/>
+                      <a:round/>
+                      <a:headEnd type="none" w="med" len="med"/>
+                      <a:tailEnd type="none" w="med" len="med"/>
+                    </a:lnB>
+                    <a:lnTlToBr w="12700" cmpd="sng">
+                      <a:noFill/>
+                      <a:prstDash val="solid"/>
+                    </a:lnTlToBr>
+                    <a:lnBlToTr w="12700" cmpd="sng">
+                      <a:noFill/>
+                      <a:prstDash val="solid"/>
+                    </a:lnBlToTr>
+                    <a:noFill/>
+                  </a:tcPr>
+                </a:tc>
+                <a:tc>
+                  <a:txBody>
+                    <a:bodyPr/>
+                    <a:lstStyle/>
+                    <a:p>
+                      <a:pPr algn="ctr"/>
+                      <a:r>
+                        <a:rPr lang="en-US" sz="1050" dirty="0">
+                          <a:solidFill>
+                            <a:schemeClr val="tx1"/>
+                          </a:solidFill>
+                          <a:latin typeface="Consolas" panose="020B0609020204030204" pitchFamily="49" charset="0"/>
+                        </a:rPr>
+                        <a:t>T</a:t>
+                      </a:r>
+                    </a:p>
+                  </a:txBody>
+                  <a:tcPr marL="0" marR="0" marT="0" marB="0" anchor="ctr">
+                    <a:lnL w="12700" cap="flat" cmpd="sng" algn="ctr">
+                      <a:noFill/>
+                      <a:prstDash val="sysDot"/>
+                      <a:round/>
+                      <a:headEnd type="none" w="med" len="med"/>
+                      <a:tailEnd type="none" w="med" len="med"/>
+                    </a:lnL>
+                    <a:lnR w="12700" cap="flat" cmpd="sng" algn="ctr">
+                      <a:noFill/>
+                      <a:prstDash val="sysDot"/>
+                      <a:round/>
+                      <a:headEnd type="none" w="med" len="med"/>
+                      <a:tailEnd type="none" w="med" len="med"/>
+                    </a:lnR>
+                    <a:lnT w="12700" cap="flat" cmpd="sng" algn="ctr">
+                      <a:noFill/>
+                      <a:prstDash val="sysDot"/>
+                      <a:round/>
+                      <a:headEnd type="none" w="med" len="med"/>
+                      <a:tailEnd type="none" w="med" len="med"/>
+                    </a:lnT>
+                    <a:lnB w="12700" cap="flat" cmpd="sng" algn="ctr">
+                      <a:solidFill>
+                        <a:schemeClr val="tx1"/>
+                      </a:solidFill>
+                      <a:prstDash val="solid"/>
+                      <a:round/>
+                      <a:headEnd type="none" w="med" len="med"/>
+                      <a:tailEnd type="none" w="med" len="med"/>
+                    </a:lnB>
+                    <a:lnTlToBr w="12700" cmpd="sng">
+                      <a:noFill/>
+                      <a:prstDash val="solid"/>
+                    </a:lnTlToBr>
+                    <a:lnBlToTr w="12700" cmpd="sng">
+                      <a:noFill/>
+                      <a:prstDash val="solid"/>
+                    </a:lnBlToTr>
+                    <a:noFill/>
+                  </a:tcPr>
+                </a:tc>
+                <a:tc>
+                  <a:txBody>
+                    <a:bodyPr/>
+                    <a:lstStyle/>
+                    <a:p>
+                      <a:pPr algn="ctr"/>
+                      <a:r>
+                        <a:rPr lang="en-US" sz="1050" dirty="0">
+                          <a:solidFill>
+                            <a:schemeClr val="tx1"/>
+                          </a:solidFill>
+                          <a:latin typeface="Consolas" panose="020B0609020204030204" pitchFamily="49" charset="0"/>
+                        </a:rPr>
+                        <a:t>W</a:t>
+                      </a:r>
+                    </a:p>
+                  </a:txBody>
+                  <a:tcPr marL="0" marR="0" marT="0" marB="0" anchor="ctr">
+                    <a:lnL w="12700" cap="flat" cmpd="sng" algn="ctr">
+                      <a:noFill/>
+                      <a:prstDash val="sysDot"/>
+                      <a:round/>
+                      <a:headEnd type="none" w="med" len="med"/>
+                      <a:tailEnd type="none" w="med" len="med"/>
+                    </a:lnL>
+                    <a:lnR w="12700" cap="flat" cmpd="sng" algn="ctr">
+                      <a:noFill/>
+                      <a:prstDash val="sysDot"/>
+                      <a:round/>
+                      <a:headEnd type="none" w="med" len="med"/>
+                      <a:tailEnd type="none" w="med" len="med"/>
+                    </a:lnR>
+                    <a:lnT w="12700" cap="flat" cmpd="sng" algn="ctr">
+                      <a:noFill/>
+                      <a:prstDash val="sysDot"/>
+                      <a:round/>
+                      <a:headEnd type="none" w="med" len="med"/>
+                      <a:tailEnd type="none" w="med" len="med"/>
+                    </a:lnT>
+                    <a:lnB w="12700" cap="flat" cmpd="sng" algn="ctr">
+                      <a:solidFill>
+                        <a:schemeClr val="tx1"/>
+                      </a:solidFill>
+                      <a:prstDash val="solid"/>
+                      <a:round/>
+                      <a:headEnd type="none" w="med" len="med"/>
+                      <a:tailEnd type="none" w="med" len="med"/>
+                    </a:lnB>
+                    <a:lnTlToBr w="12700" cmpd="sng">
+                      <a:noFill/>
+                      <a:prstDash val="solid"/>
+                    </a:lnTlToBr>
+                    <a:lnBlToTr w="12700" cmpd="sng">
+                      <a:noFill/>
+                      <a:prstDash val="solid"/>
+                    </a:lnBlToTr>
+                    <a:noFill/>
+                  </a:tcPr>
+                </a:tc>
+                <a:tc>
+                  <a:txBody>
+                    <a:bodyPr/>
+                    <a:lstStyle/>
+                    <a:p>
+                      <a:pPr algn="ctr"/>
+                      <a:r>
+                        <a:rPr lang="en-US" sz="1050" dirty="0">
+                          <a:solidFill>
+                            <a:schemeClr val="tx1"/>
+                          </a:solidFill>
+                          <a:latin typeface="Consolas" panose="020B0609020204030204" pitchFamily="49" charset="0"/>
+                        </a:rPr>
+                        <a:t>R</a:t>
+                      </a:r>
+                    </a:p>
+                  </a:txBody>
+                  <a:tcPr marL="0" marR="0" marT="0" marB="0" anchor="ctr">
+                    <a:lnL w="12700" cap="flat" cmpd="sng" algn="ctr">
+                      <a:noFill/>
+                      <a:prstDash val="sysDot"/>
+                      <a:round/>
+                      <a:headEnd type="none" w="med" len="med"/>
+                      <a:tailEnd type="none" w="med" len="med"/>
+                    </a:lnL>
+                    <a:lnR w="12700" cap="flat" cmpd="sng" algn="ctr">
+                      <a:noFill/>
+                      <a:prstDash val="sysDot"/>
+                      <a:round/>
+                      <a:headEnd type="none" w="med" len="med"/>
+                      <a:tailEnd type="none" w="med" len="med"/>
+                    </a:lnR>
+                    <a:lnT w="12700" cap="flat" cmpd="sng" algn="ctr">
+                      <a:noFill/>
+                      <a:prstDash val="sysDot"/>
+                      <a:round/>
+                      <a:headEnd type="none" w="med" len="med"/>
+                      <a:tailEnd type="none" w="med" len="med"/>
+                    </a:lnT>
+                    <a:lnB w="12700" cap="flat" cmpd="sng" algn="ctr">
+                      <a:solidFill>
+                        <a:schemeClr val="tx1"/>
+                      </a:solidFill>
+                      <a:prstDash val="solid"/>
+                      <a:round/>
+                      <a:headEnd type="none" w="med" len="med"/>
+                      <a:tailEnd type="none" w="med" len="med"/>
+                    </a:lnB>
+                    <a:lnTlToBr w="12700" cmpd="sng">
+                      <a:noFill/>
+                      <a:prstDash val="solid"/>
+                    </a:lnTlToBr>
+                    <a:lnBlToTr w="12700" cmpd="sng">
+                      <a:noFill/>
+                      <a:prstDash val="solid"/>
+                    </a:lnBlToTr>
+                    <a:noFill/>
+                  </a:tcPr>
+                </a:tc>
+                <a:tc>
+                  <a:txBody>
+                    <a:bodyPr/>
+                    <a:lstStyle/>
+                    <a:p>
+                      <a:pPr algn="ctr"/>
+                      <a:r>
+                        <a:rPr lang="en-US" sz="1050" dirty="0">
+                          <a:solidFill>
+                            <a:schemeClr val="tx1"/>
+                          </a:solidFill>
+                          <a:latin typeface="Consolas" panose="020B0609020204030204" pitchFamily="49" charset="0"/>
+                        </a:rPr>
+                        <a:t>F</a:t>
+                      </a:r>
+                    </a:p>
+                  </a:txBody>
+                  <a:tcPr marL="0" marR="0" marT="0" marB="0" anchor="ctr">
+                    <a:lnL w="12700" cap="flat" cmpd="sng" algn="ctr">
+                      <a:noFill/>
+                      <a:prstDash val="sysDot"/>
+                      <a:round/>
+                      <a:headEnd type="none" w="med" len="med"/>
+                      <a:tailEnd type="none" w="med" len="med"/>
+                    </a:lnL>
+                    <a:lnR w="12700" cap="flat" cmpd="sng" algn="ctr">
+                      <a:noFill/>
+                      <a:prstDash val="sysDot"/>
+                      <a:round/>
+                      <a:headEnd type="none" w="med" len="med"/>
+                      <a:tailEnd type="none" w="med" len="med"/>
+                    </a:lnR>
+                    <a:lnT w="12700" cap="flat" cmpd="sng" algn="ctr">
+                      <a:noFill/>
+                      <a:prstDash val="sysDot"/>
+                      <a:round/>
+                      <a:headEnd type="none" w="med" len="med"/>
+                      <a:tailEnd type="none" w="med" len="med"/>
+                    </a:lnT>
+                    <a:lnB w="12700" cap="flat" cmpd="sng" algn="ctr">
+                      <a:solidFill>
+                        <a:schemeClr val="tx1"/>
+                      </a:solidFill>
+                      <a:prstDash val="solid"/>
+                      <a:round/>
+                      <a:headEnd type="none" w="med" len="med"/>
+                      <a:tailEnd type="none" w="med" len="med"/>
+                    </a:lnB>
+                    <a:lnTlToBr w="12700" cmpd="sng">
+                      <a:noFill/>
+                      <a:prstDash val="solid"/>
+                    </a:lnTlToBr>
+                    <a:lnBlToTr w="12700" cmpd="sng">
+                      <a:noFill/>
+                      <a:prstDash val="solid"/>
+                    </a:lnBlToTr>
+                    <a:noFill/>
+                  </a:tcPr>
+                </a:tc>
+                <a:tc>
+                  <a:txBody>
+                    <a:bodyPr/>
+                    <a:lstStyle/>
+                    <a:p>
+                      <a:pPr algn="ctr"/>
+                      <a:r>
+                        <a:rPr lang="en-US" sz="1050" dirty="0">
+                          <a:solidFill>
+                            <a:schemeClr val="tx1"/>
+                          </a:solidFill>
+                          <a:latin typeface="Consolas" panose="020B0609020204030204" pitchFamily="49" charset="0"/>
+                        </a:rPr>
+                        <a:t>A</a:t>
+                      </a:r>
+                    </a:p>
+                  </a:txBody>
+                  <a:tcPr marL="0" marR="0" marT="0" marB="0" anchor="ctr">
+                    <a:lnL w="12700" cap="flat" cmpd="sng" algn="ctr">
+                      <a:noFill/>
+                      <a:prstDash val="sysDot"/>
+                      <a:round/>
+                      <a:headEnd type="none" w="med" len="med"/>
+                      <a:tailEnd type="none" w="med" len="med"/>
+                    </a:lnL>
+                    <a:lnR w="12700" cap="flat" cmpd="sng" algn="ctr">
+                      <a:noFill/>
+                      <a:prstDash val="sysDot"/>
+                      <a:round/>
+                      <a:headEnd type="none" w="med" len="med"/>
+                      <a:tailEnd type="none" w="med" len="med"/>
+                    </a:lnR>
+                    <a:lnT w="12700" cap="flat" cmpd="sng" algn="ctr">
+                      <a:noFill/>
+                      <a:prstDash val="sysDot"/>
+                      <a:round/>
+                      <a:headEnd type="none" w="med" len="med"/>
+                      <a:tailEnd type="none" w="med" len="med"/>
+                    </a:lnT>
+                    <a:lnB w="12700" cap="flat" cmpd="sng" algn="ctr">
+                      <a:solidFill>
+                        <a:schemeClr val="tx1"/>
+                      </a:solidFill>
+                      <a:prstDash val="solid"/>
+                      <a:round/>
+                      <a:headEnd type="none" w="med" len="med"/>
+                      <a:tailEnd type="none" w="med" len="med"/>
+                    </a:lnB>
+                    <a:lnTlToBr w="12700" cmpd="sng">
+                      <a:noFill/>
+                      <a:prstDash val="solid"/>
+                    </a:lnTlToBr>
+                    <a:lnBlToTr w="12700" cmpd="sng">
+                      <a:noFill/>
+                      <a:prstDash val="solid"/>
+                    </a:lnBlToTr>
+                    <a:noFill/>
+                  </a:tcPr>
+                </a:tc>
+                <a:tc>
+                  <a:txBody>
+                    <a:bodyPr/>
+                    <a:lstStyle/>
+                    <a:p>
+                      <a:pPr algn="ctr"/>
+                      <a:r>
+                        <a:rPr lang="en-US" sz="1050" dirty="0">
+                          <a:solidFill>
+                            <a:schemeClr val="tx1"/>
+                          </a:solidFill>
+                          <a:latin typeface="Consolas" panose="020B0609020204030204" pitchFamily="49" charset="0"/>
+                        </a:rPr>
+                        <a:t>U</a:t>
+                      </a:r>
+                    </a:p>
+                  </a:txBody>
+                  <a:tcPr marL="0" marR="0" marT="0" marB="0" anchor="ctr">
+                    <a:lnL w="12700" cap="flat" cmpd="sng" algn="ctr">
+                      <a:noFill/>
+                      <a:prstDash val="sysDot"/>
+                      <a:round/>
+                      <a:headEnd type="none" w="med" len="med"/>
+                      <a:tailEnd type="none" w="med" len="med"/>
+                    </a:lnL>
+                    <a:lnR w="12700" cap="flat" cmpd="sng" algn="ctr">
+                      <a:noFill/>
+                      <a:prstDash val="sysDot"/>
+                      <a:round/>
+                      <a:headEnd type="none" w="med" len="med"/>
+                      <a:tailEnd type="none" w="med" len="med"/>
+                    </a:lnR>
+                    <a:lnT w="12700" cap="flat" cmpd="sng" algn="ctr">
+                      <a:noFill/>
+                      <a:prstDash val="sysDot"/>
+                      <a:round/>
+                      <a:headEnd type="none" w="med" len="med"/>
+                      <a:tailEnd type="none" w="med" len="med"/>
+                    </a:lnT>
+                    <a:lnB w="12700" cap="flat" cmpd="sng" algn="ctr">
+                      <a:solidFill>
+                        <a:schemeClr val="tx1"/>
+                      </a:solidFill>
+                      <a:prstDash val="solid"/>
+                      <a:round/>
+                      <a:headEnd type="none" w="med" len="med"/>
+                      <a:tailEnd type="none" w="med" len="med"/>
+                    </a:lnB>
+                    <a:lnTlToBr w="12700" cmpd="sng">
+                      <a:noFill/>
+                      <a:prstDash val="solid"/>
+                    </a:lnTlToBr>
+                    <a:lnBlToTr w="12700" cmpd="sng">
+                      <a:noFill/>
+                      <a:prstDash val="solid"/>
+                    </a:lnBlToTr>
+                    <a:noFill/>
+                  </a:tcPr>
+                </a:tc>
+                <a:extLst>
+                  <a:ext uri="{0D108BD9-81ED-4DB2-BD59-A6C34878D82A}">
+                    <a16:rowId xmlns:a16="http://schemas.microsoft.com/office/drawing/2014/main" val="1046638443"/>
+                  </a:ext>
+                </a:extLst>
+              </a:tr>
+              <a:tr h="203345">
+                <a:tc>
+                  <a:txBody>
+                    <a:bodyPr/>
+                    <a:lstStyle/>
+                    <a:p>
+                      <a:pPr algn="ctr"/>
+                      <a:endParaRPr lang="en-US" sz="1000" dirty="0">
+                        <a:solidFill>
+                          <a:schemeClr val="tx1"/>
+                        </a:solidFill>
+                        <a:latin typeface="Consolas" panose="020B0609020204030204" pitchFamily="49" charset="0"/>
+                      </a:endParaRPr>
+                    </a:p>
+                  </a:txBody>
+                  <a:tcPr marL="0" marR="0" marT="0" marB="0" anchor="ctr">
+                    <a:lnL w="12700" cap="flat" cmpd="sng" algn="ctr">
+                      <a:noFill/>
+                      <a:prstDash val="sysDot"/>
+                      <a:round/>
+                      <a:headEnd type="none" w="med" len="med"/>
+                      <a:tailEnd type="none" w="med" len="med"/>
+                    </a:lnL>
+                    <a:lnR w="12700" cap="flat" cmpd="sng" algn="ctr">
+                      <a:noFill/>
+                      <a:prstDash val="sysDot"/>
+                      <a:round/>
+                      <a:headEnd type="none" w="med" len="med"/>
+                      <a:tailEnd type="none" w="med" len="med"/>
+                    </a:lnR>
+                    <a:lnT w="12700" cap="flat" cmpd="sng" algn="ctr">
+                      <a:solidFill>
+                        <a:schemeClr val="tx1"/>
+                      </a:solidFill>
+                      <a:prstDash val="solid"/>
+                      <a:round/>
+                      <a:headEnd type="none" w="med" len="med"/>
+                      <a:tailEnd type="none" w="med" len="med"/>
+                    </a:lnT>
+                    <a:lnB w="12700" cap="flat" cmpd="sng" algn="ctr">
+                      <a:noFill/>
+                      <a:prstDash val="sysDot"/>
+                      <a:round/>
+                      <a:headEnd type="none" w="med" len="med"/>
+                      <a:tailEnd type="none" w="med" len="med"/>
+                    </a:lnB>
+                    <a:lnTlToBr w="12700" cmpd="sng">
+                      <a:noFill/>
+                      <a:prstDash val="solid"/>
+                    </a:lnTlToBr>
+                    <a:lnBlToTr w="12700" cmpd="sng">
+                      <a:noFill/>
+                      <a:prstDash val="solid"/>
+                    </a:lnBlToTr>
+                    <a:noFill/>
+                  </a:tcPr>
+                </a:tc>
+                <a:tc>
+                  <a:txBody>
+                    <a:bodyPr/>
+                    <a:lstStyle/>
+                    <a:p>
+                      <a:pPr algn="ctr"/>
+                      <a:endParaRPr lang="en-US" sz="1000" dirty="0">
+                        <a:solidFill>
+                          <a:schemeClr val="tx1"/>
+                        </a:solidFill>
+                        <a:latin typeface="Consolas" panose="020B0609020204030204" pitchFamily="49" charset="0"/>
+                      </a:endParaRPr>
+                    </a:p>
+                  </a:txBody>
+                  <a:tcPr marL="0" marR="0" marT="0" marB="0" anchor="ctr">
+                    <a:lnL w="12700" cap="flat" cmpd="sng" algn="ctr">
+                      <a:noFill/>
+                      <a:prstDash val="sysDot"/>
+                      <a:round/>
+                      <a:headEnd type="none" w="med" len="med"/>
+                      <a:tailEnd type="none" w="med" len="med"/>
+                    </a:lnL>
+                    <a:lnR w="12700" cap="flat" cmpd="sng" algn="ctr">
+                      <a:noFill/>
+                      <a:prstDash val="sysDot"/>
+                      <a:round/>
+                      <a:headEnd type="none" w="med" len="med"/>
+                      <a:tailEnd type="none" w="med" len="med"/>
+                    </a:lnR>
+                    <a:lnT w="12700" cap="flat" cmpd="sng" algn="ctr">
+                      <a:solidFill>
+                        <a:schemeClr val="tx1"/>
+                      </a:solidFill>
+                      <a:prstDash val="solid"/>
+                      <a:round/>
+                      <a:headEnd type="none" w="med" len="med"/>
+                      <a:tailEnd type="none" w="med" len="med"/>
+                    </a:lnT>
+                    <a:lnB w="12700" cap="flat" cmpd="sng" algn="ctr">
+                      <a:noFill/>
+                      <a:prstDash val="sysDot"/>
+                      <a:round/>
+                      <a:headEnd type="none" w="med" len="med"/>
+                      <a:tailEnd type="none" w="med" len="med"/>
+                    </a:lnB>
+                    <a:lnTlToBr w="12700" cmpd="sng">
+                      <a:noFill/>
+                      <a:prstDash val="solid"/>
+                    </a:lnTlToBr>
+                    <a:lnBlToTr w="12700" cmpd="sng">
+                      <a:noFill/>
+                      <a:prstDash val="solid"/>
+                    </a:lnBlToTr>
+                    <a:noFill/>
+                  </a:tcPr>
+                </a:tc>
+                <a:tc>
+                  <a:txBody>
+                    <a:bodyPr/>
+                    <a:lstStyle/>
+                    <a:p>
+                      <a:pPr algn="ctr"/>
+                      <a:r>
+                        <a:rPr lang="en-US" sz="1000" dirty="0">
+                          <a:solidFill>
+                            <a:schemeClr val="tx1"/>
+                          </a:solidFill>
+                          <a:latin typeface="Consolas" panose="020B0609020204030204" pitchFamily="49" charset="0"/>
+                        </a:rPr>
+                        <a:t>1</a:t>
+                      </a:r>
+                    </a:p>
+                  </a:txBody>
+                  <a:tcPr marL="0" marR="0" marT="0" marB="0" anchor="ctr">
+                    <a:lnL w="12700" cap="flat" cmpd="sng" algn="ctr">
+                      <a:noFill/>
+                      <a:prstDash val="sysDot"/>
+                      <a:round/>
+                      <a:headEnd type="none" w="med" len="med"/>
+                      <a:tailEnd type="none" w="med" len="med"/>
+                    </a:lnL>
+                    <a:lnR w="12700" cap="flat" cmpd="sng" algn="ctr">
+                      <a:noFill/>
+                      <a:prstDash val="sysDot"/>
+                      <a:round/>
+                      <a:headEnd type="none" w="med" len="med"/>
+                      <a:tailEnd type="none" w="med" len="med"/>
+                    </a:lnR>
+                    <a:lnT w="12700" cap="flat" cmpd="sng" algn="ctr">
+                      <a:solidFill>
+                        <a:schemeClr val="tx1"/>
+                      </a:solidFill>
+                      <a:prstDash val="solid"/>
+                      <a:round/>
+                      <a:headEnd type="none" w="med" len="med"/>
+                      <a:tailEnd type="none" w="med" len="med"/>
+                    </a:lnT>
+                    <a:lnB w="12700" cap="flat" cmpd="sng" algn="ctr">
+                      <a:noFill/>
+                      <a:prstDash val="sysDot"/>
+                      <a:round/>
+                      <a:headEnd type="none" w="med" len="med"/>
+                      <a:tailEnd type="none" w="med" len="med"/>
+                    </a:lnB>
+                    <a:lnTlToBr w="12700" cmpd="sng">
+                      <a:noFill/>
+                      <a:prstDash val="solid"/>
+                    </a:lnTlToBr>
+                    <a:lnBlToTr w="12700" cmpd="sng">
+                      <a:noFill/>
+                      <a:prstDash val="solid"/>
+                    </a:lnBlToTr>
+                    <a:noFill/>
+                  </a:tcPr>
+                </a:tc>
+                <a:tc>
+                  <a:txBody>
+                    <a:bodyPr/>
+                    <a:lstStyle/>
+                    <a:p>
+                      <a:pPr algn="ctr"/>
+                      <a:r>
+                        <a:rPr lang="en-US" sz="1000" dirty="0">
+                          <a:solidFill>
+                            <a:schemeClr val="tx1"/>
+                          </a:solidFill>
+                          <a:latin typeface="Consolas" panose="020B0609020204030204" pitchFamily="49" charset="0"/>
+                        </a:rPr>
+                        <a:t>2</a:t>
+                      </a:r>
+                    </a:p>
+                  </a:txBody>
+                  <a:tcPr marL="0" marR="0" marT="0" marB="0" anchor="ctr">
+                    <a:lnL w="12700" cap="flat" cmpd="sng" algn="ctr">
+                      <a:noFill/>
+                      <a:prstDash val="sysDot"/>
+                      <a:round/>
+                      <a:headEnd type="none" w="med" len="med"/>
+                      <a:tailEnd type="none" w="med" len="med"/>
+                    </a:lnL>
+                    <a:lnR w="12700" cap="flat" cmpd="sng" algn="ctr">
+                      <a:noFill/>
+                      <a:prstDash val="sysDot"/>
+                      <a:round/>
+                      <a:headEnd type="none" w="med" len="med"/>
+                      <a:tailEnd type="none" w="med" len="med"/>
+                    </a:lnR>
+                    <a:lnT w="12700" cap="flat" cmpd="sng" algn="ctr">
+                      <a:solidFill>
+                        <a:schemeClr val="tx1"/>
+                      </a:solidFill>
+                      <a:prstDash val="solid"/>
+                      <a:round/>
+                      <a:headEnd type="none" w="med" len="med"/>
+                      <a:tailEnd type="none" w="med" len="med"/>
+                    </a:lnT>
+                    <a:lnB w="12700" cap="flat" cmpd="sng" algn="ctr">
+                      <a:noFill/>
+                      <a:prstDash val="sysDot"/>
+                      <a:round/>
+                      <a:headEnd type="none" w="med" len="med"/>
+                      <a:tailEnd type="none" w="med" len="med"/>
+                    </a:lnB>
+                    <a:lnTlToBr w="12700" cmpd="sng">
+                      <a:noFill/>
+                      <a:prstDash val="solid"/>
+                    </a:lnTlToBr>
+                    <a:lnBlToTr w="12700" cmpd="sng">
+                      <a:noFill/>
+                      <a:prstDash val="solid"/>
+                    </a:lnBlToTr>
+                    <a:noFill/>
+                  </a:tcPr>
+                </a:tc>
+                <a:tc>
+                  <a:txBody>
+                    <a:bodyPr/>
+                    <a:lstStyle/>
+                    <a:p>
+                      <a:pPr algn="ctr"/>
+                      <a:r>
+                        <a:rPr lang="en-US" sz="1000" dirty="0">
+                          <a:solidFill>
+                            <a:schemeClr val="tx1"/>
+                          </a:solidFill>
+                          <a:latin typeface="Consolas" panose="020B0609020204030204" pitchFamily="49" charset="0"/>
+                        </a:rPr>
+                        <a:t>3</a:t>
+                      </a:r>
+                    </a:p>
+                  </a:txBody>
+                  <a:tcPr marL="0" marR="0" marT="0" marB="0" anchor="ctr">
+                    <a:lnL w="12700" cap="flat" cmpd="sng" algn="ctr">
+                      <a:noFill/>
+                      <a:prstDash val="sysDot"/>
+                      <a:round/>
+                      <a:headEnd type="none" w="med" len="med"/>
+                      <a:tailEnd type="none" w="med" len="med"/>
+                    </a:lnL>
+                    <a:lnR w="12700" cap="flat" cmpd="sng" algn="ctr">
+                      <a:noFill/>
+                      <a:prstDash val="sysDot"/>
+                      <a:round/>
+                      <a:headEnd type="none" w="med" len="med"/>
+                      <a:tailEnd type="none" w="med" len="med"/>
+                    </a:lnR>
+                    <a:lnT w="12700" cap="flat" cmpd="sng" algn="ctr">
+                      <a:solidFill>
+                        <a:schemeClr val="tx1"/>
+                      </a:solidFill>
+                      <a:prstDash val="solid"/>
+                      <a:round/>
+                      <a:headEnd type="none" w="med" len="med"/>
+                      <a:tailEnd type="none" w="med" len="med"/>
+                    </a:lnT>
+                    <a:lnB w="12700" cap="flat" cmpd="sng" algn="ctr">
+                      <a:noFill/>
+                      <a:prstDash val="sysDot"/>
+                      <a:round/>
+                      <a:headEnd type="none" w="med" len="med"/>
+                      <a:tailEnd type="none" w="med" len="med"/>
+                    </a:lnB>
+                    <a:lnTlToBr w="12700" cmpd="sng">
+                      <a:noFill/>
+                      <a:prstDash val="solid"/>
+                    </a:lnTlToBr>
+                    <a:lnBlToTr w="12700" cmpd="sng">
+                      <a:noFill/>
+                      <a:prstDash val="solid"/>
+                    </a:lnBlToTr>
+                    <a:noFill/>
+                  </a:tcPr>
+                </a:tc>
+                <a:tc>
+                  <a:txBody>
+                    <a:bodyPr/>
+                    <a:lstStyle/>
+                    <a:p>
+                      <a:pPr algn="ctr"/>
+                      <a:r>
+                        <a:rPr lang="en-US" sz="1000" dirty="0">
+                          <a:solidFill>
+                            <a:schemeClr val="tx1"/>
+                          </a:solidFill>
+                          <a:latin typeface="Consolas" panose="020B0609020204030204" pitchFamily="49" charset="0"/>
+                        </a:rPr>
+                        <a:t>4</a:t>
+                      </a:r>
+                    </a:p>
+                  </a:txBody>
+                  <a:tcPr marL="0" marR="0" marT="0" marB="0" anchor="ctr">
+                    <a:lnL w="12700" cap="flat" cmpd="sng" algn="ctr">
+                      <a:noFill/>
+                      <a:prstDash val="sysDot"/>
+                      <a:round/>
+                      <a:headEnd type="none" w="med" len="med"/>
+                      <a:tailEnd type="none" w="med" len="med"/>
+                    </a:lnL>
+                    <a:lnR w="12700" cap="flat" cmpd="sng" algn="ctr">
+                      <a:noFill/>
+                      <a:prstDash val="sysDot"/>
+                      <a:round/>
+                      <a:headEnd type="none" w="med" len="med"/>
+                      <a:tailEnd type="none" w="med" len="med"/>
+                    </a:lnR>
+                    <a:lnT w="12700" cap="flat" cmpd="sng" algn="ctr">
+                      <a:solidFill>
+                        <a:schemeClr val="tx1"/>
+                      </a:solidFill>
+                      <a:prstDash val="solid"/>
+                      <a:round/>
+                      <a:headEnd type="none" w="med" len="med"/>
+                      <a:tailEnd type="none" w="med" len="med"/>
+                    </a:lnT>
+                    <a:lnB w="12700" cap="flat" cmpd="sng" algn="ctr">
+                      <a:noFill/>
+                      <a:prstDash val="sysDot"/>
+                      <a:round/>
+                      <a:headEnd type="none" w="med" len="med"/>
+                      <a:tailEnd type="none" w="med" len="med"/>
+                    </a:lnB>
+                    <a:lnTlToBr w="12700" cmpd="sng">
+                      <a:noFill/>
+                      <a:prstDash val="solid"/>
+                    </a:lnTlToBr>
+                    <a:lnBlToTr w="12700" cmpd="sng">
+                      <a:noFill/>
+                      <a:prstDash val="solid"/>
+                    </a:lnBlToTr>
+                    <a:noFill/>
+                  </a:tcPr>
+                </a:tc>
+                <a:tc>
+                  <a:txBody>
+                    <a:bodyPr/>
+                    <a:lstStyle/>
+                    <a:p>
+                      <a:pPr algn="ctr"/>
+                      <a:r>
+                        <a:rPr lang="en-US" sz="1000" dirty="0">
+                          <a:solidFill>
+                            <a:schemeClr val="tx1"/>
+                          </a:solidFill>
+                          <a:latin typeface="Consolas" panose="020B0609020204030204" pitchFamily="49" charset="0"/>
+                        </a:rPr>
+                        <a:t>5</a:t>
+                      </a:r>
+                    </a:p>
+                  </a:txBody>
+                  <a:tcPr marL="0" marR="0" marT="0" marB="0" anchor="ctr">
+                    <a:lnL w="12700" cap="flat" cmpd="sng" algn="ctr">
+                      <a:noFill/>
+                      <a:prstDash val="sysDot"/>
+                      <a:round/>
+                      <a:headEnd type="none" w="med" len="med"/>
+                      <a:tailEnd type="none" w="med" len="med"/>
+                    </a:lnL>
+                    <a:lnR w="12700" cap="flat" cmpd="sng" algn="ctr">
+                      <a:noFill/>
+                      <a:prstDash val="sysDot"/>
+                      <a:round/>
+                      <a:headEnd type="none" w="med" len="med"/>
+                      <a:tailEnd type="none" w="med" len="med"/>
+                    </a:lnR>
+                    <a:lnT w="12700" cap="flat" cmpd="sng" algn="ctr">
+                      <a:solidFill>
+                        <a:schemeClr val="tx1"/>
+                      </a:solidFill>
+                      <a:prstDash val="solid"/>
+                      <a:round/>
+                      <a:headEnd type="none" w="med" len="med"/>
+                      <a:tailEnd type="none" w="med" len="med"/>
+                    </a:lnT>
+                    <a:lnB w="12700" cap="flat" cmpd="sng" algn="ctr">
+                      <a:noFill/>
+                      <a:prstDash val="sysDot"/>
+                      <a:round/>
+                      <a:headEnd type="none" w="med" len="med"/>
+                      <a:tailEnd type="none" w="med" len="med"/>
+                    </a:lnB>
+                    <a:lnTlToBr w="12700" cmpd="sng">
+                      <a:noFill/>
+                      <a:prstDash val="solid"/>
+                    </a:lnTlToBr>
+                    <a:lnBlToTr w="12700" cmpd="sng">
+                      <a:noFill/>
+                      <a:prstDash val="solid"/>
+                    </a:lnBlToTr>
+                    <a:noFill/>
+                  </a:tcPr>
+                </a:tc>
+                <a:extLst>
+                  <a:ext uri="{0D108BD9-81ED-4DB2-BD59-A6C34878D82A}">
+                    <a16:rowId xmlns:a16="http://schemas.microsoft.com/office/drawing/2014/main" val="2825370694"/>
+                  </a:ext>
+                </a:extLst>
+              </a:tr>
+              <a:tr h="203345">
+                <a:tc>
+                  <a:txBody>
+                    <a:bodyPr/>
+                    <a:lstStyle/>
+                    <a:p>
+                      <a:pPr algn="ctr"/>
+                      <a:r>
+                        <a:rPr lang="en-US" sz="1000" dirty="0">
+                          <a:solidFill>
+                            <a:schemeClr val="tx1"/>
+                          </a:solidFill>
+                          <a:latin typeface="Consolas" panose="020B0609020204030204" pitchFamily="49" charset="0"/>
+                        </a:rPr>
+                        <a:t>6</a:t>
+                      </a:r>
+                    </a:p>
+                  </a:txBody>
+                  <a:tcPr marL="0" marR="0" marT="0" marB="0" anchor="ctr">
+                    <a:lnL w="12700" cap="flat" cmpd="sng" algn="ctr">
+                      <a:noFill/>
+                      <a:prstDash val="sysDot"/>
+                      <a:round/>
+                      <a:headEnd type="none" w="med" len="med"/>
+                      <a:tailEnd type="none" w="med" len="med"/>
+                    </a:lnL>
+                    <a:lnR w="12700" cap="flat" cmpd="sng" algn="ctr">
+                      <a:noFill/>
+                      <a:prstDash val="sysDot"/>
+                      <a:round/>
+                      <a:headEnd type="none" w="med" len="med"/>
+                      <a:tailEnd type="none" w="med" len="med"/>
+                    </a:lnR>
+                    <a:lnT w="12700" cap="flat" cmpd="sng" algn="ctr">
+                      <a:noFill/>
+                      <a:prstDash val="solid"/>
+                      <a:round/>
+                      <a:headEnd type="none" w="med" len="med"/>
+                      <a:tailEnd type="none" w="med" len="med"/>
+                    </a:lnT>
+                    <a:lnB w="12700" cap="flat" cmpd="sng" algn="ctr">
+                      <a:noFill/>
+                      <a:prstDash val="sysDot"/>
+                      <a:round/>
+                      <a:headEnd type="none" w="med" len="med"/>
+                      <a:tailEnd type="none" w="med" len="med"/>
+                    </a:lnB>
+                    <a:lnTlToBr w="12700" cmpd="sng">
+                      <a:noFill/>
+                      <a:prstDash val="solid"/>
+                    </a:lnTlToBr>
+                    <a:lnBlToTr w="12700" cmpd="sng">
+                      <a:noFill/>
+                      <a:prstDash val="solid"/>
+                    </a:lnBlToTr>
+                    <a:noFill/>
+                  </a:tcPr>
+                </a:tc>
+                <a:tc>
+                  <a:txBody>
+                    <a:bodyPr/>
+                    <a:lstStyle/>
+                    <a:p>
+                      <a:pPr algn="ctr"/>
+                      <a:r>
+                        <a:rPr lang="en-US" sz="1000" dirty="0">
+                          <a:solidFill>
+                            <a:schemeClr val="tx1"/>
+                          </a:solidFill>
+                          <a:latin typeface="Consolas" panose="020B0609020204030204" pitchFamily="49" charset="0"/>
+                        </a:rPr>
+                        <a:t>7</a:t>
+                      </a:r>
+                    </a:p>
+                  </a:txBody>
+                  <a:tcPr marL="0" marR="0" marT="0" marB="0" anchor="ctr">
+                    <a:lnL w="12700" cap="flat" cmpd="sng" algn="ctr">
+                      <a:noFill/>
+                      <a:prstDash val="sysDot"/>
+                      <a:round/>
+                      <a:headEnd type="none" w="med" len="med"/>
+                      <a:tailEnd type="none" w="med" len="med"/>
+                    </a:lnL>
+                    <a:lnR w="12700" cap="flat" cmpd="sng" algn="ctr">
+                      <a:noFill/>
+                      <a:prstDash val="sysDot"/>
+                      <a:round/>
+                      <a:headEnd type="none" w="med" len="med"/>
+                      <a:tailEnd type="none" w="med" len="med"/>
+                    </a:lnR>
+                    <a:lnT w="12700" cap="flat" cmpd="sng" algn="ctr">
+                      <a:noFill/>
+                      <a:prstDash val="solid"/>
+                      <a:round/>
+                      <a:headEnd type="none" w="med" len="med"/>
+                      <a:tailEnd type="none" w="med" len="med"/>
+                    </a:lnT>
+                    <a:lnB w="12700" cap="flat" cmpd="sng" algn="ctr">
+                      <a:noFill/>
+                      <a:prstDash val="sysDot"/>
+                      <a:round/>
+                      <a:headEnd type="none" w="med" len="med"/>
+                      <a:tailEnd type="none" w="med" len="med"/>
+                    </a:lnB>
+                    <a:lnTlToBr w="12700" cmpd="sng">
+                      <a:noFill/>
+                      <a:prstDash val="solid"/>
+                    </a:lnTlToBr>
+                    <a:lnBlToTr w="12700" cmpd="sng">
+                      <a:noFill/>
+                      <a:prstDash val="solid"/>
+                    </a:lnBlToTr>
+                    <a:noFill/>
+                  </a:tcPr>
+                </a:tc>
+                <a:tc>
+                  <a:txBody>
+                    <a:bodyPr/>
+                    <a:lstStyle/>
+                    <a:p>
+                      <a:pPr algn="ctr"/>
+                      <a:r>
+                        <a:rPr lang="en-US" sz="1000" dirty="0">
+                          <a:solidFill>
+                            <a:schemeClr val="tx1"/>
+                          </a:solidFill>
+                          <a:latin typeface="Consolas" panose="020B0609020204030204" pitchFamily="49" charset="0"/>
+                        </a:rPr>
+                        <a:t>8</a:t>
+                      </a:r>
+                    </a:p>
+                  </a:txBody>
+                  <a:tcPr marL="0" marR="0" marT="0" marB="0" anchor="ctr">
+                    <a:lnL w="12700" cap="flat" cmpd="sng" algn="ctr">
+                      <a:noFill/>
+                      <a:prstDash val="sysDot"/>
+                      <a:round/>
+                      <a:headEnd type="none" w="med" len="med"/>
+                      <a:tailEnd type="none" w="med" len="med"/>
+                    </a:lnL>
+                    <a:lnR w="12700" cap="flat" cmpd="sng" algn="ctr">
+                      <a:noFill/>
+                      <a:prstDash val="sysDot"/>
+                      <a:round/>
+                      <a:headEnd type="none" w="med" len="med"/>
+                      <a:tailEnd type="none" w="med" len="med"/>
+                    </a:lnR>
+                    <a:lnT w="12700" cap="flat" cmpd="sng" algn="ctr">
+                      <a:noFill/>
+                      <a:prstDash val="solid"/>
+                      <a:round/>
+                      <a:headEnd type="none" w="med" len="med"/>
+                      <a:tailEnd type="none" w="med" len="med"/>
+                    </a:lnT>
+                    <a:lnB w="12700" cap="flat" cmpd="sng" algn="ctr">
+                      <a:noFill/>
+                      <a:prstDash val="sysDot"/>
+                      <a:round/>
+                      <a:headEnd type="none" w="med" len="med"/>
+                      <a:tailEnd type="none" w="med" len="med"/>
+                    </a:lnB>
+                    <a:lnTlToBr w="12700" cmpd="sng">
+                      <a:noFill/>
+                      <a:prstDash val="solid"/>
+                    </a:lnTlToBr>
+                    <a:lnBlToTr w="12700" cmpd="sng">
+                      <a:noFill/>
+                      <a:prstDash val="solid"/>
+                    </a:lnBlToTr>
+                    <a:noFill/>
+                  </a:tcPr>
+                </a:tc>
+                <a:tc>
+                  <a:txBody>
+                    <a:bodyPr/>
+                    <a:lstStyle/>
+                    <a:p>
+                      <a:pPr algn="ctr"/>
+                      <a:r>
+                        <a:rPr lang="en-US" sz="1000" dirty="0">
+                          <a:solidFill>
+                            <a:schemeClr val="tx1"/>
+                          </a:solidFill>
+                          <a:latin typeface="Consolas" panose="020B0609020204030204" pitchFamily="49" charset="0"/>
+                        </a:rPr>
+                        <a:t>9</a:t>
+                      </a:r>
+                    </a:p>
+                  </a:txBody>
+                  <a:tcPr marL="0" marR="0" marT="0" marB="0" anchor="ctr">
+                    <a:lnL w="12700" cap="flat" cmpd="sng" algn="ctr">
+                      <a:noFill/>
+                      <a:prstDash val="sysDot"/>
+                      <a:round/>
+                      <a:headEnd type="none" w="med" len="med"/>
+                      <a:tailEnd type="none" w="med" len="med"/>
+                    </a:lnL>
+                    <a:lnR w="12700" cap="flat" cmpd="sng" algn="ctr">
+                      <a:noFill/>
+                      <a:prstDash val="sysDot"/>
+                      <a:round/>
+                      <a:headEnd type="none" w="med" len="med"/>
+                      <a:tailEnd type="none" w="med" len="med"/>
+                    </a:lnR>
+                    <a:lnT w="12700" cap="flat" cmpd="sng" algn="ctr">
+                      <a:noFill/>
+                      <a:prstDash val="solid"/>
+                      <a:round/>
+                      <a:headEnd type="none" w="med" len="med"/>
+                      <a:tailEnd type="none" w="med" len="med"/>
+                    </a:lnT>
+                    <a:lnB w="12700" cap="flat" cmpd="sng" algn="ctr">
+                      <a:noFill/>
+                      <a:prstDash val="sysDot"/>
+                      <a:round/>
+                      <a:headEnd type="none" w="med" len="med"/>
+                      <a:tailEnd type="none" w="med" len="med"/>
+                    </a:lnB>
+                    <a:lnTlToBr w="12700" cmpd="sng">
+                      <a:noFill/>
+                      <a:prstDash val="solid"/>
+                    </a:lnTlToBr>
+                    <a:lnBlToTr w="12700" cmpd="sng">
+                      <a:noFill/>
+                      <a:prstDash val="solid"/>
+                    </a:lnBlToTr>
+                    <a:noFill/>
+                  </a:tcPr>
+                </a:tc>
+                <a:tc>
+                  <a:txBody>
+                    <a:bodyPr/>
+                    <a:lstStyle/>
+                    <a:p>
+                      <a:pPr algn="ctr"/>
+                      <a:r>
+                        <a:rPr lang="en-US" sz="1000" dirty="0">
+                          <a:solidFill>
+                            <a:schemeClr val="tx1"/>
+                          </a:solidFill>
+                          <a:latin typeface="Consolas" panose="020B0609020204030204" pitchFamily="49" charset="0"/>
+                        </a:rPr>
+                        <a:t>10</a:t>
+                      </a:r>
+                    </a:p>
+                  </a:txBody>
+                  <a:tcPr marL="0" marR="0" marT="0" marB="0" anchor="ctr">
+                    <a:lnL w="12700" cap="flat" cmpd="sng" algn="ctr">
+                      <a:noFill/>
+                      <a:prstDash val="sysDot"/>
+                      <a:round/>
+                      <a:headEnd type="none" w="med" len="med"/>
+                      <a:tailEnd type="none" w="med" len="med"/>
+                    </a:lnL>
+                    <a:lnR w="12700" cap="flat" cmpd="sng" algn="ctr">
+                      <a:noFill/>
+                      <a:prstDash val="sysDot"/>
+                      <a:round/>
+                      <a:headEnd type="none" w="med" len="med"/>
+                      <a:tailEnd type="none" w="med" len="med"/>
+                    </a:lnR>
+                    <a:lnT w="12700" cap="flat" cmpd="sng" algn="ctr">
+                      <a:noFill/>
+                      <a:prstDash val="solid"/>
+                      <a:round/>
+                      <a:headEnd type="none" w="med" len="med"/>
+                      <a:tailEnd type="none" w="med" len="med"/>
+                    </a:lnT>
+                    <a:lnB w="12700" cap="flat" cmpd="sng" algn="ctr">
+                      <a:noFill/>
+                      <a:prstDash val="sysDot"/>
+                      <a:round/>
+                      <a:headEnd type="none" w="med" len="med"/>
+                      <a:tailEnd type="none" w="med" len="med"/>
+                    </a:lnB>
+                    <a:lnTlToBr w="12700" cmpd="sng">
+                      <a:noFill/>
+                      <a:prstDash val="solid"/>
+                    </a:lnTlToBr>
+                    <a:lnBlToTr w="12700" cmpd="sng">
+                      <a:noFill/>
+                      <a:prstDash val="solid"/>
+                    </a:lnBlToTr>
+                    <a:noFill/>
+                  </a:tcPr>
+                </a:tc>
+                <a:tc>
+                  <a:txBody>
+                    <a:bodyPr/>
+                    <a:lstStyle/>
+                    <a:p>
+                      <a:pPr algn="ctr"/>
+                      <a:r>
+                        <a:rPr lang="en-US" sz="1000" dirty="0">
+                          <a:solidFill>
+                            <a:schemeClr val="tx1"/>
+                          </a:solidFill>
+                          <a:latin typeface="Consolas" panose="020B0609020204030204" pitchFamily="49" charset="0"/>
+                        </a:rPr>
+                        <a:t>11</a:t>
+                      </a:r>
+                    </a:p>
+                  </a:txBody>
+                  <a:tcPr marL="0" marR="0" marT="0" marB="0" anchor="ctr">
+                    <a:lnL w="12700" cap="flat" cmpd="sng" algn="ctr">
+                      <a:noFill/>
+                      <a:prstDash val="sysDot"/>
+                      <a:round/>
+                      <a:headEnd type="none" w="med" len="med"/>
+                      <a:tailEnd type="none" w="med" len="med"/>
+                    </a:lnL>
+                    <a:lnR w="12700" cap="flat" cmpd="sng" algn="ctr">
+                      <a:noFill/>
+                      <a:prstDash val="sysDot"/>
+                      <a:round/>
+                      <a:headEnd type="none" w="med" len="med"/>
+                      <a:tailEnd type="none" w="med" len="med"/>
+                    </a:lnR>
+                    <a:lnT w="12700" cap="flat" cmpd="sng" algn="ctr">
+                      <a:noFill/>
+                      <a:prstDash val="solid"/>
+                      <a:round/>
+                      <a:headEnd type="none" w="med" len="med"/>
+                      <a:tailEnd type="none" w="med" len="med"/>
+                    </a:lnT>
+                    <a:lnB w="12700" cap="flat" cmpd="sng" algn="ctr">
+                      <a:noFill/>
+                      <a:prstDash val="sysDot"/>
+                      <a:round/>
+                      <a:headEnd type="none" w="med" len="med"/>
+                      <a:tailEnd type="none" w="med" len="med"/>
+                    </a:lnB>
+                    <a:lnTlToBr w="12700" cmpd="sng">
+                      <a:noFill/>
+                      <a:prstDash val="solid"/>
+                    </a:lnTlToBr>
+                    <a:lnBlToTr w="12700" cmpd="sng">
+                      <a:noFill/>
+                      <a:prstDash val="solid"/>
+                    </a:lnBlToTr>
+                    <a:noFill/>
+                  </a:tcPr>
+                </a:tc>
+                <a:tc>
+                  <a:txBody>
+                    <a:bodyPr/>
+                    <a:lstStyle/>
+                    <a:p>
+                      <a:pPr algn="ctr"/>
+                      <a:r>
+                        <a:rPr lang="en-US" sz="1000" dirty="0">
+                          <a:solidFill>
+                            <a:schemeClr val="tx1"/>
+                          </a:solidFill>
+                          <a:latin typeface="Consolas" panose="020B0609020204030204" pitchFamily="49" charset="0"/>
+                        </a:rPr>
+                        <a:t>12</a:t>
+                      </a:r>
+                    </a:p>
+                  </a:txBody>
+                  <a:tcPr marL="0" marR="0" marT="0" marB="0" anchor="ctr">
+                    <a:lnL w="12700" cap="flat" cmpd="sng" algn="ctr">
+                      <a:noFill/>
+                      <a:prstDash val="sysDot"/>
+                      <a:round/>
+                      <a:headEnd type="none" w="med" len="med"/>
+                      <a:tailEnd type="none" w="med" len="med"/>
+                    </a:lnL>
+                    <a:lnR w="12700" cap="flat" cmpd="sng" algn="ctr">
+                      <a:noFill/>
+                      <a:prstDash val="sysDot"/>
+                      <a:round/>
+                      <a:headEnd type="none" w="med" len="med"/>
+                      <a:tailEnd type="none" w="med" len="med"/>
+                    </a:lnR>
+                    <a:lnT w="12700" cap="flat" cmpd="sng" algn="ctr">
+                      <a:noFill/>
+                      <a:prstDash val="solid"/>
+                      <a:round/>
+                      <a:headEnd type="none" w="med" len="med"/>
+                      <a:tailEnd type="none" w="med" len="med"/>
+                    </a:lnT>
+                    <a:lnB w="12700" cap="flat" cmpd="sng" algn="ctr">
+                      <a:noFill/>
+                      <a:prstDash val="sysDot"/>
+                      <a:round/>
+                      <a:headEnd type="none" w="med" len="med"/>
+                      <a:tailEnd type="none" w="med" len="med"/>
+                    </a:lnB>
+                    <a:lnTlToBr w="12700" cmpd="sng">
+                      <a:noFill/>
+                      <a:prstDash val="solid"/>
+                    </a:lnTlToBr>
+                    <a:lnBlToTr w="12700" cmpd="sng">
+                      <a:noFill/>
+                      <a:prstDash val="solid"/>
+                    </a:lnBlToTr>
+                    <a:noFill/>
+                  </a:tcPr>
+                </a:tc>
+                <a:extLst>
+                  <a:ext uri="{0D108BD9-81ED-4DB2-BD59-A6C34878D82A}">
+                    <a16:rowId xmlns:a16="http://schemas.microsoft.com/office/drawing/2014/main" val="1462379632"/>
+                  </a:ext>
+                </a:extLst>
+              </a:tr>
+              <a:tr h="203345">
+                <a:tc>
+                  <a:txBody>
+                    <a:bodyPr/>
+                    <a:lstStyle/>
+                    <a:p>
+                      <a:pPr algn="ctr"/>
+                      <a:r>
+                        <a:rPr lang="en-US" sz="1000" dirty="0">
+                          <a:solidFill>
+                            <a:schemeClr val="tx1"/>
+                          </a:solidFill>
+                          <a:latin typeface="Consolas" panose="020B0609020204030204" pitchFamily="49" charset="0"/>
+                        </a:rPr>
+                        <a:t>13</a:t>
+                      </a:r>
+                    </a:p>
+                  </a:txBody>
+                  <a:tcPr marL="0" marR="0" marT="0" marB="0" anchor="ctr">
+                    <a:lnL w="12700" cap="flat" cmpd="sng" algn="ctr">
+                      <a:noFill/>
+                      <a:prstDash val="sysDot"/>
+                      <a:round/>
+                      <a:headEnd type="none" w="med" len="med"/>
+                      <a:tailEnd type="none" w="med" len="med"/>
+                    </a:lnL>
+                    <a:lnR w="12700" cap="flat" cmpd="sng" algn="ctr">
+                      <a:noFill/>
+                      <a:prstDash val="sysDot"/>
+                      <a:round/>
+                      <a:headEnd type="none" w="med" len="med"/>
+                      <a:tailEnd type="none" w="med" len="med"/>
+                    </a:lnR>
+                    <a:lnT w="12700" cap="flat" cmpd="sng" algn="ctr">
+                      <a:noFill/>
+                      <a:prstDash val="solid"/>
+                      <a:round/>
+                      <a:headEnd type="none" w="med" len="med"/>
+                      <a:tailEnd type="none" w="med" len="med"/>
+                    </a:lnT>
+                    <a:lnB w="12700" cap="flat" cmpd="sng" algn="ctr">
+                      <a:noFill/>
+                      <a:prstDash val="sysDot"/>
+                      <a:round/>
+                      <a:headEnd type="none" w="med" len="med"/>
+                      <a:tailEnd type="none" w="med" len="med"/>
+                    </a:lnB>
+                    <a:lnTlToBr w="12700" cmpd="sng">
+                      <a:noFill/>
+                      <a:prstDash val="solid"/>
+                    </a:lnTlToBr>
+                    <a:lnBlToTr w="12700" cmpd="sng">
+                      <a:noFill/>
+                      <a:prstDash val="solid"/>
+                    </a:lnBlToTr>
+                    <a:noFill/>
+                  </a:tcPr>
+                </a:tc>
+                <a:tc>
+                  <a:txBody>
+                    <a:bodyPr/>
+                    <a:lstStyle/>
+                    <a:p>
+                      <a:pPr algn="ctr"/>
+                      <a:r>
+                        <a:rPr lang="en-US" sz="1000" dirty="0">
+                          <a:solidFill>
+                            <a:schemeClr val="tx1"/>
+                          </a:solidFill>
+                          <a:latin typeface="Consolas" panose="020B0609020204030204" pitchFamily="49" charset="0"/>
+                        </a:rPr>
+                        <a:t>14</a:t>
+                      </a:r>
+                    </a:p>
+                  </a:txBody>
+                  <a:tcPr marL="0" marR="0" marT="0" marB="0" anchor="ctr">
+                    <a:lnL w="12700" cap="flat" cmpd="sng" algn="ctr">
+                      <a:noFill/>
+                      <a:prstDash val="sysDot"/>
+                      <a:round/>
+                      <a:headEnd type="none" w="med" len="med"/>
+                      <a:tailEnd type="none" w="med" len="med"/>
+                    </a:lnL>
+                    <a:lnR w="12700" cap="flat" cmpd="sng" algn="ctr">
+                      <a:noFill/>
+                      <a:prstDash val="sysDot"/>
+                      <a:round/>
+                      <a:headEnd type="none" w="med" len="med"/>
+                      <a:tailEnd type="none" w="med" len="med"/>
+                    </a:lnR>
+                    <a:lnT w="12700" cap="flat" cmpd="sng" algn="ctr">
+                      <a:noFill/>
+                      <a:prstDash val="solid"/>
+                      <a:round/>
+                      <a:headEnd type="none" w="med" len="med"/>
+                      <a:tailEnd type="none" w="med" len="med"/>
+                    </a:lnT>
+                    <a:lnB w="12700" cap="flat" cmpd="sng" algn="ctr">
+                      <a:noFill/>
+                      <a:prstDash val="sysDot"/>
+                      <a:round/>
+                      <a:headEnd type="none" w="med" len="med"/>
+                      <a:tailEnd type="none" w="med" len="med"/>
+                    </a:lnB>
+                    <a:lnTlToBr w="12700" cmpd="sng">
+                      <a:noFill/>
+                      <a:prstDash val="solid"/>
+                    </a:lnTlToBr>
+                    <a:lnBlToTr w="12700" cmpd="sng">
+                      <a:noFill/>
+                      <a:prstDash val="solid"/>
+                    </a:lnBlToTr>
+                    <a:noFill/>
+                  </a:tcPr>
+                </a:tc>
+                <a:tc>
+                  <a:txBody>
+                    <a:bodyPr/>
+                    <a:lstStyle/>
+                    <a:p>
+                      <a:pPr algn="ctr"/>
+                      <a:r>
+                        <a:rPr lang="en-US" sz="1000" dirty="0">
+                          <a:solidFill>
+                            <a:schemeClr val="tx1"/>
+                          </a:solidFill>
+                          <a:latin typeface="Consolas" panose="020B0609020204030204" pitchFamily="49" charset="0"/>
+                        </a:rPr>
+                        <a:t>15</a:t>
+                      </a:r>
+                    </a:p>
+                  </a:txBody>
+                  <a:tcPr marL="0" marR="0" marT="0" marB="0" anchor="ctr">
+                    <a:lnL w="12700" cap="flat" cmpd="sng" algn="ctr">
+                      <a:noFill/>
+                      <a:prstDash val="sysDot"/>
+                      <a:round/>
+                      <a:headEnd type="none" w="med" len="med"/>
+                      <a:tailEnd type="none" w="med" len="med"/>
+                    </a:lnL>
+                    <a:lnR w="12700" cap="flat" cmpd="sng" algn="ctr">
+                      <a:noFill/>
+                      <a:prstDash val="sysDot"/>
+                      <a:round/>
+                      <a:headEnd type="none" w="med" len="med"/>
+                      <a:tailEnd type="none" w="med" len="med"/>
+                    </a:lnR>
+                    <a:lnT w="12700" cap="flat" cmpd="sng" algn="ctr">
+                      <a:noFill/>
+                      <a:prstDash val="solid"/>
+                      <a:round/>
+                      <a:headEnd type="none" w="med" len="med"/>
+                      <a:tailEnd type="none" w="med" len="med"/>
+                    </a:lnT>
+                    <a:lnB w="12700" cap="flat" cmpd="sng" algn="ctr">
+                      <a:noFill/>
+                      <a:prstDash val="sysDot"/>
+                      <a:round/>
+                      <a:headEnd type="none" w="med" len="med"/>
+                      <a:tailEnd type="none" w="med" len="med"/>
+                    </a:lnB>
+                    <a:lnTlToBr w="12700" cmpd="sng">
+                      <a:noFill/>
+                      <a:prstDash val="solid"/>
+                    </a:lnTlToBr>
+                    <a:lnBlToTr w="12700" cmpd="sng">
+                      <a:noFill/>
+                      <a:prstDash val="solid"/>
+                    </a:lnBlToTr>
+                    <a:noFill/>
+                  </a:tcPr>
+                </a:tc>
+                <a:tc>
+                  <a:txBody>
+                    <a:bodyPr/>
+                    <a:lstStyle/>
+                    <a:p>
+                      <a:pPr algn="ctr"/>
+                      <a:r>
+                        <a:rPr lang="en-US" sz="1000" dirty="0">
+                          <a:solidFill>
+                            <a:schemeClr val="tx1"/>
+                          </a:solidFill>
+                          <a:latin typeface="Consolas" panose="020B0609020204030204" pitchFamily="49" charset="0"/>
+                        </a:rPr>
+                        <a:t>16</a:t>
+                      </a:r>
+                    </a:p>
+                  </a:txBody>
+                  <a:tcPr marL="0" marR="0" marT="0" marB="0" anchor="ctr">
+                    <a:lnL w="12700" cap="flat" cmpd="sng" algn="ctr">
+                      <a:noFill/>
+                      <a:prstDash val="sysDot"/>
+                      <a:round/>
+                      <a:headEnd type="none" w="med" len="med"/>
+                      <a:tailEnd type="none" w="med" len="med"/>
+                    </a:lnL>
+                    <a:lnR w="12700" cap="flat" cmpd="sng" algn="ctr">
+                      <a:noFill/>
+                      <a:prstDash val="sysDot"/>
+                      <a:round/>
+                      <a:headEnd type="none" w="med" len="med"/>
+                      <a:tailEnd type="none" w="med" len="med"/>
+                    </a:lnR>
+                    <a:lnT w="12700" cap="flat" cmpd="sng" algn="ctr">
+                      <a:noFill/>
+                      <a:prstDash val="solid"/>
+                      <a:round/>
+                      <a:headEnd type="none" w="med" len="med"/>
+                      <a:tailEnd type="none" w="med" len="med"/>
+                    </a:lnT>
+                    <a:lnB w="12700" cap="flat" cmpd="sng" algn="ctr">
+                      <a:noFill/>
+                      <a:prstDash val="sysDot"/>
+                      <a:round/>
+                      <a:headEnd type="none" w="med" len="med"/>
+                      <a:tailEnd type="none" w="med" len="med"/>
+                    </a:lnB>
+                    <a:lnTlToBr w="12700" cmpd="sng">
+                      <a:noFill/>
+                      <a:prstDash val="solid"/>
+                    </a:lnTlToBr>
+                    <a:lnBlToTr w="12700" cmpd="sng">
+                      <a:noFill/>
+                      <a:prstDash val="solid"/>
+                    </a:lnBlToTr>
+                    <a:noFill/>
+                  </a:tcPr>
+                </a:tc>
+                <a:tc>
+                  <a:txBody>
+                    <a:bodyPr/>
+                    <a:lstStyle/>
+                    <a:p>
+                      <a:pPr algn="ctr"/>
+                      <a:r>
+                        <a:rPr lang="en-US" sz="1000" dirty="0">
+                          <a:solidFill>
+                            <a:schemeClr val="tx1"/>
+                          </a:solidFill>
+                          <a:latin typeface="Consolas" panose="020B0609020204030204" pitchFamily="49" charset="0"/>
+                        </a:rPr>
+                        <a:t>17</a:t>
+                      </a:r>
+                    </a:p>
+                  </a:txBody>
+                  <a:tcPr marL="0" marR="0" marT="0" marB="0" anchor="ctr">
+                    <a:lnL w="12700" cap="flat" cmpd="sng" algn="ctr">
+                      <a:noFill/>
+                      <a:prstDash val="sysDot"/>
+                      <a:round/>
+                      <a:headEnd type="none" w="med" len="med"/>
+                      <a:tailEnd type="none" w="med" len="med"/>
+                    </a:lnL>
+                    <a:lnR w="12700" cap="flat" cmpd="sng" algn="ctr">
+                      <a:noFill/>
+                      <a:prstDash val="sysDot"/>
+                      <a:round/>
+                      <a:headEnd type="none" w="med" len="med"/>
+                      <a:tailEnd type="none" w="med" len="med"/>
+                    </a:lnR>
+                    <a:lnT w="12700" cap="flat" cmpd="sng" algn="ctr">
+                      <a:noFill/>
+                      <a:prstDash val="solid"/>
+                      <a:round/>
+                      <a:headEnd type="none" w="med" len="med"/>
+                      <a:tailEnd type="none" w="med" len="med"/>
+                    </a:lnT>
+                    <a:lnB w="12700" cap="flat" cmpd="sng" algn="ctr">
+                      <a:noFill/>
+                      <a:prstDash val="sysDot"/>
+                      <a:round/>
+                      <a:headEnd type="none" w="med" len="med"/>
+                      <a:tailEnd type="none" w="med" len="med"/>
+                    </a:lnB>
+                    <a:lnTlToBr w="12700" cmpd="sng">
+                      <a:noFill/>
+                      <a:prstDash val="solid"/>
+                    </a:lnTlToBr>
+                    <a:lnBlToTr w="12700" cmpd="sng">
+                      <a:noFill/>
+                      <a:prstDash val="solid"/>
+                    </a:lnBlToTr>
+                    <a:noFill/>
+                  </a:tcPr>
+                </a:tc>
+                <a:tc>
+                  <a:txBody>
+                    <a:bodyPr/>
+                    <a:lstStyle/>
+                    <a:p>
+                      <a:pPr algn="ctr"/>
+                      <a:r>
+                        <a:rPr lang="en-US" sz="1000" dirty="0">
+                          <a:solidFill>
+                            <a:schemeClr val="tx1"/>
+                          </a:solidFill>
+                          <a:latin typeface="Consolas" panose="020B0609020204030204" pitchFamily="49" charset="0"/>
+                        </a:rPr>
+                        <a:t>18</a:t>
+                      </a:r>
+                    </a:p>
+                  </a:txBody>
+                  <a:tcPr marL="0" marR="0" marT="0" marB="0" anchor="ctr">
+                    <a:lnL w="12700" cap="flat" cmpd="sng" algn="ctr">
+                      <a:noFill/>
+                      <a:prstDash val="sysDot"/>
+                      <a:round/>
+                      <a:headEnd type="none" w="med" len="med"/>
+                      <a:tailEnd type="none" w="med" len="med"/>
+                    </a:lnL>
+                    <a:lnR w="12700" cap="flat" cmpd="sng" algn="ctr">
+                      <a:noFill/>
+                      <a:prstDash val="sysDot"/>
+                      <a:round/>
+                      <a:headEnd type="none" w="med" len="med"/>
+                      <a:tailEnd type="none" w="med" len="med"/>
+                    </a:lnR>
+                    <a:lnT w="12700" cap="flat" cmpd="sng" algn="ctr">
+                      <a:noFill/>
+                      <a:prstDash val="solid"/>
+                      <a:round/>
+                      <a:headEnd type="none" w="med" len="med"/>
+                      <a:tailEnd type="none" w="med" len="med"/>
+                    </a:lnT>
+                    <a:lnB w="12700" cap="flat" cmpd="sng" algn="ctr">
+                      <a:noFill/>
+                      <a:prstDash val="sysDot"/>
+                      <a:round/>
+                      <a:headEnd type="none" w="med" len="med"/>
+                      <a:tailEnd type="none" w="med" len="med"/>
+                    </a:lnB>
+                    <a:lnTlToBr w="12700" cmpd="sng">
+                      <a:noFill/>
+                      <a:prstDash val="solid"/>
+                    </a:lnTlToBr>
+                    <a:lnBlToTr w="12700" cmpd="sng">
+                      <a:noFill/>
+                      <a:prstDash val="solid"/>
+                    </a:lnBlToTr>
+                    <a:noFill/>
+                  </a:tcPr>
+                </a:tc>
+                <a:tc>
+                  <a:txBody>
+                    <a:bodyPr/>
+                    <a:lstStyle/>
+                    <a:p>
+                      <a:pPr algn="ctr"/>
+                      <a:r>
+                        <a:rPr lang="en-US" sz="1000" dirty="0">
+                          <a:solidFill>
+                            <a:schemeClr val="tx1"/>
+                          </a:solidFill>
+                          <a:latin typeface="Consolas" panose="020B0609020204030204" pitchFamily="49" charset="0"/>
+                        </a:rPr>
+                        <a:t>19</a:t>
+                      </a:r>
+                    </a:p>
+                  </a:txBody>
+                  <a:tcPr marL="0" marR="0" marT="0" marB="0" anchor="ctr">
+                    <a:lnL w="12700" cap="flat" cmpd="sng" algn="ctr">
+                      <a:noFill/>
+                      <a:prstDash val="sysDot"/>
+                      <a:round/>
+                      <a:headEnd type="none" w="med" len="med"/>
+                      <a:tailEnd type="none" w="med" len="med"/>
+                    </a:lnL>
+                    <a:lnR w="12700" cap="flat" cmpd="sng" algn="ctr">
+                      <a:noFill/>
+                      <a:prstDash val="sysDot"/>
+                      <a:round/>
+                      <a:headEnd type="none" w="med" len="med"/>
+                      <a:tailEnd type="none" w="med" len="med"/>
+                    </a:lnR>
+                    <a:lnT w="12700" cap="flat" cmpd="sng" algn="ctr">
+                      <a:noFill/>
+                      <a:prstDash val="solid"/>
+                      <a:round/>
+                      <a:headEnd type="none" w="med" len="med"/>
+                      <a:tailEnd type="none" w="med" len="med"/>
+                    </a:lnT>
+                    <a:lnB w="12700" cap="flat" cmpd="sng" algn="ctr">
+                      <a:noFill/>
+                      <a:prstDash val="sysDot"/>
+                      <a:round/>
+                      <a:headEnd type="none" w="med" len="med"/>
+                      <a:tailEnd type="none" w="med" len="med"/>
+                    </a:lnB>
+                    <a:lnTlToBr w="12700" cmpd="sng">
+                      <a:noFill/>
+                      <a:prstDash val="solid"/>
+                    </a:lnTlToBr>
+                    <a:lnBlToTr w="12700" cmpd="sng">
+                      <a:noFill/>
+                      <a:prstDash val="solid"/>
+                    </a:lnBlToTr>
+                    <a:noFill/>
+                  </a:tcPr>
+                </a:tc>
+                <a:extLst>
+                  <a:ext uri="{0D108BD9-81ED-4DB2-BD59-A6C34878D82A}">
+                    <a16:rowId xmlns:a16="http://schemas.microsoft.com/office/drawing/2014/main" val="2203473580"/>
+                  </a:ext>
+                </a:extLst>
+              </a:tr>
+              <a:tr h="203345">
+                <a:tc>
+                  <a:txBody>
+                    <a:bodyPr/>
+                    <a:lstStyle/>
+                    <a:p>
+                      <a:pPr algn="ctr"/>
+                      <a:r>
+                        <a:rPr lang="en-US" sz="1000" dirty="0">
+                          <a:solidFill>
+                            <a:schemeClr val="tx1"/>
+                          </a:solidFill>
+                          <a:latin typeface="Consolas" panose="020B0609020204030204" pitchFamily="49" charset="0"/>
+                        </a:rPr>
+                        <a:t>20</a:t>
+                      </a:r>
+                    </a:p>
+                  </a:txBody>
+                  <a:tcPr marL="0" marR="0" marT="0" marB="0" anchor="ctr">
+                    <a:lnL w="12700" cap="flat" cmpd="sng" algn="ctr">
+                      <a:noFill/>
+                      <a:prstDash val="sysDot"/>
+                      <a:round/>
+                      <a:headEnd type="none" w="med" len="med"/>
+                      <a:tailEnd type="none" w="med" len="med"/>
+                    </a:lnL>
+                    <a:lnR w="12700" cap="flat" cmpd="sng" algn="ctr">
+                      <a:noFill/>
+                      <a:prstDash val="sysDot"/>
+                      <a:round/>
+                      <a:headEnd type="none" w="med" len="med"/>
+                      <a:tailEnd type="none" w="med" len="med"/>
+                    </a:lnR>
+                    <a:lnT w="12700" cap="flat" cmpd="sng" algn="ctr">
+                      <a:noFill/>
+                      <a:prstDash val="solid"/>
+                      <a:round/>
+                      <a:headEnd type="none" w="med" len="med"/>
+                      <a:tailEnd type="none" w="med" len="med"/>
+                    </a:lnT>
+                    <a:lnB w="12700" cap="flat" cmpd="sng" algn="ctr">
+                      <a:noFill/>
+                      <a:prstDash val="sysDot"/>
+                      <a:round/>
+                      <a:headEnd type="none" w="med" len="med"/>
+                      <a:tailEnd type="none" w="med" len="med"/>
+                    </a:lnB>
+                    <a:lnTlToBr w="12700" cmpd="sng">
+                      <a:noFill/>
+                      <a:prstDash val="solid"/>
+                    </a:lnTlToBr>
+                    <a:lnBlToTr w="12700" cmpd="sng">
+                      <a:noFill/>
+                      <a:prstDash val="solid"/>
+                    </a:lnBlToTr>
+                    <a:noFill/>
+                  </a:tcPr>
+                </a:tc>
+                <a:tc>
+                  <a:txBody>
+                    <a:bodyPr/>
+                    <a:lstStyle/>
+                    <a:p>
+                      <a:pPr algn="ctr"/>
+                      <a:r>
+                        <a:rPr lang="en-US" sz="1000" dirty="0">
+                          <a:solidFill>
+                            <a:schemeClr val="tx1"/>
+                          </a:solidFill>
+                          <a:latin typeface="Consolas" panose="020B0609020204030204" pitchFamily="49" charset="0"/>
+                        </a:rPr>
+                        <a:t>21</a:t>
+                      </a:r>
+                    </a:p>
+                  </a:txBody>
+                  <a:tcPr marL="0" marR="0" marT="0" marB="0" anchor="ctr">
+                    <a:lnL w="12700" cap="flat" cmpd="sng" algn="ctr">
+                      <a:noFill/>
+                      <a:prstDash val="sysDot"/>
+                      <a:round/>
+                      <a:headEnd type="none" w="med" len="med"/>
+                      <a:tailEnd type="none" w="med" len="med"/>
+                    </a:lnL>
+                    <a:lnR w="12700" cap="flat" cmpd="sng" algn="ctr">
+                      <a:noFill/>
+                      <a:prstDash val="sysDot"/>
+                      <a:round/>
+                      <a:headEnd type="none" w="med" len="med"/>
+                      <a:tailEnd type="none" w="med" len="med"/>
+                    </a:lnR>
+                    <a:lnT w="12700" cap="flat" cmpd="sng" algn="ctr">
+                      <a:noFill/>
+                      <a:prstDash val="solid"/>
+                      <a:round/>
+                      <a:headEnd type="none" w="med" len="med"/>
+                      <a:tailEnd type="none" w="med" len="med"/>
+                    </a:lnT>
+                    <a:lnB w="12700" cap="flat" cmpd="sng" algn="ctr">
+                      <a:noFill/>
+                      <a:prstDash val="sysDot"/>
+                      <a:round/>
+                      <a:headEnd type="none" w="med" len="med"/>
+                      <a:tailEnd type="none" w="med" len="med"/>
+                    </a:lnB>
+                    <a:lnTlToBr w="12700" cmpd="sng">
+                      <a:noFill/>
+                      <a:prstDash val="solid"/>
+                    </a:lnTlToBr>
+                    <a:lnBlToTr w="12700" cmpd="sng">
+                      <a:noFill/>
+                      <a:prstDash val="solid"/>
+                    </a:lnBlToTr>
+                    <a:noFill/>
+                  </a:tcPr>
+                </a:tc>
+                <a:tc>
+                  <a:txBody>
+                    <a:bodyPr/>
+                    <a:lstStyle/>
+                    <a:p>
+                      <a:pPr algn="ctr"/>
+                      <a:r>
+                        <a:rPr lang="en-US" sz="1000" dirty="0">
+                          <a:solidFill>
+                            <a:schemeClr val="tx1"/>
+                          </a:solidFill>
+                          <a:latin typeface="Consolas" panose="020B0609020204030204" pitchFamily="49" charset="0"/>
+                        </a:rPr>
+                        <a:t>22</a:t>
+                      </a:r>
+                    </a:p>
+                  </a:txBody>
+                  <a:tcPr marL="0" marR="0" marT="0" marB="0" anchor="ctr">
+                    <a:lnL w="12700" cap="flat" cmpd="sng" algn="ctr">
+                      <a:noFill/>
+                      <a:prstDash val="sysDot"/>
+                      <a:round/>
+                      <a:headEnd type="none" w="med" len="med"/>
+                      <a:tailEnd type="none" w="med" len="med"/>
+                    </a:lnL>
+                    <a:lnR w="12700" cap="flat" cmpd="sng" algn="ctr">
+                      <a:noFill/>
+                      <a:prstDash val="sysDot"/>
+                      <a:round/>
+                      <a:headEnd type="none" w="med" len="med"/>
+                      <a:tailEnd type="none" w="med" len="med"/>
+                    </a:lnR>
+                    <a:lnT w="12700" cap="flat" cmpd="sng" algn="ctr">
+                      <a:noFill/>
+                      <a:prstDash val="solid"/>
+                      <a:round/>
+                      <a:headEnd type="none" w="med" len="med"/>
+                      <a:tailEnd type="none" w="med" len="med"/>
+                    </a:lnT>
+                    <a:lnB w="12700" cap="flat" cmpd="sng" algn="ctr">
+                      <a:noFill/>
+                      <a:prstDash val="sysDot"/>
+                      <a:round/>
+                      <a:headEnd type="none" w="med" len="med"/>
+                      <a:tailEnd type="none" w="med" len="med"/>
+                    </a:lnB>
+                    <a:lnTlToBr w="12700" cmpd="sng">
+                      <a:noFill/>
+                      <a:prstDash val="solid"/>
+                    </a:lnTlToBr>
+                    <a:lnBlToTr w="12700" cmpd="sng">
+                      <a:noFill/>
+                      <a:prstDash val="solid"/>
+                    </a:lnBlToTr>
+                    <a:noFill/>
+                  </a:tcPr>
+                </a:tc>
+                <a:tc>
+                  <a:txBody>
+                    <a:bodyPr/>
+                    <a:lstStyle/>
+                    <a:p>
+                      <a:pPr algn="ctr"/>
+                      <a:r>
+                        <a:rPr lang="en-US" sz="1000" dirty="0">
+                          <a:solidFill>
+                            <a:schemeClr val="tx1"/>
+                          </a:solidFill>
+                          <a:latin typeface="Consolas" panose="020B0609020204030204" pitchFamily="49" charset="0"/>
+                        </a:rPr>
+                        <a:t>23</a:t>
+                      </a:r>
+                    </a:p>
+                  </a:txBody>
+                  <a:tcPr marL="0" marR="0" marT="0" marB="0" anchor="ctr">
+                    <a:lnL w="12700" cap="flat" cmpd="sng" algn="ctr">
+                      <a:noFill/>
+                      <a:prstDash val="sysDot"/>
+                      <a:round/>
+                      <a:headEnd type="none" w="med" len="med"/>
+                      <a:tailEnd type="none" w="med" len="med"/>
+                    </a:lnL>
+                    <a:lnR w="12700" cap="flat" cmpd="sng" algn="ctr">
+                      <a:noFill/>
+                      <a:prstDash val="sysDot"/>
+                      <a:round/>
+                      <a:headEnd type="none" w="med" len="med"/>
+                      <a:tailEnd type="none" w="med" len="med"/>
+                    </a:lnR>
+                    <a:lnT w="12700" cap="flat" cmpd="sng" algn="ctr">
+                      <a:noFill/>
+                      <a:prstDash val="solid"/>
+                      <a:round/>
+                      <a:headEnd type="none" w="med" len="med"/>
+                      <a:tailEnd type="none" w="med" len="med"/>
+                    </a:lnT>
+                    <a:lnB w="12700" cap="flat" cmpd="sng" algn="ctr">
+                      <a:noFill/>
+                      <a:prstDash val="sysDot"/>
+                      <a:round/>
+                      <a:headEnd type="none" w="med" len="med"/>
+                      <a:tailEnd type="none" w="med" len="med"/>
+                    </a:lnB>
+                    <a:lnTlToBr w="12700" cmpd="sng">
+                      <a:noFill/>
+                      <a:prstDash val="solid"/>
+                    </a:lnTlToBr>
+                    <a:lnBlToTr w="12700" cmpd="sng">
+                      <a:noFill/>
+                      <a:prstDash val="solid"/>
+                    </a:lnBlToTr>
+                    <a:noFill/>
+                  </a:tcPr>
+                </a:tc>
+                <a:tc>
+                  <a:txBody>
+                    <a:bodyPr/>
+                    <a:lstStyle/>
+                    <a:p>
+                      <a:pPr algn="ctr"/>
+                      <a:r>
+                        <a:rPr lang="en-US" sz="1000" dirty="0">
+                          <a:solidFill>
+                            <a:schemeClr val="tx1"/>
+                          </a:solidFill>
+                          <a:latin typeface="Consolas" panose="020B0609020204030204" pitchFamily="49" charset="0"/>
+                        </a:rPr>
+                        <a:t>24</a:t>
+                      </a:r>
+                    </a:p>
+                  </a:txBody>
+                  <a:tcPr marL="0" marR="0" marT="0" marB="0" anchor="ctr">
+                    <a:lnL w="12700" cap="flat" cmpd="sng" algn="ctr">
+                      <a:noFill/>
+                      <a:prstDash val="sysDot"/>
+                      <a:round/>
+                      <a:headEnd type="none" w="med" len="med"/>
+                      <a:tailEnd type="none" w="med" len="med"/>
+                    </a:lnL>
+                    <a:lnR w="12700" cap="flat" cmpd="sng" algn="ctr">
+                      <a:noFill/>
+                      <a:prstDash val="sysDot"/>
+                      <a:round/>
+                      <a:headEnd type="none" w="med" len="med"/>
+                      <a:tailEnd type="none" w="med" len="med"/>
+                    </a:lnR>
+                    <a:lnT w="12700" cap="flat" cmpd="sng" algn="ctr">
+                      <a:noFill/>
+                      <a:prstDash val="solid"/>
+                      <a:round/>
+                      <a:headEnd type="none" w="med" len="med"/>
+                      <a:tailEnd type="none" w="med" len="med"/>
+                    </a:lnT>
+                    <a:lnB w="12700" cap="flat" cmpd="sng" algn="ctr">
+                      <a:noFill/>
+                      <a:prstDash val="sysDot"/>
+                      <a:round/>
+                      <a:headEnd type="none" w="med" len="med"/>
+                      <a:tailEnd type="none" w="med" len="med"/>
+                    </a:lnB>
+                    <a:lnTlToBr w="12700" cmpd="sng">
+                      <a:noFill/>
+                      <a:prstDash val="solid"/>
+                    </a:lnTlToBr>
+                    <a:lnBlToTr w="12700" cmpd="sng">
+                      <a:noFill/>
+                      <a:prstDash val="solid"/>
+                    </a:lnBlToTr>
+                    <a:noFill/>
+                  </a:tcPr>
+                </a:tc>
+                <a:tc>
+                  <a:txBody>
+                    <a:bodyPr/>
+                    <a:lstStyle/>
+                    <a:p>
+                      <a:pPr algn="ctr"/>
+                      <a:r>
+                        <a:rPr lang="en-US" sz="1000" dirty="0">
+                          <a:solidFill>
+                            <a:schemeClr val="tx1"/>
+                          </a:solidFill>
+                          <a:latin typeface="Consolas" panose="020B0609020204030204" pitchFamily="49" charset="0"/>
+                        </a:rPr>
+                        <a:t>25</a:t>
+                      </a:r>
+                    </a:p>
+                  </a:txBody>
+                  <a:tcPr marL="0" marR="0" marT="0" marB="0" anchor="ctr">
+                    <a:lnL w="12700" cap="flat" cmpd="sng" algn="ctr">
+                      <a:noFill/>
+                      <a:prstDash val="sysDot"/>
+                      <a:round/>
+                      <a:headEnd type="none" w="med" len="med"/>
+                      <a:tailEnd type="none" w="med" len="med"/>
+                    </a:lnL>
+                    <a:lnR w="12700" cap="flat" cmpd="sng" algn="ctr">
+                      <a:noFill/>
+                      <a:prstDash val="sysDot"/>
+                      <a:round/>
+                      <a:headEnd type="none" w="med" len="med"/>
+                      <a:tailEnd type="none" w="med" len="med"/>
+                    </a:lnR>
+                    <a:lnT w="12700" cap="flat" cmpd="sng" algn="ctr">
+                      <a:noFill/>
+                      <a:prstDash val="solid"/>
+                      <a:round/>
+                      <a:headEnd type="none" w="med" len="med"/>
+                      <a:tailEnd type="none" w="med" len="med"/>
+                    </a:lnT>
+                    <a:lnB w="12700" cap="flat" cmpd="sng" algn="ctr">
+                      <a:noFill/>
+                      <a:prstDash val="sysDot"/>
+                      <a:round/>
+                      <a:headEnd type="none" w="med" len="med"/>
+                      <a:tailEnd type="none" w="med" len="med"/>
+                    </a:lnB>
+                    <a:lnTlToBr w="12700" cmpd="sng">
+                      <a:noFill/>
+                      <a:prstDash val="solid"/>
+                    </a:lnTlToBr>
+                    <a:lnBlToTr w="12700" cmpd="sng">
+                      <a:noFill/>
+                      <a:prstDash val="solid"/>
+                    </a:lnBlToTr>
+                    <a:noFill/>
+                  </a:tcPr>
+                </a:tc>
+                <a:tc>
+                  <a:txBody>
+                    <a:bodyPr/>
+                    <a:lstStyle/>
+                    <a:p>
+                      <a:pPr algn="ctr"/>
+                      <a:r>
+                        <a:rPr lang="en-US" sz="1000" dirty="0">
+                          <a:solidFill>
+                            <a:schemeClr val="tx1"/>
+                          </a:solidFill>
+                          <a:latin typeface="Consolas" panose="020B0609020204030204" pitchFamily="49" charset="0"/>
+                        </a:rPr>
+                        <a:t>26</a:t>
+                      </a:r>
+                    </a:p>
+                  </a:txBody>
+                  <a:tcPr marL="0" marR="0" marT="0" marB="0" anchor="ctr">
+                    <a:lnL w="12700" cap="flat" cmpd="sng" algn="ctr">
+                      <a:noFill/>
+                      <a:prstDash val="sysDot"/>
+                      <a:round/>
+                      <a:headEnd type="none" w="med" len="med"/>
+                      <a:tailEnd type="none" w="med" len="med"/>
+                    </a:lnL>
+                    <a:lnR w="12700" cap="flat" cmpd="sng" algn="ctr">
+                      <a:noFill/>
+                      <a:prstDash val="sysDot"/>
+                      <a:round/>
+                      <a:headEnd type="none" w="med" len="med"/>
+                      <a:tailEnd type="none" w="med" len="med"/>
+                    </a:lnR>
+                    <a:lnT w="12700" cap="flat" cmpd="sng" algn="ctr">
+                      <a:noFill/>
+                      <a:prstDash val="solid"/>
+                      <a:round/>
+                      <a:headEnd type="none" w="med" len="med"/>
+                      <a:tailEnd type="none" w="med" len="med"/>
+                    </a:lnT>
+                    <a:lnB w="12700" cap="flat" cmpd="sng" algn="ctr">
+                      <a:noFill/>
+                      <a:prstDash val="sysDot"/>
+                      <a:round/>
+                      <a:headEnd type="none" w="med" len="med"/>
+                      <a:tailEnd type="none" w="med" len="med"/>
+                    </a:lnB>
+                    <a:lnTlToBr w="12700" cmpd="sng">
+                      <a:noFill/>
+                      <a:prstDash val="solid"/>
+                    </a:lnTlToBr>
+                    <a:lnBlToTr w="12700" cmpd="sng">
+                      <a:noFill/>
+                      <a:prstDash val="solid"/>
+                    </a:lnBlToTr>
+                    <a:noFill/>
+                  </a:tcPr>
+                </a:tc>
+                <a:extLst>
+                  <a:ext uri="{0D108BD9-81ED-4DB2-BD59-A6C34878D82A}">
+                    <a16:rowId xmlns:a16="http://schemas.microsoft.com/office/drawing/2014/main" val="3725367810"/>
+                  </a:ext>
+                </a:extLst>
+              </a:tr>
+              <a:tr h="203345">
+                <a:tc>
+                  <a:txBody>
+                    <a:bodyPr/>
+                    <a:lstStyle/>
+                    <a:p>
+                      <a:pPr algn="ctr"/>
+                      <a:r>
+                        <a:rPr lang="en-US" sz="1000" dirty="0">
+                          <a:solidFill>
+                            <a:schemeClr val="tx1"/>
+                          </a:solidFill>
+                          <a:latin typeface="Consolas" panose="020B0609020204030204" pitchFamily="49" charset="0"/>
+                        </a:rPr>
+                        <a:t>27</a:t>
+                      </a:r>
+                    </a:p>
+                  </a:txBody>
+                  <a:tcPr marL="0" marR="0" marT="0" marB="0" anchor="ctr">
+                    <a:lnL w="12700" cap="flat" cmpd="sng" algn="ctr">
+                      <a:noFill/>
+                      <a:prstDash val="sysDot"/>
+                      <a:round/>
+                      <a:headEnd type="none" w="med" len="med"/>
+                      <a:tailEnd type="none" w="med" len="med"/>
+                    </a:lnL>
+                    <a:lnR w="12700" cap="flat" cmpd="sng" algn="ctr">
+                      <a:noFill/>
+                      <a:prstDash val="sysDot"/>
+                      <a:round/>
+                      <a:headEnd type="none" w="med" len="med"/>
+                      <a:tailEnd type="none" w="med" len="med"/>
+                    </a:lnR>
+                    <a:lnT w="12700" cap="flat" cmpd="sng" algn="ctr">
+                      <a:noFill/>
+                      <a:prstDash val="solid"/>
+                      <a:round/>
+                      <a:headEnd type="none" w="med" len="med"/>
+                      <a:tailEnd type="none" w="med" len="med"/>
+                    </a:lnT>
+                    <a:lnB w="12700" cap="flat" cmpd="sng" algn="ctr">
+                      <a:noFill/>
+                      <a:prstDash val="sysDot"/>
+                      <a:round/>
+                      <a:headEnd type="none" w="med" len="med"/>
+                      <a:tailEnd type="none" w="med" len="med"/>
+                    </a:lnB>
+                    <a:lnTlToBr w="12700" cmpd="sng">
+                      <a:noFill/>
+                      <a:prstDash val="solid"/>
+                    </a:lnTlToBr>
+                    <a:lnBlToTr w="12700" cmpd="sng">
+                      <a:noFill/>
+                      <a:prstDash val="solid"/>
+                    </a:lnBlToTr>
+                    <a:noFill/>
+                  </a:tcPr>
+                </a:tc>
+                <a:tc>
+                  <a:txBody>
+                    <a:bodyPr/>
+                    <a:lstStyle/>
+                    <a:p>
+                      <a:pPr algn="ctr"/>
+                      <a:r>
+                        <a:rPr lang="en-US" sz="1000" dirty="0">
+                          <a:solidFill>
+                            <a:schemeClr val="tx1"/>
+                          </a:solidFill>
+                          <a:latin typeface="Consolas" panose="020B0609020204030204" pitchFamily="49" charset="0"/>
+                        </a:rPr>
+                        <a:t>28</a:t>
+                      </a:r>
+                    </a:p>
+                  </a:txBody>
+                  <a:tcPr marL="0" marR="0" marT="0" marB="0" anchor="ctr">
+                    <a:lnL w="12700" cap="flat" cmpd="sng" algn="ctr">
+                      <a:noFill/>
+                      <a:prstDash val="sysDot"/>
+                      <a:round/>
+                      <a:headEnd type="none" w="med" len="med"/>
+                      <a:tailEnd type="none" w="med" len="med"/>
+                    </a:lnL>
+                    <a:lnR w="12700" cap="flat" cmpd="sng" algn="ctr">
+                      <a:noFill/>
+                      <a:prstDash val="sysDot"/>
+                      <a:round/>
+                      <a:headEnd type="none" w="med" len="med"/>
+                      <a:tailEnd type="none" w="med" len="med"/>
+                    </a:lnR>
+                    <a:lnT w="12700" cap="flat" cmpd="sng" algn="ctr">
+                      <a:noFill/>
+                      <a:prstDash val="solid"/>
+                      <a:round/>
+                      <a:headEnd type="none" w="med" len="med"/>
+                      <a:tailEnd type="none" w="med" len="med"/>
+                    </a:lnT>
+                    <a:lnB w="12700" cap="flat" cmpd="sng" algn="ctr">
+                      <a:noFill/>
+                      <a:prstDash val="sysDot"/>
+                      <a:round/>
+                      <a:headEnd type="none" w="med" len="med"/>
+                      <a:tailEnd type="none" w="med" len="med"/>
+                    </a:lnB>
+                    <a:lnTlToBr w="12700" cmpd="sng">
+                      <a:noFill/>
+                      <a:prstDash val="solid"/>
+                    </a:lnTlToBr>
+                    <a:lnBlToTr w="12700" cmpd="sng">
+                      <a:noFill/>
+                      <a:prstDash val="solid"/>
+                    </a:lnBlToTr>
+                    <a:noFill/>
+                  </a:tcPr>
+                </a:tc>
+                <a:tc>
+                  <a:txBody>
+                    <a:bodyPr/>
+                    <a:lstStyle/>
+                    <a:p>
+                      <a:pPr algn="ctr"/>
+                      <a:r>
+                        <a:rPr lang="en-US" sz="1000" dirty="0">
+                          <a:solidFill>
+                            <a:schemeClr val="tx1"/>
+                          </a:solidFill>
+                          <a:latin typeface="Consolas" panose="020B0609020204030204" pitchFamily="49" charset="0"/>
+                        </a:rPr>
+                        <a:t>29</a:t>
+                      </a:r>
+                    </a:p>
+                  </a:txBody>
+                  <a:tcPr marL="0" marR="0" marT="0" marB="0" anchor="ctr">
+                    <a:lnL w="12700" cap="flat" cmpd="sng" algn="ctr">
+                      <a:noFill/>
+                      <a:prstDash val="sysDot"/>
+                      <a:round/>
+                      <a:headEnd type="none" w="med" len="med"/>
+                      <a:tailEnd type="none" w="med" len="med"/>
+                    </a:lnL>
+                    <a:lnR w="12700" cap="flat" cmpd="sng" algn="ctr">
+                      <a:noFill/>
+                      <a:prstDash val="sysDot"/>
+                      <a:round/>
+                      <a:headEnd type="none" w="med" len="med"/>
+                      <a:tailEnd type="none" w="med" len="med"/>
+                    </a:lnR>
+                    <a:lnT w="12700" cap="flat" cmpd="sng" algn="ctr">
+                      <a:noFill/>
+                      <a:prstDash val="solid"/>
+                      <a:round/>
+                      <a:headEnd type="none" w="med" len="med"/>
+                      <a:tailEnd type="none" w="med" len="med"/>
+                    </a:lnT>
+                    <a:lnB w="12700" cap="flat" cmpd="sng" algn="ctr">
+                      <a:noFill/>
+                      <a:prstDash val="sysDot"/>
+                      <a:round/>
+                      <a:headEnd type="none" w="med" len="med"/>
+                      <a:tailEnd type="none" w="med" len="med"/>
+                    </a:lnB>
+                    <a:lnTlToBr w="12700" cmpd="sng">
+                      <a:noFill/>
+                      <a:prstDash val="solid"/>
+                    </a:lnTlToBr>
+                    <a:lnBlToTr w="12700" cmpd="sng">
+                      <a:noFill/>
+                      <a:prstDash val="solid"/>
+                    </a:lnBlToTr>
+                    <a:noFill/>
+                  </a:tcPr>
+                </a:tc>
+                <a:tc>
+                  <a:txBody>
+                    <a:bodyPr/>
+                    <a:lstStyle/>
+                    <a:p>
+                      <a:pPr algn="ctr"/>
+                      <a:r>
+                        <a:rPr lang="en-US" sz="1000" dirty="0">
+                          <a:solidFill>
+                            <a:schemeClr val="tx1"/>
+                          </a:solidFill>
+                          <a:latin typeface="Consolas" panose="020B0609020204030204" pitchFamily="49" charset="0"/>
+                        </a:rPr>
+                        <a:t>30</a:t>
+                      </a:r>
+                    </a:p>
+                  </a:txBody>
+                  <a:tcPr marL="0" marR="0" marT="0" marB="0" anchor="ctr">
+                    <a:lnL w="12700" cap="flat" cmpd="sng" algn="ctr">
+                      <a:noFill/>
+                      <a:prstDash val="sysDot"/>
+                      <a:round/>
+                      <a:headEnd type="none" w="med" len="med"/>
+                      <a:tailEnd type="none" w="med" len="med"/>
+                    </a:lnL>
+                    <a:lnR w="12700" cap="flat" cmpd="sng" algn="ctr">
+                      <a:noFill/>
+                      <a:prstDash val="sysDot"/>
+                      <a:round/>
+                      <a:headEnd type="none" w="med" len="med"/>
+                      <a:tailEnd type="none" w="med" len="med"/>
+                    </a:lnR>
+                    <a:lnT w="12700" cap="flat" cmpd="sng" algn="ctr">
+                      <a:noFill/>
+                      <a:prstDash val="solid"/>
+                      <a:round/>
+                      <a:headEnd type="none" w="med" len="med"/>
+                      <a:tailEnd type="none" w="med" len="med"/>
+                    </a:lnT>
+                    <a:lnB w="12700" cap="flat" cmpd="sng" algn="ctr">
+                      <a:noFill/>
+                      <a:prstDash val="sysDot"/>
+                      <a:round/>
+                      <a:headEnd type="none" w="med" len="med"/>
+                      <a:tailEnd type="none" w="med" len="med"/>
+                    </a:lnB>
+                    <a:lnTlToBr w="12700" cmpd="sng">
+                      <a:noFill/>
+                      <a:prstDash val="solid"/>
+                    </a:lnTlToBr>
+                    <a:lnBlToTr w="12700" cmpd="sng">
+                      <a:noFill/>
+                      <a:prstDash val="solid"/>
+                    </a:lnBlToTr>
+                    <a:noFill/>
+                  </a:tcPr>
+                </a:tc>
+                <a:tc>
+                  <a:txBody>
+                    <a:bodyPr/>
+                    <a:lstStyle/>
+                    <a:p>
+                      <a:pPr algn="ctr"/>
+                      <a:r>
+                        <a:rPr lang="en-US" sz="1000" dirty="0">
+                          <a:solidFill>
+                            <a:schemeClr val="tx1"/>
+                          </a:solidFill>
+                          <a:latin typeface="Consolas" panose="020B0609020204030204" pitchFamily="49" charset="0"/>
+                        </a:rPr>
+                        <a:t>31</a:t>
+                      </a:r>
+                    </a:p>
+                  </a:txBody>
+                  <a:tcPr marL="0" marR="0" marT="0" marB="0" anchor="ctr">
+                    <a:lnL w="12700" cap="flat" cmpd="sng" algn="ctr">
+                      <a:noFill/>
+                      <a:prstDash val="sysDot"/>
+                      <a:round/>
+                      <a:headEnd type="none" w="med" len="med"/>
+                      <a:tailEnd type="none" w="med" len="med"/>
+                    </a:lnL>
+                    <a:lnR w="12700" cap="flat" cmpd="sng" algn="ctr">
+                      <a:noFill/>
+                      <a:prstDash val="sysDot"/>
+                      <a:round/>
+                      <a:headEnd type="none" w="med" len="med"/>
+                      <a:tailEnd type="none" w="med" len="med"/>
+                    </a:lnR>
+                    <a:lnT w="12700" cap="flat" cmpd="sng" algn="ctr">
+                      <a:noFill/>
+                      <a:prstDash val="solid"/>
+                      <a:round/>
+                      <a:headEnd type="none" w="med" len="med"/>
+                      <a:tailEnd type="none" w="med" len="med"/>
+                    </a:lnT>
+                    <a:lnB w="12700" cap="flat" cmpd="sng" algn="ctr">
+                      <a:noFill/>
+                      <a:prstDash val="sysDot"/>
+                      <a:round/>
+                      <a:headEnd type="none" w="med" len="med"/>
+                      <a:tailEnd type="none" w="med" len="med"/>
+                    </a:lnB>
+                    <a:lnTlToBr w="12700" cmpd="sng">
+                      <a:noFill/>
+                      <a:prstDash val="solid"/>
+                    </a:lnTlToBr>
+                    <a:lnBlToTr w="12700" cmpd="sng">
+                      <a:noFill/>
+                      <a:prstDash val="solid"/>
+                    </a:lnBlToTr>
+                    <a:noFill/>
+                  </a:tcPr>
+                </a:tc>
+                <a:tc>
+                  <a:txBody>
+                    <a:bodyPr/>
+                    <a:lstStyle/>
+                    <a:p>
+                      <a:pPr algn="ctr"/>
+                      <a:endParaRPr lang="en-US" sz="1000" dirty="0">
+                        <a:solidFill>
+                          <a:schemeClr val="tx1"/>
+                        </a:solidFill>
+                        <a:latin typeface="Consolas" panose="020B0609020204030204" pitchFamily="49" charset="0"/>
+                      </a:endParaRPr>
+                    </a:p>
+                  </a:txBody>
+                  <a:tcPr marL="0" marR="0" marT="0" marB="0" anchor="ctr">
+                    <a:lnL w="12700" cap="flat" cmpd="sng" algn="ctr">
+                      <a:noFill/>
+                      <a:prstDash val="sysDot"/>
+                      <a:round/>
+                      <a:headEnd type="none" w="med" len="med"/>
+                      <a:tailEnd type="none" w="med" len="med"/>
+                    </a:lnL>
+                    <a:lnR w="12700" cap="flat" cmpd="sng" algn="ctr">
+                      <a:noFill/>
+                      <a:prstDash val="sysDot"/>
+                      <a:round/>
+                      <a:headEnd type="none" w="med" len="med"/>
+                      <a:tailEnd type="none" w="med" len="med"/>
+                    </a:lnR>
+                    <a:lnT w="12700" cap="flat" cmpd="sng" algn="ctr">
+                      <a:noFill/>
+                      <a:prstDash val="solid"/>
+                      <a:round/>
+                      <a:headEnd type="none" w="med" len="med"/>
+                      <a:tailEnd type="none" w="med" len="med"/>
+                    </a:lnT>
+                    <a:lnB w="12700" cap="flat" cmpd="sng" algn="ctr">
+                      <a:noFill/>
+                      <a:prstDash val="sysDot"/>
+                      <a:round/>
+                      <a:headEnd type="none" w="med" len="med"/>
+                      <a:tailEnd type="none" w="med" len="med"/>
+                    </a:lnB>
+                    <a:lnTlToBr w="12700" cmpd="sng">
+                      <a:noFill/>
+                      <a:prstDash val="solid"/>
+                    </a:lnTlToBr>
+                    <a:lnBlToTr w="12700" cmpd="sng">
+                      <a:noFill/>
+                      <a:prstDash val="solid"/>
+                    </a:lnBlToTr>
+                    <a:noFill/>
+                  </a:tcPr>
+                </a:tc>
+                <a:tc>
+                  <a:txBody>
+                    <a:bodyPr/>
+                    <a:lstStyle/>
+                    <a:p>
+                      <a:pPr algn="ctr"/>
+                      <a:endParaRPr lang="en-US" sz="1000" dirty="0">
+                        <a:solidFill>
+                          <a:schemeClr val="tx1"/>
+                        </a:solidFill>
+                        <a:latin typeface="Consolas" panose="020B0609020204030204" pitchFamily="49" charset="0"/>
+                      </a:endParaRPr>
+                    </a:p>
+                  </a:txBody>
+                  <a:tcPr marL="0" marR="0" marT="0" marB="0" anchor="ctr">
+                    <a:lnL w="12700" cap="flat" cmpd="sng" algn="ctr">
+                      <a:noFill/>
+                      <a:prstDash val="sysDot"/>
+                      <a:round/>
+                      <a:headEnd type="none" w="med" len="med"/>
+                      <a:tailEnd type="none" w="med" len="med"/>
+                    </a:lnL>
+                    <a:lnR w="12700" cap="flat" cmpd="sng" algn="ctr">
+                      <a:noFill/>
+                      <a:prstDash val="sysDot"/>
+                      <a:round/>
+                      <a:headEnd type="none" w="med" len="med"/>
+                      <a:tailEnd type="none" w="med" len="med"/>
+                    </a:lnR>
+                    <a:lnT w="12700" cap="flat" cmpd="sng" algn="ctr">
+                      <a:noFill/>
+                      <a:prstDash val="solid"/>
+                      <a:round/>
+                      <a:headEnd type="none" w="med" len="med"/>
+                      <a:tailEnd type="none" w="med" len="med"/>
+                    </a:lnT>
+                    <a:lnB w="12700" cap="flat" cmpd="sng" algn="ctr">
+                      <a:noFill/>
+                      <a:prstDash val="sysDot"/>
+                      <a:round/>
+                      <a:headEnd type="none" w="med" len="med"/>
+                      <a:tailEnd type="none" w="med" len="med"/>
+                    </a:lnB>
+                    <a:lnTlToBr w="12700" cmpd="sng">
+                      <a:noFill/>
+                      <a:prstDash val="solid"/>
+                    </a:lnTlToBr>
+                    <a:lnBlToTr w="12700" cmpd="sng">
+                      <a:noFill/>
+                      <a:prstDash val="solid"/>
+                    </a:lnBlToTr>
+                    <a:noFill/>
+                  </a:tcPr>
+                </a:tc>
+                <a:extLst>
+                  <a:ext uri="{0D108BD9-81ED-4DB2-BD59-A6C34878D82A}">
+                    <a16:rowId xmlns:a16="http://schemas.microsoft.com/office/drawing/2014/main" val="3334782150"/>
+                  </a:ext>
+                </a:extLst>
+              </a:tr>
+            </a:tbl>
+          </a:graphicData>
+        </a:graphic>
+      </p:graphicFrame>
+      <p:cxnSp>
+        <p:nvCxnSpPr>
+          <p:cNvPr id="5" name="Straight Connector 4">
+            <a:extLst>
+              <a:ext uri="{FF2B5EF4-FFF2-40B4-BE49-F238E27FC236}">
+                <a16:creationId xmlns:a16="http://schemas.microsoft.com/office/drawing/2014/main" id="{062D10A3-5796-4679-AB08-D205A6F62E47}"/>
+              </a:ext>
+            </a:extLst>
+          </p:cNvPr>
+          <p:cNvCxnSpPr>
+            <a:cxnSpLocks/>
+          </p:cNvCxnSpPr>
+          <p:nvPr/>
+        </p:nvCxnSpPr>
+        <p:spPr>
+          <a:xfrm>
+            <a:off x="2502256" y="195689"/>
+            <a:ext cx="4017814" cy="0"/>
+          </a:xfrm>
+          <a:prstGeom prst="line">
+            <a:avLst/>
+          </a:prstGeom>
+          <a:ln w="12700">
+            <a:solidFill>
+              <a:schemeClr val="tx1"/>
+            </a:solidFill>
+          </a:ln>
+        </p:spPr>
+        <p:style>
+          <a:lnRef idx="1">
+            <a:schemeClr val="accent1"/>
+          </a:lnRef>
+          <a:fillRef idx="0">
+            <a:schemeClr val="accent1"/>
+          </a:fillRef>
+          <a:effectRef idx="0">
+            <a:schemeClr val="accent1"/>
+          </a:effectRef>
+          <a:fontRef idx="minor">
+            <a:schemeClr val="tx1"/>
+          </a:fontRef>
+        </p:style>
+      </p:cxnSp>
+      <p:cxnSp>
+        <p:nvCxnSpPr>
+          <p:cNvPr id="7" name="Straight Connector 6">
+            <a:extLst>
+              <a:ext uri="{FF2B5EF4-FFF2-40B4-BE49-F238E27FC236}">
+                <a16:creationId xmlns:a16="http://schemas.microsoft.com/office/drawing/2014/main" id="{C3331143-92F8-48C0-97D1-710FF09B38AE}"/>
+              </a:ext>
+            </a:extLst>
+          </p:cNvPr>
+          <p:cNvCxnSpPr>
+            <a:cxnSpLocks/>
+          </p:cNvCxnSpPr>
+          <p:nvPr/>
+        </p:nvCxnSpPr>
+        <p:spPr>
+          <a:xfrm>
+            <a:off x="2502256" y="2300979"/>
+            <a:ext cx="4017814" cy="0"/>
+          </a:xfrm>
+          <a:prstGeom prst="line">
+            <a:avLst/>
+          </a:prstGeom>
+          <a:ln w="12700">
+            <a:solidFill>
+              <a:schemeClr val="tx1"/>
+            </a:solidFill>
+          </a:ln>
+        </p:spPr>
+        <p:style>
+          <a:lnRef idx="1">
+            <a:schemeClr val="accent1"/>
+          </a:lnRef>
+          <a:fillRef idx="0">
+            <a:schemeClr val="accent1"/>
+          </a:fillRef>
+          <a:effectRef idx="0">
+            <a:schemeClr val="accent1"/>
+          </a:effectRef>
+          <a:fontRef idx="minor">
+            <a:schemeClr val="tx1"/>
+          </a:fontRef>
+        </p:style>
+      </p:cxnSp>
+      <p:cxnSp>
+        <p:nvCxnSpPr>
+          <p:cNvPr id="13" name="Straight Connector 12">
+            <a:extLst>
+              <a:ext uri="{FF2B5EF4-FFF2-40B4-BE49-F238E27FC236}">
+                <a16:creationId xmlns:a16="http://schemas.microsoft.com/office/drawing/2014/main" id="{9A36F795-E13F-42FD-8DDF-9D51E1B213E8}"/>
+              </a:ext>
+            </a:extLst>
+          </p:cNvPr>
+          <p:cNvCxnSpPr>
+            <a:cxnSpLocks/>
+          </p:cNvCxnSpPr>
+          <p:nvPr/>
+        </p:nvCxnSpPr>
+        <p:spPr>
+          <a:xfrm>
+            <a:off x="2502256" y="4572000"/>
+            <a:ext cx="4017814" cy="0"/>
+          </a:xfrm>
+          <a:prstGeom prst="line">
+            <a:avLst/>
+          </a:prstGeom>
+          <a:ln w="12700">
+            <a:solidFill>
+              <a:schemeClr val="tx1"/>
+            </a:solidFill>
+          </a:ln>
+        </p:spPr>
+        <p:style>
+          <a:lnRef idx="1">
+            <a:schemeClr val="accent1"/>
+          </a:lnRef>
+          <a:fillRef idx="0">
+            <a:schemeClr val="accent1"/>
+          </a:fillRef>
+          <a:effectRef idx="0">
+            <a:schemeClr val="accent1"/>
+          </a:effectRef>
+          <a:fontRef idx="minor">
+            <a:schemeClr val="tx1"/>
+          </a:fontRef>
+        </p:style>
+      </p:cxnSp>
+      <p:cxnSp>
+        <p:nvCxnSpPr>
+          <p:cNvPr id="14" name="Straight Connector 13">
+            <a:extLst>
+              <a:ext uri="{FF2B5EF4-FFF2-40B4-BE49-F238E27FC236}">
+                <a16:creationId xmlns:a16="http://schemas.microsoft.com/office/drawing/2014/main" id="{5AA15D79-853C-4DBB-BAEA-4E307C115C08}"/>
+              </a:ext>
+            </a:extLst>
+          </p:cNvPr>
+          <p:cNvCxnSpPr>
+            <a:cxnSpLocks/>
+          </p:cNvCxnSpPr>
+          <p:nvPr/>
+        </p:nvCxnSpPr>
+        <p:spPr>
+          <a:xfrm>
+            <a:off x="2502256" y="6913762"/>
+            <a:ext cx="4017814" cy="0"/>
+          </a:xfrm>
+          <a:prstGeom prst="line">
+            <a:avLst/>
+          </a:prstGeom>
+          <a:ln w="12700">
+            <a:solidFill>
+              <a:schemeClr val="tx1"/>
+            </a:solidFill>
+          </a:ln>
+        </p:spPr>
+        <p:style>
+          <a:lnRef idx="1">
+            <a:schemeClr val="accent1"/>
+          </a:lnRef>
+          <a:fillRef idx="0">
+            <a:schemeClr val="accent1"/>
+          </a:fillRef>
+          <a:effectRef idx="0">
+            <a:schemeClr val="accent1"/>
+          </a:effectRef>
+          <a:fontRef idx="minor">
+            <a:schemeClr val="tx1"/>
+          </a:fontRef>
+        </p:style>
+      </p:cxnSp>
+      <p:cxnSp>
+        <p:nvCxnSpPr>
+          <p:cNvPr id="15" name="Straight Connector 14">
+            <a:extLst>
+              <a:ext uri="{FF2B5EF4-FFF2-40B4-BE49-F238E27FC236}">
+                <a16:creationId xmlns:a16="http://schemas.microsoft.com/office/drawing/2014/main" id="{8EEAF84F-DD90-4ED2-83FA-67ED901D73EC}"/>
+              </a:ext>
+            </a:extLst>
+          </p:cNvPr>
+          <p:cNvCxnSpPr>
+            <a:cxnSpLocks/>
+          </p:cNvCxnSpPr>
+          <p:nvPr/>
+        </p:nvCxnSpPr>
+        <p:spPr>
+          <a:xfrm>
+            <a:off x="2502256" y="8970603"/>
+            <a:ext cx="4017814" cy="0"/>
+          </a:xfrm>
+          <a:prstGeom prst="line">
+            <a:avLst/>
+          </a:prstGeom>
+          <a:ln w="12700">
+            <a:solidFill>
+              <a:schemeClr val="tx1"/>
+            </a:solidFill>
+          </a:ln>
+        </p:spPr>
+        <p:style>
+          <a:lnRef idx="1">
+            <a:schemeClr val="accent1"/>
+          </a:lnRef>
+          <a:fillRef idx="0">
+            <a:schemeClr val="accent1"/>
+          </a:fillRef>
+          <a:effectRef idx="0">
+            <a:schemeClr val="accent1"/>
+          </a:effectRef>
+          <a:fontRef idx="minor">
+            <a:schemeClr val="tx1"/>
+          </a:fontRef>
+        </p:style>
+      </p:cxnSp>
+      <p:sp>
+        <p:nvSpPr>
+          <p:cNvPr id="17" name="TextBox 16">
+            <a:extLst>
+              <a:ext uri="{FF2B5EF4-FFF2-40B4-BE49-F238E27FC236}">
+                <a16:creationId xmlns:a16="http://schemas.microsoft.com/office/drawing/2014/main" id="{41004EC7-E72B-49A0-B2D5-104C378FCD8D}"/>
+              </a:ext>
+            </a:extLst>
+          </p:cNvPr>
+          <p:cNvSpPr txBox="1"/>
+          <p:nvPr/>
+        </p:nvSpPr>
+        <p:spPr>
+          <a:xfrm>
+            <a:off x="168510" y="2737366"/>
+            <a:ext cx="1943151" cy="369332"/>
+          </a:xfrm>
+          <a:prstGeom prst="rect">
+            <a:avLst/>
+          </a:prstGeom>
+          <a:noFill/>
+          <a:ln>
+            <a:solidFill>
+              <a:schemeClr val="tx1"/>
+            </a:solidFill>
+          </a:ln>
+        </p:spPr>
+        <p:txBody>
+          <a:bodyPr wrap="square" rtlCol="0">
+            <a:spAutoFit/>
+          </a:bodyPr>
+          <a:lstStyle/>
+          <a:p>
+            <a:pPr algn="ctr"/>
+            <a:r>
+              <a:rPr lang="en-US" dirty="0">
+                <a:latin typeface="Consolas" panose="020B0609020204030204" pitchFamily="49" charset="0"/>
+              </a:rPr>
+              <a:t>NEXT WEEK</a:t>
+            </a:r>
+          </a:p>
+        </p:txBody>
+      </p:sp>
+      <p:sp>
+        <p:nvSpPr>
+          <p:cNvPr id="18" name="TextBox 17">
+            <a:extLst>
+              <a:ext uri="{FF2B5EF4-FFF2-40B4-BE49-F238E27FC236}">
+                <a16:creationId xmlns:a16="http://schemas.microsoft.com/office/drawing/2014/main" id="{EB43A594-66A4-4895-A63D-CEF7506008DD}"/>
+              </a:ext>
+            </a:extLst>
+          </p:cNvPr>
+          <p:cNvSpPr txBox="1"/>
+          <p:nvPr/>
+        </p:nvSpPr>
+        <p:spPr>
+          <a:xfrm>
+            <a:off x="168510" y="6913762"/>
+            <a:ext cx="1943151" cy="369332"/>
+          </a:xfrm>
+          <a:prstGeom prst="rect">
+            <a:avLst/>
+          </a:prstGeom>
+          <a:noFill/>
+          <a:ln>
+            <a:solidFill>
+              <a:schemeClr val="tx1"/>
+            </a:solidFill>
+          </a:ln>
+        </p:spPr>
+        <p:txBody>
+          <a:bodyPr wrap="square" rtlCol="0">
+            <a:spAutoFit/>
+          </a:bodyPr>
+          <a:lstStyle/>
+          <a:p>
+            <a:pPr algn="ctr"/>
+            <a:r>
+              <a:rPr lang="en-US" dirty="0">
+                <a:latin typeface="Consolas" panose="020B0609020204030204" pitchFamily="49" charset="0"/>
+              </a:rPr>
+              <a:t>LATER</a:t>
+            </a:r>
+          </a:p>
+        </p:txBody>
+      </p:sp>
+      <p:pic>
+        <p:nvPicPr>
+          <p:cNvPr id="26" name="Graphic 25" descr="Mittens outline">
+            <a:extLst>
+              <a:ext uri="{FF2B5EF4-FFF2-40B4-BE49-F238E27FC236}">
+                <a16:creationId xmlns:a16="http://schemas.microsoft.com/office/drawing/2014/main" id="{165BDD81-8EA8-4DA0-86FE-C0B0B15ED07B}"/>
+              </a:ext>
+            </a:extLst>
+          </p:cNvPr>
+          <p:cNvPicPr>
+            <a:picLocks noChangeAspect="1"/>
+          </p:cNvPicPr>
+          <p:nvPr/>
+        </p:nvPicPr>
+        <p:blipFill>
+          <a:blip r:embed="rId2">
+            <a:extLst>
+              <a:ext uri="{28A0092B-C50C-407E-A947-70E740481C1C}">
+                <a14:useLocalDpi xmlns:a14="http://schemas.microsoft.com/office/drawing/2010/main" val="0"/>
+              </a:ext>
+              <a:ext uri="{96DAC541-7B7A-43D3-8B79-37D633B846F1}">
+                <asvg:svgBlip xmlns:asvg="http://schemas.microsoft.com/office/drawing/2016/SVG/main" r:embed="rId3"/>
+              </a:ext>
+            </a:extLst>
+          </a:blip>
+          <a:stretch>
+            <a:fillRect/>
+          </a:stretch>
+        </p:blipFill>
+        <p:spPr>
+          <a:xfrm>
+            <a:off x="5605670" y="3728341"/>
+            <a:ext cx="914400" cy="914400"/>
+          </a:xfrm>
+          <a:prstGeom prst="rect">
+            <a:avLst/>
+          </a:prstGeom>
+        </p:spPr>
+      </p:pic>
+      <p:pic>
+        <p:nvPicPr>
+          <p:cNvPr id="28" name="Graphic 27" descr="Holly outline">
+            <a:extLst>
+              <a:ext uri="{FF2B5EF4-FFF2-40B4-BE49-F238E27FC236}">
+                <a16:creationId xmlns:a16="http://schemas.microsoft.com/office/drawing/2014/main" id="{0176B3A8-A9D8-4AA1-9D06-BB427350FCB2}"/>
+              </a:ext>
+            </a:extLst>
+          </p:cNvPr>
+          <p:cNvPicPr>
+            <a:picLocks noChangeAspect="1"/>
+          </p:cNvPicPr>
+          <p:nvPr/>
+        </p:nvPicPr>
+        <p:blipFill>
+          <a:blip r:embed="rId4">
+            <a:extLst>
+              <a:ext uri="{28A0092B-C50C-407E-A947-70E740481C1C}">
+                <a14:useLocalDpi xmlns:a14="http://schemas.microsoft.com/office/drawing/2010/main" val="0"/>
+              </a:ext>
+              <a:ext uri="{96DAC541-7B7A-43D3-8B79-37D633B846F1}">
+                <asvg:svgBlip xmlns:asvg="http://schemas.microsoft.com/office/drawing/2016/SVG/main" r:embed="rId5"/>
+              </a:ext>
+            </a:extLst>
+          </a:blip>
+          <a:stretch>
+            <a:fillRect/>
+          </a:stretch>
+        </p:blipFill>
+        <p:spPr>
+          <a:xfrm flipV="1">
+            <a:off x="2686987" y="6913762"/>
+            <a:ext cx="914400" cy="914400"/>
+          </a:xfrm>
+          <a:prstGeom prst="rect">
+            <a:avLst/>
+          </a:prstGeom>
+        </p:spPr>
+      </p:pic>
+    </p:spTree>
+    <p:extLst>
+      <p:ext uri="{BB962C8B-B14F-4D97-AF65-F5344CB8AC3E}">
+        <p14:creationId xmlns:p14="http://schemas.microsoft.com/office/powerpoint/2010/main" val="1953994071"/>
+      </p:ext>
+    </p:extLst>
+  </p:cSld>
+  <p:clrMapOvr>
+    <a:masterClrMapping/>
+  </p:clrMapOvr>
+</p:sld>
+</file>
+
+<file path=ppt/slides/slide17.xml><?xml version="1.0" encoding="utf-8"?>
+<p:sld xmlns:a="http://schemas.openxmlformats.org/drawingml/2006/main" xmlns:r="http://schemas.openxmlformats.org/officeDocument/2006/relationships" xmlns:p="http://schemas.openxmlformats.org/presentationml/2006/main">
+  <p:cSld>
+    <p:bg>
+      <p:bgPr>
+        <a:solidFill>
+          <a:schemeClr val="bg1"/>
+        </a:solidFill>
+        <a:effectLst/>
+      </p:bgPr>
+    </p:bg>
+    <p:spTree>
+      <p:nvGrpSpPr>
+        <p:cNvPr id="1" name=""/>
+        <p:cNvGrpSpPr/>
+        <p:nvPr/>
+      </p:nvGrpSpPr>
+      <p:grpSpPr>
+        <a:xfrm>
+          <a:off x="0" y="0"/>
+          <a:ext cx="0" cy="0"/>
+          <a:chOff x="0" y="0"/>
+          <a:chExt cx="0" cy="0"/>
+        </a:xfrm>
+      </p:grpSpPr>
+      <p:cxnSp>
+        <p:nvCxnSpPr>
+          <p:cNvPr id="5" name="Straight Connector 4">
+            <a:extLst>
+              <a:ext uri="{FF2B5EF4-FFF2-40B4-BE49-F238E27FC236}">
+                <a16:creationId xmlns:a16="http://schemas.microsoft.com/office/drawing/2014/main" id="{062D10A3-5796-4679-AB08-D205A6F62E47}"/>
+              </a:ext>
+            </a:extLst>
+          </p:cNvPr>
+          <p:cNvCxnSpPr>
+            <a:cxnSpLocks/>
+          </p:cNvCxnSpPr>
+          <p:nvPr/>
+        </p:nvCxnSpPr>
+        <p:spPr>
+          <a:xfrm>
+            <a:off x="324465" y="195689"/>
+            <a:ext cx="6195605" cy="0"/>
+          </a:xfrm>
+          <a:prstGeom prst="line">
+            <a:avLst/>
+          </a:prstGeom>
+          <a:ln w="12700">
+            <a:solidFill>
+              <a:schemeClr val="tx1"/>
+            </a:solidFill>
+          </a:ln>
+        </p:spPr>
+        <p:style>
+          <a:lnRef idx="1">
+            <a:schemeClr val="accent1"/>
+          </a:lnRef>
+          <a:fillRef idx="0">
+            <a:schemeClr val="accent1"/>
+          </a:fillRef>
+          <a:effectRef idx="0">
+            <a:schemeClr val="accent1"/>
+          </a:effectRef>
+          <a:fontRef idx="minor">
+            <a:schemeClr val="tx1"/>
+          </a:fontRef>
+        </p:style>
+      </p:cxnSp>
+      <p:cxnSp>
+        <p:nvCxnSpPr>
+          <p:cNvPr id="7" name="Straight Connector 6">
+            <a:extLst>
+              <a:ext uri="{FF2B5EF4-FFF2-40B4-BE49-F238E27FC236}">
+                <a16:creationId xmlns:a16="http://schemas.microsoft.com/office/drawing/2014/main" id="{C3331143-92F8-48C0-97D1-710FF09B38AE}"/>
+              </a:ext>
+            </a:extLst>
+          </p:cNvPr>
+          <p:cNvCxnSpPr>
+            <a:cxnSpLocks/>
+          </p:cNvCxnSpPr>
+          <p:nvPr/>
+        </p:nvCxnSpPr>
+        <p:spPr>
+          <a:xfrm>
+            <a:off x="246610" y="1656402"/>
+            <a:ext cx="6195605" cy="0"/>
+          </a:xfrm>
+          <a:prstGeom prst="line">
+            <a:avLst/>
+          </a:prstGeom>
+          <a:ln w="12700">
+            <a:solidFill>
+              <a:schemeClr val="tx1"/>
+            </a:solidFill>
+          </a:ln>
+        </p:spPr>
+        <p:style>
+          <a:lnRef idx="1">
+            <a:schemeClr val="accent1"/>
+          </a:lnRef>
+          <a:fillRef idx="0">
+            <a:schemeClr val="accent1"/>
+          </a:fillRef>
+          <a:effectRef idx="0">
+            <a:schemeClr val="accent1"/>
+          </a:effectRef>
+          <a:fontRef idx="minor">
+            <a:schemeClr val="tx1"/>
+          </a:fontRef>
+        </p:style>
+      </p:cxnSp>
+      <p:cxnSp>
+        <p:nvCxnSpPr>
+          <p:cNvPr id="13" name="Straight Connector 12">
+            <a:extLst>
+              <a:ext uri="{FF2B5EF4-FFF2-40B4-BE49-F238E27FC236}">
+                <a16:creationId xmlns:a16="http://schemas.microsoft.com/office/drawing/2014/main" id="{9A36F795-E13F-42FD-8DDF-9D51E1B213E8}"/>
+              </a:ext>
+            </a:extLst>
+          </p:cNvPr>
+          <p:cNvCxnSpPr>
+            <a:cxnSpLocks/>
+          </p:cNvCxnSpPr>
+          <p:nvPr/>
+        </p:nvCxnSpPr>
+        <p:spPr>
+          <a:xfrm>
+            <a:off x="390191" y="3800926"/>
+            <a:ext cx="6077618" cy="1"/>
+          </a:xfrm>
+          <a:prstGeom prst="line">
+            <a:avLst/>
+          </a:prstGeom>
+          <a:ln w="12700">
+            <a:solidFill>
+              <a:schemeClr val="tx1"/>
+            </a:solidFill>
+          </a:ln>
+        </p:spPr>
+        <p:style>
+          <a:lnRef idx="1">
+            <a:schemeClr val="accent1"/>
+          </a:lnRef>
+          <a:fillRef idx="0">
+            <a:schemeClr val="accent1"/>
+          </a:fillRef>
+          <a:effectRef idx="0">
+            <a:schemeClr val="accent1"/>
+          </a:effectRef>
+          <a:fontRef idx="minor">
+            <a:schemeClr val="tx1"/>
+          </a:fontRef>
+        </p:style>
+      </p:cxnSp>
+      <p:cxnSp>
+        <p:nvCxnSpPr>
+          <p:cNvPr id="14" name="Straight Connector 13">
+            <a:extLst>
+              <a:ext uri="{FF2B5EF4-FFF2-40B4-BE49-F238E27FC236}">
+                <a16:creationId xmlns:a16="http://schemas.microsoft.com/office/drawing/2014/main" id="{5AA15D79-853C-4DBB-BAEA-4E307C115C08}"/>
+              </a:ext>
+            </a:extLst>
+          </p:cNvPr>
+          <p:cNvCxnSpPr>
+            <a:cxnSpLocks/>
+          </p:cNvCxnSpPr>
+          <p:nvPr/>
+        </p:nvCxnSpPr>
+        <p:spPr>
+          <a:xfrm>
+            <a:off x="390191" y="5654588"/>
+            <a:ext cx="6077618" cy="0"/>
+          </a:xfrm>
+          <a:prstGeom prst="line">
+            <a:avLst/>
+          </a:prstGeom>
+          <a:ln w="12700">
+            <a:solidFill>
+              <a:schemeClr val="tx1"/>
+            </a:solidFill>
+          </a:ln>
+        </p:spPr>
+        <p:style>
+          <a:lnRef idx="1">
+            <a:schemeClr val="accent1"/>
+          </a:lnRef>
+          <a:fillRef idx="0">
+            <a:schemeClr val="accent1"/>
+          </a:fillRef>
+          <a:effectRef idx="0">
+            <a:schemeClr val="accent1"/>
+          </a:effectRef>
+          <a:fontRef idx="minor">
+            <a:schemeClr val="tx1"/>
+          </a:fontRef>
+        </p:style>
+      </p:cxnSp>
+      <p:sp>
+        <p:nvSpPr>
+          <p:cNvPr id="30" name="TextBox 29">
+            <a:extLst>
+              <a:ext uri="{FF2B5EF4-FFF2-40B4-BE49-F238E27FC236}">
+                <a16:creationId xmlns:a16="http://schemas.microsoft.com/office/drawing/2014/main" id="{15C76BCA-D957-4C30-A790-CB0962B5786E}"/>
+              </a:ext>
+            </a:extLst>
+          </p:cNvPr>
+          <p:cNvSpPr txBox="1"/>
+          <p:nvPr/>
+        </p:nvSpPr>
+        <p:spPr>
+          <a:xfrm>
+            <a:off x="2372836" y="6076106"/>
+            <a:ext cx="1943151" cy="369332"/>
+          </a:xfrm>
+          <a:prstGeom prst="rect">
+            <a:avLst/>
+          </a:prstGeom>
+          <a:noFill/>
+          <a:ln>
+            <a:solidFill>
+              <a:schemeClr val="tx1"/>
+            </a:solidFill>
+          </a:ln>
+        </p:spPr>
+        <p:txBody>
+          <a:bodyPr wrap="square" rtlCol="0">
+            <a:spAutoFit/>
+          </a:bodyPr>
+          <a:lstStyle/>
+          <a:p>
+            <a:pPr algn="ctr"/>
+            <a:r>
+              <a:rPr lang="en-US" dirty="0">
+                <a:latin typeface="Consolas" panose="020B0609020204030204" pitchFamily="49" charset="0"/>
+              </a:rPr>
+              <a:t>NOTES</a:t>
+            </a:r>
+          </a:p>
+        </p:txBody>
+      </p:sp>
+      <p:pic>
+        <p:nvPicPr>
+          <p:cNvPr id="2052" name="Picture 4" descr="In the Heights | Uznavi Sticker by musically | In the heights, Line art  design, Height">
+            <a:extLst>
+              <a:ext uri="{FF2B5EF4-FFF2-40B4-BE49-F238E27FC236}">
+                <a16:creationId xmlns:a16="http://schemas.microsoft.com/office/drawing/2014/main" id="{7A3C41C5-DBE9-4296-894A-4C0286494A2B}"/>
+              </a:ext>
+            </a:extLst>
+          </p:cNvPr>
+          <p:cNvPicPr>
+            <a:picLocks noChangeAspect="1" noChangeArrowheads="1"/>
+          </p:cNvPicPr>
+          <p:nvPr/>
+        </p:nvPicPr>
+        <p:blipFill>
+          <a:blip r:embed="rId2">
+            <a:extLst>
+              <a:ext uri="{28A0092B-C50C-407E-A947-70E740481C1C}">
+                <a14:useLocalDpi xmlns:a14="http://schemas.microsoft.com/office/drawing/2010/main" val="0"/>
+              </a:ext>
+            </a:extLst>
+          </a:blip>
+          <a:srcRect/>
+          <a:stretch>
+            <a:fillRect/>
+          </a:stretch>
+        </p:blipFill>
+        <p:spPr bwMode="auto">
+          <a:xfrm>
+            <a:off x="246610" y="6041614"/>
+            <a:ext cx="1307446" cy="2891967"/>
+          </a:xfrm>
+          <a:prstGeom prst="rect">
+            <a:avLst/>
+          </a:prstGeom>
+          <a:noFill/>
+          <a:extLst>
+            <a:ext uri="{909E8E84-426E-40DD-AFC4-6F175D3DCCD1}">
+              <a14:hiddenFill xmlns:a14="http://schemas.microsoft.com/office/drawing/2010/main">
+                <a:solidFill>
+                  <a:srgbClr val="FFFFFF"/>
+                </a:solidFill>
+              </a14:hiddenFill>
+            </a:ext>
+          </a:extLst>
+        </p:spPr>
+      </p:pic>
+    </p:spTree>
+    <p:extLst>
+      <p:ext uri="{BB962C8B-B14F-4D97-AF65-F5344CB8AC3E}">
+        <p14:creationId xmlns:p14="http://schemas.microsoft.com/office/powerpoint/2010/main" val="13464662"/>
+      </p:ext>
+    </p:extLst>
+  </p:cSld>
+  <p:clrMapOvr>
+    <a:masterClrMapping/>
+  </p:clrMapOvr>
+</p:sld>
+</file>
+
+<file path=ppt/slides/slide18.xml><?xml version="1.0" encoding="utf-8"?>
+<p:sld xmlns:a="http://schemas.openxmlformats.org/drawingml/2006/main" xmlns:r="http://schemas.openxmlformats.org/officeDocument/2006/relationships" xmlns:p="http://schemas.openxmlformats.org/presentationml/2006/main">
+  <p:cSld>
+    <p:spTree>
+      <p:nvGrpSpPr>
+        <p:cNvPr id="1" name=""/>
+        <p:cNvGrpSpPr/>
+        <p:nvPr/>
+      </p:nvGrpSpPr>
+      <p:grpSpPr>
+        <a:xfrm>
+          <a:off x="0" y="0"/>
+          <a:ext cx="0" cy="0"/>
+          <a:chOff x="0" y="0"/>
+          <a:chExt cx="0" cy="0"/>
+        </a:xfrm>
+      </p:grpSpPr>
+      <p:graphicFrame>
+        <p:nvGraphicFramePr>
+          <p:cNvPr id="2" name="Table 2">
+            <a:extLst>
+              <a:ext uri="{FF2B5EF4-FFF2-40B4-BE49-F238E27FC236}">
+                <a16:creationId xmlns:a16="http://schemas.microsoft.com/office/drawing/2014/main" id="{EF557FAA-19B6-4F33-A735-286EB37C0ECB}"/>
+              </a:ext>
+            </a:extLst>
+          </p:cNvPr>
+          <p:cNvGraphicFramePr>
+            <a:graphicFrameLocks noGrp="1"/>
+          </p:cNvGraphicFramePr>
+          <p:nvPr>
+            <p:extLst>
+              <p:ext uri="{D42A27DB-BD31-4B8C-83A1-F6EECF244321}">
+                <p14:modId xmlns:p14="http://schemas.microsoft.com/office/powerpoint/2010/main" val="1211938843"/>
+              </p:ext>
+            </p:extLst>
+          </p:nvPr>
+        </p:nvGraphicFramePr>
+        <p:xfrm>
+          <a:off x="0" y="916058"/>
+          <a:ext cx="6858000" cy="5883565"/>
+        </p:xfrm>
+        <a:graphic>
+          <a:graphicData uri="http://schemas.openxmlformats.org/drawingml/2006/table">
+            <a:tbl>
+              <a:tblPr firstRow="1" bandRow="1">
+                <a:tableStyleId>{5940675A-B579-460E-94D1-54222C63F5DA}</a:tableStyleId>
+              </a:tblPr>
+              <a:tblGrid>
+                <a:gridCol w="1714500">
+                  <a:extLst>
+                    <a:ext uri="{9D8B030D-6E8A-4147-A177-3AD203B41FA5}">
+                      <a16:colId xmlns:a16="http://schemas.microsoft.com/office/drawing/2014/main" val="3923716095"/>
+                    </a:ext>
+                  </a:extLst>
+                </a:gridCol>
+                <a:gridCol w="1714500">
+                  <a:extLst>
+                    <a:ext uri="{9D8B030D-6E8A-4147-A177-3AD203B41FA5}">
+                      <a16:colId xmlns:a16="http://schemas.microsoft.com/office/drawing/2014/main" val="2707278665"/>
+                    </a:ext>
+                  </a:extLst>
+                </a:gridCol>
+                <a:gridCol w="1714500">
+                  <a:extLst>
+                    <a:ext uri="{9D8B030D-6E8A-4147-A177-3AD203B41FA5}">
+                      <a16:colId xmlns:a16="http://schemas.microsoft.com/office/drawing/2014/main" val="3103721013"/>
+                    </a:ext>
+                  </a:extLst>
+                </a:gridCol>
+                <a:gridCol w="1714500">
+                  <a:extLst>
+                    <a:ext uri="{9D8B030D-6E8A-4147-A177-3AD203B41FA5}">
+                      <a16:colId xmlns:a16="http://schemas.microsoft.com/office/drawing/2014/main" val="3372177979"/>
+                    </a:ext>
+                  </a:extLst>
+                </a:gridCol>
+              </a:tblGrid>
+              <a:tr h="1176713">
+                <a:tc>
+                  <a:txBody>
+                    <a:bodyPr/>
+                    <a:lstStyle/>
+                    <a:p>
+                      <a:pPr algn="r"/>
+                      <a:endParaRPr lang="en-US" b="1" dirty="0">
+                        <a:latin typeface="Consolas" panose="020B0609020204030204" pitchFamily="49" charset="0"/>
+                      </a:endParaRPr>
+                    </a:p>
+                  </a:txBody>
+                  <a:tcPr/>
+                </a:tc>
+                <a:tc>
+                  <a:txBody>
+                    <a:bodyPr/>
+                    <a:lstStyle/>
+                    <a:p>
+                      <a:pPr algn="r"/>
+                      <a:endParaRPr lang="en-US" b="1" dirty="0">
+                        <a:latin typeface="Consolas" panose="020B0609020204030204" pitchFamily="49" charset="0"/>
+                      </a:endParaRPr>
+                    </a:p>
+                  </a:txBody>
+                  <a:tcPr/>
+                </a:tc>
+                <a:tc>
+                  <a:txBody>
+                    <a:bodyPr/>
+                    <a:lstStyle/>
+                    <a:p>
+                      <a:pPr algn="r"/>
+                      <a:r>
+                        <a:rPr lang="en-US" b="1" dirty="0">
+                          <a:latin typeface="Consolas" panose="020B0609020204030204" pitchFamily="49" charset="0"/>
+                        </a:rPr>
+                        <a:t>1</a:t>
+                      </a:r>
+                    </a:p>
+                  </a:txBody>
+                  <a:tcPr/>
+                </a:tc>
+                <a:tc>
+                  <a:txBody>
+                    <a:bodyPr/>
+                    <a:lstStyle/>
+                    <a:p>
+                      <a:pPr algn="r"/>
+                      <a:r>
+                        <a:rPr lang="en-US" b="1" dirty="0">
+                          <a:latin typeface="Consolas" panose="020B0609020204030204" pitchFamily="49" charset="0"/>
+                        </a:rPr>
+                        <a:t>2</a:t>
+                      </a:r>
+                    </a:p>
+                  </a:txBody>
+                  <a:tcPr/>
+                </a:tc>
+                <a:extLst>
+                  <a:ext uri="{0D108BD9-81ED-4DB2-BD59-A6C34878D82A}">
+                    <a16:rowId xmlns:a16="http://schemas.microsoft.com/office/drawing/2014/main" val="3121256554"/>
+                  </a:ext>
+                </a:extLst>
+              </a:tr>
+              <a:tr h="1176713">
+                <a:tc>
+                  <a:txBody>
+                    <a:bodyPr/>
+                    <a:lstStyle/>
+                    <a:p>
+                      <a:pPr algn="r"/>
+                      <a:r>
+                        <a:rPr lang="en-US" b="1" dirty="0">
+                          <a:latin typeface="Consolas" panose="020B0609020204030204" pitchFamily="49" charset="0"/>
+                        </a:rPr>
+                        <a:t>6</a:t>
+                      </a:r>
+                    </a:p>
+                  </a:txBody>
+                  <a:tcPr/>
+                </a:tc>
+                <a:tc>
+                  <a:txBody>
+                    <a:bodyPr/>
+                    <a:lstStyle/>
+                    <a:p>
+                      <a:pPr algn="r"/>
+                      <a:r>
+                        <a:rPr lang="en-US" b="1" dirty="0">
+                          <a:latin typeface="Consolas" panose="020B0609020204030204" pitchFamily="49" charset="0"/>
+                        </a:rPr>
+                        <a:t>7</a:t>
+                      </a:r>
+                    </a:p>
+                  </a:txBody>
+                  <a:tcPr/>
+                </a:tc>
+                <a:tc>
+                  <a:txBody>
+                    <a:bodyPr/>
+                    <a:lstStyle/>
+                    <a:p>
+                      <a:pPr algn="r"/>
+                      <a:r>
+                        <a:rPr lang="en-US" b="1" dirty="0">
+                          <a:latin typeface="Consolas" panose="020B0609020204030204" pitchFamily="49" charset="0"/>
+                        </a:rPr>
+                        <a:t>8</a:t>
+                      </a:r>
+                    </a:p>
+                  </a:txBody>
+                  <a:tcPr/>
+                </a:tc>
+                <a:tc>
+                  <a:txBody>
+                    <a:bodyPr/>
+                    <a:lstStyle/>
+                    <a:p>
+                      <a:pPr algn="r"/>
+                      <a:r>
+                        <a:rPr lang="en-US" b="1" dirty="0">
+                          <a:latin typeface="Consolas" panose="020B0609020204030204" pitchFamily="49" charset="0"/>
+                        </a:rPr>
+                        <a:t>9</a:t>
+                      </a:r>
+                    </a:p>
+                  </a:txBody>
+                  <a:tcPr/>
+                </a:tc>
+                <a:extLst>
+                  <a:ext uri="{0D108BD9-81ED-4DB2-BD59-A6C34878D82A}">
+                    <a16:rowId xmlns:a16="http://schemas.microsoft.com/office/drawing/2014/main" val="4167809218"/>
+                  </a:ext>
+                </a:extLst>
+              </a:tr>
+              <a:tr h="1176713">
+                <a:tc>
+                  <a:txBody>
+                    <a:bodyPr/>
+                    <a:lstStyle/>
+                    <a:p>
+                      <a:pPr algn="r"/>
+                      <a:r>
+                        <a:rPr lang="en-US" b="1" dirty="0">
+                          <a:latin typeface="Consolas" panose="020B0609020204030204" pitchFamily="49" charset="0"/>
+                        </a:rPr>
+                        <a:t>13</a:t>
+                      </a:r>
+                    </a:p>
+                  </a:txBody>
+                  <a:tcPr/>
+                </a:tc>
+                <a:tc>
+                  <a:txBody>
+                    <a:bodyPr/>
+                    <a:lstStyle/>
+                    <a:p>
+                      <a:pPr algn="r"/>
+                      <a:r>
+                        <a:rPr lang="en-US" b="1" dirty="0">
+                          <a:latin typeface="Consolas" panose="020B0609020204030204" pitchFamily="49" charset="0"/>
+                        </a:rPr>
+                        <a:t>14</a:t>
+                      </a:r>
+                    </a:p>
+                  </a:txBody>
+                  <a:tcPr/>
+                </a:tc>
+                <a:tc>
+                  <a:txBody>
+                    <a:bodyPr/>
+                    <a:lstStyle/>
+                    <a:p>
+                      <a:pPr algn="r"/>
+                      <a:r>
+                        <a:rPr lang="en-US" b="1" dirty="0">
+                          <a:latin typeface="Consolas" panose="020B0609020204030204" pitchFamily="49" charset="0"/>
+                        </a:rPr>
+                        <a:t>15</a:t>
+                      </a:r>
+                    </a:p>
+                  </a:txBody>
+                  <a:tcPr/>
+                </a:tc>
+                <a:tc>
+                  <a:txBody>
+                    <a:bodyPr/>
+                    <a:lstStyle/>
+                    <a:p>
+                      <a:pPr algn="r"/>
+                      <a:r>
+                        <a:rPr lang="en-US" b="1" dirty="0">
+                          <a:latin typeface="Consolas" panose="020B0609020204030204" pitchFamily="49" charset="0"/>
+                        </a:rPr>
+                        <a:t>16</a:t>
+                      </a:r>
+                    </a:p>
+                  </a:txBody>
+                  <a:tcPr/>
+                </a:tc>
+                <a:extLst>
+                  <a:ext uri="{0D108BD9-81ED-4DB2-BD59-A6C34878D82A}">
+                    <a16:rowId xmlns:a16="http://schemas.microsoft.com/office/drawing/2014/main" val="3484745044"/>
+                  </a:ext>
+                </a:extLst>
+              </a:tr>
+              <a:tr h="1176713">
+                <a:tc>
+                  <a:txBody>
+                    <a:bodyPr/>
+                    <a:lstStyle/>
+                    <a:p>
+                      <a:pPr algn="r"/>
+                      <a:r>
+                        <a:rPr lang="en-US" b="1" dirty="0">
+                          <a:latin typeface="Consolas" panose="020B0609020204030204" pitchFamily="49" charset="0"/>
+                        </a:rPr>
+                        <a:t>20</a:t>
+                      </a:r>
+                    </a:p>
+                  </a:txBody>
+                  <a:tcPr/>
+                </a:tc>
+                <a:tc>
+                  <a:txBody>
+                    <a:bodyPr/>
+                    <a:lstStyle/>
+                    <a:p>
+                      <a:pPr algn="r"/>
+                      <a:r>
+                        <a:rPr lang="en-US" b="1" dirty="0">
+                          <a:latin typeface="Consolas" panose="020B0609020204030204" pitchFamily="49" charset="0"/>
+                        </a:rPr>
+                        <a:t>21</a:t>
+                      </a:r>
+                    </a:p>
+                  </a:txBody>
+                  <a:tcPr/>
+                </a:tc>
+                <a:tc>
+                  <a:txBody>
+                    <a:bodyPr/>
+                    <a:lstStyle/>
+                    <a:p>
+                      <a:pPr algn="r"/>
+                      <a:r>
+                        <a:rPr lang="en-US" b="1" dirty="0">
+                          <a:latin typeface="Consolas" panose="020B0609020204030204" pitchFamily="49" charset="0"/>
+                        </a:rPr>
+                        <a:t>22</a:t>
+                      </a:r>
+                    </a:p>
+                  </a:txBody>
+                  <a:tcPr/>
+                </a:tc>
+                <a:tc>
+                  <a:txBody>
+                    <a:bodyPr/>
+                    <a:lstStyle/>
+                    <a:p>
+                      <a:pPr algn="r"/>
+                      <a:r>
+                        <a:rPr lang="en-US" b="1" dirty="0">
+                          <a:latin typeface="Consolas" panose="020B0609020204030204" pitchFamily="49" charset="0"/>
+                        </a:rPr>
+                        <a:t>23</a:t>
+                      </a:r>
+                    </a:p>
+                  </a:txBody>
+                  <a:tcPr/>
+                </a:tc>
+                <a:extLst>
+                  <a:ext uri="{0D108BD9-81ED-4DB2-BD59-A6C34878D82A}">
+                    <a16:rowId xmlns:a16="http://schemas.microsoft.com/office/drawing/2014/main" val="660216528"/>
+                  </a:ext>
+                </a:extLst>
+              </a:tr>
+              <a:tr h="1176713">
+                <a:tc>
+                  <a:txBody>
+                    <a:bodyPr/>
+                    <a:lstStyle/>
+                    <a:p>
+                      <a:pPr algn="r"/>
+                      <a:r>
+                        <a:rPr lang="en-US" b="1" dirty="0">
+                          <a:latin typeface="Consolas" panose="020B0609020204030204" pitchFamily="49" charset="0"/>
+                        </a:rPr>
+                        <a:t>27</a:t>
+                      </a:r>
+                    </a:p>
+                  </a:txBody>
+                  <a:tcPr/>
+                </a:tc>
+                <a:tc>
+                  <a:txBody>
+                    <a:bodyPr/>
+                    <a:lstStyle/>
+                    <a:p>
+                      <a:pPr algn="r"/>
+                      <a:r>
+                        <a:rPr lang="en-US" b="1" dirty="0">
+                          <a:latin typeface="Consolas" panose="020B0609020204030204" pitchFamily="49" charset="0"/>
+                        </a:rPr>
+                        <a:t>28</a:t>
+                      </a:r>
+                    </a:p>
+                  </a:txBody>
+                  <a:tcPr/>
+                </a:tc>
+                <a:tc>
+                  <a:txBody>
+                    <a:bodyPr/>
+                    <a:lstStyle/>
+                    <a:p>
+                      <a:pPr algn="r"/>
+                      <a:r>
+                        <a:rPr lang="en-US" b="1" dirty="0">
+                          <a:latin typeface="Consolas" panose="020B0609020204030204" pitchFamily="49" charset="0"/>
+                        </a:rPr>
+                        <a:t>29</a:t>
+                      </a:r>
+                    </a:p>
+                  </a:txBody>
+                  <a:tcPr/>
+                </a:tc>
+                <a:tc>
+                  <a:txBody>
+                    <a:bodyPr/>
+                    <a:lstStyle/>
+                    <a:p>
+                      <a:pPr algn="r"/>
+                      <a:r>
+                        <a:rPr lang="en-US" b="1" dirty="0">
+                          <a:latin typeface="Consolas" panose="020B0609020204030204" pitchFamily="49" charset="0"/>
+                        </a:rPr>
+                        <a:t>30</a:t>
+                      </a:r>
+                    </a:p>
+                  </a:txBody>
+                  <a:tcPr/>
+                </a:tc>
+                <a:extLst>
+                  <a:ext uri="{0D108BD9-81ED-4DB2-BD59-A6C34878D82A}">
+                    <a16:rowId xmlns:a16="http://schemas.microsoft.com/office/drawing/2014/main" val="3819957316"/>
+                  </a:ext>
+                </a:extLst>
+              </a:tr>
+            </a:tbl>
+          </a:graphicData>
+        </a:graphic>
+      </p:graphicFrame>
+      <p:sp>
+        <p:nvSpPr>
+          <p:cNvPr id="3" name="Rectangle: Rounded Corners 2">
+            <a:extLst>
+              <a:ext uri="{FF2B5EF4-FFF2-40B4-BE49-F238E27FC236}">
+                <a16:creationId xmlns:a16="http://schemas.microsoft.com/office/drawing/2014/main" id="{8F08EC9D-92E5-472A-93C7-A176ED89757E}"/>
+              </a:ext>
+            </a:extLst>
+          </p:cNvPr>
+          <p:cNvSpPr/>
+          <p:nvPr/>
+        </p:nvSpPr>
+        <p:spPr>
+          <a:xfrm>
+            <a:off x="41564" y="7007795"/>
+            <a:ext cx="6774872" cy="2050473"/>
+          </a:xfrm>
+          <a:prstGeom prst="roundRect">
+            <a:avLst>
+              <a:gd name="adj" fmla="val 9409"/>
+            </a:avLst>
+          </a:prstGeom>
+          <a:noFill/>
+          <a:ln>
+            <a:solidFill>
+              <a:schemeClr val="tx1"/>
+            </a:solidFill>
+          </a:ln>
+        </p:spPr>
+        <p:style>
+          <a:lnRef idx="2">
+            <a:schemeClr val="accent1">
+              <a:shade val="50000"/>
+            </a:schemeClr>
+          </a:lnRef>
+          <a:fillRef idx="1">
+            <a:schemeClr val="accent1"/>
+          </a:fillRef>
+          <a:effectRef idx="0">
+            <a:schemeClr val="accent1"/>
+          </a:effectRef>
+          <a:fontRef idx="minor">
+            <a:schemeClr val="lt1"/>
+          </a:fontRef>
+        </p:style>
+        <p:txBody>
+          <a:bodyPr rtlCol="0" anchor="ctr"/>
+          <a:lstStyle/>
+          <a:p>
+            <a:pPr algn="ctr"/>
+            <a:endParaRPr lang="en-US" b="1" dirty="0">
+              <a:latin typeface="Kristen ITC" panose="03050502040202030202" pitchFamily="66" charset="0"/>
+            </a:endParaRPr>
+          </a:p>
+        </p:txBody>
+      </p:sp>
+      <p:sp>
+        <p:nvSpPr>
+          <p:cNvPr id="4" name="TextBox 3">
+            <a:extLst>
+              <a:ext uri="{FF2B5EF4-FFF2-40B4-BE49-F238E27FC236}">
+                <a16:creationId xmlns:a16="http://schemas.microsoft.com/office/drawing/2014/main" id="{F923F8C4-DD60-454C-BCCD-D311C2F22CCB}"/>
+              </a:ext>
+            </a:extLst>
+          </p:cNvPr>
+          <p:cNvSpPr txBox="1"/>
+          <p:nvPr/>
+        </p:nvSpPr>
+        <p:spPr>
+          <a:xfrm>
+            <a:off x="1756537" y="0"/>
+            <a:ext cx="3116325" cy="646331"/>
+          </a:xfrm>
+          <a:prstGeom prst="rect">
+            <a:avLst/>
+          </a:prstGeom>
+          <a:noFill/>
+          <a:effectLst>
+            <a:outerShdw blurRad="50800" dist="38100" dir="2700000" algn="tl" rotWithShape="0">
+              <a:prstClr val="black">
+                <a:alpha val="40000"/>
+              </a:prstClr>
+            </a:outerShdw>
+          </a:effectLst>
+        </p:spPr>
+        <p:txBody>
+          <a:bodyPr wrap="square" rtlCol="0">
+            <a:spAutoFit/>
+          </a:bodyPr>
+          <a:lstStyle/>
+          <a:p>
+            <a:pPr algn="ctr"/>
+            <a:r>
+              <a:rPr lang="en-US" sz="3600" dirty="0">
+                <a:latin typeface="Kristen ITC" panose="03050502040202030202" pitchFamily="66" charset="0"/>
+              </a:rPr>
+              <a:t>DECEMBER</a:t>
+            </a:r>
+          </a:p>
+        </p:txBody>
+      </p:sp>
+      <p:sp>
+        <p:nvSpPr>
+          <p:cNvPr id="5" name="Rectangle: Rounded Corners 4">
+            <a:extLst>
+              <a:ext uri="{FF2B5EF4-FFF2-40B4-BE49-F238E27FC236}">
+                <a16:creationId xmlns:a16="http://schemas.microsoft.com/office/drawing/2014/main" id="{5C14DB29-B144-45CE-9DAE-02BBD1A3CFD5}"/>
+              </a:ext>
+            </a:extLst>
+          </p:cNvPr>
+          <p:cNvSpPr/>
+          <p:nvPr/>
+        </p:nvSpPr>
+        <p:spPr>
+          <a:xfrm>
+            <a:off x="369453" y="6816438"/>
+            <a:ext cx="1021784" cy="515695"/>
+          </a:xfrm>
+          <a:prstGeom prst="roundRect">
+            <a:avLst/>
+          </a:prstGeom>
+          <a:solidFill>
+            <a:schemeClr val="bg1"/>
+          </a:solidFill>
+          <a:ln>
+            <a:noFill/>
+          </a:ln>
+          <a:effectLst/>
+        </p:spPr>
+        <p:style>
+          <a:lnRef idx="2">
+            <a:schemeClr val="accent1">
+              <a:shade val="50000"/>
+            </a:schemeClr>
+          </a:lnRef>
+          <a:fillRef idx="1">
+            <a:schemeClr val="accent1"/>
+          </a:fillRef>
+          <a:effectRef idx="0">
+            <a:schemeClr val="accent1"/>
+          </a:effectRef>
+          <a:fontRef idx="minor">
+            <a:schemeClr val="lt1"/>
+          </a:fontRef>
+        </p:style>
+        <p:txBody>
+          <a:bodyPr rtlCol="0" anchor="b"/>
+          <a:lstStyle/>
+          <a:p>
+            <a:pPr algn="ctr"/>
+            <a:r>
+              <a:rPr lang="en-US" sz="2000" b="1" dirty="0">
+                <a:solidFill>
+                  <a:schemeClr val="tx1"/>
+                </a:solidFill>
+                <a:latin typeface="Kristen ITC" panose="03050502040202030202" pitchFamily="66" charset="0"/>
+              </a:rPr>
+              <a:t>Notes</a:t>
+            </a:r>
+          </a:p>
+        </p:txBody>
+      </p:sp>
+    </p:spTree>
+    <p:extLst>
+      <p:ext uri="{BB962C8B-B14F-4D97-AF65-F5344CB8AC3E}">
+        <p14:creationId xmlns:p14="http://schemas.microsoft.com/office/powerpoint/2010/main" val="4286450992"/>
+      </p:ext>
+    </p:extLst>
+  </p:cSld>
+  <p:clrMapOvr>
+    <a:masterClrMapping/>
+  </p:clrMapOvr>
+</p:sld>
+</file>
+
+<file path=ppt/slides/slide19.xml><?xml version="1.0" encoding="utf-8"?>
+<p:sld xmlns:a="http://schemas.openxmlformats.org/drawingml/2006/main" xmlns:r="http://schemas.openxmlformats.org/officeDocument/2006/relationships" xmlns:p="http://schemas.openxmlformats.org/presentationml/2006/main">
+  <p:cSld>
+    <p:spTree>
+      <p:nvGrpSpPr>
+        <p:cNvPr id="1" name=""/>
+        <p:cNvGrpSpPr/>
+        <p:nvPr/>
+      </p:nvGrpSpPr>
+      <p:grpSpPr>
+        <a:xfrm>
+          <a:off x="0" y="0"/>
+          <a:ext cx="0" cy="0"/>
+          <a:chOff x="0" y="0"/>
+          <a:chExt cx="0" cy="0"/>
+        </a:xfrm>
+      </p:grpSpPr>
+      <p:pic>
+        <p:nvPicPr>
+          <p:cNvPr id="14" name="Picture 6" descr="Christmas Drawing High Resolution Stock Photography and Images - Alamy">
+            <a:extLst>
+              <a:ext uri="{FF2B5EF4-FFF2-40B4-BE49-F238E27FC236}">
+                <a16:creationId xmlns:a16="http://schemas.microsoft.com/office/drawing/2014/main" id="{3A864CB8-E831-4239-9B8E-C8994B01B315}"/>
+              </a:ext>
+            </a:extLst>
+          </p:cNvPr>
+          <p:cNvPicPr>
+            <a:picLocks noChangeAspect="1" noChangeArrowheads="1"/>
+          </p:cNvPicPr>
+          <p:nvPr/>
+        </p:nvPicPr>
+        <p:blipFill rotWithShape="1">
+          <a:blip r:embed="rId2">
+            <a:alphaModFix amt="70000"/>
+            <a:extLst>
+              <a:ext uri="{28A0092B-C50C-407E-A947-70E740481C1C}">
+                <a14:useLocalDpi xmlns:a14="http://schemas.microsoft.com/office/drawing/2010/main" val="0"/>
+              </a:ext>
+            </a:extLst>
+          </a:blip>
+          <a:srcRect b="8701"/>
+          <a:stretch/>
+        </p:blipFill>
+        <p:spPr bwMode="auto">
+          <a:xfrm>
+            <a:off x="1817557" y="4766871"/>
+            <a:ext cx="1611443" cy="1546643"/>
+          </a:xfrm>
+          <a:prstGeom prst="rect">
+            <a:avLst/>
+          </a:prstGeom>
+          <a:noFill/>
+          <a:extLst>
+            <a:ext uri="{909E8E84-426E-40DD-AFC4-6F175D3DCCD1}">
+              <a14:hiddenFill xmlns:a14="http://schemas.microsoft.com/office/drawing/2010/main">
+                <a:solidFill>
+                  <a:srgbClr val="FFFFFF"/>
+                </a:solidFill>
+              </a14:hiddenFill>
+            </a:ext>
+          </a:extLst>
+        </p:spPr>
+      </p:pic>
+      <p:graphicFrame>
+        <p:nvGraphicFramePr>
+          <p:cNvPr id="2" name="Table 2">
+            <a:extLst>
+              <a:ext uri="{FF2B5EF4-FFF2-40B4-BE49-F238E27FC236}">
+                <a16:creationId xmlns:a16="http://schemas.microsoft.com/office/drawing/2014/main" id="{EF557FAA-19B6-4F33-A735-286EB37C0ECB}"/>
+              </a:ext>
+            </a:extLst>
+          </p:cNvPr>
+          <p:cNvGraphicFramePr>
+            <a:graphicFrameLocks noGrp="1"/>
+          </p:cNvGraphicFramePr>
+          <p:nvPr>
+            <p:extLst>
+              <p:ext uri="{D42A27DB-BD31-4B8C-83A1-F6EECF244321}">
+                <p14:modId xmlns:p14="http://schemas.microsoft.com/office/powerpoint/2010/main" val="3623444883"/>
+              </p:ext>
+            </p:extLst>
+          </p:nvPr>
+        </p:nvGraphicFramePr>
+        <p:xfrm>
+          <a:off x="0" y="932873"/>
+          <a:ext cx="5143500" cy="5883565"/>
+        </p:xfrm>
+        <a:graphic>
+          <a:graphicData uri="http://schemas.openxmlformats.org/drawingml/2006/table">
+            <a:tbl>
+              <a:tblPr firstRow="1" bandRow="1">
+                <a:tableStyleId>{5940675A-B579-460E-94D1-54222C63F5DA}</a:tableStyleId>
+              </a:tblPr>
+              <a:tblGrid>
+                <a:gridCol w="1714500">
+                  <a:extLst>
+                    <a:ext uri="{9D8B030D-6E8A-4147-A177-3AD203B41FA5}">
+                      <a16:colId xmlns:a16="http://schemas.microsoft.com/office/drawing/2014/main" val="3923716095"/>
+                    </a:ext>
+                  </a:extLst>
+                </a:gridCol>
+                <a:gridCol w="1714500">
+                  <a:extLst>
+                    <a:ext uri="{9D8B030D-6E8A-4147-A177-3AD203B41FA5}">
+                      <a16:colId xmlns:a16="http://schemas.microsoft.com/office/drawing/2014/main" val="2707278665"/>
+                    </a:ext>
+                  </a:extLst>
+                </a:gridCol>
+                <a:gridCol w="1714500">
+                  <a:extLst>
+                    <a:ext uri="{9D8B030D-6E8A-4147-A177-3AD203B41FA5}">
+                      <a16:colId xmlns:a16="http://schemas.microsoft.com/office/drawing/2014/main" val="3103721013"/>
+                    </a:ext>
+                  </a:extLst>
+                </a:gridCol>
+              </a:tblGrid>
+              <a:tr h="1176713">
+                <a:tc>
+                  <a:txBody>
+                    <a:bodyPr/>
+                    <a:lstStyle/>
+                    <a:p>
+                      <a:pPr algn="r"/>
+                      <a:r>
+                        <a:rPr lang="en-US" b="1" dirty="0">
+                          <a:latin typeface="Consolas" panose="020B0609020204030204" pitchFamily="49" charset="0"/>
+                        </a:rPr>
+                        <a:t>3</a:t>
+                      </a:r>
+                    </a:p>
+                  </a:txBody>
+                  <a:tcPr/>
+                </a:tc>
+                <a:tc>
+                  <a:txBody>
+                    <a:bodyPr/>
+                    <a:lstStyle/>
+                    <a:p>
+                      <a:pPr algn="r"/>
+                      <a:r>
+                        <a:rPr lang="en-US" b="1" dirty="0">
+                          <a:latin typeface="Consolas" panose="020B0609020204030204" pitchFamily="49" charset="0"/>
+                        </a:rPr>
+                        <a:t>4</a:t>
+                      </a:r>
+                    </a:p>
+                  </a:txBody>
+                  <a:tcPr/>
+                </a:tc>
+                <a:tc>
+                  <a:txBody>
+                    <a:bodyPr/>
+                    <a:lstStyle/>
+                    <a:p>
+                      <a:pPr algn="r"/>
+                      <a:r>
+                        <a:rPr lang="en-US" b="1" dirty="0">
+                          <a:latin typeface="Consolas" panose="020B0609020204030204" pitchFamily="49" charset="0"/>
+                        </a:rPr>
+                        <a:t>5</a:t>
+                      </a:r>
+                    </a:p>
+                  </a:txBody>
+                  <a:tcPr/>
+                </a:tc>
+                <a:extLst>
+                  <a:ext uri="{0D108BD9-81ED-4DB2-BD59-A6C34878D82A}">
+                    <a16:rowId xmlns:a16="http://schemas.microsoft.com/office/drawing/2014/main" val="3121256554"/>
+                  </a:ext>
+                </a:extLst>
+              </a:tr>
+              <a:tr h="1176713">
+                <a:tc>
+                  <a:txBody>
+                    <a:bodyPr/>
+                    <a:lstStyle/>
+                    <a:p>
+                      <a:pPr algn="r"/>
+                      <a:r>
+                        <a:rPr lang="en-US" b="1" dirty="0">
+                          <a:latin typeface="Consolas" panose="020B0609020204030204" pitchFamily="49" charset="0"/>
+                        </a:rPr>
+                        <a:t>10</a:t>
+                      </a:r>
+                    </a:p>
+                  </a:txBody>
+                  <a:tcPr/>
+                </a:tc>
+                <a:tc>
+                  <a:txBody>
+                    <a:bodyPr/>
+                    <a:lstStyle/>
+                    <a:p>
+                      <a:pPr algn="r"/>
+                      <a:r>
+                        <a:rPr lang="en-US" b="1" dirty="0">
+                          <a:latin typeface="Consolas" panose="020B0609020204030204" pitchFamily="49" charset="0"/>
+                        </a:rPr>
+                        <a:t>11</a:t>
+                      </a:r>
+                    </a:p>
+                  </a:txBody>
+                  <a:tcPr/>
+                </a:tc>
+                <a:tc>
+                  <a:txBody>
+                    <a:bodyPr/>
+                    <a:lstStyle/>
+                    <a:p>
+                      <a:pPr algn="r"/>
+                      <a:r>
+                        <a:rPr lang="en-US" b="1" dirty="0">
+                          <a:latin typeface="Consolas" panose="020B0609020204030204" pitchFamily="49" charset="0"/>
+                        </a:rPr>
+                        <a:t>12</a:t>
+                      </a:r>
+                    </a:p>
+                  </a:txBody>
+                  <a:tcPr/>
+                </a:tc>
+                <a:extLst>
+                  <a:ext uri="{0D108BD9-81ED-4DB2-BD59-A6C34878D82A}">
+                    <a16:rowId xmlns:a16="http://schemas.microsoft.com/office/drawing/2014/main" val="4167809218"/>
+                  </a:ext>
+                </a:extLst>
+              </a:tr>
+              <a:tr h="1176713">
+                <a:tc>
+                  <a:txBody>
+                    <a:bodyPr/>
+                    <a:lstStyle/>
+                    <a:p>
+                      <a:pPr algn="r"/>
+                      <a:r>
+                        <a:rPr lang="en-US" b="1" dirty="0">
+                          <a:latin typeface="Consolas" panose="020B0609020204030204" pitchFamily="49" charset="0"/>
+                        </a:rPr>
+                        <a:t>17</a:t>
+                      </a:r>
+                    </a:p>
+                  </a:txBody>
+                  <a:tcPr/>
+                </a:tc>
+                <a:tc>
+                  <a:txBody>
+                    <a:bodyPr/>
+                    <a:lstStyle/>
+                    <a:p>
+                      <a:pPr algn="r"/>
+                      <a:r>
+                        <a:rPr lang="en-US" b="1" dirty="0">
+                          <a:latin typeface="Consolas" panose="020B0609020204030204" pitchFamily="49" charset="0"/>
+                        </a:rPr>
+                        <a:t>18</a:t>
+                      </a:r>
+                    </a:p>
+                  </a:txBody>
+                  <a:tcPr/>
+                </a:tc>
+                <a:tc>
+                  <a:txBody>
+                    <a:bodyPr/>
+                    <a:lstStyle/>
+                    <a:p>
+                      <a:pPr algn="r"/>
+                      <a:r>
+                        <a:rPr lang="en-US" b="1" dirty="0">
+                          <a:latin typeface="Consolas" panose="020B0609020204030204" pitchFamily="49" charset="0"/>
+                        </a:rPr>
+                        <a:t>19</a:t>
+                      </a:r>
+                    </a:p>
+                  </a:txBody>
+                  <a:tcPr/>
+                </a:tc>
+                <a:extLst>
+                  <a:ext uri="{0D108BD9-81ED-4DB2-BD59-A6C34878D82A}">
+                    <a16:rowId xmlns:a16="http://schemas.microsoft.com/office/drawing/2014/main" val="3484745044"/>
+                  </a:ext>
+                </a:extLst>
+              </a:tr>
+              <a:tr h="1176713">
+                <a:tc>
+                  <a:txBody>
+                    <a:bodyPr/>
+                    <a:lstStyle/>
+                    <a:p>
+                      <a:pPr algn="r"/>
+                      <a:r>
+                        <a:rPr lang="en-US" b="1" dirty="0">
+                          <a:latin typeface="Consolas" panose="020B0609020204030204" pitchFamily="49" charset="0"/>
+                        </a:rPr>
+                        <a:t>24</a:t>
+                      </a:r>
+                    </a:p>
+                  </a:txBody>
+                  <a:tcPr/>
+                </a:tc>
+                <a:tc>
+                  <a:txBody>
+                    <a:bodyPr/>
+                    <a:lstStyle/>
+                    <a:p>
+                      <a:pPr algn="r"/>
+                      <a:r>
+                        <a:rPr lang="en-US" b="1" dirty="0">
+                          <a:latin typeface="Consolas" panose="020B0609020204030204" pitchFamily="49" charset="0"/>
+                        </a:rPr>
+                        <a:t>25</a:t>
+                      </a:r>
+                    </a:p>
+                  </a:txBody>
+                  <a:tcPr/>
+                </a:tc>
+                <a:tc>
+                  <a:txBody>
+                    <a:bodyPr/>
+                    <a:lstStyle/>
+                    <a:p>
+                      <a:pPr algn="r"/>
+                      <a:r>
+                        <a:rPr lang="en-US" b="1" dirty="0">
+                          <a:latin typeface="Consolas" panose="020B0609020204030204" pitchFamily="49" charset="0"/>
+                        </a:rPr>
+                        <a:t>26</a:t>
+                      </a:r>
+                    </a:p>
+                  </a:txBody>
+                  <a:tcPr/>
+                </a:tc>
+                <a:extLst>
+                  <a:ext uri="{0D108BD9-81ED-4DB2-BD59-A6C34878D82A}">
+                    <a16:rowId xmlns:a16="http://schemas.microsoft.com/office/drawing/2014/main" val="660216528"/>
+                  </a:ext>
+                </a:extLst>
+              </a:tr>
+              <a:tr h="1176713">
+                <a:tc>
+                  <a:txBody>
+                    <a:bodyPr/>
+                    <a:lstStyle/>
+                    <a:p>
+                      <a:pPr algn="r"/>
+                      <a:r>
+                        <a:rPr lang="en-US" b="1" dirty="0">
+                          <a:latin typeface="Consolas" panose="020B0609020204030204" pitchFamily="49" charset="0"/>
+                        </a:rPr>
+                        <a:t>31</a:t>
+                      </a:r>
+                    </a:p>
+                  </a:txBody>
+                  <a:tcPr/>
+                </a:tc>
+                <a:tc>
+                  <a:txBody>
+                    <a:bodyPr/>
+                    <a:lstStyle/>
+                    <a:p>
+                      <a:pPr algn="r"/>
+                      <a:endParaRPr lang="en-US" b="1">
+                        <a:latin typeface="Consolas" panose="020B0609020204030204" pitchFamily="49" charset="0"/>
+                      </a:endParaRPr>
+                    </a:p>
+                  </a:txBody>
+                  <a:tcPr/>
+                </a:tc>
+                <a:tc>
+                  <a:txBody>
+                    <a:bodyPr/>
+                    <a:lstStyle/>
+                    <a:p>
+                      <a:pPr algn="r"/>
+                      <a:endParaRPr lang="en-US" b="1" dirty="0">
+                        <a:latin typeface="Consolas" panose="020B0609020204030204" pitchFamily="49" charset="0"/>
+                      </a:endParaRPr>
+                    </a:p>
+                  </a:txBody>
+                  <a:tcPr/>
+                </a:tc>
+                <a:extLst>
+                  <a:ext uri="{0D108BD9-81ED-4DB2-BD59-A6C34878D82A}">
+                    <a16:rowId xmlns:a16="http://schemas.microsoft.com/office/drawing/2014/main" val="3819957316"/>
+                  </a:ext>
+                </a:extLst>
+              </a:tr>
+            </a:tbl>
+          </a:graphicData>
+        </a:graphic>
+      </p:graphicFrame>
+      <p:sp>
+        <p:nvSpPr>
+          <p:cNvPr id="3" name="Rectangle: Rounded Corners 2">
+            <a:extLst>
+              <a:ext uri="{FF2B5EF4-FFF2-40B4-BE49-F238E27FC236}">
+                <a16:creationId xmlns:a16="http://schemas.microsoft.com/office/drawing/2014/main" id="{8F08EC9D-92E5-472A-93C7-A176ED89757E}"/>
+              </a:ext>
+            </a:extLst>
+          </p:cNvPr>
+          <p:cNvSpPr/>
+          <p:nvPr/>
+        </p:nvSpPr>
+        <p:spPr>
+          <a:xfrm>
+            <a:off x="41564" y="7007795"/>
+            <a:ext cx="6774872" cy="2050473"/>
+          </a:xfrm>
+          <a:prstGeom prst="roundRect">
+            <a:avLst>
+              <a:gd name="adj" fmla="val 9409"/>
+            </a:avLst>
+          </a:prstGeom>
+          <a:noFill/>
+          <a:ln>
+            <a:solidFill>
+              <a:schemeClr val="tx1"/>
+            </a:solidFill>
+          </a:ln>
+        </p:spPr>
+        <p:style>
+          <a:lnRef idx="2">
+            <a:schemeClr val="accent1">
+              <a:shade val="50000"/>
+            </a:schemeClr>
+          </a:lnRef>
+          <a:fillRef idx="1">
+            <a:schemeClr val="accent1"/>
+          </a:fillRef>
+          <a:effectRef idx="0">
+            <a:schemeClr val="accent1"/>
+          </a:effectRef>
+          <a:fontRef idx="minor">
+            <a:schemeClr val="lt1"/>
+          </a:fontRef>
+        </p:style>
+        <p:txBody>
+          <a:bodyPr rtlCol="0" anchor="ctr"/>
+          <a:lstStyle/>
+          <a:p>
+            <a:pPr algn="ctr"/>
+            <a:endParaRPr lang="en-US" b="1" dirty="0">
+              <a:latin typeface="Bradley Hand ITC" panose="03070402050302030203" pitchFamily="66" charset="0"/>
+            </a:endParaRPr>
+          </a:p>
+        </p:txBody>
+      </p:sp>
+      <p:sp>
+        <p:nvSpPr>
+          <p:cNvPr id="4" name="TextBox 3">
+            <a:extLst>
+              <a:ext uri="{FF2B5EF4-FFF2-40B4-BE49-F238E27FC236}">
+                <a16:creationId xmlns:a16="http://schemas.microsoft.com/office/drawing/2014/main" id="{F923F8C4-DD60-454C-BCCD-D311C2F22CCB}"/>
+              </a:ext>
+            </a:extLst>
+          </p:cNvPr>
+          <p:cNvSpPr txBox="1"/>
+          <p:nvPr/>
+        </p:nvSpPr>
+        <p:spPr>
+          <a:xfrm>
+            <a:off x="1756537" y="0"/>
+            <a:ext cx="3116325" cy="646331"/>
+          </a:xfrm>
+          <a:prstGeom prst="rect">
+            <a:avLst/>
+          </a:prstGeom>
+          <a:noFill/>
+          <a:effectLst>
+            <a:outerShdw blurRad="50800" dist="38100" dir="2700000" algn="tl" rotWithShape="0">
+              <a:prstClr val="black">
+                <a:alpha val="40000"/>
+              </a:prstClr>
+            </a:outerShdw>
+          </a:effectLst>
+        </p:spPr>
+        <p:txBody>
+          <a:bodyPr wrap="square" rtlCol="0">
+            <a:spAutoFit/>
+          </a:bodyPr>
+          <a:lstStyle/>
+          <a:p>
+            <a:pPr algn="ctr"/>
+            <a:r>
+              <a:rPr lang="en-US" sz="3600" dirty="0">
+                <a:latin typeface="Kristen ITC" panose="03050502040202030202" pitchFamily="66" charset="0"/>
+              </a:rPr>
+              <a:t>2021</a:t>
+            </a:r>
+          </a:p>
+        </p:txBody>
+      </p:sp>
+      <p:sp>
+        <p:nvSpPr>
+          <p:cNvPr id="5" name="Rectangle: Rounded Corners 4">
+            <a:extLst>
+              <a:ext uri="{FF2B5EF4-FFF2-40B4-BE49-F238E27FC236}">
+                <a16:creationId xmlns:a16="http://schemas.microsoft.com/office/drawing/2014/main" id="{5C14DB29-B144-45CE-9DAE-02BBD1A3CFD5}"/>
+              </a:ext>
+            </a:extLst>
+          </p:cNvPr>
+          <p:cNvSpPr/>
+          <p:nvPr/>
+        </p:nvSpPr>
+        <p:spPr>
+          <a:xfrm>
+            <a:off x="369453" y="6834910"/>
+            <a:ext cx="1847274" cy="515695"/>
+          </a:xfrm>
+          <a:prstGeom prst="roundRect">
+            <a:avLst/>
+          </a:prstGeom>
+          <a:solidFill>
+            <a:schemeClr val="bg1"/>
+          </a:solidFill>
+          <a:ln>
+            <a:noFill/>
+          </a:ln>
+          <a:effectLst/>
+        </p:spPr>
+        <p:style>
+          <a:lnRef idx="2">
+            <a:schemeClr val="accent1">
+              <a:shade val="50000"/>
+            </a:schemeClr>
+          </a:lnRef>
+          <a:fillRef idx="1">
+            <a:schemeClr val="accent1"/>
+          </a:fillRef>
+          <a:effectRef idx="0">
+            <a:schemeClr val="accent1"/>
+          </a:effectRef>
+          <a:fontRef idx="minor">
+            <a:schemeClr val="lt1"/>
+          </a:fontRef>
+        </p:style>
+        <p:txBody>
+          <a:bodyPr rtlCol="0" anchor="b"/>
+          <a:lstStyle/>
+          <a:p>
+            <a:pPr algn="ctr"/>
+            <a:r>
+              <a:rPr lang="en-US" sz="2000" b="1" dirty="0">
+                <a:solidFill>
+                  <a:schemeClr val="tx1"/>
+                </a:solidFill>
+                <a:latin typeface="Kristen ITC" panose="03050502040202030202" pitchFamily="66" charset="0"/>
+              </a:rPr>
+              <a:t>Next Month      </a:t>
+            </a:r>
+          </a:p>
+        </p:txBody>
+      </p:sp>
+      <p:pic>
+        <p:nvPicPr>
+          <p:cNvPr id="1028" name="Picture 4" descr="Cinema Seats Sketch Images, Stock Photos &amp; Vectors | Shutterstock">
+            <a:extLst>
+              <a:ext uri="{FF2B5EF4-FFF2-40B4-BE49-F238E27FC236}">
+                <a16:creationId xmlns:a16="http://schemas.microsoft.com/office/drawing/2014/main" id="{5E248851-233A-48AE-8E7E-87D111D40CF1}"/>
+              </a:ext>
+            </a:extLst>
+          </p:cNvPr>
+          <p:cNvPicPr>
+            <a:picLocks noChangeAspect="1" noChangeArrowheads="1"/>
+          </p:cNvPicPr>
+          <p:nvPr/>
+        </p:nvPicPr>
+        <p:blipFill rotWithShape="1">
+          <a:blip r:embed="rId3">
+            <a:extLst>
+              <a:ext uri="{28A0092B-C50C-407E-A947-70E740481C1C}">
+                <a14:useLocalDpi xmlns:a14="http://schemas.microsoft.com/office/drawing/2010/main" val="0"/>
+              </a:ext>
+            </a:extLst>
+          </a:blip>
+          <a:srcRect b="6463"/>
+          <a:stretch/>
+        </p:blipFill>
+        <p:spPr bwMode="auto">
+          <a:xfrm>
+            <a:off x="5185125" y="1394114"/>
+            <a:ext cx="1645167" cy="1173595"/>
+          </a:xfrm>
+          <a:prstGeom prst="rect">
+            <a:avLst/>
+          </a:prstGeom>
+          <a:noFill/>
+          <a:extLst>
+            <a:ext uri="{909E8E84-426E-40DD-AFC4-6F175D3DCCD1}">
+              <a14:hiddenFill xmlns:a14="http://schemas.microsoft.com/office/drawing/2010/main">
+                <a:solidFill>
+                  <a:srgbClr val="FFFFFF"/>
+                </a:solidFill>
+              </a14:hiddenFill>
+            </a:ext>
+          </a:extLst>
+        </p:spPr>
+      </p:pic>
+      <p:sp>
+        <p:nvSpPr>
+          <p:cNvPr id="8" name="TextBox 7">
+            <a:extLst>
+              <a:ext uri="{FF2B5EF4-FFF2-40B4-BE49-F238E27FC236}">
+                <a16:creationId xmlns:a16="http://schemas.microsoft.com/office/drawing/2014/main" id="{F4CE6EC8-932A-4FCD-9865-E3835436C1C9}"/>
+              </a:ext>
+            </a:extLst>
+          </p:cNvPr>
+          <p:cNvSpPr txBox="1"/>
+          <p:nvPr/>
+        </p:nvSpPr>
+        <p:spPr>
+          <a:xfrm>
+            <a:off x="5085559" y="1037088"/>
+            <a:ext cx="1844298" cy="338554"/>
+          </a:xfrm>
+          <a:prstGeom prst="rect">
+            <a:avLst/>
+          </a:prstGeom>
+          <a:noFill/>
+        </p:spPr>
+        <p:txBody>
+          <a:bodyPr wrap="square" rtlCol="0">
+            <a:spAutoFit/>
+          </a:bodyPr>
+          <a:lstStyle/>
+          <a:p>
+            <a:pPr algn="ctr"/>
+            <a:r>
+              <a:rPr lang="en-US" sz="1600" dirty="0">
+                <a:latin typeface="Bradley Hand ITC" panose="03070402050302030203" pitchFamily="66" charset="0"/>
+              </a:rPr>
+              <a:t>Movie of the Month</a:t>
+            </a:r>
+          </a:p>
+        </p:txBody>
+      </p:sp>
+      <p:pic>
+        <p:nvPicPr>
+          <p:cNvPr id="1030" name="Picture 6" descr="68 Flat Screen Tvs Drawing Illustrations &amp; Clip Art - iStock">
+            <a:extLst>
+              <a:ext uri="{FF2B5EF4-FFF2-40B4-BE49-F238E27FC236}">
+                <a16:creationId xmlns:a16="http://schemas.microsoft.com/office/drawing/2014/main" id="{FD91D048-CFDF-4921-B8BF-5A49237FF705}"/>
+              </a:ext>
+            </a:extLst>
+          </p:cNvPr>
+          <p:cNvPicPr>
+            <a:picLocks noChangeAspect="1" noChangeArrowheads="1"/>
+          </p:cNvPicPr>
+          <p:nvPr/>
+        </p:nvPicPr>
+        <p:blipFill rotWithShape="1">
+          <a:blip r:embed="rId4">
+            <a:extLst>
+              <a:ext uri="{28A0092B-C50C-407E-A947-70E740481C1C}">
+                <a14:useLocalDpi xmlns:a14="http://schemas.microsoft.com/office/drawing/2010/main" val="0"/>
+              </a:ext>
+            </a:extLst>
+          </a:blip>
+          <a:srcRect l="3763" t="6053" r="3911" b="7008"/>
+          <a:stretch/>
+        </p:blipFill>
+        <p:spPr bwMode="auto">
+          <a:xfrm>
+            <a:off x="5164766" y="3348453"/>
+            <a:ext cx="1665526" cy="1284431"/>
+          </a:xfrm>
+          <a:prstGeom prst="rect">
+            <a:avLst/>
+          </a:prstGeom>
+          <a:noFill/>
+          <a:extLst>
+            <a:ext uri="{909E8E84-426E-40DD-AFC4-6F175D3DCCD1}">
+              <a14:hiddenFill xmlns:a14="http://schemas.microsoft.com/office/drawing/2010/main">
+                <a:solidFill>
+                  <a:srgbClr val="FFFFFF"/>
+                </a:solidFill>
+              </a14:hiddenFill>
+            </a:ext>
+          </a:extLst>
+        </p:spPr>
+      </p:pic>
+      <p:sp>
+        <p:nvSpPr>
+          <p:cNvPr id="10" name="TextBox 9">
+            <a:extLst>
+              <a:ext uri="{FF2B5EF4-FFF2-40B4-BE49-F238E27FC236}">
+                <a16:creationId xmlns:a16="http://schemas.microsoft.com/office/drawing/2014/main" id="{A183BA27-FBAF-4FC9-9AE6-1658FC344B8D}"/>
+              </a:ext>
+            </a:extLst>
+          </p:cNvPr>
+          <p:cNvSpPr txBox="1"/>
+          <p:nvPr/>
+        </p:nvSpPr>
+        <p:spPr>
+          <a:xfrm>
+            <a:off x="5085559" y="3051168"/>
+            <a:ext cx="1844298" cy="338554"/>
+          </a:xfrm>
+          <a:prstGeom prst="rect">
+            <a:avLst/>
+          </a:prstGeom>
+          <a:noFill/>
+        </p:spPr>
+        <p:txBody>
+          <a:bodyPr wrap="square" rtlCol="0">
+            <a:spAutoFit/>
+          </a:bodyPr>
+          <a:lstStyle/>
+          <a:p>
+            <a:pPr algn="ctr"/>
+            <a:r>
+              <a:rPr lang="en-US" sz="1600" dirty="0">
+                <a:latin typeface="Bradley Hand ITC" panose="03070402050302030203" pitchFamily="66" charset="0"/>
+              </a:rPr>
+              <a:t>TV of the Month</a:t>
+            </a:r>
+          </a:p>
+        </p:txBody>
+      </p:sp>
+      <p:pic>
+        <p:nvPicPr>
+          <p:cNvPr id="1034" name="Picture 10" descr="How to Draw an iPod">
+            <a:extLst>
+              <a:ext uri="{FF2B5EF4-FFF2-40B4-BE49-F238E27FC236}">
+                <a16:creationId xmlns:a16="http://schemas.microsoft.com/office/drawing/2014/main" id="{66435DA3-07FB-4CD3-B836-19B58C92DA67}"/>
+              </a:ext>
+            </a:extLst>
+          </p:cNvPr>
+          <p:cNvPicPr>
+            <a:picLocks noChangeAspect="1" noChangeArrowheads="1"/>
+          </p:cNvPicPr>
+          <p:nvPr/>
+        </p:nvPicPr>
+        <p:blipFill rotWithShape="1">
+          <a:blip r:embed="rId5">
+            <a:extLst>
+              <a:ext uri="{28A0092B-C50C-407E-A947-70E740481C1C}">
+                <a14:useLocalDpi xmlns:a14="http://schemas.microsoft.com/office/drawing/2010/main" val="0"/>
+              </a:ext>
+            </a:extLst>
+          </a:blip>
+          <a:srcRect l="17870" t="7752" r="6967" b="6142"/>
+          <a:stretch/>
+        </p:blipFill>
+        <p:spPr bwMode="auto">
+          <a:xfrm>
+            <a:off x="5537910" y="5208500"/>
+            <a:ext cx="1200013" cy="1585203"/>
+          </a:xfrm>
+          <a:prstGeom prst="rect">
+            <a:avLst/>
+          </a:prstGeom>
+          <a:noFill/>
+          <a:extLst>
+            <a:ext uri="{909E8E84-426E-40DD-AFC4-6F175D3DCCD1}">
+              <a14:hiddenFill xmlns:a14="http://schemas.microsoft.com/office/drawing/2010/main">
+                <a:solidFill>
+                  <a:srgbClr val="FFFFFF"/>
+                </a:solidFill>
+              </a14:hiddenFill>
+            </a:ext>
+          </a:extLst>
+        </p:spPr>
+      </p:pic>
+      <p:sp>
+        <p:nvSpPr>
+          <p:cNvPr id="13" name="TextBox 12">
+            <a:extLst>
+              <a:ext uri="{FF2B5EF4-FFF2-40B4-BE49-F238E27FC236}">
+                <a16:creationId xmlns:a16="http://schemas.microsoft.com/office/drawing/2014/main" id="{642E6775-0DE9-41FC-A34C-ED0F130A4D38}"/>
+              </a:ext>
+            </a:extLst>
+          </p:cNvPr>
+          <p:cNvSpPr txBox="1"/>
+          <p:nvPr/>
+        </p:nvSpPr>
+        <p:spPr>
+          <a:xfrm>
+            <a:off x="5104935" y="4912518"/>
+            <a:ext cx="1844298" cy="338554"/>
+          </a:xfrm>
+          <a:prstGeom prst="rect">
+            <a:avLst/>
+          </a:prstGeom>
+          <a:noFill/>
+        </p:spPr>
+        <p:txBody>
+          <a:bodyPr wrap="square" rtlCol="0">
+            <a:spAutoFit/>
+          </a:bodyPr>
+          <a:lstStyle/>
+          <a:p>
+            <a:pPr algn="ctr"/>
+            <a:r>
+              <a:rPr lang="en-US" sz="1600" dirty="0">
+                <a:latin typeface="Bradley Hand ITC" panose="03070402050302030203" pitchFamily="66" charset="0"/>
+              </a:rPr>
+              <a:t>Music of the Month</a:t>
+            </a:r>
+          </a:p>
+        </p:txBody>
+      </p:sp>
+      <p:pic>
+        <p:nvPicPr>
+          <p:cNvPr id="7" name="Graphic 6" descr="Champagne glasses outline">
+            <a:extLst>
+              <a:ext uri="{FF2B5EF4-FFF2-40B4-BE49-F238E27FC236}">
+                <a16:creationId xmlns:a16="http://schemas.microsoft.com/office/drawing/2014/main" id="{558D281B-8194-4E0E-A5A8-1FDE51F424CA}"/>
+              </a:ext>
+            </a:extLst>
+          </p:cNvPr>
+          <p:cNvPicPr>
+            <a:picLocks noChangeAspect="1"/>
+          </p:cNvPicPr>
+          <p:nvPr/>
+        </p:nvPicPr>
+        <p:blipFill>
+          <a:blip r:embed="rId6">
+            <a:extLst>
+              <a:ext uri="{28A0092B-C50C-407E-A947-70E740481C1C}">
+                <a14:useLocalDpi xmlns:a14="http://schemas.microsoft.com/office/drawing/2010/main" val="0"/>
+              </a:ext>
+              <a:ext uri="{96DAC541-7B7A-43D3-8B79-37D633B846F1}">
+                <asvg:svgBlip xmlns:asvg="http://schemas.microsoft.com/office/drawing/2016/SVG/main" r:embed="rId7"/>
+              </a:ext>
+            </a:extLst>
+          </a:blip>
+          <a:stretch>
+            <a:fillRect/>
+          </a:stretch>
+        </p:blipFill>
+        <p:spPr>
+          <a:xfrm>
+            <a:off x="-5621" y="5824832"/>
+            <a:ext cx="914400" cy="914400"/>
+          </a:xfrm>
+          <a:prstGeom prst="rect">
+            <a:avLst/>
+          </a:prstGeom>
+        </p:spPr>
+      </p:pic>
+    </p:spTree>
+    <p:extLst>
+      <p:ext uri="{BB962C8B-B14F-4D97-AF65-F5344CB8AC3E}">
+        <p14:creationId xmlns:p14="http://schemas.microsoft.com/office/powerpoint/2010/main" val="3476204758"/>
       </p:ext>
     </p:extLst>
   </p:cSld>
@@ -32575,9 +40171,12 @@
 </file>
 
 <file path=customXml/item1.xml><?xml version="1.0" encoding="utf-8"?>
-<p:properties xmlns:p="http://schemas.microsoft.com/office/2006/metadata/properties" xmlns:xsi="http://www.w3.org/2001/XMLSchema-instance" xmlns:pc="http://schemas.microsoft.com/office/infopath/2007/PartnerControls">
-  <documentManagement/>
-</p:properties>
+<?mso-contentType ?>
+<FormTemplates xmlns="http://schemas.microsoft.com/sharepoint/v3/contenttype/forms">
+  <Display>DocumentLibraryForm</Display>
+  <Edit>DocumentLibraryForm</Edit>
+  <New>DocumentLibraryForm</New>
+</FormTemplates>
 </file>
 
 <file path=customXml/item2.xml><?xml version="1.0" encoding="utf-8"?>
@@ -32766,27 +40365,15 @@
 </file>
 
 <file path=customXml/item3.xml><?xml version="1.0" encoding="utf-8"?>
-<?mso-contentType ?>
-<FormTemplates xmlns="http://schemas.microsoft.com/sharepoint/v3/contenttype/forms">
-  <Display>DocumentLibraryForm</Display>
-  <Edit>DocumentLibraryForm</Edit>
-  <New>DocumentLibraryForm</New>
-</FormTemplates>
+<p:properties xmlns:p="http://schemas.microsoft.com/office/2006/metadata/properties" xmlns:xsi="http://www.w3.org/2001/XMLSchema-instance" xmlns:pc="http://schemas.microsoft.com/office/infopath/2007/PartnerControls">
+  <documentManagement/>
+</p:properties>
 </file>
 
 <file path=customXml/itemProps1.xml><?xml version="1.0" encoding="utf-8"?>
-<ds:datastoreItem xmlns:ds="http://schemas.openxmlformats.org/officeDocument/2006/customXml" ds:itemID="{8177CA62-3668-4016-B75D-C1755BA8F857}">
+<ds:datastoreItem xmlns:ds="http://schemas.openxmlformats.org/officeDocument/2006/customXml" ds:itemID="{E4FF2514-27C7-4E3E-A534-5A5254598975}">
   <ds:schemaRefs>
-    <ds:schemaRef ds:uri="http://schemas.microsoft.com/office/2006/metadata/properties"/>
-    <ds:schemaRef ds:uri="http://schemas.microsoft.com/office/2006/documentManagement/types"/>
-    <ds:schemaRef ds:uri="http://purl.org/dc/dcmitype/"/>
-    <ds:schemaRef ds:uri="http://purl.org/dc/elements/1.1/"/>
-    <ds:schemaRef ds:uri="http://purl.org/dc/terms/"/>
-    <ds:schemaRef ds:uri="http://schemas.microsoft.com/office/infopath/2007/PartnerControls"/>
-    <ds:schemaRef ds:uri="043e0d1c-a665-408c-8e87-bbf69a661b03"/>
-    <ds:schemaRef ds:uri="7cdc60f3-49e9-43c0-aaac-e2785a77b6b3"/>
-    <ds:schemaRef ds:uri="http://schemas.openxmlformats.org/package/2006/metadata/core-properties"/>
-    <ds:schemaRef ds:uri="http://www.w3.org/XML/1998/namespace"/>
+    <ds:schemaRef ds:uri="http://schemas.microsoft.com/sharepoint/v3/contenttype/forms"/>
   </ds:schemaRefs>
 </ds:datastoreItem>
 </file>
@@ -32811,9 +40398,18 @@
 </file>
 
 <file path=customXml/itemProps3.xml><?xml version="1.0" encoding="utf-8"?>
-<ds:datastoreItem xmlns:ds="http://schemas.openxmlformats.org/officeDocument/2006/customXml" ds:itemID="{E4FF2514-27C7-4E3E-A534-5A5254598975}">
+<ds:datastoreItem xmlns:ds="http://schemas.openxmlformats.org/officeDocument/2006/customXml" ds:itemID="{8177CA62-3668-4016-B75D-C1755BA8F857}">
   <ds:schemaRefs>
-    <ds:schemaRef ds:uri="http://schemas.microsoft.com/sharepoint/v3/contenttype/forms"/>
+    <ds:schemaRef ds:uri="http://www.w3.org/XML/1998/namespace"/>
+    <ds:schemaRef ds:uri="http://schemas.openxmlformats.org/package/2006/metadata/core-properties"/>
+    <ds:schemaRef ds:uri="http://purl.org/dc/elements/1.1/"/>
+    <ds:schemaRef ds:uri="http://schemas.microsoft.com/office/2006/metadata/properties"/>
+    <ds:schemaRef ds:uri="http://schemas.microsoft.com/office/2006/documentManagement/types"/>
+    <ds:schemaRef ds:uri="http://purl.org/dc/dcmitype/"/>
+    <ds:schemaRef ds:uri="http://schemas.microsoft.com/office/infopath/2007/PartnerControls"/>
+    <ds:schemaRef ds:uri="043e0d1c-a665-408c-8e87-bbf69a661b03"/>
+    <ds:schemaRef ds:uri="7cdc60f3-49e9-43c0-aaac-e2785a77b6b3"/>
+    <ds:schemaRef ds:uri="http://purl.org/dc/terms/"/>
   </ds:schemaRefs>
 </ds:datastoreItem>
 </file>
--- a/bujo_printouts.pptx
+++ b/bujo_printouts.pptx
@@ -231,7 +231,7 @@
           <a:p>
             <a:fld id="{0B79DF5C-0C24-4B63-9C9D-9245A97A6F02}" type="datetimeFigureOut">
               <a:rPr lang="en-US" smtClean="0"/>
-              <a:t>11/23/2021</a:t>
+              <a:t>12/9/2021</a:t>
             </a:fld>
             <a:endParaRPr lang="en-US"/>
           </a:p>
@@ -629,7 +629,7 @@
           <a:p>
             <a:fld id="{D7B46692-156A-48DE-9028-B604EC18BE8F}" type="datetimeFigureOut">
               <a:rPr lang="en-US" smtClean="0"/>
-              <a:t>11/23/2021</a:t>
+              <a:t>12/9/2021</a:t>
             </a:fld>
             <a:endParaRPr lang="en-US"/>
           </a:p>
@@ -799,7 +799,7 @@
           <a:p>
             <a:fld id="{D7B46692-156A-48DE-9028-B604EC18BE8F}" type="datetimeFigureOut">
               <a:rPr lang="en-US" smtClean="0"/>
-              <a:t>11/23/2021</a:t>
+              <a:t>12/9/2021</a:t>
             </a:fld>
             <a:endParaRPr lang="en-US"/>
           </a:p>
@@ -979,7 +979,7 @@
           <a:p>
             <a:fld id="{D7B46692-156A-48DE-9028-B604EC18BE8F}" type="datetimeFigureOut">
               <a:rPr lang="en-US" smtClean="0"/>
-              <a:t>11/23/2021</a:t>
+              <a:t>12/9/2021</a:t>
             </a:fld>
             <a:endParaRPr lang="en-US"/>
           </a:p>
@@ -1149,7 +1149,7 @@
           <a:p>
             <a:fld id="{D7B46692-156A-48DE-9028-B604EC18BE8F}" type="datetimeFigureOut">
               <a:rPr lang="en-US" smtClean="0"/>
-              <a:t>11/23/2021</a:t>
+              <a:t>12/9/2021</a:t>
             </a:fld>
             <a:endParaRPr lang="en-US"/>
           </a:p>
@@ -1393,7 +1393,7 @@
           <a:p>
             <a:fld id="{D7B46692-156A-48DE-9028-B604EC18BE8F}" type="datetimeFigureOut">
               <a:rPr lang="en-US" smtClean="0"/>
-              <a:t>11/23/2021</a:t>
+              <a:t>12/9/2021</a:t>
             </a:fld>
             <a:endParaRPr lang="en-US"/>
           </a:p>
@@ -1625,7 +1625,7 @@
           <a:p>
             <a:fld id="{D7B46692-156A-48DE-9028-B604EC18BE8F}" type="datetimeFigureOut">
               <a:rPr lang="en-US" smtClean="0"/>
-              <a:t>11/23/2021</a:t>
+              <a:t>12/9/2021</a:t>
             </a:fld>
             <a:endParaRPr lang="en-US"/>
           </a:p>
@@ -1992,7 +1992,7 @@
           <a:p>
             <a:fld id="{D7B46692-156A-48DE-9028-B604EC18BE8F}" type="datetimeFigureOut">
               <a:rPr lang="en-US" smtClean="0"/>
-              <a:t>11/23/2021</a:t>
+              <a:t>12/9/2021</a:t>
             </a:fld>
             <a:endParaRPr lang="en-US"/>
           </a:p>
@@ -2110,7 +2110,7 @@
           <a:p>
             <a:fld id="{D7B46692-156A-48DE-9028-B604EC18BE8F}" type="datetimeFigureOut">
               <a:rPr lang="en-US" smtClean="0"/>
-              <a:t>11/23/2021</a:t>
+              <a:t>12/9/2021</a:t>
             </a:fld>
             <a:endParaRPr lang="en-US"/>
           </a:p>
@@ -2205,7 +2205,7 @@
           <a:p>
             <a:fld id="{D7B46692-156A-48DE-9028-B604EC18BE8F}" type="datetimeFigureOut">
               <a:rPr lang="en-US" smtClean="0"/>
-              <a:t>11/23/2021</a:t>
+              <a:t>12/9/2021</a:t>
             </a:fld>
             <a:endParaRPr lang="en-US"/>
           </a:p>
@@ -2482,7 +2482,7 @@
           <a:p>
             <a:fld id="{D7B46692-156A-48DE-9028-B604EC18BE8F}" type="datetimeFigureOut">
               <a:rPr lang="en-US" smtClean="0"/>
-              <a:t>11/23/2021</a:t>
+              <a:t>12/9/2021</a:t>
             </a:fld>
             <a:endParaRPr lang="en-US"/>
           </a:p>
@@ -2739,7 +2739,7 @@
           <a:p>
             <a:fld id="{D7B46692-156A-48DE-9028-B604EC18BE8F}" type="datetimeFigureOut">
               <a:rPr lang="en-US" smtClean="0"/>
-              <a:t>11/23/2021</a:t>
+              <a:t>12/9/2021</a:t>
             </a:fld>
             <a:endParaRPr lang="en-US"/>
           </a:p>
@@ -2952,7 +2952,7 @@
           <a:p>
             <a:fld id="{D7B46692-156A-48DE-9028-B604EC18BE8F}" type="datetimeFigureOut">
               <a:rPr lang="en-US" smtClean="0"/>
-              <a:t>11/23/2021</a:t>
+              <a:t>12/9/2021</a:t>
             </a:fld>
             <a:endParaRPr lang="en-US"/>
           </a:p>
@@ -23550,7 +23550,7 @@
         </p:blipFill>
         <p:spPr bwMode="auto">
           <a:xfrm>
-            <a:off x="2607806" y="4286389"/>
+            <a:off x="2607806" y="4161694"/>
             <a:ext cx="1642389" cy="1219270"/>
           </a:xfrm>
           <a:prstGeom prst="rect">
@@ -23626,8 +23626,8 @@
         </p:nvSpPr>
         <p:spPr>
           <a:xfrm>
-            <a:off x="0" y="1697297"/>
-            <a:ext cx="3330040" cy="3234427"/>
+            <a:off x="0" y="1572603"/>
+            <a:ext cx="3330040" cy="2589092"/>
           </a:xfrm>
           <a:prstGeom prst="roundRect">
             <a:avLst>
@@ -23682,8 +23682,8 @@
         </p:nvSpPr>
         <p:spPr>
           <a:xfrm>
-            <a:off x="9589" y="4991900"/>
-            <a:ext cx="3330040" cy="3234427"/>
+            <a:off x="-1993" y="4239287"/>
+            <a:ext cx="3330040" cy="2610842"/>
           </a:xfrm>
           <a:prstGeom prst="roundRect">
             <a:avLst>
@@ -23738,8 +23738,8 @@
         </p:nvSpPr>
         <p:spPr>
           <a:xfrm>
-            <a:off x="3509209" y="1697299"/>
-            <a:ext cx="3330038" cy="2113554"/>
+            <a:off x="3509209" y="1572604"/>
+            <a:ext cx="3330038" cy="1694806"/>
           </a:xfrm>
           <a:prstGeom prst="roundRect">
             <a:avLst>
@@ -23794,8 +23794,8 @@
         </p:nvSpPr>
         <p:spPr>
           <a:xfrm>
-            <a:off x="3507325" y="3909251"/>
-            <a:ext cx="3330038" cy="2113554"/>
+            <a:off x="3507325" y="3370857"/>
+            <a:ext cx="3330038" cy="1694806"/>
           </a:xfrm>
           <a:prstGeom prst="roundRect">
             <a:avLst>
@@ -23850,8 +23850,8 @@
         </p:nvSpPr>
         <p:spPr>
           <a:xfrm>
-            <a:off x="3507325" y="6109385"/>
-            <a:ext cx="3330038" cy="2113554"/>
+            <a:off x="3514107" y="5155323"/>
+            <a:ext cx="3330038" cy="1694806"/>
           </a:xfrm>
           <a:prstGeom prst="roundRect">
             <a:avLst>
@@ -23906,7 +23906,7 @@
         </p:nvSpPr>
         <p:spPr>
           <a:xfrm>
-            <a:off x="890846" y="1697298"/>
+            <a:off x="890846" y="1572603"/>
             <a:ext cx="1844298" cy="369332"/>
           </a:xfrm>
           <a:prstGeom prst="rect">
@@ -23944,7 +23944,7 @@
         </p:nvSpPr>
         <p:spPr>
           <a:xfrm>
-            <a:off x="752460" y="5311940"/>
+            <a:off x="732214" y="4262639"/>
             <a:ext cx="1844298" cy="369332"/>
           </a:xfrm>
           <a:prstGeom prst="rect">
@@ -23982,7 +23982,7 @@
         </p:nvSpPr>
         <p:spPr>
           <a:xfrm>
-            <a:off x="4252079" y="1690341"/>
+            <a:off x="4252079" y="1565646"/>
             <a:ext cx="1844298" cy="369332"/>
           </a:xfrm>
           <a:prstGeom prst="rect">
@@ -24020,7 +24020,7 @@
         </p:nvSpPr>
         <p:spPr>
           <a:xfrm>
-            <a:off x="4072910" y="6121203"/>
+            <a:off x="4072911" y="5150087"/>
             <a:ext cx="1844298" cy="369332"/>
           </a:xfrm>
           <a:prstGeom prst="rect">
@@ -24058,7 +24058,7 @@
         </p:nvSpPr>
         <p:spPr>
           <a:xfrm>
-            <a:off x="4250195" y="4011166"/>
+            <a:off x="4212338" y="3416586"/>
             <a:ext cx="1844298" cy="369332"/>
           </a:xfrm>
           <a:prstGeom prst="rect">
@@ -24180,6 +24180,100 @@
             <a:endParaRPr lang="en-US" sz="1200">
               <a:latin typeface="Kristen ITC" panose="03050502040202030202" pitchFamily="66" charset="0"/>
             </a:endParaRPr>
+          </a:p>
+        </p:txBody>
+      </p:sp>
+      <p:sp>
+        <p:nvSpPr>
+          <p:cNvPr id="18" name="Rectangle: Rounded Corners 17">
+            <a:extLst>
+              <a:ext uri="{FF2B5EF4-FFF2-40B4-BE49-F238E27FC236}">
+                <a16:creationId xmlns:a16="http://schemas.microsoft.com/office/drawing/2014/main" id="{4061FC42-F1F3-4476-83D1-5FBFB0EB742B}"/>
+              </a:ext>
+            </a:extLst>
+          </p:cNvPr>
+          <p:cNvSpPr/>
+          <p:nvPr/>
+        </p:nvSpPr>
+        <p:spPr>
+          <a:xfrm>
+            <a:off x="9591" y="6927720"/>
+            <a:ext cx="6827772" cy="1973965"/>
+          </a:xfrm>
+          <a:prstGeom prst="roundRect">
+            <a:avLst>
+              <a:gd name="adj" fmla="val 9409"/>
+            </a:avLst>
+          </a:prstGeom>
+          <a:noFill/>
+          <a:ln>
+            <a:solidFill>
+              <a:schemeClr val="tx1"/>
+            </a:solidFill>
+          </a:ln>
+        </p:spPr>
+        <p:style>
+          <a:lnRef idx="2">
+            <a:schemeClr val="accent1">
+              <a:shade val="50000"/>
+            </a:schemeClr>
+          </a:lnRef>
+          <a:fillRef idx="1">
+            <a:schemeClr val="accent1"/>
+          </a:fillRef>
+          <a:effectRef idx="0">
+            <a:schemeClr val="accent1"/>
+          </a:effectRef>
+          <a:fontRef idx="minor">
+            <a:schemeClr val="lt1"/>
+          </a:fontRef>
+        </p:style>
+        <p:txBody>
+          <a:bodyPr rtlCol="0" anchor="ctr"/>
+          <a:lstStyle/>
+          <a:p>
+            <a:pPr algn="ctr"/>
+            <a:endParaRPr lang="en-US" b="1">
+              <a:latin typeface="Bradley Hand ITC" panose="03070402050302030203" pitchFamily="66" charset="0"/>
+            </a:endParaRPr>
+          </a:p>
+        </p:txBody>
+      </p:sp>
+      <p:sp>
+        <p:nvSpPr>
+          <p:cNvPr id="19" name="TextBox 18">
+            <a:extLst>
+              <a:ext uri="{FF2B5EF4-FFF2-40B4-BE49-F238E27FC236}">
+                <a16:creationId xmlns:a16="http://schemas.microsoft.com/office/drawing/2014/main" id="{CF13A5FD-EFDB-4C93-A64E-F64F4B7FAEC0}"/>
+              </a:ext>
+            </a:extLst>
+          </p:cNvPr>
+          <p:cNvSpPr txBox="1"/>
+          <p:nvPr/>
+        </p:nvSpPr>
+        <p:spPr>
+          <a:xfrm>
+            <a:off x="2506851" y="7030579"/>
+            <a:ext cx="1844298" cy="369332"/>
+          </a:xfrm>
+          <a:prstGeom prst="rect">
+            <a:avLst/>
+          </a:prstGeom>
+          <a:noFill/>
+        </p:spPr>
+        <p:txBody>
+          <a:bodyPr wrap="square" rtlCol="0">
+            <a:spAutoFit/>
+          </a:bodyPr>
+          <a:lstStyle/>
+          <a:p>
+            <a:pPr algn="ctr"/>
+            <a:r>
+              <a:rPr lang="en-US" dirty="0">
+                <a:latin typeface="Bradley Hand ITC" panose="03070402050302030203" pitchFamily="66" charset="0"/>
+              </a:rPr>
+              <a:t>Groceries</a:t>
+            </a:r>
           </a:p>
         </p:txBody>
       </p:sp>
@@ -46643,12 +46737,9 @@
 </file>
 
 <file path=customXml/item1.xml><?xml version="1.0" encoding="utf-8"?>
-<?mso-contentType ?>
-<FormTemplates xmlns="http://schemas.microsoft.com/sharepoint/v3/contenttype/forms">
-  <Display>DocumentLibraryForm</Display>
-  <Edit>DocumentLibraryForm</Edit>
-  <New>DocumentLibraryForm</New>
-</FormTemplates>
+<p:properties xmlns:p="http://schemas.microsoft.com/office/2006/metadata/properties" xmlns:xsi="http://www.w3.org/2001/XMLSchema-instance" xmlns:pc="http://schemas.microsoft.com/office/infopath/2007/PartnerControls">
+  <documentManagement/>
+</p:properties>
 </file>
 
 <file path=customXml/item2.xml><?xml version="1.0" encoding="utf-8"?>
@@ -46837,15 +46928,27 @@
 </file>
 
 <file path=customXml/item3.xml><?xml version="1.0" encoding="utf-8"?>
-<p:properties xmlns:p="http://schemas.microsoft.com/office/2006/metadata/properties" xmlns:xsi="http://www.w3.org/2001/XMLSchema-instance" xmlns:pc="http://schemas.microsoft.com/office/infopath/2007/PartnerControls">
-  <documentManagement/>
-</p:properties>
+<?mso-contentType ?>
+<FormTemplates xmlns="http://schemas.microsoft.com/sharepoint/v3/contenttype/forms">
+  <Display>DocumentLibraryForm</Display>
+  <Edit>DocumentLibraryForm</Edit>
+  <New>DocumentLibraryForm</New>
+</FormTemplates>
 </file>
 
 <file path=customXml/itemProps1.xml><?xml version="1.0" encoding="utf-8"?>
-<ds:datastoreItem xmlns:ds="http://schemas.openxmlformats.org/officeDocument/2006/customXml" ds:itemID="{E4FF2514-27C7-4E3E-A534-5A5254598975}">
+<ds:datastoreItem xmlns:ds="http://schemas.openxmlformats.org/officeDocument/2006/customXml" ds:itemID="{8177CA62-3668-4016-B75D-C1755BA8F857}">
   <ds:schemaRefs>
-    <ds:schemaRef ds:uri="http://schemas.microsoft.com/sharepoint/v3/contenttype/forms"/>
+    <ds:schemaRef ds:uri="http://www.w3.org/XML/1998/namespace"/>
+    <ds:schemaRef ds:uri="http://schemas.openxmlformats.org/package/2006/metadata/core-properties"/>
+    <ds:schemaRef ds:uri="http://purl.org/dc/elements/1.1/"/>
+    <ds:schemaRef ds:uri="http://schemas.microsoft.com/office/2006/metadata/properties"/>
+    <ds:schemaRef ds:uri="http://schemas.microsoft.com/office/2006/documentManagement/types"/>
+    <ds:schemaRef ds:uri="http://purl.org/dc/dcmitype/"/>
+    <ds:schemaRef ds:uri="http://schemas.microsoft.com/office/infopath/2007/PartnerControls"/>
+    <ds:schemaRef ds:uri="043e0d1c-a665-408c-8e87-bbf69a661b03"/>
+    <ds:schemaRef ds:uri="7cdc60f3-49e9-43c0-aaac-e2785a77b6b3"/>
+    <ds:schemaRef ds:uri="http://purl.org/dc/terms/"/>
   </ds:schemaRefs>
 </ds:datastoreItem>
 </file>
@@ -46870,18 +46973,9 @@
 </file>
 
 <file path=customXml/itemProps3.xml><?xml version="1.0" encoding="utf-8"?>
-<ds:datastoreItem xmlns:ds="http://schemas.openxmlformats.org/officeDocument/2006/customXml" ds:itemID="{8177CA62-3668-4016-B75D-C1755BA8F857}">
+<ds:datastoreItem xmlns:ds="http://schemas.openxmlformats.org/officeDocument/2006/customXml" ds:itemID="{E4FF2514-27C7-4E3E-A534-5A5254598975}">
   <ds:schemaRefs>
-    <ds:schemaRef ds:uri="http://www.w3.org/XML/1998/namespace"/>
-    <ds:schemaRef ds:uri="http://schemas.openxmlformats.org/package/2006/metadata/core-properties"/>
-    <ds:schemaRef ds:uri="http://purl.org/dc/elements/1.1/"/>
-    <ds:schemaRef ds:uri="http://schemas.microsoft.com/office/2006/metadata/properties"/>
-    <ds:schemaRef ds:uri="http://schemas.microsoft.com/office/2006/documentManagement/types"/>
-    <ds:schemaRef ds:uri="http://purl.org/dc/dcmitype/"/>
-    <ds:schemaRef ds:uri="http://schemas.microsoft.com/office/infopath/2007/PartnerControls"/>
-    <ds:schemaRef ds:uri="043e0d1c-a665-408c-8e87-bbf69a661b03"/>
-    <ds:schemaRef ds:uri="7cdc60f3-49e9-43c0-aaac-e2785a77b6b3"/>
-    <ds:schemaRef ds:uri="http://purl.org/dc/terms/"/>
+    <ds:schemaRef ds:uri="http://schemas.microsoft.com/sharepoint/v3/contenttype/forms"/>
   </ds:schemaRefs>
 </ds:datastoreItem>
 </file>
--- a/bujo_printouts.pptx
+++ b/bujo_printouts.pptx
@@ -5,7 +5,7 @@
     <p:sldMasterId id="2147483672" r:id="rId4"/>
   </p:sldMasterIdLst>
   <p:notesMasterIdLst>
-    <p:notesMasterId r:id="rId29"/>
+    <p:notesMasterId r:id="rId33"/>
   </p:notesMasterIdLst>
   <p:sldIdLst>
     <p:sldId id="273" r:id="rId5"/>
@@ -32,6 +32,10 @@
     <p:sldId id="284" r:id="rId26"/>
     <p:sldId id="287" r:id="rId27"/>
     <p:sldId id="283" r:id="rId28"/>
+    <p:sldId id="289" r:id="rId29"/>
+    <p:sldId id="288" r:id="rId30"/>
+    <p:sldId id="290" r:id="rId31"/>
+    <p:sldId id="291" r:id="rId32"/>
   </p:sldIdLst>
   <p:sldSz cx="6858000" cy="9144000" type="letter"/>
   <p:notesSz cx="6858000" cy="9144000"/>
@@ -133,7 +137,7 @@
   <p:extLst>
     <p:ext uri="{EFAFB233-063F-42B5-8137-9DF3F51BA10A}">
       <p15:sldGuideLst xmlns:p15="http://schemas.microsoft.com/office/powerpoint/2012/main">
-        <p15:guide id="1" orient="horz" pos="2880" userDrawn="1">
+        <p15:guide id="1" orient="horz" pos="2856" userDrawn="1">
           <p15:clr>
             <a:srgbClr val="A4A3A4"/>
           </p15:clr>
@@ -34836,6 +34840,233 @@
           <a:chExt cx="0" cy="0"/>
         </a:xfrm>
       </p:grpSpPr>
+      <p:pic>
+        <p:nvPicPr>
+          <p:cNvPr id="1034" name="Picture 10" descr="Rice bowl icon outline style Royalty Free Vector Image">
+            <a:extLst>
+              <a:ext uri="{FF2B5EF4-FFF2-40B4-BE49-F238E27FC236}">
+                <a16:creationId xmlns:a16="http://schemas.microsoft.com/office/drawing/2014/main" id="{4B64808A-656A-4AF1-940C-D8DA272B81C6}"/>
+              </a:ext>
+            </a:extLst>
+          </p:cNvPr>
+          <p:cNvPicPr>
+            <a:picLocks noChangeAspect="1" noChangeArrowheads="1"/>
+          </p:cNvPicPr>
+          <p:nvPr/>
+        </p:nvPicPr>
+        <p:blipFill rotWithShape="1">
+          <a:blip r:embed="rId2">
+            <a:extLst>
+              <a:ext uri="{28A0092B-C50C-407E-A947-70E740481C1C}">
+                <a14:useLocalDpi xmlns:a14="http://schemas.microsoft.com/office/drawing/2010/main" val="0"/>
+              </a:ext>
+            </a:extLst>
+          </a:blip>
+          <a:srcRect b="12629"/>
+          <a:stretch/>
+        </p:blipFill>
+        <p:spPr bwMode="auto">
+          <a:xfrm>
+            <a:off x="4651878" y="2076153"/>
+            <a:ext cx="1124311" cy="1059637"/>
+          </a:xfrm>
+          <a:prstGeom prst="rect">
+            <a:avLst/>
+          </a:prstGeom>
+          <a:noFill/>
+          <a:extLst>
+            <a:ext uri="{909E8E84-426E-40DD-AFC4-6F175D3DCCD1}">
+              <a14:hiddenFill xmlns:a14="http://schemas.microsoft.com/office/drawing/2010/main">
+                <a:solidFill>
+                  <a:srgbClr val="FFFFFF"/>
+                </a:solidFill>
+              </a14:hiddenFill>
+            </a:ext>
+          </a:extLst>
+        </p:spPr>
+      </p:pic>
+      <p:pic>
+        <p:nvPicPr>
+          <p:cNvPr id="1032" name="Picture 8" descr="Sandwich Outline Images, Stock Photos &amp;amp; Vectors | Shutterstock">
+            <a:extLst>
+              <a:ext uri="{FF2B5EF4-FFF2-40B4-BE49-F238E27FC236}">
+                <a16:creationId xmlns:a16="http://schemas.microsoft.com/office/drawing/2014/main" id="{A720643C-67A0-4DC0-8355-2107D214DE9A}"/>
+              </a:ext>
+            </a:extLst>
+          </p:cNvPr>
+          <p:cNvPicPr>
+            <a:picLocks noChangeAspect="1" noChangeArrowheads="1"/>
+          </p:cNvPicPr>
+          <p:nvPr/>
+        </p:nvPicPr>
+        <p:blipFill rotWithShape="1">
+          <a:blip r:embed="rId3">
+            <a:extLst>
+              <a:ext uri="{28A0092B-C50C-407E-A947-70E740481C1C}">
+                <a14:useLocalDpi xmlns:a14="http://schemas.microsoft.com/office/drawing/2010/main" val="0"/>
+              </a:ext>
+            </a:extLst>
+          </a:blip>
+          <a:srcRect b="9900"/>
+          <a:stretch/>
+        </p:blipFill>
+        <p:spPr bwMode="auto">
+          <a:xfrm>
+            <a:off x="3524611" y="4183695"/>
+            <a:ext cx="803449" cy="776610"/>
+          </a:xfrm>
+          <a:prstGeom prst="rect">
+            <a:avLst/>
+          </a:prstGeom>
+          <a:noFill/>
+          <a:extLst>
+            <a:ext uri="{909E8E84-426E-40DD-AFC4-6F175D3DCCD1}">
+              <a14:hiddenFill xmlns:a14="http://schemas.microsoft.com/office/drawing/2010/main">
+                <a:solidFill>
+                  <a:srgbClr val="FFFFFF"/>
+                </a:solidFill>
+              </a14:hiddenFill>
+            </a:ext>
+          </a:extLst>
+        </p:spPr>
+      </p:pic>
+      <p:pic>
+        <p:nvPicPr>
+          <p:cNvPr id="1030" name="Picture 6" descr="Food, fork, italian, line, outline, pasta, spaghetti icon - Download on  Iconfinder">
+            <a:extLst>
+              <a:ext uri="{FF2B5EF4-FFF2-40B4-BE49-F238E27FC236}">
+                <a16:creationId xmlns:a16="http://schemas.microsoft.com/office/drawing/2014/main" id="{F99DBD59-0499-4917-90E5-3CA63D39C1AE}"/>
+              </a:ext>
+            </a:extLst>
+          </p:cNvPr>
+          <p:cNvPicPr>
+            <a:picLocks noChangeAspect="1" noChangeArrowheads="1"/>
+          </p:cNvPicPr>
+          <p:nvPr/>
+        </p:nvPicPr>
+        <p:blipFill>
+          <a:blip r:embed="rId4">
+            <a:extLst>
+              <a:ext uri="{28A0092B-C50C-407E-A947-70E740481C1C}">
+                <a14:useLocalDpi xmlns:a14="http://schemas.microsoft.com/office/drawing/2010/main" val="0"/>
+              </a:ext>
+            </a:extLst>
+          </a:blip>
+          <a:srcRect/>
+          <a:stretch>
+            <a:fillRect/>
+          </a:stretch>
+        </p:blipFill>
+        <p:spPr bwMode="auto">
+          <a:xfrm>
+            <a:off x="3722739" y="6226413"/>
+            <a:ext cx="1821339" cy="1821339"/>
+          </a:xfrm>
+          <a:prstGeom prst="rect">
+            <a:avLst/>
+          </a:prstGeom>
+          <a:noFill/>
+          <a:extLst>
+            <a:ext uri="{909E8E84-426E-40DD-AFC4-6F175D3DCCD1}">
+              <a14:hiddenFill xmlns:a14="http://schemas.microsoft.com/office/drawing/2010/main">
+                <a:solidFill>
+                  <a:srgbClr val="FFFFFF"/>
+                </a:solidFill>
+              </a14:hiddenFill>
+            </a:ext>
+          </a:extLst>
+        </p:spPr>
+      </p:pic>
+      <p:pic>
+        <p:nvPicPr>
+          <p:cNvPr id="1028" name="Picture 4" descr="Pancakes icon outline style Royalty Free Vector Image">
+            <a:extLst>
+              <a:ext uri="{FF2B5EF4-FFF2-40B4-BE49-F238E27FC236}">
+                <a16:creationId xmlns:a16="http://schemas.microsoft.com/office/drawing/2014/main" id="{CEEBF29E-8687-4AAA-A79E-FEDE513A7C9C}"/>
+              </a:ext>
+            </a:extLst>
+          </p:cNvPr>
+          <p:cNvPicPr>
+            <a:picLocks noChangeAspect="1" noChangeArrowheads="1"/>
+          </p:cNvPicPr>
+          <p:nvPr/>
+        </p:nvPicPr>
+        <p:blipFill rotWithShape="1">
+          <a:blip r:embed="rId5">
+            <a:extLst>
+              <a:ext uri="{28A0092B-C50C-407E-A947-70E740481C1C}">
+                <a14:useLocalDpi xmlns:a14="http://schemas.microsoft.com/office/drawing/2010/main" val="0"/>
+              </a:ext>
+            </a:extLst>
+          </a:blip>
+          <a:srcRect t="17422" b="29042"/>
+          <a:stretch/>
+        </p:blipFill>
+        <p:spPr bwMode="auto">
+          <a:xfrm rot="19827516">
+            <a:off x="854242" y="2660847"/>
+            <a:ext cx="2057400" cy="1188146"/>
+          </a:xfrm>
+          <a:prstGeom prst="rect">
+            <a:avLst/>
+          </a:prstGeom>
+          <a:noFill/>
+          <a:extLst>
+            <a:ext uri="{909E8E84-426E-40DD-AFC4-6F175D3DCCD1}">
+              <a14:hiddenFill xmlns:a14="http://schemas.microsoft.com/office/drawing/2010/main">
+                <a:solidFill>
+                  <a:srgbClr val="FFFFFF"/>
+                </a:solidFill>
+              </a14:hiddenFill>
+            </a:ext>
+          </a:extLst>
+        </p:spPr>
+      </p:pic>
+      <p:pic>
+        <p:nvPicPr>
+          <p:cNvPr id="1026" name="Picture 2" descr="Bananas black and color gradient outline Vector Image">
+            <a:extLst>
+              <a:ext uri="{FF2B5EF4-FFF2-40B4-BE49-F238E27FC236}">
+                <a16:creationId xmlns:a16="http://schemas.microsoft.com/office/drawing/2014/main" id="{9B155C19-7B4C-4669-8BEF-DF0107AD2ADC}"/>
+              </a:ext>
+            </a:extLst>
+          </p:cNvPr>
+          <p:cNvPicPr>
+            <a:picLocks noChangeAspect="1" noChangeArrowheads="1"/>
+          </p:cNvPicPr>
+          <p:nvPr/>
+        </p:nvPicPr>
+        <p:blipFill rotWithShape="1">
+          <a:blip r:embed="rId6">
+            <a:extLst>
+              <a:ext uri="{28A0092B-C50C-407E-A947-70E740481C1C}">
+                <a14:useLocalDpi xmlns:a14="http://schemas.microsoft.com/office/drawing/2010/main" val="0"/>
+              </a:ext>
+            </a:extLst>
+          </a:blip>
+          <a:srcRect b="11993"/>
+          <a:stretch/>
+        </p:blipFill>
+        <p:spPr bwMode="auto">
+          <a:xfrm>
+            <a:off x="459840" y="6605053"/>
+            <a:ext cx="1563450" cy="1073367"/>
+          </a:xfrm>
+          <a:prstGeom prst="rect">
+            <a:avLst/>
+          </a:prstGeom>
+          <a:noFill/>
+          <a:extLst>
+            <a:ext uri="{909E8E84-426E-40DD-AFC4-6F175D3DCCD1}">
+              <a14:hiddenFill xmlns:a14="http://schemas.microsoft.com/office/drawing/2010/main">
+                <a:solidFill>
+                  <a:srgbClr val="FFFFFF"/>
+                </a:solidFill>
+              </a14:hiddenFill>
+            </a:ext>
+          </a:extLst>
+        </p:spPr>
+      </p:pic>
       <p:sp>
         <p:nvSpPr>
           <p:cNvPr id="2" name="Rectangle: Rounded Corners 1">
@@ -36386,10 +36617,8958 @@
           </a:p>
         </p:txBody>
       </p:sp>
+      <p:pic>
+        <p:nvPicPr>
+          <p:cNvPr id="16" name="Graphic 15" descr="Lightbulb with solid fill">
+            <a:extLst>
+              <a:ext uri="{FF2B5EF4-FFF2-40B4-BE49-F238E27FC236}">
+                <a16:creationId xmlns:a16="http://schemas.microsoft.com/office/drawing/2014/main" id="{3B040570-749D-49F8-A129-E936D59F24CF}"/>
+              </a:ext>
+            </a:extLst>
+          </p:cNvPr>
+          <p:cNvPicPr>
+            <a:picLocks noChangeAspect="1"/>
+          </p:cNvPicPr>
+          <p:nvPr/>
+        </p:nvPicPr>
+        <p:blipFill>
+          <a:blip r:embed="rId2">
+            <a:extLst>
+              <a:ext uri="{28A0092B-C50C-407E-A947-70E740481C1C}">
+                <a14:useLocalDpi xmlns:a14="http://schemas.microsoft.com/office/drawing/2010/main" val="0"/>
+              </a:ext>
+              <a:ext uri="{96DAC541-7B7A-43D3-8B79-37D633B846F1}">
+                <asvg:svgBlip xmlns:asvg="http://schemas.microsoft.com/office/drawing/2016/SVG/main" r:embed="rId3"/>
+              </a:ext>
+            </a:extLst>
+          </a:blip>
+          <a:stretch>
+            <a:fillRect/>
+          </a:stretch>
+        </p:blipFill>
+        <p:spPr>
+          <a:xfrm rot="19464413">
+            <a:off x="2971800" y="4114800"/>
+            <a:ext cx="914400" cy="914400"/>
+          </a:xfrm>
+          <a:prstGeom prst="rect">
+            <a:avLst/>
+          </a:prstGeom>
+        </p:spPr>
+      </p:pic>
+      <p:grpSp>
+        <p:nvGrpSpPr>
+          <p:cNvPr id="26" name="Group 25">
+            <a:extLst>
+              <a:ext uri="{FF2B5EF4-FFF2-40B4-BE49-F238E27FC236}">
+                <a16:creationId xmlns:a16="http://schemas.microsoft.com/office/drawing/2014/main" id="{76D96FF5-0E8F-4F7E-9425-B184ECB10BB0}"/>
+              </a:ext>
+            </a:extLst>
+          </p:cNvPr>
+          <p:cNvGrpSpPr/>
+          <p:nvPr/>
+        </p:nvGrpSpPr>
+        <p:grpSpPr>
+          <a:xfrm>
+            <a:off x="2465294" y="8122024"/>
+            <a:ext cx="677957" cy="793499"/>
+            <a:chOff x="2457451" y="8250142"/>
+            <a:chExt cx="571500" cy="571500"/>
+          </a:xfrm>
+        </p:grpSpPr>
+        <p:sp>
+          <p:nvSpPr>
+            <p:cNvPr id="21" name="Freeform: Shape 20">
+              <a:extLst>
+                <a:ext uri="{FF2B5EF4-FFF2-40B4-BE49-F238E27FC236}">
+                  <a16:creationId xmlns:a16="http://schemas.microsoft.com/office/drawing/2014/main" id="{2931FA03-5D01-4D77-BB55-45E313F9A363}"/>
+                </a:ext>
+              </a:extLst>
+            </p:cNvPr>
+            <p:cNvSpPr/>
+            <p:nvPr/>
+          </p:nvSpPr>
+          <p:spPr>
+            <a:xfrm flipH="1">
+              <a:off x="2876551" y="8250142"/>
+              <a:ext cx="152400" cy="571500"/>
+            </a:xfrm>
+            <a:custGeom>
+              <a:avLst/>
+              <a:gdLst>
+                <a:gd name="connsiteX0" fmla="*/ 152400 w 152400"/>
+                <a:gd name="connsiteY0" fmla="*/ 0 h 571500"/>
+                <a:gd name="connsiteX1" fmla="*/ 0 w 152400"/>
+                <a:gd name="connsiteY1" fmla="*/ 0 h 571500"/>
+                <a:gd name="connsiteX2" fmla="*/ 0 w 152400"/>
+                <a:gd name="connsiteY2" fmla="*/ 571500 h 571500"/>
+                <a:gd name="connsiteX3" fmla="*/ 152400 w 152400"/>
+                <a:gd name="connsiteY3" fmla="*/ 571500 h 571500"/>
+                <a:gd name="connsiteX4" fmla="*/ 133350 w 152400"/>
+                <a:gd name="connsiteY4" fmla="*/ 552450 h 571500"/>
+                <a:gd name="connsiteX5" fmla="*/ 19050 w 152400"/>
+                <a:gd name="connsiteY5" fmla="*/ 552450 h 571500"/>
+                <a:gd name="connsiteX6" fmla="*/ 19050 w 152400"/>
+                <a:gd name="connsiteY6" fmla="*/ 19050 h 571500"/>
+                <a:gd name="connsiteX7" fmla="*/ 133350 w 152400"/>
+                <a:gd name="connsiteY7" fmla="*/ 19050 h 571500"/>
+              </a:gdLst>
+              <a:ahLst/>
+              <a:cxnLst>
+                <a:cxn ang="0">
+                  <a:pos x="connsiteX0" y="connsiteY0"/>
+                </a:cxn>
+                <a:cxn ang="0">
+                  <a:pos x="connsiteX1" y="connsiteY1"/>
+                </a:cxn>
+                <a:cxn ang="0">
+                  <a:pos x="connsiteX2" y="connsiteY2"/>
+                </a:cxn>
+                <a:cxn ang="0">
+                  <a:pos x="connsiteX3" y="connsiteY3"/>
+                </a:cxn>
+                <a:cxn ang="0">
+                  <a:pos x="connsiteX4" y="connsiteY4"/>
+                </a:cxn>
+                <a:cxn ang="0">
+                  <a:pos x="connsiteX5" y="connsiteY5"/>
+                </a:cxn>
+                <a:cxn ang="0">
+                  <a:pos x="connsiteX6" y="connsiteY6"/>
+                </a:cxn>
+                <a:cxn ang="0">
+                  <a:pos x="connsiteX7" y="connsiteY7"/>
+                </a:cxn>
+              </a:cxnLst>
+              <a:rect l="l" t="t" r="r" b="b"/>
+              <a:pathLst>
+                <a:path w="152400" h="571500">
+                  <a:moveTo>
+                    <a:pt x="152400" y="0"/>
+                  </a:moveTo>
+                  <a:lnTo>
+                    <a:pt x="0" y="0"/>
+                  </a:lnTo>
+                  <a:lnTo>
+                    <a:pt x="0" y="571500"/>
+                  </a:lnTo>
+                  <a:lnTo>
+                    <a:pt x="152400" y="571500"/>
+                  </a:lnTo>
+                  <a:close/>
+                  <a:moveTo>
+                    <a:pt x="133350" y="552450"/>
+                  </a:moveTo>
+                  <a:lnTo>
+                    <a:pt x="19050" y="552450"/>
+                  </a:lnTo>
+                  <a:lnTo>
+                    <a:pt x="19050" y="19050"/>
+                  </a:lnTo>
+                  <a:lnTo>
+                    <a:pt x="133350" y="19050"/>
+                  </a:lnTo>
+                  <a:close/>
+                </a:path>
+              </a:pathLst>
+            </a:custGeom>
+            <a:solidFill>
+              <a:srgbClr val="000000"/>
+            </a:solidFill>
+            <a:ln w="9525" cap="flat">
+              <a:noFill/>
+              <a:prstDash val="solid"/>
+              <a:miter/>
+            </a:ln>
+          </p:spPr>
+          <p:txBody>
+            <a:bodyPr rtlCol="0" anchor="ctr"/>
+            <a:lstStyle/>
+            <a:p>
+              <a:endParaRPr lang="en-US"/>
+            </a:p>
+          </p:txBody>
+        </p:sp>
+        <p:sp>
+          <p:nvSpPr>
+            <p:cNvPr id="22" name="Freeform: Shape 21">
+              <a:extLst>
+                <a:ext uri="{FF2B5EF4-FFF2-40B4-BE49-F238E27FC236}">
+                  <a16:creationId xmlns:a16="http://schemas.microsoft.com/office/drawing/2014/main" id="{C0AFD9CD-2CAB-4676-80E0-BD2E2B90C501}"/>
+                </a:ext>
+              </a:extLst>
+            </p:cNvPr>
+            <p:cNvSpPr/>
+            <p:nvPr/>
+          </p:nvSpPr>
+          <p:spPr>
+            <a:xfrm flipH="1">
+              <a:off x="2667001" y="8459692"/>
+              <a:ext cx="152400" cy="361950"/>
+            </a:xfrm>
+            <a:custGeom>
+              <a:avLst/>
+              <a:gdLst>
+                <a:gd name="connsiteX0" fmla="*/ 152400 w 152400"/>
+                <a:gd name="connsiteY0" fmla="*/ 0 h 361950"/>
+                <a:gd name="connsiteX1" fmla="*/ 0 w 152400"/>
+                <a:gd name="connsiteY1" fmla="*/ 0 h 361950"/>
+                <a:gd name="connsiteX2" fmla="*/ 0 w 152400"/>
+                <a:gd name="connsiteY2" fmla="*/ 361950 h 361950"/>
+                <a:gd name="connsiteX3" fmla="*/ 152400 w 152400"/>
+                <a:gd name="connsiteY3" fmla="*/ 361950 h 361950"/>
+                <a:gd name="connsiteX4" fmla="*/ 133350 w 152400"/>
+                <a:gd name="connsiteY4" fmla="*/ 342900 h 361950"/>
+                <a:gd name="connsiteX5" fmla="*/ 19050 w 152400"/>
+                <a:gd name="connsiteY5" fmla="*/ 342900 h 361950"/>
+                <a:gd name="connsiteX6" fmla="*/ 19050 w 152400"/>
+                <a:gd name="connsiteY6" fmla="*/ 19050 h 361950"/>
+                <a:gd name="connsiteX7" fmla="*/ 133350 w 152400"/>
+                <a:gd name="connsiteY7" fmla="*/ 19050 h 361950"/>
+              </a:gdLst>
+              <a:ahLst/>
+              <a:cxnLst>
+                <a:cxn ang="0">
+                  <a:pos x="connsiteX0" y="connsiteY0"/>
+                </a:cxn>
+                <a:cxn ang="0">
+                  <a:pos x="connsiteX1" y="connsiteY1"/>
+                </a:cxn>
+                <a:cxn ang="0">
+                  <a:pos x="connsiteX2" y="connsiteY2"/>
+                </a:cxn>
+                <a:cxn ang="0">
+                  <a:pos x="connsiteX3" y="connsiteY3"/>
+                </a:cxn>
+                <a:cxn ang="0">
+                  <a:pos x="connsiteX4" y="connsiteY4"/>
+                </a:cxn>
+                <a:cxn ang="0">
+                  <a:pos x="connsiteX5" y="connsiteY5"/>
+                </a:cxn>
+                <a:cxn ang="0">
+                  <a:pos x="connsiteX6" y="connsiteY6"/>
+                </a:cxn>
+                <a:cxn ang="0">
+                  <a:pos x="connsiteX7" y="connsiteY7"/>
+                </a:cxn>
+              </a:cxnLst>
+              <a:rect l="l" t="t" r="r" b="b"/>
+              <a:pathLst>
+                <a:path w="152400" h="361950">
+                  <a:moveTo>
+                    <a:pt x="152400" y="0"/>
+                  </a:moveTo>
+                  <a:lnTo>
+                    <a:pt x="0" y="0"/>
+                  </a:lnTo>
+                  <a:lnTo>
+                    <a:pt x="0" y="361950"/>
+                  </a:lnTo>
+                  <a:lnTo>
+                    <a:pt x="152400" y="361950"/>
+                  </a:lnTo>
+                  <a:close/>
+                  <a:moveTo>
+                    <a:pt x="133350" y="342900"/>
+                  </a:moveTo>
+                  <a:lnTo>
+                    <a:pt x="19050" y="342900"/>
+                  </a:lnTo>
+                  <a:lnTo>
+                    <a:pt x="19050" y="19050"/>
+                  </a:lnTo>
+                  <a:lnTo>
+                    <a:pt x="133350" y="19050"/>
+                  </a:lnTo>
+                  <a:close/>
+                </a:path>
+              </a:pathLst>
+            </a:custGeom>
+            <a:solidFill>
+              <a:srgbClr val="000000"/>
+            </a:solidFill>
+            <a:ln w="9525" cap="flat">
+              <a:noFill/>
+              <a:prstDash val="solid"/>
+              <a:miter/>
+            </a:ln>
+          </p:spPr>
+          <p:txBody>
+            <a:bodyPr rtlCol="0" anchor="ctr"/>
+            <a:lstStyle/>
+            <a:p>
+              <a:endParaRPr lang="en-US"/>
+            </a:p>
+          </p:txBody>
+        </p:sp>
+        <p:sp>
+          <p:nvSpPr>
+            <p:cNvPr id="23" name="Freeform: Shape 22">
+              <a:extLst>
+                <a:ext uri="{FF2B5EF4-FFF2-40B4-BE49-F238E27FC236}">
+                  <a16:creationId xmlns:a16="http://schemas.microsoft.com/office/drawing/2014/main" id="{7E6B89D8-2383-4C06-A5A4-7CD630E91F5C}"/>
+                </a:ext>
+              </a:extLst>
+            </p:cNvPr>
+            <p:cNvSpPr/>
+            <p:nvPr/>
+          </p:nvSpPr>
+          <p:spPr>
+            <a:xfrm flipH="1">
+              <a:off x="2457451" y="8631142"/>
+              <a:ext cx="152400" cy="190500"/>
+            </a:xfrm>
+            <a:custGeom>
+              <a:avLst/>
+              <a:gdLst>
+                <a:gd name="connsiteX0" fmla="*/ 0 w 152400"/>
+                <a:gd name="connsiteY0" fmla="*/ 190500 h 190500"/>
+                <a:gd name="connsiteX1" fmla="*/ 152400 w 152400"/>
+                <a:gd name="connsiteY1" fmla="*/ 190500 h 190500"/>
+                <a:gd name="connsiteX2" fmla="*/ 152400 w 152400"/>
+                <a:gd name="connsiteY2" fmla="*/ 0 h 190500"/>
+                <a:gd name="connsiteX3" fmla="*/ 0 w 152400"/>
+                <a:gd name="connsiteY3" fmla="*/ 0 h 190500"/>
+                <a:gd name="connsiteX4" fmla="*/ 19050 w 152400"/>
+                <a:gd name="connsiteY4" fmla="*/ 19050 h 190500"/>
+                <a:gd name="connsiteX5" fmla="*/ 133350 w 152400"/>
+                <a:gd name="connsiteY5" fmla="*/ 19050 h 190500"/>
+                <a:gd name="connsiteX6" fmla="*/ 133350 w 152400"/>
+                <a:gd name="connsiteY6" fmla="*/ 171450 h 190500"/>
+                <a:gd name="connsiteX7" fmla="*/ 19050 w 152400"/>
+                <a:gd name="connsiteY7" fmla="*/ 171450 h 190500"/>
+              </a:gdLst>
+              <a:ahLst/>
+              <a:cxnLst>
+                <a:cxn ang="0">
+                  <a:pos x="connsiteX0" y="connsiteY0"/>
+                </a:cxn>
+                <a:cxn ang="0">
+                  <a:pos x="connsiteX1" y="connsiteY1"/>
+                </a:cxn>
+                <a:cxn ang="0">
+                  <a:pos x="connsiteX2" y="connsiteY2"/>
+                </a:cxn>
+                <a:cxn ang="0">
+                  <a:pos x="connsiteX3" y="connsiteY3"/>
+                </a:cxn>
+                <a:cxn ang="0">
+                  <a:pos x="connsiteX4" y="connsiteY4"/>
+                </a:cxn>
+                <a:cxn ang="0">
+                  <a:pos x="connsiteX5" y="connsiteY5"/>
+                </a:cxn>
+                <a:cxn ang="0">
+                  <a:pos x="connsiteX6" y="connsiteY6"/>
+                </a:cxn>
+                <a:cxn ang="0">
+                  <a:pos x="connsiteX7" y="connsiteY7"/>
+                </a:cxn>
+              </a:cxnLst>
+              <a:rect l="l" t="t" r="r" b="b"/>
+              <a:pathLst>
+                <a:path w="152400" h="190500">
+                  <a:moveTo>
+                    <a:pt x="0" y="190500"/>
+                  </a:moveTo>
+                  <a:lnTo>
+                    <a:pt x="152400" y="190500"/>
+                  </a:lnTo>
+                  <a:lnTo>
+                    <a:pt x="152400" y="0"/>
+                  </a:lnTo>
+                  <a:lnTo>
+                    <a:pt x="0" y="0"/>
+                  </a:lnTo>
+                  <a:close/>
+                  <a:moveTo>
+                    <a:pt x="19050" y="19050"/>
+                  </a:moveTo>
+                  <a:lnTo>
+                    <a:pt x="133350" y="19050"/>
+                  </a:lnTo>
+                  <a:lnTo>
+                    <a:pt x="133350" y="171450"/>
+                  </a:lnTo>
+                  <a:lnTo>
+                    <a:pt x="19050" y="171450"/>
+                  </a:lnTo>
+                  <a:close/>
+                </a:path>
+              </a:pathLst>
+            </a:custGeom>
+            <a:solidFill>
+              <a:srgbClr val="000000"/>
+            </a:solidFill>
+            <a:ln w="9525" cap="flat">
+              <a:noFill/>
+              <a:prstDash val="solid"/>
+              <a:miter/>
+            </a:ln>
+          </p:spPr>
+          <p:txBody>
+            <a:bodyPr rtlCol="0" anchor="ctr"/>
+            <a:lstStyle/>
+            <a:p>
+              <a:endParaRPr lang="en-US"/>
+            </a:p>
+          </p:txBody>
+        </p:sp>
+        <p:sp>
+          <p:nvSpPr>
+            <p:cNvPr id="24" name="Freeform: Shape 23">
+              <a:extLst>
+                <a:ext uri="{FF2B5EF4-FFF2-40B4-BE49-F238E27FC236}">
+                  <a16:creationId xmlns:a16="http://schemas.microsoft.com/office/drawing/2014/main" id="{FE67F3E8-B6A8-4321-81FA-C4AC0C638C91}"/>
+                </a:ext>
+              </a:extLst>
+            </p:cNvPr>
+            <p:cNvSpPr/>
+            <p:nvPr/>
+          </p:nvSpPr>
+          <p:spPr>
+            <a:xfrm rot="10800000" flipH="1">
+              <a:off x="2457452" y="8252932"/>
+              <a:ext cx="311562" cy="311534"/>
+            </a:xfrm>
+            <a:custGeom>
+              <a:avLst/>
+              <a:gdLst>
+                <a:gd name="connsiteX0" fmla="*/ 292513 w 311562"/>
+                <a:gd name="connsiteY0" fmla="*/ 187709 h 311534"/>
+                <a:gd name="connsiteX1" fmla="*/ 292513 w 311562"/>
+                <a:gd name="connsiteY1" fmla="*/ 278816 h 311534"/>
+                <a:gd name="connsiteX2" fmla="*/ 292417 w 311562"/>
+                <a:gd name="connsiteY2" fmla="*/ 278910 h 311534"/>
+                <a:gd name="connsiteX3" fmla="*/ 292351 w 311562"/>
+                <a:gd name="connsiteY3" fmla="*/ 278882 h 311534"/>
+                <a:gd name="connsiteX4" fmla="*/ 13430 w 311562"/>
+                <a:gd name="connsiteY4" fmla="*/ 0 h 311534"/>
+                <a:gd name="connsiteX5" fmla="*/ 0 w 311562"/>
+                <a:gd name="connsiteY5" fmla="*/ 13468 h 311534"/>
+                <a:gd name="connsiteX6" fmla="*/ 278854 w 311562"/>
+                <a:gd name="connsiteY6" fmla="*/ 292322 h 311534"/>
+                <a:gd name="connsiteX7" fmla="*/ 278853 w 311562"/>
+                <a:gd name="connsiteY7" fmla="*/ 292457 h 311534"/>
+                <a:gd name="connsiteX8" fmla="*/ 278787 w 311562"/>
+                <a:gd name="connsiteY8" fmla="*/ 292484 h 311534"/>
+                <a:gd name="connsiteX9" fmla="*/ 187995 w 311562"/>
+                <a:gd name="connsiteY9" fmla="*/ 292484 h 311534"/>
+                <a:gd name="connsiteX10" fmla="*/ 187995 w 311562"/>
+                <a:gd name="connsiteY10" fmla="*/ 311534 h 311534"/>
+                <a:gd name="connsiteX11" fmla="*/ 311563 w 311562"/>
+                <a:gd name="connsiteY11" fmla="*/ 311534 h 311534"/>
+                <a:gd name="connsiteX12" fmla="*/ 311563 w 311562"/>
+                <a:gd name="connsiteY12" fmla="*/ 187709 h 311534"/>
+              </a:gdLst>
+              <a:ahLst/>
+              <a:cxnLst>
+                <a:cxn ang="0">
+                  <a:pos x="connsiteX0" y="connsiteY0"/>
+                </a:cxn>
+                <a:cxn ang="0">
+                  <a:pos x="connsiteX1" y="connsiteY1"/>
+                </a:cxn>
+                <a:cxn ang="0">
+                  <a:pos x="connsiteX2" y="connsiteY2"/>
+                </a:cxn>
+                <a:cxn ang="0">
+                  <a:pos x="connsiteX3" y="connsiteY3"/>
+                </a:cxn>
+                <a:cxn ang="0">
+                  <a:pos x="connsiteX4" y="connsiteY4"/>
+                </a:cxn>
+                <a:cxn ang="0">
+                  <a:pos x="connsiteX5" y="connsiteY5"/>
+                </a:cxn>
+                <a:cxn ang="0">
+                  <a:pos x="connsiteX6" y="connsiteY6"/>
+                </a:cxn>
+                <a:cxn ang="0">
+                  <a:pos x="connsiteX7" y="connsiteY7"/>
+                </a:cxn>
+                <a:cxn ang="0">
+                  <a:pos x="connsiteX8" y="connsiteY8"/>
+                </a:cxn>
+                <a:cxn ang="0">
+                  <a:pos x="connsiteX9" y="connsiteY9"/>
+                </a:cxn>
+                <a:cxn ang="0">
+                  <a:pos x="connsiteX10" y="connsiteY10"/>
+                </a:cxn>
+                <a:cxn ang="0">
+                  <a:pos x="connsiteX11" y="connsiteY11"/>
+                </a:cxn>
+                <a:cxn ang="0">
+                  <a:pos x="connsiteX12" y="connsiteY12"/>
+                </a:cxn>
+              </a:cxnLst>
+              <a:rect l="l" t="t" r="r" b="b"/>
+              <a:pathLst>
+                <a:path w="311562" h="311534">
+                  <a:moveTo>
+                    <a:pt x="292513" y="187709"/>
+                  </a:moveTo>
+                  <a:lnTo>
+                    <a:pt x="292513" y="278816"/>
+                  </a:lnTo>
+                  <a:cubicBezTo>
+                    <a:pt x="292512" y="278868"/>
+                    <a:pt x="292469" y="278910"/>
+                    <a:pt x="292417" y="278910"/>
+                  </a:cubicBezTo>
+                  <a:cubicBezTo>
+                    <a:pt x="292392" y="278909"/>
+                    <a:pt x="292368" y="278900"/>
+                    <a:pt x="292351" y="278882"/>
+                  </a:cubicBezTo>
+                  <a:lnTo>
+                    <a:pt x="13430" y="0"/>
+                  </a:lnTo>
+                  <a:lnTo>
+                    <a:pt x="0" y="13468"/>
+                  </a:lnTo>
+                  <a:lnTo>
+                    <a:pt x="278854" y="292322"/>
+                  </a:lnTo>
+                  <a:cubicBezTo>
+                    <a:pt x="278891" y="292359"/>
+                    <a:pt x="278890" y="292420"/>
+                    <a:pt x="278853" y="292457"/>
+                  </a:cubicBezTo>
+                  <a:cubicBezTo>
+                    <a:pt x="278835" y="292474"/>
+                    <a:pt x="278812" y="292484"/>
+                    <a:pt x="278787" y="292484"/>
+                  </a:cubicBezTo>
+                  <a:lnTo>
+                    <a:pt x="187995" y="292484"/>
+                  </a:lnTo>
+                  <a:lnTo>
+                    <a:pt x="187995" y="311534"/>
+                  </a:lnTo>
+                  <a:lnTo>
+                    <a:pt x="311563" y="311534"/>
+                  </a:lnTo>
+                  <a:lnTo>
+                    <a:pt x="311563" y="187709"/>
+                  </a:lnTo>
+                  <a:close/>
+                </a:path>
+              </a:pathLst>
+            </a:custGeom>
+            <a:solidFill>
+              <a:srgbClr val="000000"/>
+            </a:solidFill>
+            <a:ln w="9525" cap="flat">
+              <a:noFill/>
+              <a:prstDash val="solid"/>
+              <a:miter/>
+            </a:ln>
+          </p:spPr>
+          <p:txBody>
+            <a:bodyPr rtlCol="0" anchor="ctr"/>
+            <a:lstStyle/>
+            <a:p>
+              <a:endParaRPr lang="en-US"/>
+            </a:p>
+          </p:txBody>
+        </p:sp>
+      </p:grpSp>
     </p:spTree>
     <p:extLst>
       <p:ext uri="{BB962C8B-B14F-4D97-AF65-F5344CB8AC3E}">
         <p14:creationId xmlns:p14="http://schemas.microsoft.com/office/powerpoint/2010/main" val="1146796089"/>
+      </p:ext>
+    </p:extLst>
+  </p:cSld>
+  <p:clrMapOvr>
+    <a:masterClrMapping/>
+  </p:clrMapOvr>
+</p:sld>
+</file>
+
+<file path=ppt/slides/slide25.xml><?xml version="1.0" encoding="utf-8"?>
+<p:sld xmlns:a="http://schemas.openxmlformats.org/drawingml/2006/main" xmlns:r="http://schemas.openxmlformats.org/officeDocument/2006/relationships" xmlns:p="http://schemas.openxmlformats.org/presentationml/2006/main">
+  <p:cSld>
+    <p:spTree>
+      <p:nvGrpSpPr>
+        <p:cNvPr id="1" name=""/>
+        <p:cNvGrpSpPr/>
+        <p:nvPr/>
+      </p:nvGrpSpPr>
+      <p:grpSpPr>
+        <a:xfrm>
+          <a:off x="0" y="0"/>
+          <a:ext cx="0" cy="0"/>
+          <a:chOff x="0" y="0"/>
+          <a:chExt cx="0" cy="0"/>
+        </a:xfrm>
+      </p:grpSpPr>
+      <p:pic>
+        <p:nvPicPr>
+          <p:cNvPr id="3074" name="Picture 2" descr="Pole Dance Outline @ Outline.pics">
+            <a:extLst>
+              <a:ext uri="{FF2B5EF4-FFF2-40B4-BE49-F238E27FC236}">
+                <a16:creationId xmlns:a16="http://schemas.microsoft.com/office/drawing/2014/main" id="{3EDBB175-81B6-451C-A2BE-BFD41BC4AC39}"/>
+              </a:ext>
+            </a:extLst>
+          </p:cNvPr>
+          <p:cNvPicPr>
+            <a:picLocks noChangeAspect="1" noChangeArrowheads="1"/>
+          </p:cNvPicPr>
+          <p:nvPr/>
+        </p:nvPicPr>
+        <p:blipFill rotWithShape="1">
+          <a:blip r:embed="rId2">
+            <a:extLst>
+              <a:ext uri="{BEBA8EAE-BF5A-486C-A8C5-ECC9F3942E4B}">
+                <a14:imgProps xmlns:a14="http://schemas.microsoft.com/office/drawing/2010/main">
+                  <a14:imgLayer r:embed="rId3">
+                    <a14:imgEffect>
+                      <a14:saturation sat="400000"/>
+                    </a14:imgEffect>
+                  </a14:imgLayer>
+                </a14:imgProps>
+              </a:ext>
+              <a:ext uri="{28A0092B-C50C-407E-A947-70E740481C1C}">
+                <a14:useLocalDpi xmlns:a14="http://schemas.microsoft.com/office/drawing/2010/main" val="0"/>
+              </a:ext>
+            </a:extLst>
+          </a:blip>
+          <a:srcRect l="27717" r="22329"/>
+          <a:stretch/>
+        </p:blipFill>
+        <p:spPr bwMode="auto">
+          <a:xfrm flipH="1">
+            <a:off x="1302325" y="1514728"/>
+            <a:ext cx="5329625" cy="5949447"/>
+          </a:xfrm>
+          <a:prstGeom prst="rect">
+            <a:avLst/>
+          </a:prstGeom>
+          <a:noFill/>
+          <a:extLst>
+            <a:ext uri="{909E8E84-426E-40DD-AFC4-6F175D3DCCD1}">
+              <a14:hiddenFill xmlns:a14="http://schemas.microsoft.com/office/drawing/2010/main">
+                <a:solidFill>
+                  <a:srgbClr val="FFFFFF"/>
+                </a:solidFill>
+              </a14:hiddenFill>
+            </a:ext>
+          </a:extLst>
+        </p:spPr>
+      </p:pic>
+      <p:sp>
+        <p:nvSpPr>
+          <p:cNvPr id="2" name="Rectangle 1">
+            <a:extLst>
+              <a:ext uri="{FF2B5EF4-FFF2-40B4-BE49-F238E27FC236}">
+                <a16:creationId xmlns:a16="http://schemas.microsoft.com/office/drawing/2014/main" id="{8BDEB0DC-EADE-4E63-A5E5-EEC0FB063178}"/>
+              </a:ext>
+            </a:extLst>
+          </p:cNvPr>
+          <p:cNvSpPr/>
+          <p:nvPr/>
+        </p:nvSpPr>
+        <p:spPr>
+          <a:xfrm>
+            <a:off x="2492678" y="-54260"/>
+            <a:ext cx="4507324" cy="830997"/>
+          </a:xfrm>
+          <a:prstGeom prst="rect">
+            <a:avLst/>
+          </a:prstGeom>
+          <a:noFill/>
+        </p:spPr>
+        <p:txBody>
+          <a:bodyPr wrap="square" lIns="91440" tIns="45720" rIns="91440" bIns="45720">
+            <a:spAutoFit/>
+          </a:bodyPr>
+          <a:lstStyle/>
+          <a:p>
+            <a:pPr algn="ctr"/>
+            <a:r>
+              <a:rPr lang="en-US" sz="4800" b="1" dirty="0">
+                <a:ln w="10160">
+                  <a:solidFill>
+                    <a:schemeClr val="tx1"/>
+                  </a:solidFill>
+                  <a:prstDash val="solid"/>
+                </a:ln>
+                <a:solidFill>
+                  <a:srgbClr val="FFFFFF"/>
+                </a:solidFill>
+                <a:effectLst>
+                  <a:outerShdw blurRad="38100" dist="22860" dir="5400000" algn="tl" rotWithShape="0">
+                    <a:srgbClr val="000000">
+                      <a:alpha val="30000"/>
+                    </a:srgbClr>
+                  </a:outerShdw>
+                </a:effectLst>
+                <a:latin typeface="Arial" panose="020B0604020202020204" pitchFamily="34" charset="0"/>
+                <a:cs typeface="Arial" panose="020B0604020202020204" pitchFamily="34" charset="0"/>
+              </a:rPr>
+              <a:t>Week of 12/20</a:t>
+            </a:r>
+          </a:p>
+        </p:txBody>
+      </p:sp>
+      <p:graphicFrame>
+        <p:nvGraphicFramePr>
+          <p:cNvPr id="5" name="Table 3">
+            <a:extLst>
+              <a:ext uri="{FF2B5EF4-FFF2-40B4-BE49-F238E27FC236}">
+                <a16:creationId xmlns:a16="http://schemas.microsoft.com/office/drawing/2014/main" id="{5AB9EF6A-1F09-4628-A3AF-C634266A2726}"/>
+              </a:ext>
+            </a:extLst>
+          </p:cNvPr>
+          <p:cNvGraphicFramePr>
+            <a:graphicFrameLocks noGrp="1"/>
+          </p:cNvGraphicFramePr>
+          <p:nvPr>
+            <p:extLst>
+              <p:ext uri="{D42A27DB-BD31-4B8C-83A1-F6EECF244321}">
+                <p14:modId xmlns:p14="http://schemas.microsoft.com/office/powerpoint/2010/main" val="1541991799"/>
+              </p:ext>
+            </p:extLst>
+          </p:nvPr>
+        </p:nvGraphicFramePr>
+        <p:xfrm>
+          <a:off x="18753" y="4406204"/>
+          <a:ext cx="3330039" cy="2567962"/>
+        </p:xfrm>
+        <a:graphic>
+          <a:graphicData uri="http://schemas.openxmlformats.org/drawingml/2006/table">
+            <a:tbl>
+              <a:tblPr firstRow="1" bandRow="1">
+                <a:tableStyleId>{5940675A-B579-460E-94D1-54222C63F5DA}</a:tableStyleId>
+              </a:tblPr>
+              <a:tblGrid>
+                <a:gridCol w="3330039">
+                  <a:extLst>
+                    <a:ext uri="{9D8B030D-6E8A-4147-A177-3AD203B41FA5}">
+                      <a16:colId xmlns:a16="http://schemas.microsoft.com/office/drawing/2014/main" val="3049627730"/>
+                    </a:ext>
+                  </a:extLst>
+                </a:gridCol>
+              </a:tblGrid>
+              <a:tr h="425844">
+                <a:tc>
+                  <a:txBody>
+                    <a:bodyPr/>
+                    <a:lstStyle/>
+                    <a:p>
+                      <a:r>
+                        <a:rPr lang="en-US" sz="1600" dirty="0">
+                          <a:latin typeface="Bradley Hand ITC" panose="03070402050302030203" pitchFamily="66" charset="0"/>
+                        </a:rPr>
+                        <a:t>Other</a:t>
+                      </a:r>
+                    </a:p>
+                  </a:txBody>
+                  <a:tcPr anchor="ctr"/>
+                </a:tc>
+                <a:extLst>
+                  <a:ext uri="{0D108BD9-81ED-4DB2-BD59-A6C34878D82A}">
+                    <a16:rowId xmlns:a16="http://schemas.microsoft.com/office/drawing/2014/main" val="2909284891"/>
+                  </a:ext>
+                </a:extLst>
+              </a:tr>
+              <a:tr h="2142118">
+                <a:tc>
+                  <a:txBody>
+                    <a:bodyPr/>
+                    <a:lstStyle/>
+                    <a:p>
+                      <a:endParaRPr lang="en-US" dirty="0"/>
+                    </a:p>
+                  </a:txBody>
+                  <a:tcPr/>
+                </a:tc>
+                <a:extLst>
+                  <a:ext uri="{0D108BD9-81ED-4DB2-BD59-A6C34878D82A}">
+                    <a16:rowId xmlns:a16="http://schemas.microsoft.com/office/drawing/2014/main" val="3125854369"/>
+                  </a:ext>
+                </a:extLst>
+              </a:tr>
+            </a:tbl>
+          </a:graphicData>
+        </a:graphic>
+      </p:graphicFrame>
+      <p:graphicFrame>
+        <p:nvGraphicFramePr>
+          <p:cNvPr id="6" name="Table 3">
+            <a:extLst>
+              <a:ext uri="{FF2B5EF4-FFF2-40B4-BE49-F238E27FC236}">
+                <a16:creationId xmlns:a16="http://schemas.microsoft.com/office/drawing/2014/main" id="{3C19E9FA-A98A-4B1B-9418-AB0A3CB95519}"/>
+              </a:ext>
+            </a:extLst>
+          </p:cNvPr>
+          <p:cNvGraphicFramePr>
+            <a:graphicFrameLocks noGrp="1"/>
+          </p:cNvGraphicFramePr>
+          <p:nvPr>
+            <p:extLst>
+              <p:ext uri="{D42A27DB-BD31-4B8C-83A1-F6EECF244321}">
+                <p14:modId xmlns:p14="http://schemas.microsoft.com/office/powerpoint/2010/main" val="3950332432"/>
+              </p:ext>
+            </p:extLst>
+          </p:nvPr>
+        </p:nvGraphicFramePr>
+        <p:xfrm>
+          <a:off x="3509208" y="1514728"/>
+          <a:ext cx="3330039" cy="1694806"/>
+        </p:xfrm>
+        <a:graphic>
+          <a:graphicData uri="http://schemas.openxmlformats.org/drawingml/2006/table">
+            <a:tbl>
+              <a:tblPr firstRow="1" bandRow="1">
+                <a:tableStyleId>{5940675A-B579-460E-94D1-54222C63F5DA}</a:tableStyleId>
+              </a:tblPr>
+              <a:tblGrid>
+                <a:gridCol w="3330039">
+                  <a:extLst>
+                    <a:ext uri="{9D8B030D-6E8A-4147-A177-3AD203B41FA5}">
+                      <a16:colId xmlns:a16="http://schemas.microsoft.com/office/drawing/2014/main" val="3049627730"/>
+                    </a:ext>
+                  </a:extLst>
+                </a:gridCol>
+              </a:tblGrid>
+              <a:tr h="445340">
+                <a:tc>
+                  <a:txBody>
+                    <a:bodyPr/>
+                    <a:lstStyle/>
+                    <a:p>
+                      <a:r>
+                        <a:rPr lang="en-US" sz="1600" dirty="0">
+                          <a:latin typeface="Bradley Hand ITC" panose="03070402050302030203" pitchFamily="66" charset="0"/>
+                        </a:rPr>
+                        <a:t>Entertainment</a:t>
+                      </a:r>
+                    </a:p>
+                  </a:txBody>
+                  <a:tcPr anchor="ctr"/>
+                </a:tc>
+                <a:extLst>
+                  <a:ext uri="{0D108BD9-81ED-4DB2-BD59-A6C34878D82A}">
+                    <a16:rowId xmlns:a16="http://schemas.microsoft.com/office/drawing/2014/main" val="2909284891"/>
+                  </a:ext>
+                </a:extLst>
+              </a:tr>
+              <a:tr h="1249466">
+                <a:tc>
+                  <a:txBody>
+                    <a:bodyPr/>
+                    <a:lstStyle/>
+                    <a:p>
+                      <a:endParaRPr lang="en-US" sz="1600" dirty="0">
+                        <a:latin typeface="Bradley Hand ITC" panose="03070402050302030203" pitchFamily="66" charset="0"/>
+                      </a:endParaRPr>
+                    </a:p>
+                  </a:txBody>
+                  <a:tcPr anchor="ctr"/>
+                </a:tc>
+                <a:extLst>
+                  <a:ext uri="{0D108BD9-81ED-4DB2-BD59-A6C34878D82A}">
+                    <a16:rowId xmlns:a16="http://schemas.microsoft.com/office/drawing/2014/main" val="3125854369"/>
+                  </a:ext>
+                </a:extLst>
+              </a:tr>
+            </a:tbl>
+          </a:graphicData>
+        </a:graphic>
+      </p:graphicFrame>
+      <p:graphicFrame>
+        <p:nvGraphicFramePr>
+          <p:cNvPr id="7" name="Table 3">
+            <a:extLst>
+              <a:ext uri="{FF2B5EF4-FFF2-40B4-BE49-F238E27FC236}">
+                <a16:creationId xmlns:a16="http://schemas.microsoft.com/office/drawing/2014/main" id="{F4D21104-E146-43C6-9414-DBD67F592228}"/>
+              </a:ext>
+            </a:extLst>
+          </p:cNvPr>
+          <p:cNvGraphicFramePr>
+            <a:graphicFrameLocks noGrp="1"/>
+          </p:cNvGraphicFramePr>
+          <p:nvPr>
+            <p:extLst>
+              <p:ext uri="{D42A27DB-BD31-4B8C-83A1-F6EECF244321}">
+                <p14:modId xmlns:p14="http://schemas.microsoft.com/office/powerpoint/2010/main" val="3420888936"/>
+              </p:ext>
+            </p:extLst>
+          </p:nvPr>
+        </p:nvGraphicFramePr>
+        <p:xfrm>
+          <a:off x="3509207" y="3397044"/>
+          <a:ext cx="3330039" cy="1694806"/>
+        </p:xfrm>
+        <a:graphic>
+          <a:graphicData uri="http://schemas.openxmlformats.org/drawingml/2006/table">
+            <a:tbl>
+              <a:tblPr firstRow="1" bandRow="1">
+                <a:tableStyleId>{5940675A-B579-460E-94D1-54222C63F5DA}</a:tableStyleId>
+              </a:tblPr>
+              <a:tblGrid>
+                <a:gridCol w="3330039">
+                  <a:extLst>
+                    <a:ext uri="{9D8B030D-6E8A-4147-A177-3AD203B41FA5}">
+                      <a16:colId xmlns:a16="http://schemas.microsoft.com/office/drawing/2014/main" val="3049627730"/>
+                    </a:ext>
+                  </a:extLst>
+                </a:gridCol>
+              </a:tblGrid>
+              <a:tr h="445340">
+                <a:tc>
+                  <a:txBody>
+                    <a:bodyPr/>
+                    <a:lstStyle/>
+                    <a:p>
+                      <a:r>
+                        <a:rPr lang="en-US" sz="1600" dirty="0">
+                          <a:latin typeface="Bradley Hand ITC" panose="03070402050302030203" pitchFamily="66" charset="0"/>
+                        </a:rPr>
+                        <a:t>Cat Stuff</a:t>
+                      </a:r>
+                    </a:p>
+                  </a:txBody>
+                  <a:tcPr anchor="ctr"/>
+                </a:tc>
+                <a:extLst>
+                  <a:ext uri="{0D108BD9-81ED-4DB2-BD59-A6C34878D82A}">
+                    <a16:rowId xmlns:a16="http://schemas.microsoft.com/office/drawing/2014/main" val="2909284891"/>
+                  </a:ext>
+                </a:extLst>
+              </a:tr>
+              <a:tr h="1249466">
+                <a:tc>
+                  <a:txBody>
+                    <a:bodyPr/>
+                    <a:lstStyle/>
+                    <a:p>
+                      <a:endParaRPr lang="en-US" sz="1600" dirty="0">
+                        <a:latin typeface="Bradley Hand ITC" panose="03070402050302030203" pitchFamily="66" charset="0"/>
+                      </a:endParaRPr>
+                    </a:p>
+                  </a:txBody>
+                  <a:tcPr anchor="ctr"/>
+                </a:tc>
+                <a:extLst>
+                  <a:ext uri="{0D108BD9-81ED-4DB2-BD59-A6C34878D82A}">
+                    <a16:rowId xmlns:a16="http://schemas.microsoft.com/office/drawing/2014/main" val="3125854369"/>
+                  </a:ext>
+                </a:extLst>
+              </a:tr>
+            </a:tbl>
+          </a:graphicData>
+        </a:graphic>
+      </p:graphicFrame>
+      <p:graphicFrame>
+        <p:nvGraphicFramePr>
+          <p:cNvPr id="8" name="Table 3">
+            <a:extLst>
+              <a:ext uri="{FF2B5EF4-FFF2-40B4-BE49-F238E27FC236}">
+                <a16:creationId xmlns:a16="http://schemas.microsoft.com/office/drawing/2014/main" id="{84889DFE-7598-46E3-AFE7-2EF00908C0FF}"/>
+              </a:ext>
+            </a:extLst>
+          </p:cNvPr>
+          <p:cNvGraphicFramePr>
+            <a:graphicFrameLocks noGrp="1"/>
+          </p:cNvGraphicFramePr>
+          <p:nvPr>
+            <p:extLst>
+              <p:ext uri="{D42A27DB-BD31-4B8C-83A1-F6EECF244321}">
+                <p14:modId xmlns:p14="http://schemas.microsoft.com/office/powerpoint/2010/main" val="2854627419"/>
+              </p:ext>
+            </p:extLst>
+          </p:nvPr>
+        </p:nvGraphicFramePr>
+        <p:xfrm>
+          <a:off x="3509207" y="5279360"/>
+          <a:ext cx="3330039" cy="1694806"/>
+        </p:xfrm>
+        <a:graphic>
+          <a:graphicData uri="http://schemas.openxmlformats.org/drawingml/2006/table">
+            <a:tbl>
+              <a:tblPr firstRow="1" bandRow="1">
+                <a:tableStyleId>{5940675A-B579-460E-94D1-54222C63F5DA}</a:tableStyleId>
+              </a:tblPr>
+              <a:tblGrid>
+                <a:gridCol w="3330039">
+                  <a:extLst>
+                    <a:ext uri="{9D8B030D-6E8A-4147-A177-3AD203B41FA5}">
+                      <a16:colId xmlns:a16="http://schemas.microsoft.com/office/drawing/2014/main" val="3049627730"/>
+                    </a:ext>
+                  </a:extLst>
+                </a:gridCol>
+              </a:tblGrid>
+              <a:tr h="445340">
+                <a:tc>
+                  <a:txBody>
+                    <a:bodyPr/>
+                    <a:lstStyle/>
+                    <a:p>
+                      <a:r>
+                        <a:rPr lang="en-US" sz="1600" dirty="0">
+                          <a:latin typeface="Bradley Hand ITC" panose="03070402050302030203" pitchFamily="66" charset="0"/>
+                        </a:rPr>
+                        <a:t>Beauty</a:t>
+                      </a:r>
+                    </a:p>
+                  </a:txBody>
+                  <a:tcPr anchor="ctr"/>
+                </a:tc>
+                <a:extLst>
+                  <a:ext uri="{0D108BD9-81ED-4DB2-BD59-A6C34878D82A}">
+                    <a16:rowId xmlns:a16="http://schemas.microsoft.com/office/drawing/2014/main" val="2909284891"/>
+                  </a:ext>
+                </a:extLst>
+              </a:tr>
+              <a:tr h="1249466">
+                <a:tc>
+                  <a:txBody>
+                    <a:bodyPr/>
+                    <a:lstStyle/>
+                    <a:p>
+                      <a:endParaRPr lang="en-US" sz="1600" dirty="0">
+                        <a:latin typeface="Bradley Hand ITC" panose="03070402050302030203" pitchFamily="66" charset="0"/>
+                      </a:endParaRPr>
+                    </a:p>
+                  </a:txBody>
+                  <a:tcPr anchor="ctr"/>
+                </a:tc>
+                <a:extLst>
+                  <a:ext uri="{0D108BD9-81ED-4DB2-BD59-A6C34878D82A}">
+                    <a16:rowId xmlns:a16="http://schemas.microsoft.com/office/drawing/2014/main" val="3125854369"/>
+                  </a:ext>
+                </a:extLst>
+              </a:tr>
+            </a:tbl>
+          </a:graphicData>
+        </a:graphic>
+      </p:graphicFrame>
+      <p:graphicFrame>
+        <p:nvGraphicFramePr>
+          <p:cNvPr id="9" name="Table 3">
+            <a:extLst>
+              <a:ext uri="{FF2B5EF4-FFF2-40B4-BE49-F238E27FC236}">
+                <a16:creationId xmlns:a16="http://schemas.microsoft.com/office/drawing/2014/main" id="{F7D6FAB1-5E2F-4FC1-9BCE-E7541093372D}"/>
+              </a:ext>
+            </a:extLst>
+          </p:cNvPr>
+          <p:cNvGraphicFramePr>
+            <a:graphicFrameLocks noGrp="1"/>
+          </p:cNvGraphicFramePr>
+          <p:nvPr>
+            <p:extLst>
+              <p:ext uri="{D42A27DB-BD31-4B8C-83A1-F6EECF244321}">
+                <p14:modId xmlns:p14="http://schemas.microsoft.com/office/powerpoint/2010/main" val="3545929331"/>
+              </p:ext>
+            </p:extLst>
+          </p:nvPr>
+        </p:nvGraphicFramePr>
+        <p:xfrm>
+          <a:off x="0" y="7142086"/>
+          <a:ext cx="6839246" cy="1891077"/>
+        </p:xfrm>
+        <a:graphic>
+          <a:graphicData uri="http://schemas.openxmlformats.org/drawingml/2006/table">
+            <a:tbl>
+              <a:tblPr firstRow="1" bandRow="1">
+                <a:tableStyleId>{5940675A-B579-460E-94D1-54222C63F5DA}</a:tableStyleId>
+              </a:tblPr>
+              <a:tblGrid>
+                <a:gridCol w="6839246">
+                  <a:extLst>
+                    <a:ext uri="{9D8B030D-6E8A-4147-A177-3AD203B41FA5}">
+                      <a16:colId xmlns:a16="http://schemas.microsoft.com/office/drawing/2014/main" val="3049627730"/>
+                    </a:ext>
+                  </a:extLst>
+                </a:gridCol>
+              </a:tblGrid>
+              <a:tr h="496914">
+                <a:tc>
+                  <a:txBody>
+                    <a:bodyPr/>
+                    <a:lstStyle/>
+                    <a:p>
+                      <a:r>
+                        <a:rPr lang="en-US" sz="1600" dirty="0">
+                          <a:latin typeface="Bradley Hand ITC" panose="03070402050302030203" pitchFamily="66" charset="0"/>
+                        </a:rPr>
+                        <a:t>Groceries</a:t>
+                      </a:r>
+                    </a:p>
+                  </a:txBody>
+                  <a:tcPr anchor="ctr"/>
+                </a:tc>
+                <a:extLst>
+                  <a:ext uri="{0D108BD9-81ED-4DB2-BD59-A6C34878D82A}">
+                    <a16:rowId xmlns:a16="http://schemas.microsoft.com/office/drawing/2014/main" val="2909284891"/>
+                  </a:ext>
+                </a:extLst>
+              </a:tr>
+              <a:tr h="1394163">
+                <a:tc>
+                  <a:txBody>
+                    <a:bodyPr/>
+                    <a:lstStyle/>
+                    <a:p>
+                      <a:endParaRPr lang="en-US" dirty="0"/>
+                    </a:p>
+                  </a:txBody>
+                  <a:tcPr/>
+                </a:tc>
+                <a:extLst>
+                  <a:ext uri="{0D108BD9-81ED-4DB2-BD59-A6C34878D82A}">
+                    <a16:rowId xmlns:a16="http://schemas.microsoft.com/office/drawing/2014/main" val="3125854369"/>
+                  </a:ext>
+                </a:extLst>
+              </a:tr>
+            </a:tbl>
+          </a:graphicData>
+        </a:graphic>
+      </p:graphicFrame>
+      <p:graphicFrame>
+        <p:nvGraphicFramePr>
+          <p:cNvPr id="4" name="Table 3">
+            <a:extLst>
+              <a:ext uri="{FF2B5EF4-FFF2-40B4-BE49-F238E27FC236}">
+                <a16:creationId xmlns:a16="http://schemas.microsoft.com/office/drawing/2014/main" id="{5CF16F4D-40F9-4BDC-9BB4-6DB67C2E9BC2}"/>
+              </a:ext>
+            </a:extLst>
+          </p:cNvPr>
+          <p:cNvGraphicFramePr>
+            <a:graphicFrameLocks noGrp="1"/>
+          </p:cNvGraphicFramePr>
+          <p:nvPr>
+            <p:extLst>
+              <p:ext uri="{D42A27DB-BD31-4B8C-83A1-F6EECF244321}">
+                <p14:modId xmlns:p14="http://schemas.microsoft.com/office/powerpoint/2010/main" val="572084469"/>
+              </p:ext>
+            </p:extLst>
+          </p:nvPr>
+        </p:nvGraphicFramePr>
+        <p:xfrm>
+          <a:off x="18753" y="1514728"/>
+          <a:ext cx="3330039" cy="2567962"/>
+        </p:xfrm>
+        <a:graphic>
+          <a:graphicData uri="http://schemas.openxmlformats.org/drawingml/2006/table">
+            <a:tbl>
+              <a:tblPr firstRow="1" bandRow="1">
+                <a:tableStyleId>{5940675A-B579-460E-94D1-54222C63F5DA}</a:tableStyleId>
+              </a:tblPr>
+              <a:tblGrid>
+                <a:gridCol w="3330039">
+                  <a:extLst>
+                    <a:ext uri="{9D8B030D-6E8A-4147-A177-3AD203B41FA5}">
+                      <a16:colId xmlns:a16="http://schemas.microsoft.com/office/drawing/2014/main" val="3049627730"/>
+                    </a:ext>
+                  </a:extLst>
+                </a:gridCol>
+              </a:tblGrid>
+              <a:tr h="425844">
+                <a:tc>
+                  <a:txBody>
+                    <a:bodyPr/>
+                    <a:lstStyle/>
+                    <a:p>
+                      <a:r>
+                        <a:rPr lang="en-US" sz="1600" dirty="0">
+                          <a:latin typeface="Bradley Hand ITC" panose="03070402050302030203" pitchFamily="66" charset="0"/>
+                        </a:rPr>
+                        <a:t>Dining Out</a:t>
+                      </a:r>
+                    </a:p>
+                  </a:txBody>
+                  <a:tcPr anchor="ctr"/>
+                </a:tc>
+                <a:extLst>
+                  <a:ext uri="{0D108BD9-81ED-4DB2-BD59-A6C34878D82A}">
+                    <a16:rowId xmlns:a16="http://schemas.microsoft.com/office/drawing/2014/main" val="2909284891"/>
+                  </a:ext>
+                </a:extLst>
+              </a:tr>
+              <a:tr h="2142118">
+                <a:tc>
+                  <a:txBody>
+                    <a:bodyPr/>
+                    <a:lstStyle/>
+                    <a:p>
+                      <a:endParaRPr lang="en-US" sz="1600" dirty="0">
+                        <a:latin typeface="Bradley Hand ITC" panose="03070402050302030203" pitchFamily="66" charset="0"/>
+                      </a:endParaRPr>
+                    </a:p>
+                  </a:txBody>
+                  <a:tcPr/>
+                </a:tc>
+                <a:extLst>
+                  <a:ext uri="{0D108BD9-81ED-4DB2-BD59-A6C34878D82A}">
+                    <a16:rowId xmlns:a16="http://schemas.microsoft.com/office/drawing/2014/main" val="3125854369"/>
+                  </a:ext>
+                </a:extLst>
+              </a:tr>
+            </a:tbl>
+          </a:graphicData>
+        </a:graphic>
+      </p:graphicFrame>
+      <p:graphicFrame>
+        <p:nvGraphicFramePr>
+          <p:cNvPr id="11" name="Table 12">
+            <a:extLst>
+              <a:ext uri="{FF2B5EF4-FFF2-40B4-BE49-F238E27FC236}">
+                <a16:creationId xmlns:a16="http://schemas.microsoft.com/office/drawing/2014/main" id="{84937A84-28F9-4441-830B-868B067746F3}"/>
+              </a:ext>
+            </a:extLst>
+          </p:cNvPr>
+          <p:cNvGraphicFramePr>
+            <a:graphicFrameLocks noGrp="1"/>
+          </p:cNvGraphicFramePr>
+          <p:nvPr>
+            <p:extLst>
+              <p:ext uri="{D42A27DB-BD31-4B8C-83A1-F6EECF244321}">
+                <p14:modId xmlns:p14="http://schemas.microsoft.com/office/powerpoint/2010/main" val="2572923097"/>
+              </p:ext>
+            </p:extLst>
+          </p:nvPr>
+        </p:nvGraphicFramePr>
+        <p:xfrm>
+          <a:off x="99931" y="126724"/>
+          <a:ext cx="1943151" cy="1220070"/>
+        </p:xfrm>
+        <a:graphic>
+          <a:graphicData uri="http://schemas.openxmlformats.org/drawingml/2006/table">
+            <a:tbl>
+              <a:tblPr firstRow="1" bandRow="1">
+                <a:tableStyleId>{5C22544A-7EE6-4342-B048-85BDC9FD1C3A}</a:tableStyleId>
+              </a:tblPr>
+              <a:tblGrid>
+                <a:gridCol w="277593">
+                  <a:extLst>
+                    <a:ext uri="{9D8B030D-6E8A-4147-A177-3AD203B41FA5}">
+                      <a16:colId xmlns:a16="http://schemas.microsoft.com/office/drawing/2014/main" val="2738528116"/>
+                    </a:ext>
+                  </a:extLst>
+                </a:gridCol>
+                <a:gridCol w="277593">
+                  <a:extLst>
+                    <a:ext uri="{9D8B030D-6E8A-4147-A177-3AD203B41FA5}">
+                      <a16:colId xmlns:a16="http://schemas.microsoft.com/office/drawing/2014/main" val="2065245427"/>
+                    </a:ext>
+                  </a:extLst>
+                </a:gridCol>
+                <a:gridCol w="277593">
+                  <a:extLst>
+                    <a:ext uri="{9D8B030D-6E8A-4147-A177-3AD203B41FA5}">
+                      <a16:colId xmlns:a16="http://schemas.microsoft.com/office/drawing/2014/main" val="1783999147"/>
+                    </a:ext>
+                  </a:extLst>
+                </a:gridCol>
+                <a:gridCol w="277593">
+                  <a:extLst>
+                    <a:ext uri="{9D8B030D-6E8A-4147-A177-3AD203B41FA5}">
+                      <a16:colId xmlns:a16="http://schemas.microsoft.com/office/drawing/2014/main" val="3883858860"/>
+                    </a:ext>
+                  </a:extLst>
+                </a:gridCol>
+                <a:gridCol w="277593">
+                  <a:extLst>
+                    <a:ext uri="{9D8B030D-6E8A-4147-A177-3AD203B41FA5}">
+                      <a16:colId xmlns:a16="http://schemas.microsoft.com/office/drawing/2014/main" val="2395704738"/>
+                    </a:ext>
+                  </a:extLst>
+                </a:gridCol>
+                <a:gridCol w="277593">
+                  <a:extLst>
+                    <a:ext uri="{9D8B030D-6E8A-4147-A177-3AD203B41FA5}">
+                      <a16:colId xmlns:a16="http://schemas.microsoft.com/office/drawing/2014/main" val="1337388969"/>
+                    </a:ext>
+                  </a:extLst>
+                </a:gridCol>
+                <a:gridCol w="277593">
+                  <a:extLst>
+                    <a:ext uri="{9D8B030D-6E8A-4147-A177-3AD203B41FA5}">
+                      <a16:colId xmlns:a16="http://schemas.microsoft.com/office/drawing/2014/main" val="2136939679"/>
+                    </a:ext>
+                  </a:extLst>
+                </a:gridCol>
+              </a:tblGrid>
+              <a:tr h="203345">
+                <a:tc>
+                  <a:txBody>
+                    <a:bodyPr/>
+                    <a:lstStyle/>
+                    <a:p>
+                      <a:pPr algn="ctr"/>
+                      <a:r>
+                        <a:rPr lang="en-US" sz="1050" b="1" dirty="0">
+                          <a:solidFill>
+                            <a:schemeClr val="tx1"/>
+                          </a:solidFill>
+                          <a:latin typeface="Consolas" panose="020B0609020204030204" pitchFamily="49" charset="0"/>
+                        </a:rPr>
+                        <a:t>M</a:t>
+                      </a:r>
+                    </a:p>
+                  </a:txBody>
+                  <a:tcPr marL="0" marR="0" marT="0" marB="0" anchor="ctr">
+                    <a:lnL w="12700" cap="flat" cmpd="sng" algn="ctr">
+                      <a:noFill/>
+                      <a:prstDash val="sysDot"/>
+                      <a:round/>
+                      <a:headEnd type="none" w="med" len="med"/>
+                      <a:tailEnd type="none" w="med" len="med"/>
+                    </a:lnL>
+                    <a:lnR w="12700" cap="flat" cmpd="sng" algn="ctr">
+                      <a:noFill/>
+                      <a:prstDash val="sysDot"/>
+                      <a:round/>
+                      <a:headEnd type="none" w="med" len="med"/>
+                      <a:tailEnd type="none" w="med" len="med"/>
+                    </a:lnR>
+                    <a:lnT w="12700" cap="flat" cmpd="sng" algn="ctr">
+                      <a:noFill/>
+                      <a:prstDash val="sysDot"/>
+                      <a:round/>
+                      <a:headEnd type="none" w="med" len="med"/>
+                      <a:tailEnd type="none" w="med" len="med"/>
+                    </a:lnT>
+                    <a:lnB w="12700" cap="flat" cmpd="sng" algn="ctr">
+                      <a:solidFill>
+                        <a:schemeClr val="tx1"/>
+                      </a:solidFill>
+                      <a:prstDash val="solid"/>
+                      <a:round/>
+                      <a:headEnd type="none" w="med" len="med"/>
+                      <a:tailEnd type="none" w="med" len="med"/>
+                    </a:lnB>
+                    <a:lnTlToBr w="12700" cmpd="sng">
+                      <a:noFill/>
+                      <a:prstDash val="solid"/>
+                    </a:lnTlToBr>
+                    <a:lnBlToTr w="12700" cmpd="sng">
+                      <a:noFill/>
+                      <a:prstDash val="solid"/>
+                    </a:lnBlToTr>
+                    <a:noFill/>
+                  </a:tcPr>
+                </a:tc>
+                <a:tc>
+                  <a:txBody>
+                    <a:bodyPr/>
+                    <a:lstStyle/>
+                    <a:p>
+                      <a:pPr algn="ctr"/>
+                      <a:r>
+                        <a:rPr lang="en-US" sz="1050" dirty="0">
+                          <a:solidFill>
+                            <a:schemeClr val="tx1"/>
+                          </a:solidFill>
+                          <a:latin typeface="Consolas" panose="020B0609020204030204" pitchFamily="49" charset="0"/>
+                        </a:rPr>
+                        <a:t>T</a:t>
+                      </a:r>
+                    </a:p>
+                  </a:txBody>
+                  <a:tcPr marL="0" marR="0" marT="0" marB="0" anchor="ctr">
+                    <a:lnL w="12700" cap="flat" cmpd="sng" algn="ctr">
+                      <a:noFill/>
+                      <a:prstDash val="sysDot"/>
+                      <a:round/>
+                      <a:headEnd type="none" w="med" len="med"/>
+                      <a:tailEnd type="none" w="med" len="med"/>
+                    </a:lnL>
+                    <a:lnR w="12700" cap="flat" cmpd="sng" algn="ctr">
+                      <a:noFill/>
+                      <a:prstDash val="sysDot"/>
+                      <a:round/>
+                      <a:headEnd type="none" w="med" len="med"/>
+                      <a:tailEnd type="none" w="med" len="med"/>
+                    </a:lnR>
+                    <a:lnT w="12700" cap="flat" cmpd="sng" algn="ctr">
+                      <a:noFill/>
+                      <a:prstDash val="sysDot"/>
+                      <a:round/>
+                      <a:headEnd type="none" w="med" len="med"/>
+                      <a:tailEnd type="none" w="med" len="med"/>
+                    </a:lnT>
+                    <a:lnB w="12700" cap="flat" cmpd="sng" algn="ctr">
+                      <a:solidFill>
+                        <a:schemeClr val="tx1"/>
+                      </a:solidFill>
+                      <a:prstDash val="solid"/>
+                      <a:round/>
+                      <a:headEnd type="none" w="med" len="med"/>
+                      <a:tailEnd type="none" w="med" len="med"/>
+                    </a:lnB>
+                    <a:lnTlToBr w="12700" cmpd="sng">
+                      <a:noFill/>
+                      <a:prstDash val="solid"/>
+                    </a:lnTlToBr>
+                    <a:lnBlToTr w="12700" cmpd="sng">
+                      <a:noFill/>
+                      <a:prstDash val="solid"/>
+                    </a:lnBlToTr>
+                    <a:noFill/>
+                  </a:tcPr>
+                </a:tc>
+                <a:tc>
+                  <a:txBody>
+                    <a:bodyPr/>
+                    <a:lstStyle/>
+                    <a:p>
+                      <a:pPr algn="ctr"/>
+                      <a:r>
+                        <a:rPr lang="en-US" sz="1050" dirty="0">
+                          <a:solidFill>
+                            <a:schemeClr val="tx1"/>
+                          </a:solidFill>
+                          <a:latin typeface="Consolas" panose="020B0609020204030204" pitchFamily="49" charset="0"/>
+                        </a:rPr>
+                        <a:t>W</a:t>
+                      </a:r>
+                    </a:p>
+                  </a:txBody>
+                  <a:tcPr marL="0" marR="0" marT="0" marB="0" anchor="ctr">
+                    <a:lnL w="12700" cap="flat" cmpd="sng" algn="ctr">
+                      <a:noFill/>
+                      <a:prstDash val="sysDot"/>
+                      <a:round/>
+                      <a:headEnd type="none" w="med" len="med"/>
+                      <a:tailEnd type="none" w="med" len="med"/>
+                    </a:lnL>
+                    <a:lnR w="12700" cap="flat" cmpd="sng" algn="ctr">
+                      <a:noFill/>
+                      <a:prstDash val="sysDot"/>
+                      <a:round/>
+                      <a:headEnd type="none" w="med" len="med"/>
+                      <a:tailEnd type="none" w="med" len="med"/>
+                    </a:lnR>
+                    <a:lnT w="12700" cap="flat" cmpd="sng" algn="ctr">
+                      <a:noFill/>
+                      <a:prstDash val="sysDot"/>
+                      <a:round/>
+                      <a:headEnd type="none" w="med" len="med"/>
+                      <a:tailEnd type="none" w="med" len="med"/>
+                    </a:lnT>
+                    <a:lnB w="12700" cap="flat" cmpd="sng" algn="ctr">
+                      <a:solidFill>
+                        <a:schemeClr val="tx1"/>
+                      </a:solidFill>
+                      <a:prstDash val="solid"/>
+                      <a:round/>
+                      <a:headEnd type="none" w="med" len="med"/>
+                      <a:tailEnd type="none" w="med" len="med"/>
+                    </a:lnB>
+                    <a:lnTlToBr w="12700" cmpd="sng">
+                      <a:noFill/>
+                      <a:prstDash val="solid"/>
+                    </a:lnTlToBr>
+                    <a:lnBlToTr w="12700" cmpd="sng">
+                      <a:noFill/>
+                      <a:prstDash val="solid"/>
+                    </a:lnBlToTr>
+                    <a:noFill/>
+                  </a:tcPr>
+                </a:tc>
+                <a:tc>
+                  <a:txBody>
+                    <a:bodyPr/>
+                    <a:lstStyle/>
+                    <a:p>
+                      <a:pPr algn="ctr"/>
+                      <a:r>
+                        <a:rPr lang="en-US" sz="1050" dirty="0">
+                          <a:solidFill>
+                            <a:schemeClr val="tx1"/>
+                          </a:solidFill>
+                          <a:latin typeface="Consolas" panose="020B0609020204030204" pitchFamily="49" charset="0"/>
+                        </a:rPr>
+                        <a:t>R</a:t>
+                      </a:r>
+                    </a:p>
+                  </a:txBody>
+                  <a:tcPr marL="0" marR="0" marT="0" marB="0" anchor="ctr">
+                    <a:lnL w="12700" cap="flat" cmpd="sng" algn="ctr">
+                      <a:noFill/>
+                      <a:prstDash val="sysDot"/>
+                      <a:round/>
+                      <a:headEnd type="none" w="med" len="med"/>
+                      <a:tailEnd type="none" w="med" len="med"/>
+                    </a:lnL>
+                    <a:lnR w="12700" cap="flat" cmpd="sng" algn="ctr">
+                      <a:noFill/>
+                      <a:prstDash val="sysDot"/>
+                      <a:round/>
+                      <a:headEnd type="none" w="med" len="med"/>
+                      <a:tailEnd type="none" w="med" len="med"/>
+                    </a:lnR>
+                    <a:lnT w="12700" cap="flat" cmpd="sng" algn="ctr">
+                      <a:noFill/>
+                      <a:prstDash val="sysDot"/>
+                      <a:round/>
+                      <a:headEnd type="none" w="med" len="med"/>
+                      <a:tailEnd type="none" w="med" len="med"/>
+                    </a:lnT>
+                    <a:lnB w="12700" cap="flat" cmpd="sng" algn="ctr">
+                      <a:solidFill>
+                        <a:schemeClr val="tx1"/>
+                      </a:solidFill>
+                      <a:prstDash val="solid"/>
+                      <a:round/>
+                      <a:headEnd type="none" w="med" len="med"/>
+                      <a:tailEnd type="none" w="med" len="med"/>
+                    </a:lnB>
+                    <a:lnTlToBr w="12700" cmpd="sng">
+                      <a:noFill/>
+                      <a:prstDash val="solid"/>
+                    </a:lnTlToBr>
+                    <a:lnBlToTr w="12700" cmpd="sng">
+                      <a:noFill/>
+                      <a:prstDash val="solid"/>
+                    </a:lnBlToTr>
+                    <a:noFill/>
+                  </a:tcPr>
+                </a:tc>
+                <a:tc>
+                  <a:txBody>
+                    <a:bodyPr/>
+                    <a:lstStyle/>
+                    <a:p>
+                      <a:pPr algn="ctr"/>
+                      <a:r>
+                        <a:rPr lang="en-US" sz="1050" dirty="0">
+                          <a:solidFill>
+                            <a:schemeClr val="tx1"/>
+                          </a:solidFill>
+                          <a:latin typeface="Consolas" panose="020B0609020204030204" pitchFamily="49" charset="0"/>
+                        </a:rPr>
+                        <a:t>F</a:t>
+                      </a:r>
+                    </a:p>
+                  </a:txBody>
+                  <a:tcPr marL="0" marR="0" marT="0" marB="0" anchor="ctr">
+                    <a:lnL w="12700" cap="flat" cmpd="sng" algn="ctr">
+                      <a:noFill/>
+                      <a:prstDash val="sysDot"/>
+                      <a:round/>
+                      <a:headEnd type="none" w="med" len="med"/>
+                      <a:tailEnd type="none" w="med" len="med"/>
+                    </a:lnL>
+                    <a:lnR w="12700" cap="flat" cmpd="sng" algn="ctr">
+                      <a:noFill/>
+                      <a:prstDash val="sysDot"/>
+                      <a:round/>
+                      <a:headEnd type="none" w="med" len="med"/>
+                      <a:tailEnd type="none" w="med" len="med"/>
+                    </a:lnR>
+                    <a:lnT w="12700" cap="flat" cmpd="sng" algn="ctr">
+                      <a:noFill/>
+                      <a:prstDash val="sysDot"/>
+                      <a:round/>
+                      <a:headEnd type="none" w="med" len="med"/>
+                      <a:tailEnd type="none" w="med" len="med"/>
+                    </a:lnT>
+                    <a:lnB w="12700" cap="flat" cmpd="sng" algn="ctr">
+                      <a:solidFill>
+                        <a:schemeClr val="tx1"/>
+                      </a:solidFill>
+                      <a:prstDash val="solid"/>
+                      <a:round/>
+                      <a:headEnd type="none" w="med" len="med"/>
+                      <a:tailEnd type="none" w="med" len="med"/>
+                    </a:lnB>
+                    <a:lnTlToBr w="12700" cmpd="sng">
+                      <a:noFill/>
+                      <a:prstDash val="solid"/>
+                    </a:lnTlToBr>
+                    <a:lnBlToTr w="12700" cmpd="sng">
+                      <a:noFill/>
+                      <a:prstDash val="solid"/>
+                    </a:lnBlToTr>
+                    <a:noFill/>
+                  </a:tcPr>
+                </a:tc>
+                <a:tc>
+                  <a:txBody>
+                    <a:bodyPr/>
+                    <a:lstStyle/>
+                    <a:p>
+                      <a:pPr algn="ctr"/>
+                      <a:r>
+                        <a:rPr lang="en-US" sz="1050" dirty="0">
+                          <a:solidFill>
+                            <a:schemeClr val="tx1"/>
+                          </a:solidFill>
+                          <a:latin typeface="Consolas" panose="020B0609020204030204" pitchFamily="49" charset="0"/>
+                        </a:rPr>
+                        <a:t>A</a:t>
+                      </a:r>
+                    </a:p>
+                  </a:txBody>
+                  <a:tcPr marL="0" marR="0" marT="0" marB="0" anchor="ctr">
+                    <a:lnL w="12700" cap="flat" cmpd="sng" algn="ctr">
+                      <a:noFill/>
+                      <a:prstDash val="sysDot"/>
+                      <a:round/>
+                      <a:headEnd type="none" w="med" len="med"/>
+                      <a:tailEnd type="none" w="med" len="med"/>
+                    </a:lnL>
+                    <a:lnR w="12700" cap="flat" cmpd="sng" algn="ctr">
+                      <a:noFill/>
+                      <a:prstDash val="sysDot"/>
+                      <a:round/>
+                      <a:headEnd type="none" w="med" len="med"/>
+                      <a:tailEnd type="none" w="med" len="med"/>
+                    </a:lnR>
+                    <a:lnT w="12700" cap="flat" cmpd="sng" algn="ctr">
+                      <a:noFill/>
+                      <a:prstDash val="sysDot"/>
+                      <a:round/>
+                      <a:headEnd type="none" w="med" len="med"/>
+                      <a:tailEnd type="none" w="med" len="med"/>
+                    </a:lnT>
+                    <a:lnB w="12700" cap="flat" cmpd="sng" algn="ctr">
+                      <a:solidFill>
+                        <a:schemeClr val="tx1"/>
+                      </a:solidFill>
+                      <a:prstDash val="solid"/>
+                      <a:round/>
+                      <a:headEnd type="none" w="med" len="med"/>
+                      <a:tailEnd type="none" w="med" len="med"/>
+                    </a:lnB>
+                    <a:lnTlToBr w="12700" cmpd="sng">
+                      <a:noFill/>
+                      <a:prstDash val="solid"/>
+                    </a:lnTlToBr>
+                    <a:lnBlToTr w="12700" cmpd="sng">
+                      <a:noFill/>
+                      <a:prstDash val="solid"/>
+                    </a:lnBlToTr>
+                    <a:noFill/>
+                  </a:tcPr>
+                </a:tc>
+                <a:tc>
+                  <a:txBody>
+                    <a:bodyPr/>
+                    <a:lstStyle/>
+                    <a:p>
+                      <a:pPr algn="ctr"/>
+                      <a:r>
+                        <a:rPr lang="en-US" sz="1050" dirty="0">
+                          <a:solidFill>
+                            <a:schemeClr val="tx1"/>
+                          </a:solidFill>
+                          <a:latin typeface="Consolas" panose="020B0609020204030204" pitchFamily="49" charset="0"/>
+                        </a:rPr>
+                        <a:t>U</a:t>
+                      </a:r>
+                    </a:p>
+                  </a:txBody>
+                  <a:tcPr marL="0" marR="0" marT="0" marB="0" anchor="ctr">
+                    <a:lnL w="12700" cap="flat" cmpd="sng" algn="ctr">
+                      <a:noFill/>
+                      <a:prstDash val="sysDot"/>
+                      <a:round/>
+                      <a:headEnd type="none" w="med" len="med"/>
+                      <a:tailEnd type="none" w="med" len="med"/>
+                    </a:lnL>
+                    <a:lnR w="12700" cap="flat" cmpd="sng" algn="ctr">
+                      <a:noFill/>
+                      <a:prstDash val="sysDot"/>
+                      <a:round/>
+                      <a:headEnd type="none" w="med" len="med"/>
+                      <a:tailEnd type="none" w="med" len="med"/>
+                    </a:lnR>
+                    <a:lnT w="12700" cap="flat" cmpd="sng" algn="ctr">
+                      <a:noFill/>
+                      <a:prstDash val="sysDot"/>
+                      <a:round/>
+                      <a:headEnd type="none" w="med" len="med"/>
+                      <a:tailEnd type="none" w="med" len="med"/>
+                    </a:lnT>
+                    <a:lnB w="12700" cap="flat" cmpd="sng" algn="ctr">
+                      <a:solidFill>
+                        <a:schemeClr val="tx1"/>
+                      </a:solidFill>
+                      <a:prstDash val="solid"/>
+                      <a:round/>
+                      <a:headEnd type="none" w="med" len="med"/>
+                      <a:tailEnd type="none" w="med" len="med"/>
+                    </a:lnB>
+                    <a:lnTlToBr w="12700" cmpd="sng">
+                      <a:noFill/>
+                      <a:prstDash val="solid"/>
+                    </a:lnTlToBr>
+                    <a:lnBlToTr w="12700" cmpd="sng">
+                      <a:noFill/>
+                      <a:prstDash val="solid"/>
+                    </a:lnBlToTr>
+                    <a:noFill/>
+                  </a:tcPr>
+                </a:tc>
+                <a:extLst>
+                  <a:ext uri="{0D108BD9-81ED-4DB2-BD59-A6C34878D82A}">
+                    <a16:rowId xmlns:a16="http://schemas.microsoft.com/office/drawing/2014/main" val="1046638443"/>
+                  </a:ext>
+                </a:extLst>
+              </a:tr>
+              <a:tr h="203345">
+                <a:tc>
+                  <a:txBody>
+                    <a:bodyPr/>
+                    <a:lstStyle/>
+                    <a:p>
+                      <a:pPr algn="ctr"/>
+                      <a:endParaRPr lang="en-US" sz="1000" dirty="0">
+                        <a:solidFill>
+                          <a:schemeClr val="tx1"/>
+                        </a:solidFill>
+                        <a:latin typeface="Consolas" panose="020B0609020204030204" pitchFamily="49" charset="0"/>
+                      </a:endParaRPr>
+                    </a:p>
+                  </a:txBody>
+                  <a:tcPr marL="0" marR="0" marT="0" marB="0" anchor="ctr">
+                    <a:lnL w="12700" cap="flat" cmpd="sng" algn="ctr">
+                      <a:noFill/>
+                      <a:prstDash val="sysDot"/>
+                      <a:round/>
+                      <a:headEnd type="none" w="med" len="med"/>
+                      <a:tailEnd type="none" w="med" len="med"/>
+                    </a:lnL>
+                    <a:lnR w="12700" cap="flat" cmpd="sng" algn="ctr">
+                      <a:noFill/>
+                      <a:prstDash val="sysDot"/>
+                      <a:round/>
+                      <a:headEnd type="none" w="med" len="med"/>
+                      <a:tailEnd type="none" w="med" len="med"/>
+                    </a:lnR>
+                    <a:lnT w="12700" cap="flat" cmpd="sng" algn="ctr">
+                      <a:solidFill>
+                        <a:schemeClr val="tx1"/>
+                      </a:solidFill>
+                      <a:prstDash val="solid"/>
+                      <a:round/>
+                      <a:headEnd type="none" w="med" len="med"/>
+                      <a:tailEnd type="none" w="med" len="med"/>
+                    </a:lnT>
+                    <a:lnB w="12700" cap="flat" cmpd="sng" algn="ctr">
+                      <a:noFill/>
+                      <a:prstDash val="sysDot"/>
+                      <a:round/>
+                      <a:headEnd type="none" w="med" len="med"/>
+                      <a:tailEnd type="none" w="med" len="med"/>
+                    </a:lnB>
+                    <a:lnTlToBr w="12700" cmpd="sng">
+                      <a:noFill/>
+                      <a:prstDash val="solid"/>
+                    </a:lnTlToBr>
+                    <a:lnBlToTr w="12700" cmpd="sng">
+                      <a:noFill/>
+                      <a:prstDash val="solid"/>
+                    </a:lnBlToTr>
+                    <a:noFill/>
+                  </a:tcPr>
+                </a:tc>
+                <a:tc>
+                  <a:txBody>
+                    <a:bodyPr/>
+                    <a:lstStyle/>
+                    <a:p>
+                      <a:pPr algn="ctr"/>
+                      <a:endParaRPr lang="en-US" sz="1000" dirty="0">
+                        <a:solidFill>
+                          <a:schemeClr val="tx1"/>
+                        </a:solidFill>
+                        <a:latin typeface="Consolas" panose="020B0609020204030204" pitchFamily="49" charset="0"/>
+                      </a:endParaRPr>
+                    </a:p>
+                  </a:txBody>
+                  <a:tcPr marL="0" marR="0" marT="0" marB="0" anchor="ctr">
+                    <a:lnL w="12700" cap="flat" cmpd="sng" algn="ctr">
+                      <a:noFill/>
+                      <a:prstDash val="sysDot"/>
+                      <a:round/>
+                      <a:headEnd type="none" w="med" len="med"/>
+                      <a:tailEnd type="none" w="med" len="med"/>
+                    </a:lnL>
+                    <a:lnR w="12700" cap="flat" cmpd="sng" algn="ctr">
+                      <a:noFill/>
+                      <a:prstDash val="sysDot"/>
+                      <a:round/>
+                      <a:headEnd type="none" w="med" len="med"/>
+                      <a:tailEnd type="none" w="med" len="med"/>
+                    </a:lnR>
+                    <a:lnT w="12700" cap="flat" cmpd="sng" algn="ctr">
+                      <a:solidFill>
+                        <a:schemeClr val="tx1"/>
+                      </a:solidFill>
+                      <a:prstDash val="solid"/>
+                      <a:round/>
+                      <a:headEnd type="none" w="med" len="med"/>
+                      <a:tailEnd type="none" w="med" len="med"/>
+                    </a:lnT>
+                    <a:lnB w="12700" cap="flat" cmpd="sng" algn="ctr">
+                      <a:noFill/>
+                      <a:prstDash val="sysDot"/>
+                      <a:round/>
+                      <a:headEnd type="none" w="med" len="med"/>
+                      <a:tailEnd type="none" w="med" len="med"/>
+                    </a:lnB>
+                    <a:lnTlToBr w="12700" cmpd="sng">
+                      <a:noFill/>
+                      <a:prstDash val="solid"/>
+                    </a:lnTlToBr>
+                    <a:lnBlToTr w="12700" cmpd="sng">
+                      <a:noFill/>
+                      <a:prstDash val="solid"/>
+                    </a:lnBlToTr>
+                    <a:noFill/>
+                  </a:tcPr>
+                </a:tc>
+                <a:tc>
+                  <a:txBody>
+                    <a:bodyPr/>
+                    <a:lstStyle/>
+                    <a:p>
+                      <a:pPr algn="ctr"/>
+                      <a:r>
+                        <a:rPr lang="en-US" sz="1000" dirty="0">
+                          <a:solidFill>
+                            <a:schemeClr val="tx1"/>
+                          </a:solidFill>
+                          <a:latin typeface="Consolas" panose="020B0609020204030204" pitchFamily="49" charset="0"/>
+                        </a:rPr>
+                        <a:t>1</a:t>
+                      </a:r>
+                    </a:p>
+                  </a:txBody>
+                  <a:tcPr marL="0" marR="0" marT="0" marB="0" anchor="ctr">
+                    <a:lnL w="12700" cap="flat" cmpd="sng" algn="ctr">
+                      <a:noFill/>
+                      <a:prstDash val="sysDot"/>
+                      <a:round/>
+                      <a:headEnd type="none" w="med" len="med"/>
+                      <a:tailEnd type="none" w="med" len="med"/>
+                    </a:lnL>
+                    <a:lnR w="12700" cap="flat" cmpd="sng" algn="ctr">
+                      <a:noFill/>
+                      <a:prstDash val="sysDot"/>
+                      <a:round/>
+                      <a:headEnd type="none" w="med" len="med"/>
+                      <a:tailEnd type="none" w="med" len="med"/>
+                    </a:lnR>
+                    <a:lnT w="12700" cap="flat" cmpd="sng" algn="ctr">
+                      <a:solidFill>
+                        <a:schemeClr val="tx1"/>
+                      </a:solidFill>
+                      <a:prstDash val="solid"/>
+                      <a:round/>
+                      <a:headEnd type="none" w="med" len="med"/>
+                      <a:tailEnd type="none" w="med" len="med"/>
+                    </a:lnT>
+                    <a:lnB w="12700" cap="flat" cmpd="sng" algn="ctr">
+                      <a:noFill/>
+                      <a:prstDash val="sysDot"/>
+                      <a:round/>
+                      <a:headEnd type="none" w="med" len="med"/>
+                      <a:tailEnd type="none" w="med" len="med"/>
+                    </a:lnB>
+                    <a:lnTlToBr w="12700" cmpd="sng">
+                      <a:noFill/>
+                      <a:prstDash val="solid"/>
+                    </a:lnTlToBr>
+                    <a:lnBlToTr w="12700" cmpd="sng">
+                      <a:noFill/>
+                      <a:prstDash val="solid"/>
+                    </a:lnBlToTr>
+                    <a:noFill/>
+                  </a:tcPr>
+                </a:tc>
+                <a:tc>
+                  <a:txBody>
+                    <a:bodyPr/>
+                    <a:lstStyle/>
+                    <a:p>
+                      <a:pPr algn="ctr"/>
+                      <a:r>
+                        <a:rPr lang="en-US" sz="1000" dirty="0">
+                          <a:solidFill>
+                            <a:schemeClr val="tx1"/>
+                          </a:solidFill>
+                          <a:latin typeface="Consolas" panose="020B0609020204030204" pitchFamily="49" charset="0"/>
+                        </a:rPr>
+                        <a:t>2</a:t>
+                      </a:r>
+                    </a:p>
+                  </a:txBody>
+                  <a:tcPr marL="0" marR="0" marT="0" marB="0" anchor="ctr">
+                    <a:lnL w="12700" cap="flat" cmpd="sng" algn="ctr">
+                      <a:noFill/>
+                      <a:prstDash val="sysDot"/>
+                      <a:round/>
+                      <a:headEnd type="none" w="med" len="med"/>
+                      <a:tailEnd type="none" w="med" len="med"/>
+                    </a:lnL>
+                    <a:lnR w="12700" cap="flat" cmpd="sng" algn="ctr">
+                      <a:noFill/>
+                      <a:prstDash val="sysDot"/>
+                      <a:round/>
+                      <a:headEnd type="none" w="med" len="med"/>
+                      <a:tailEnd type="none" w="med" len="med"/>
+                    </a:lnR>
+                    <a:lnT w="12700" cap="flat" cmpd="sng" algn="ctr">
+                      <a:solidFill>
+                        <a:schemeClr val="tx1"/>
+                      </a:solidFill>
+                      <a:prstDash val="solid"/>
+                      <a:round/>
+                      <a:headEnd type="none" w="med" len="med"/>
+                      <a:tailEnd type="none" w="med" len="med"/>
+                    </a:lnT>
+                    <a:lnB w="12700" cap="flat" cmpd="sng" algn="ctr">
+                      <a:noFill/>
+                      <a:prstDash val="sysDot"/>
+                      <a:round/>
+                      <a:headEnd type="none" w="med" len="med"/>
+                      <a:tailEnd type="none" w="med" len="med"/>
+                    </a:lnB>
+                    <a:lnTlToBr w="12700" cmpd="sng">
+                      <a:noFill/>
+                      <a:prstDash val="solid"/>
+                    </a:lnTlToBr>
+                    <a:lnBlToTr w="12700" cmpd="sng">
+                      <a:noFill/>
+                      <a:prstDash val="solid"/>
+                    </a:lnBlToTr>
+                    <a:noFill/>
+                  </a:tcPr>
+                </a:tc>
+                <a:tc>
+                  <a:txBody>
+                    <a:bodyPr/>
+                    <a:lstStyle/>
+                    <a:p>
+                      <a:pPr algn="ctr"/>
+                      <a:r>
+                        <a:rPr lang="en-US" sz="1000" dirty="0">
+                          <a:solidFill>
+                            <a:schemeClr val="tx1"/>
+                          </a:solidFill>
+                          <a:latin typeface="Consolas" panose="020B0609020204030204" pitchFamily="49" charset="0"/>
+                        </a:rPr>
+                        <a:t>3</a:t>
+                      </a:r>
+                    </a:p>
+                  </a:txBody>
+                  <a:tcPr marL="0" marR="0" marT="0" marB="0" anchor="ctr">
+                    <a:lnL w="12700" cap="flat" cmpd="sng" algn="ctr">
+                      <a:noFill/>
+                      <a:prstDash val="sysDot"/>
+                      <a:round/>
+                      <a:headEnd type="none" w="med" len="med"/>
+                      <a:tailEnd type="none" w="med" len="med"/>
+                    </a:lnL>
+                    <a:lnR w="12700" cap="flat" cmpd="sng" algn="ctr">
+                      <a:noFill/>
+                      <a:prstDash val="sysDot"/>
+                      <a:round/>
+                      <a:headEnd type="none" w="med" len="med"/>
+                      <a:tailEnd type="none" w="med" len="med"/>
+                    </a:lnR>
+                    <a:lnT w="12700" cap="flat" cmpd="sng" algn="ctr">
+                      <a:solidFill>
+                        <a:schemeClr val="tx1"/>
+                      </a:solidFill>
+                      <a:prstDash val="solid"/>
+                      <a:round/>
+                      <a:headEnd type="none" w="med" len="med"/>
+                      <a:tailEnd type="none" w="med" len="med"/>
+                    </a:lnT>
+                    <a:lnB w="12700" cap="flat" cmpd="sng" algn="ctr">
+                      <a:noFill/>
+                      <a:prstDash val="sysDot"/>
+                      <a:round/>
+                      <a:headEnd type="none" w="med" len="med"/>
+                      <a:tailEnd type="none" w="med" len="med"/>
+                    </a:lnB>
+                    <a:lnTlToBr w="12700" cmpd="sng">
+                      <a:noFill/>
+                      <a:prstDash val="solid"/>
+                    </a:lnTlToBr>
+                    <a:lnBlToTr w="12700" cmpd="sng">
+                      <a:noFill/>
+                      <a:prstDash val="solid"/>
+                    </a:lnBlToTr>
+                    <a:noFill/>
+                  </a:tcPr>
+                </a:tc>
+                <a:tc>
+                  <a:txBody>
+                    <a:bodyPr/>
+                    <a:lstStyle/>
+                    <a:p>
+                      <a:pPr algn="ctr"/>
+                      <a:r>
+                        <a:rPr lang="en-US" sz="1000" dirty="0">
+                          <a:solidFill>
+                            <a:schemeClr val="tx1"/>
+                          </a:solidFill>
+                          <a:latin typeface="Consolas" panose="020B0609020204030204" pitchFamily="49" charset="0"/>
+                        </a:rPr>
+                        <a:t>4</a:t>
+                      </a:r>
+                    </a:p>
+                  </a:txBody>
+                  <a:tcPr marL="0" marR="0" marT="0" marB="0" anchor="ctr">
+                    <a:lnL w="12700" cap="flat" cmpd="sng" algn="ctr">
+                      <a:noFill/>
+                      <a:prstDash val="sysDot"/>
+                      <a:round/>
+                      <a:headEnd type="none" w="med" len="med"/>
+                      <a:tailEnd type="none" w="med" len="med"/>
+                    </a:lnL>
+                    <a:lnR w="12700" cap="flat" cmpd="sng" algn="ctr">
+                      <a:noFill/>
+                      <a:prstDash val="sysDot"/>
+                      <a:round/>
+                      <a:headEnd type="none" w="med" len="med"/>
+                      <a:tailEnd type="none" w="med" len="med"/>
+                    </a:lnR>
+                    <a:lnT w="12700" cap="flat" cmpd="sng" algn="ctr">
+                      <a:solidFill>
+                        <a:schemeClr val="tx1"/>
+                      </a:solidFill>
+                      <a:prstDash val="solid"/>
+                      <a:round/>
+                      <a:headEnd type="none" w="med" len="med"/>
+                      <a:tailEnd type="none" w="med" len="med"/>
+                    </a:lnT>
+                    <a:lnB w="12700" cap="flat" cmpd="sng" algn="ctr">
+                      <a:noFill/>
+                      <a:prstDash val="sysDot"/>
+                      <a:round/>
+                      <a:headEnd type="none" w="med" len="med"/>
+                      <a:tailEnd type="none" w="med" len="med"/>
+                    </a:lnB>
+                    <a:lnTlToBr w="12700" cmpd="sng">
+                      <a:noFill/>
+                      <a:prstDash val="solid"/>
+                    </a:lnTlToBr>
+                    <a:lnBlToTr w="12700" cmpd="sng">
+                      <a:noFill/>
+                      <a:prstDash val="solid"/>
+                    </a:lnBlToTr>
+                    <a:noFill/>
+                  </a:tcPr>
+                </a:tc>
+                <a:tc>
+                  <a:txBody>
+                    <a:bodyPr/>
+                    <a:lstStyle/>
+                    <a:p>
+                      <a:pPr algn="ctr"/>
+                      <a:r>
+                        <a:rPr lang="en-US" sz="1000" dirty="0">
+                          <a:solidFill>
+                            <a:schemeClr val="tx1"/>
+                          </a:solidFill>
+                          <a:latin typeface="Consolas" panose="020B0609020204030204" pitchFamily="49" charset="0"/>
+                        </a:rPr>
+                        <a:t>5</a:t>
+                      </a:r>
+                    </a:p>
+                  </a:txBody>
+                  <a:tcPr marL="0" marR="0" marT="0" marB="0" anchor="ctr">
+                    <a:lnL w="12700" cap="flat" cmpd="sng" algn="ctr">
+                      <a:noFill/>
+                      <a:prstDash val="sysDot"/>
+                      <a:round/>
+                      <a:headEnd type="none" w="med" len="med"/>
+                      <a:tailEnd type="none" w="med" len="med"/>
+                    </a:lnL>
+                    <a:lnR w="12700" cap="flat" cmpd="sng" algn="ctr">
+                      <a:noFill/>
+                      <a:prstDash val="sysDot"/>
+                      <a:round/>
+                      <a:headEnd type="none" w="med" len="med"/>
+                      <a:tailEnd type="none" w="med" len="med"/>
+                    </a:lnR>
+                    <a:lnT w="12700" cap="flat" cmpd="sng" algn="ctr">
+                      <a:solidFill>
+                        <a:schemeClr val="tx1"/>
+                      </a:solidFill>
+                      <a:prstDash val="solid"/>
+                      <a:round/>
+                      <a:headEnd type="none" w="med" len="med"/>
+                      <a:tailEnd type="none" w="med" len="med"/>
+                    </a:lnT>
+                    <a:lnB w="12700" cap="flat" cmpd="sng" algn="ctr">
+                      <a:noFill/>
+                      <a:prstDash val="sysDot"/>
+                      <a:round/>
+                      <a:headEnd type="none" w="med" len="med"/>
+                      <a:tailEnd type="none" w="med" len="med"/>
+                    </a:lnB>
+                    <a:lnTlToBr w="12700" cmpd="sng">
+                      <a:noFill/>
+                      <a:prstDash val="solid"/>
+                    </a:lnTlToBr>
+                    <a:lnBlToTr w="12700" cmpd="sng">
+                      <a:noFill/>
+                      <a:prstDash val="solid"/>
+                    </a:lnBlToTr>
+                    <a:noFill/>
+                  </a:tcPr>
+                </a:tc>
+                <a:extLst>
+                  <a:ext uri="{0D108BD9-81ED-4DB2-BD59-A6C34878D82A}">
+                    <a16:rowId xmlns:a16="http://schemas.microsoft.com/office/drawing/2014/main" val="2825370694"/>
+                  </a:ext>
+                </a:extLst>
+              </a:tr>
+              <a:tr h="203345">
+                <a:tc>
+                  <a:txBody>
+                    <a:bodyPr/>
+                    <a:lstStyle/>
+                    <a:p>
+                      <a:pPr algn="ctr"/>
+                      <a:r>
+                        <a:rPr lang="en-US" sz="1000" dirty="0">
+                          <a:solidFill>
+                            <a:schemeClr val="tx1"/>
+                          </a:solidFill>
+                          <a:latin typeface="Consolas" panose="020B0609020204030204" pitchFamily="49" charset="0"/>
+                        </a:rPr>
+                        <a:t>6</a:t>
+                      </a:r>
+                    </a:p>
+                  </a:txBody>
+                  <a:tcPr marL="0" marR="0" marT="0" marB="0" anchor="ctr">
+                    <a:lnL w="12700" cap="flat" cmpd="sng" algn="ctr">
+                      <a:noFill/>
+                      <a:prstDash val="sysDot"/>
+                      <a:round/>
+                      <a:headEnd type="none" w="med" len="med"/>
+                      <a:tailEnd type="none" w="med" len="med"/>
+                    </a:lnL>
+                    <a:lnR w="12700" cap="flat" cmpd="sng" algn="ctr">
+                      <a:noFill/>
+                      <a:prstDash val="sysDot"/>
+                      <a:round/>
+                      <a:headEnd type="none" w="med" len="med"/>
+                      <a:tailEnd type="none" w="med" len="med"/>
+                    </a:lnR>
+                    <a:lnT w="12700" cap="flat" cmpd="sng" algn="ctr">
+                      <a:noFill/>
+                      <a:prstDash val="solid"/>
+                      <a:round/>
+                      <a:headEnd type="none" w="med" len="med"/>
+                      <a:tailEnd type="none" w="med" len="med"/>
+                    </a:lnT>
+                    <a:lnB w="12700" cap="flat" cmpd="sng" algn="ctr">
+                      <a:noFill/>
+                      <a:prstDash val="sysDot"/>
+                      <a:round/>
+                      <a:headEnd type="none" w="med" len="med"/>
+                      <a:tailEnd type="none" w="med" len="med"/>
+                    </a:lnB>
+                    <a:lnTlToBr w="12700" cmpd="sng">
+                      <a:noFill/>
+                      <a:prstDash val="solid"/>
+                    </a:lnTlToBr>
+                    <a:lnBlToTr w="12700" cmpd="sng">
+                      <a:noFill/>
+                      <a:prstDash val="solid"/>
+                    </a:lnBlToTr>
+                    <a:noFill/>
+                  </a:tcPr>
+                </a:tc>
+                <a:tc>
+                  <a:txBody>
+                    <a:bodyPr/>
+                    <a:lstStyle/>
+                    <a:p>
+                      <a:pPr algn="ctr"/>
+                      <a:r>
+                        <a:rPr lang="en-US" sz="1000" dirty="0">
+                          <a:solidFill>
+                            <a:schemeClr val="tx1"/>
+                          </a:solidFill>
+                          <a:latin typeface="Consolas" panose="020B0609020204030204" pitchFamily="49" charset="0"/>
+                        </a:rPr>
+                        <a:t>7</a:t>
+                      </a:r>
+                    </a:p>
+                  </a:txBody>
+                  <a:tcPr marL="0" marR="0" marT="0" marB="0" anchor="ctr">
+                    <a:lnL w="12700" cap="flat" cmpd="sng" algn="ctr">
+                      <a:noFill/>
+                      <a:prstDash val="sysDot"/>
+                      <a:round/>
+                      <a:headEnd type="none" w="med" len="med"/>
+                      <a:tailEnd type="none" w="med" len="med"/>
+                    </a:lnL>
+                    <a:lnR w="12700" cap="flat" cmpd="sng" algn="ctr">
+                      <a:noFill/>
+                      <a:prstDash val="sysDot"/>
+                      <a:round/>
+                      <a:headEnd type="none" w="med" len="med"/>
+                      <a:tailEnd type="none" w="med" len="med"/>
+                    </a:lnR>
+                    <a:lnT w="12700" cap="flat" cmpd="sng" algn="ctr">
+                      <a:noFill/>
+                      <a:prstDash val="solid"/>
+                      <a:round/>
+                      <a:headEnd type="none" w="med" len="med"/>
+                      <a:tailEnd type="none" w="med" len="med"/>
+                    </a:lnT>
+                    <a:lnB w="12700" cap="flat" cmpd="sng" algn="ctr">
+                      <a:noFill/>
+                      <a:prstDash val="sysDot"/>
+                      <a:round/>
+                      <a:headEnd type="none" w="med" len="med"/>
+                      <a:tailEnd type="none" w="med" len="med"/>
+                    </a:lnB>
+                    <a:lnTlToBr w="12700" cmpd="sng">
+                      <a:noFill/>
+                      <a:prstDash val="solid"/>
+                    </a:lnTlToBr>
+                    <a:lnBlToTr w="12700" cmpd="sng">
+                      <a:noFill/>
+                      <a:prstDash val="solid"/>
+                    </a:lnBlToTr>
+                    <a:noFill/>
+                  </a:tcPr>
+                </a:tc>
+                <a:tc>
+                  <a:txBody>
+                    <a:bodyPr/>
+                    <a:lstStyle/>
+                    <a:p>
+                      <a:pPr algn="ctr"/>
+                      <a:r>
+                        <a:rPr lang="en-US" sz="1000" dirty="0">
+                          <a:solidFill>
+                            <a:schemeClr val="tx1"/>
+                          </a:solidFill>
+                          <a:latin typeface="Consolas" panose="020B0609020204030204" pitchFamily="49" charset="0"/>
+                        </a:rPr>
+                        <a:t>8</a:t>
+                      </a:r>
+                    </a:p>
+                  </a:txBody>
+                  <a:tcPr marL="0" marR="0" marT="0" marB="0" anchor="ctr">
+                    <a:lnL w="12700" cap="flat" cmpd="sng" algn="ctr">
+                      <a:noFill/>
+                      <a:prstDash val="sysDot"/>
+                      <a:round/>
+                      <a:headEnd type="none" w="med" len="med"/>
+                      <a:tailEnd type="none" w="med" len="med"/>
+                    </a:lnL>
+                    <a:lnR w="12700" cap="flat" cmpd="sng" algn="ctr">
+                      <a:noFill/>
+                      <a:prstDash val="sysDot"/>
+                      <a:round/>
+                      <a:headEnd type="none" w="med" len="med"/>
+                      <a:tailEnd type="none" w="med" len="med"/>
+                    </a:lnR>
+                    <a:lnT w="12700" cap="flat" cmpd="sng" algn="ctr">
+                      <a:noFill/>
+                      <a:prstDash val="solid"/>
+                      <a:round/>
+                      <a:headEnd type="none" w="med" len="med"/>
+                      <a:tailEnd type="none" w="med" len="med"/>
+                    </a:lnT>
+                    <a:lnB w="12700" cap="flat" cmpd="sng" algn="ctr">
+                      <a:noFill/>
+                      <a:prstDash val="sysDot"/>
+                      <a:round/>
+                      <a:headEnd type="none" w="med" len="med"/>
+                      <a:tailEnd type="none" w="med" len="med"/>
+                    </a:lnB>
+                    <a:lnTlToBr w="12700" cmpd="sng">
+                      <a:noFill/>
+                      <a:prstDash val="solid"/>
+                    </a:lnTlToBr>
+                    <a:lnBlToTr w="12700" cmpd="sng">
+                      <a:noFill/>
+                      <a:prstDash val="solid"/>
+                    </a:lnBlToTr>
+                    <a:noFill/>
+                  </a:tcPr>
+                </a:tc>
+                <a:tc>
+                  <a:txBody>
+                    <a:bodyPr/>
+                    <a:lstStyle/>
+                    <a:p>
+                      <a:pPr algn="ctr"/>
+                      <a:r>
+                        <a:rPr lang="en-US" sz="1000" dirty="0">
+                          <a:solidFill>
+                            <a:schemeClr val="tx1"/>
+                          </a:solidFill>
+                          <a:latin typeface="Consolas" panose="020B0609020204030204" pitchFamily="49" charset="0"/>
+                        </a:rPr>
+                        <a:t>9</a:t>
+                      </a:r>
+                    </a:p>
+                  </a:txBody>
+                  <a:tcPr marL="0" marR="0" marT="0" marB="0" anchor="ctr">
+                    <a:lnL w="12700" cap="flat" cmpd="sng" algn="ctr">
+                      <a:noFill/>
+                      <a:prstDash val="sysDot"/>
+                      <a:round/>
+                      <a:headEnd type="none" w="med" len="med"/>
+                      <a:tailEnd type="none" w="med" len="med"/>
+                    </a:lnL>
+                    <a:lnR w="12700" cap="flat" cmpd="sng" algn="ctr">
+                      <a:noFill/>
+                      <a:prstDash val="sysDot"/>
+                      <a:round/>
+                      <a:headEnd type="none" w="med" len="med"/>
+                      <a:tailEnd type="none" w="med" len="med"/>
+                    </a:lnR>
+                    <a:lnT w="12700" cap="flat" cmpd="sng" algn="ctr">
+                      <a:noFill/>
+                      <a:prstDash val="solid"/>
+                      <a:round/>
+                      <a:headEnd type="none" w="med" len="med"/>
+                      <a:tailEnd type="none" w="med" len="med"/>
+                    </a:lnT>
+                    <a:lnB w="12700" cap="flat" cmpd="sng" algn="ctr">
+                      <a:noFill/>
+                      <a:prstDash val="sysDot"/>
+                      <a:round/>
+                      <a:headEnd type="none" w="med" len="med"/>
+                      <a:tailEnd type="none" w="med" len="med"/>
+                    </a:lnB>
+                    <a:lnTlToBr w="12700" cmpd="sng">
+                      <a:noFill/>
+                      <a:prstDash val="solid"/>
+                    </a:lnTlToBr>
+                    <a:lnBlToTr w="12700" cmpd="sng">
+                      <a:noFill/>
+                      <a:prstDash val="solid"/>
+                    </a:lnBlToTr>
+                    <a:noFill/>
+                  </a:tcPr>
+                </a:tc>
+                <a:tc>
+                  <a:txBody>
+                    <a:bodyPr/>
+                    <a:lstStyle/>
+                    <a:p>
+                      <a:pPr algn="ctr"/>
+                      <a:r>
+                        <a:rPr lang="en-US" sz="1000" dirty="0">
+                          <a:solidFill>
+                            <a:schemeClr val="tx1"/>
+                          </a:solidFill>
+                          <a:latin typeface="Consolas" panose="020B0609020204030204" pitchFamily="49" charset="0"/>
+                        </a:rPr>
+                        <a:t>10</a:t>
+                      </a:r>
+                    </a:p>
+                  </a:txBody>
+                  <a:tcPr marL="0" marR="0" marT="0" marB="0" anchor="ctr">
+                    <a:lnL w="12700" cap="flat" cmpd="sng" algn="ctr">
+                      <a:noFill/>
+                      <a:prstDash val="sysDot"/>
+                      <a:round/>
+                      <a:headEnd type="none" w="med" len="med"/>
+                      <a:tailEnd type="none" w="med" len="med"/>
+                    </a:lnL>
+                    <a:lnR w="12700" cap="flat" cmpd="sng" algn="ctr">
+                      <a:noFill/>
+                      <a:prstDash val="sysDot"/>
+                      <a:round/>
+                      <a:headEnd type="none" w="med" len="med"/>
+                      <a:tailEnd type="none" w="med" len="med"/>
+                    </a:lnR>
+                    <a:lnT w="12700" cap="flat" cmpd="sng" algn="ctr">
+                      <a:noFill/>
+                      <a:prstDash val="solid"/>
+                      <a:round/>
+                      <a:headEnd type="none" w="med" len="med"/>
+                      <a:tailEnd type="none" w="med" len="med"/>
+                    </a:lnT>
+                    <a:lnB w="12700" cap="flat" cmpd="sng" algn="ctr">
+                      <a:noFill/>
+                      <a:prstDash val="sysDot"/>
+                      <a:round/>
+                      <a:headEnd type="none" w="med" len="med"/>
+                      <a:tailEnd type="none" w="med" len="med"/>
+                    </a:lnB>
+                    <a:lnTlToBr w="12700" cmpd="sng">
+                      <a:noFill/>
+                      <a:prstDash val="solid"/>
+                    </a:lnTlToBr>
+                    <a:lnBlToTr w="12700" cmpd="sng">
+                      <a:noFill/>
+                      <a:prstDash val="solid"/>
+                    </a:lnBlToTr>
+                    <a:noFill/>
+                  </a:tcPr>
+                </a:tc>
+                <a:tc>
+                  <a:txBody>
+                    <a:bodyPr/>
+                    <a:lstStyle/>
+                    <a:p>
+                      <a:pPr algn="ctr"/>
+                      <a:r>
+                        <a:rPr lang="en-US" sz="1000" dirty="0">
+                          <a:solidFill>
+                            <a:schemeClr val="tx1"/>
+                          </a:solidFill>
+                          <a:latin typeface="Consolas" panose="020B0609020204030204" pitchFamily="49" charset="0"/>
+                        </a:rPr>
+                        <a:t>11</a:t>
+                      </a:r>
+                    </a:p>
+                  </a:txBody>
+                  <a:tcPr marL="0" marR="0" marT="0" marB="0" anchor="ctr">
+                    <a:lnL w="12700" cap="flat" cmpd="sng" algn="ctr">
+                      <a:noFill/>
+                      <a:prstDash val="sysDot"/>
+                      <a:round/>
+                      <a:headEnd type="none" w="med" len="med"/>
+                      <a:tailEnd type="none" w="med" len="med"/>
+                    </a:lnL>
+                    <a:lnR w="12700" cap="flat" cmpd="sng" algn="ctr">
+                      <a:noFill/>
+                      <a:prstDash val="sysDot"/>
+                      <a:round/>
+                      <a:headEnd type="none" w="med" len="med"/>
+                      <a:tailEnd type="none" w="med" len="med"/>
+                    </a:lnR>
+                    <a:lnT w="12700" cap="flat" cmpd="sng" algn="ctr">
+                      <a:noFill/>
+                      <a:prstDash val="solid"/>
+                      <a:round/>
+                      <a:headEnd type="none" w="med" len="med"/>
+                      <a:tailEnd type="none" w="med" len="med"/>
+                    </a:lnT>
+                    <a:lnB w="12700" cap="flat" cmpd="sng" algn="ctr">
+                      <a:noFill/>
+                      <a:prstDash val="sysDot"/>
+                      <a:round/>
+                      <a:headEnd type="none" w="med" len="med"/>
+                      <a:tailEnd type="none" w="med" len="med"/>
+                    </a:lnB>
+                    <a:lnTlToBr w="12700" cmpd="sng">
+                      <a:noFill/>
+                      <a:prstDash val="solid"/>
+                    </a:lnTlToBr>
+                    <a:lnBlToTr w="12700" cmpd="sng">
+                      <a:noFill/>
+                      <a:prstDash val="solid"/>
+                    </a:lnBlToTr>
+                    <a:noFill/>
+                  </a:tcPr>
+                </a:tc>
+                <a:tc>
+                  <a:txBody>
+                    <a:bodyPr/>
+                    <a:lstStyle/>
+                    <a:p>
+                      <a:pPr algn="ctr"/>
+                      <a:r>
+                        <a:rPr lang="en-US" sz="1000" dirty="0">
+                          <a:solidFill>
+                            <a:schemeClr val="tx1"/>
+                          </a:solidFill>
+                          <a:latin typeface="Consolas" panose="020B0609020204030204" pitchFamily="49" charset="0"/>
+                        </a:rPr>
+                        <a:t>12</a:t>
+                      </a:r>
+                    </a:p>
+                  </a:txBody>
+                  <a:tcPr marL="0" marR="0" marT="0" marB="0" anchor="ctr">
+                    <a:lnL w="12700" cap="flat" cmpd="sng" algn="ctr">
+                      <a:noFill/>
+                      <a:prstDash val="sysDot"/>
+                      <a:round/>
+                      <a:headEnd type="none" w="med" len="med"/>
+                      <a:tailEnd type="none" w="med" len="med"/>
+                    </a:lnL>
+                    <a:lnR w="12700" cap="flat" cmpd="sng" algn="ctr">
+                      <a:noFill/>
+                      <a:prstDash val="sysDot"/>
+                      <a:round/>
+                      <a:headEnd type="none" w="med" len="med"/>
+                      <a:tailEnd type="none" w="med" len="med"/>
+                    </a:lnR>
+                    <a:lnT w="12700" cap="flat" cmpd="sng" algn="ctr">
+                      <a:noFill/>
+                      <a:prstDash val="solid"/>
+                      <a:round/>
+                      <a:headEnd type="none" w="med" len="med"/>
+                      <a:tailEnd type="none" w="med" len="med"/>
+                    </a:lnT>
+                    <a:lnB w="12700" cap="flat" cmpd="sng" algn="ctr">
+                      <a:noFill/>
+                      <a:prstDash val="sysDot"/>
+                      <a:round/>
+                      <a:headEnd type="none" w="med" len="med"/>
+                      <a:tailEnd type="none" w="med" len="med"/>
+                    </a:lnB>
+                    <a:lnTlToBr w="12700" cmpd="sng">
+                      <a:noFill/>
+                      <a:prstDash val="solid"/>
+                    </a:lnTlToBr>
+                    <a:lnBlToTr w="12700" cmpd="sng">
+                      <a:noFill/>
+                      <a:prstDash val="solid"/>
+                    </a:lnBlToTr>
+                    <a:noFill/>
+                  </a:tcPr>
+                </a:tc>
+                <a:extLst>
+                  <a:ext uri="{0D108BD9-81ED-4DB2-BD59-A6C34878D82A}">
+                    <a16:rowId xmlns:a16="http://schemas.microsoft.com/office/drawing/2014/main" val="1462379632"/>
+                  </a:ext>
+                </a:extLst>
+              </a:tr>
+              <a:tr h="203345">
+                <a:tc>
+                  <a:txBody>
+                    <a:bodyPr/>
+                    <a:lstStyle/>
+                    <a:p>
+                      <a:pPr algn="ctr"/>
+                      <a:r>
+                        <a:rPr lang="en-US" sz="1000" dirty="0">
+                          <a:solidFill>
+                            <a:schemeClr val="tx1"/>
+                          </a:solidFill>
+                          <a:latin typeface="Consolas" panose="020B0609020204030204" pitchFamily="49" charset="0"/>
+                        </a:rPr>
+                        <a:t>13</a:t>
+                      </a:r>
+                    </a:p>
+                  </a:txBody>
+                  <a:tcPr marL="0" marR="0" marT="0" marB="0" anchor="ctr">
+                    <a:lnL w="12700" cap="flat" cmpd="sng" algn="ctr">
+                      <a:noFill/>
+                      <a:prstDash val="sysDot"/>
+                      <a:round/>
+                      <a:headEnd type="none" w="med" len="med"/>
+                      <a:tailEnd type="none" w="med" len="med"/>
+                    </a:lnL>
+                    <a:lnR w="12700" cap="flat" cmpd="sng" algn="ctr">
+                      <a:noFill/>
+                      <a:prstDash val="sysDot"/>
+                      <a:round/>
+                      <a:headEnd type="none" w="med" len="med"/>
+                      <a:tailEnd type="none" w="med" len="med"/>
+                    </a:lnR>
+                    <a:lnT w="12700" cap="flat" cmpd="sng" algn="ctr">
+                      <a:noFill/>
+                      <a:prstDash val="solid"/>
+                      <a:round/>
+                      <a:headEnd type="none" w="med" len="med"/>
+                      <a:tailEnd type="none" w="med" len="med"/>
+                    </a:lnT>
+                    <a:lnB w="12700" cap="flat" cmpd="sng" algn="ctr">
+                      <a:noFill/>
+                      <a:prstDash val="sysDot"/>
+                      <a:round/>
+                      <a:headEnd type="none" w="med" len="med"/>
+                      <a:tailEnd type="none" w="med" len="med"/>
+                    </a:lnB>
+                    <a:lnTlToBr w="12700" cmpd="sng">
+                      <a:noFill/>
+                      <a:prstDash val="solid"/>
+                    </a:lnTlToBr>
+                    <a:lnBlToTr w="12700" cmpd="sng">
+                      <a:noFill/>
+                      <a:prstDash val="solid"/>
+                    </a:lnBlToTr>
+                    <a:noFill/>
+                  </a:tcPr>
+                </a:tc>
+                <a:tc>
+                  <a:txBody>
+                    <a:bodyPr/>
+                    <a:lstStyle/>
+                    <a:p>
+                      <a:pPr algn="ctr"/>
+                      <a:r>
+                        <a:rPr lang="en-US" sz="1000" dirty="0">
+                          <a:solidFill>
+                            <a:schemeClr val="tx1"/>
+                          </a:solidFill>
+                          <a:latin typeface="Consolas" panose="020B0609020204030204" pitchFamily="49" charset="0"/>
+                        </a:rPr>
+                        <a:t>14</a:t>
+                      </a:r>
+                    </a:p>
+                  </a:txBody>
+                  <a:tcPr marL="0" marR="0" marT="0" marB="0" anchor="ctr">
+                    <a:lnL w="12700" cap="flat" cmpd="sng" algn="ctr">
+                      <a:noFill/>
+                      <a:prstDash val="sysDot"/>
+                      <a:round/>
+                      <a:headEnd type="none" w="med" len="med"/>
+                      <a:tailEnd type="none" w="med" len="med"/>
+                    </a:lnL>
+                    <a:lnR w="12700" cap="flat" cmpd="sng" algn="ctr">
+                      <a:noFill/>
+                      <a:prstDash val="sysDot"/>
+                      <a:round/>
+                      <a:headEnd type="none" w="med" len="med"/>
+                      <a:tailEnd type="none" w="med" len="med"/>
+                    </a:lnR>
+                    <a:lnT w="12700" cap="flat" cmpd="sng" algn="ctr">
+                      <a:noFill/>
+                      <a:prstDash val="solid"/>
+                      <a:round/>
+                      <a:headEnd type="none" w="med" len="med"/>
+                      <a:tailEnd type="none" w="med" len="med"/>
+                    </a:lnT>
+                    <a:lnB w="12700" cap="flat" cmpd="sng" algn="ctr">
+                      <a:noFill/>
+                      <a:prstDash val="sysDot"/>
+                      <a:round/>
+                      <a:headEnd type="none" w="med" len="med"/>
+                      <a:tailEnd type="none" w="med" len="med"/>
+                    </a:lnB>
+                    <a:lnTlToBr w="12700" cmpd="sng">
+                      <a:noFill/>
+                      <a:prstDash val="solid"/>
+                    </a:lnTlToBr>
+                    <a:lnBlToTr w="12700" cmpd="sng">
+                      <a:noFill/>
+                      <a:prstDash val="solid"/>
+                    </a:lnBlToTr>
+                    <a:noFill/>
+                  </a:tcPr>
+                </a:tc>
+                <a:tc>
+                  <a:txBody>
+                    <a:bodyPr/>
+                    <a:lstStyle/>
+                    <a:p>
+                      <a:pPr algn="ctr"/>
+                      <a:r>
+                        <a:rPr lang="en-US" sz="1000" dirty="0">
+                          <a:solidFill>
+                            <a:schemeClr val="tx1"/>
+                          </a:solidFill>
+                          <a:latin typeface="Consolas" panose="020B0609020204030204" pitchFamily="49" charset="0"/>
+                        </a:rPr>
+                        <a:t>15</a:t>
+                      </a:r>
+                    </a:p>
+                  </a:txBody>
+                  <a:tcPr marL="0" marR="0" marT="0" marB="0" anchor="ctr">
+                    <a:lnL w="12700" cap="flat" cmpd="sng" algn="ctr">
+                      <a:noFill/>
+                      <a:prstDash val="sysDot"/>
+                      <a:round/>
+                      <a:headEnd type="none" w="med" len="med"/>
+                      <a:tailEnd type="none" w="med" len="med"/>
+                    </a:lnL>
+                    <a:lnR w="12700" cap="flat" cmpd="sng" algn="ctr">
+                      <a:noFill/>
+                      <a:prstDash val="sysDot"/>
+                      <a:round/>
+                      <a:headEnd type="none" w="med" len="med"/>
+                      <a:tailEnd type="none" w="med" len="med"/>
+                    </a:lnR>
+                    <a:lnT w="12700" cap="flat" cmpd="sng" algn="ctr">
+                      <a:noFill/>
+                      <a:prstDash val="solid"/>
+                      <a:round/>
+                      <a:headEnd type="none" w="med" len="med"/>
+                      <a:tailEnd type="none" w="med" len="med"/>
+                    </a:lnT>
+                    <a:lnB w="12700" cap="flat" cmpd="sng" algn="ctr">
+                      <a:noFill/>
+                      <a:prstDash val="sysDot"/>
+                      <a:round/>
+                      <a:headEnd type="none" w="med" len="med"/>
+                      <a:tailEnd type="none" w="med" len="med"/>
+                    </a:lnB>
+                    <a:lnTlToBr w="12700" cmpd="sng">
+                      <a:noFill/>
+                      <a:prstDash val="solid"/>
+                    </a:lnTlToBr>
+                    <a:lnBlToTr w="12700" cmpd="sng">
+                      <a:noFill/>
+                      <a:prstDash val="solid"/>
+                    </a:lnBlToTr>
+                    <a:noFill/>
+                  </a:tcPr>
+                </a:tc>
+                <a:tc>
+                  <a:txBody>
+                    <a:bodyPr/>
+                    <a:lstStyle/>
+                    <a:p>
+                      <a:pPr algn="ctr"/>
+                      <a:r>
+                        <a:rPr lang="en-US" sz="1000" dirty="0">
+                          <a:solidFill>
+                            <a:schemeClr val="tx1"/>
+                          </a:solidFill>
+                          <a:latin typeface="Consolas" panose="020B0609020204030204" pitchFamily="49" charset="0"/>
+                        </a:rPr>
+                        <a:t>16</a:t>
+                      </a:r>
+                    </a:p>
+                  </a:txBody>
+                  <a:tcPr marL="0" marR="0" marT="0" marB="0" anchor="ctr">
+                    <a:lnL w="12700" cap="flat" cmpd="sng" algn="ctr">
+                      <a:noFill/>
+                      <a:prstDash val="sysDot"/>
+                      <a:round/>
+                      <a:headEnd type="none" w="med" len="med"/>
+                      <a:tailEnd type="none" w="med" len="med"/>
+                    </a:lnL>
+                    <a:lnR w="12700" cap="flat" cmpd="sng" algn="ctr">
+                      <a:noFill/>
+                      <a:prstDash val="sysDot"/>
+                      <a:round/>
+                      <a:headEnd type="none" w="med" len="med"/>
+                      <a:tailEnd type="none" w="med" len="med"/>
+                    </a:lnR>
+                    <a:lnT w="12700" cap="flat" cmpd="sng" algn="ctr">
+                      <a:noFill/>
+                      <a:prstDash val="solid"/>
+                      <a:round/>
+                      <a:headEnd type="none" w="med" len="med"/>
+                      <a:tailEnd type="none" w="med" len="med"/>
+                    </a:lnT>
+                    <a:lnB w="12700" cap="flat" cmpd="sng" algn="ctr">
+                      <a:noFill/>
+                      <a:prstDash val="sysDot"/>
+                      <a:round/>
+                      <a:headEnd type="none" w="med" len="med"/>
+                      <a:tailEnd type="none" w="med" len="med"/>
+                    </a:lnB>
+                    <a:lnTlToBr w="12700" cmpd="sng">
+                      <a:noFill/>
+                      <a:prstDash val="solid"/>
+                    </a:lnTlToBr>
+                    <a:lnBlToTr w="12700" cmpd="sng">
+                      <a:noFill/>
+                      <a:prstDash val="solid"/>
+                    </a:lnBlToTr>
+                    <a:noFill/>
+                  </a:tcPr>
+                </a:tc>
+                <a:tc>
+                  <a:txBody>
+                    <a:bodyPr/>
+                    <a:lstStyle/>
+                    <a:p>
+                      <a:pPr algn="ctr"/>
+                      <a:r>
+                        <a:rPr lang="en-US" sz="1000" dirty="0">
+                          <a:solidFill>
+                            <a:schemeClr val="tx1"/>
+                          </a:solidFill>
+                          <a:latin typeface="Consolas" panose="020B0609020204030204" pitchFamily="49" charset="0"/>
+                        </a:rPr>
+                        <a:t>17</a:t>
+                      </a:r>
+                    </a:p>
+                  </a:txBody>
+                  <a:tcPr marL="0" marR="0" marT="0" marB="0" anchor="ctr">
+                    <a:lnL w="12700" cap="flat" cmpd="sng" algn="ctr">
+                      <a:noFill/>
+                      <a:prstDash val="sysDot"/>
+                      <a:round/>
+                      <a:headEnd type="none" w="med" len="med"/>
+                      <a:tailEnd type="none" w="med" len="med"/>
+                    </a:lnL>
+                    <a:lnR w="12700" cap="flat" cmpd="sng" algn="ctr">
+                      <a:noFill/>
+                      <a:prstDash val="sysDot"/>
+                      <a:round/>
+                      <a:headEnd type="none" w="med" len="med"/>
+                      <a:tailEnd type="none" w="med" len="med"/>
+                    </a:lnR>
+                    <a:lnT w="12700" cap="flat" cmpd="sng" algn="ctr">
+                      <a:noFill/>
+                      <a:prstDash val="solid"/>
+                      <a:round/>
+                      <a:headEnd type="none" w="med" len="med"/>
+                      <a:tailEnd type="none" w="med" len="med"/>
+                    </a:lnT>
+                    <a:lnB w="12700" cap="flat" cmpd="sng" algn="ctr">
+                      <a:noFill/>
+                      <a:prstDash val="sysDot"/>
+                      <a:round/>
+                      <a:headEnd type="none" w="med" len="med"/>
+                      <a:tailEnd type="none" w="med" len="med"/>
+                    </a:lnB>
+                    <a:lnTlToBr w="12700" cmpd="sng">
+                      <a:noFill/>
+                      <a:prstDash val="solid"/>
+                    </a:lnTlToBr>
+                    <a:lnBlToTr w="12700" cmpd="sng">
+                      <a:noFill/>
+                      <a:prstDash val="solid"/>
+                    </a:lnBlToTr>
+                    <a:noFill/>
+                  </a:tcPr>
+                </a:tc>
+                <a:tc>
+                  <a:txBody>
+                    <a:bodyPr/>
+                    <a:lstStyle/>
+                    <a:p>
+                      <a:pPr algn="ctr"/>
+                      <a:r>
+                        <a:rPr lang="en-US" sz="1000" dirty="0">
+                          <a:solidFill>
+                            <a:schemeClr val="tx1"/>
+                          </a:solidFill>
+                          <a:latin typeface="Consolas" panose="020B0609020204030204" pitchFamily="49" charset="0"/>
+                        </a:rPr>
+                        <a:t>18</a:t>
+                      </a:r>
+                    </a:p>
+                  </a:txBody>
+                  <a:tcPr marL="0" marR="0" marT="0" marB="0" anchor="ctr">
+                    <a:lnL w="12700" cap="flat" cmpd="sng" algn="ctr">
+                      <a:noFill/>
+                      <a:prstDash val="sysDot"/>
+                      <a:round/>
+                      <a:headEnd type="none" w="med" len="med"/>
+                      <a:tailEnd type="none" w="med" len="med"/>
+                    </a:lnL>
+                    <a:lnR w="12700" cap="flat" cmpd="sng" algn="ctr">
+                      <a:noFill/>
+                      <a:prstDash val="sysDot"/>
+                      <a:round/>
+                      <a:headEnd type="none" w="med" len="med"/>
+                      <a:tailEnd type="none" w="med" len="med"/>
+                    </a:lnR>
+                    <a:lnT w="12700" cap="flat" cmpd="sng" algn="ctr">
+                      <a:noFill/>
+                      <a:prstDash val="solid"/>
+                      <a:round/>
+                      <a:headEnd type="none" w="med" len="med"/>
+                      <a:tailEnd type="none" w="med" len="med"/>
+                    </a:lnT>
+                    <a:lnB w="12700" cap="flat" cmpd="sng" algn="ctr">
+                      <a:noFill/>
+                      <a:prstDash val="sysDot"/>
+                      <a:round/>
+                      <a:headEnd type="none" w="med" len="med"/>
+                      <a:tailEnd type="none" w="med" len="med"/>
+                    </a:lnB>
+                    <a:lnTlToBr w="12700" cmpd="sng">
+                      <a:noFill/>
+                      <a:prstDash val="solid"/>
+                    </a:lnTlToBr>
+                    <a:lnBlToTr w="12700" cmpd="sng">
+                      <a:noFill/>
+                      <a:prstDash val="solid"/>
+                    </a:lnBlToTr>
+                    <a:noFill/>
+                  </a:tcPr>
+                </a:tc>
+                <a:tc>
+                  <a:txBody>
+                    <a:bodyPr/>
+                    <a:lstStyle/>
+                    <a:p>
+                      <a:pPr algn="ctr"/>
+                      <a:r>
+                        <a:rPr lang="en-US" sz="1000" dirty="0">
+                          <a:solidFill>
+                            <a:schemeClr val="tx1"/>
+                          </a:solidFill>
+                          <a:latin typeface="Consolas" panose="020B0609020204030204" pitchFamily="49" charset="0"/>
+                        </a:rPr>
+                        <a:t>19</a:t>
+                      </a:r>
+                    </a:p>
+                  </a:txBody>
+                  <a:tcPr marL="0" marR="0" marT="0" marB="0" anchor="ctr">
+                    <a:lnL w="12700" cap="flat" cmpd="sng" algn="ctr">
+                      <a:noFill/>
+                      <a:prstDash val="sysDot"/>
+                      <a:round/>
+                      <a:headEnd type="none" w="med" len="med"/>
+                      <a:tailEnd type="none" w="med" len="med"/>
+                    </a:lnL>
+                    <a:lnR w="12700" cap="flat" cmpd="sng" algn="ctr">
+                      <a:noFill/>
+                      <a:prstDash val="sysDot"/>
+                      <a:round/>
+                      <a:headEnd type="none" w="med" len="med"/>
+                      <a:tailEnd type="none" w="med" len="med"/>
+                    </a:lnR>
+                    <a:lnT w="12700" cap="flat" cmpd="sng" algn="ctr">
+                      <a:noFill/>
+                      <a:prstDash val="solid"/>
+                      <a:round/>
+                      <a:headEnd type="none" w="med" len="med"/>
+                      <a:tailEnd type="none" w="med" len="med"/>
+                    </a:lnT>
+                    <a:lnB w="12700" cap="flat" cmpd="sng" algn="ctr">
+                      <a:noFill/>
+                      <a:prstDash val="sysDot"/>
+                      <a:round/>
+                      <a:headEnd type="none" w="med" len="med"/>
+                      <a:tailEnd type="none" w="med" len="med"/>
+                    </a:lnB>
+                    <a:lnTlToBr w="12700" cmpd="sng">
+                      <a:noFill/>
+                      <a:prstDash val="solid"/>
+                    </a:lnTlToBr>
+                    <a:lnBlToTr w="12700" cmpd="sng">
+                      <a:noFill/>
+                      <a:prstDash val="solid"/>
+                    </a:lnBlToTr>
+                    <a:noFill/>
+                  </a:tcPr>
+                </a:tc>
+                <a:extLst>
+                  <a:ext uri="{0D108BD9-81ED-4DB2-BD59-A6C34878D82A}">
+                    <a16:rowId xmlns:a16="http://schemas.microsoft.com/office/drawing/2014/main" val="2203473580"/>
+                  </a:ext>
+                </a:extLst>
+              </a:tr>
+              <a:tr h="203345">
+                <a:tc>
+                  <a:txBody>
+                    <a:bodyPr/>
+                    <a:lstStyle/>
+                    <a:p>
+                      <a:pPr algn="ctr"/>
+                      <a:r>
+                        <a:rPr lang="en-US" sz="1000" dirty="0">
+                          <a:solidFill>
+                            <a:schemeClr val="tx1"/>
+                          </a:solidFill>
+                          <a:latin typeface="Consolas" panose="020B0609020204030204" pitchFamily="49" charset="0"/>
+                        </a:rPr>
+                        <a:t>20</a:t>
+                      </a:r>
+                    </a:p>
+                  </a:txBody>
+                  <a:tcPr marL="0" marR="0" marT="0" marB="0" anchor="ctr">
+                    <a:lnL w="12700" cap="flat" cmpd="sng" algn="ctr">
+                      <a:noFill/>
+                      <a:prstDash val="sysDot"/>
+                      <a:round/>
+                      <a:headEnd type="none" w="med" len="med"/>
+                      <a:tailEnd type="none" w="med" len="med"/>
+                    </a:lnL>
+                    <a:lnR w="12700" cap="flat" cmpd="sng" algn="ctr">
+                      <a:noFill/>
+                      <a:prstDash val="sysDot"/>
+                      <a:round/>
+                      <a:headEnd type="none" w="med" len="med"/>
+                      <a:tailEnd type="none" w="med" len="med"/>
+                    </a:lnR>
+                    <a:lnT w="12700" cap="flat" cmpd="sng" algn="ctr">
+                      <a:noFill/>
+                      <a:prstDash val="solid"/>
+                      <a:round/>
+                      <a:headEnd type="none" w="med" len="med"/>
+                      <a:tailEnd type="none" w="med" len="med"/>
+                    </a:lnT>
+                    <a:lnB w="12700" cap="flat" cmpd="sng" algn="ctr">
+                      <a:noFill/>
+                      <a:prstDash val="sysDot"/>
+                      <a:round/>
+                      <a:headEnd type="none" w="med" len="med"/>
+                      <a:tailEnd type="none" w="med" len="med"/>
+                    </a:lnB>
+                    <a:lnTlToBr w="12700" cmpd="sng">
+                      <a:noFill/>
+                      <a:prstDash val="solid"/>
+                    </a:lnTlToBr>
+                    <a:lnBlToTr w="12700" cmpd="sng">
+                      <a:noFill/>
+                      <a:prstDash val="solid"/>
+                    </a:lnBlToTr>
+                    <a:noFill/>
+                  </a:tcPr>
+                </a:tc>
+                <a:tc>
+                  <a:txBody>
+                    <a:bodyPr/>
+                    <a:lstStyle/>
+                    <a:p>
+                      <a:pPr algn="ctr"/>
+                      <a:r>
+                        <a:rPr lang="en-US" sz="1000" dirty="0">
+                          <a:solidFill>
+                            <a:schemeClr val="tx1"/>
+                          </a:solidFill>
+                          <a:latin typeface="Consolas" panose="020B0609020204030204" pitchFamily="49" charset="0"/>
+                        </a:rPr>
+                        <a:t>21</a:t>
+                      </a:r>
+                    </a:p>
+                  </a:txBody>
+                  <a:tcPr marL="0" marR="0" marT="0" marB="0" anchor="ctr">
+                    <a:lnL w="12700" cap="flat" cmpd="sng" algn="ctr">
+                      <a:noFill/>
+                      <a:prstDash val="sysDot"/>
+                      <a:round/>
+                      <a:headEnd type="none" w="med" len="med"/>
+                      <a:tailEnd type="none" w="med" len="med"/>
+                    </a:lnL>
+                    <a:lnR w="12700" cap="flat" cmpd="sng" algn="ctr">
+                      <a:noFill/>
+                      <a:prstDash val="sysDot"/>
+                      <a:round/>
+                      <a:headEnd type="none" w="med" len="med"/>
+                      <a:tailEnd type="none" w="med" len="med"/>
+                    </a:lnR>
+                    <a:lnT w="12700" cap="flat" cmpd="sng" algn="ctr">
+                      <a:noFill/>
+                      <a:prstDash val="solid"/>
+                      <a:round/>
+                      <a:headEnd type="none" w="med" len="med"/>
+                      <a:tailEnd type="none" w="med" len="med"/>
+                    </a:lnT>
+                    <a:lnB w="12700" cap="flat" cmpd="sng" algn="ctr">
+                      <a:noFill/>
+                      <a:prstDash val="sysDot"/>
+                      <a:round/>
+                      <a:headEnd type="none" w="med" len="med"/>
+                      <a:tailEnd type="none" w="med" len="med"/>
+                    </a:lnB>
+                    <a:lnTlToBr w="12700" cmpd="sng">
+                      <a:noFill/>
+                      <a:prstDash val="solid"/>
+                    </a:lnTlToBr>
+                    <a:lnBlToTr w="12700" cmpd="sng">
+                      <a:noFill/>
+                      <a:prstDash val="solid"/>
+                    </a:lnBlToTr>
+                    <a:noFill/>
+                  </a:tcPr>
+                </a:tc>
+                <a:tc>
+                  <a:txBody>
+                    <a:bodyPr/>
+                    <a:lstStyle/>
+                    <a:p>
+                      <a:pPr algn="ctr"/>
+                      <a:r>
+                        <a:rPr lang="en-US" sz="1000" dirty="0">
+                          <a:solidFill>
+                            <a:schemeClr val="tx1"/>
+                          </a:solidFill>
+                          <a:latin typeface="Consolas" panose="020B0609020204030204" pitchFamily="49" charset="0"/>
+                        </a:rPr>
+                        <a:t>22</a:t>
+                      </a:r>
+                    </a:p>
+                  </a:txBody>
+                  <a:tcPr marL="0" marR="0" marT="0" marB="0" anchor="ctr">
+                    <a:lnL w="12700" cap="flat" cmpd="sng" algn="ctr">
+                      <a:noFill/>
+                      <a:prstDash val="sysDot"/>
+                      <a:round/>
+                      <a:headEnd type="none" w="med" len="med"/>
+                      <a:tailEnd type="none" w="med" len="med"/>
+                    </a:lnL>
+                    <a:lnR w="12700" cap="flat" cmpd="sng" algn="ctr">
+                      <a:noFill/>
+                      <a:prstDash val="sysDot"/>
+                      <a:round/>
+                      <a:headEnd type="none" w="med" len="med"/>
+                      <a:tailEnd type="none" w="med" len="med"/>
+                    </a:lnR>
+                    <a:lnT w="12700" cap="flat" cmpd="sng" algn="ctr">
+                      <a:noFill/>
+                      <a:prstDash val="solid"/>
+                      <a:round/>
+                      <a:headEnd type="none" w="med" len="med"/>
+                      <a:tailEnd type="none" w="med" len="med"/>
+                    </a:lnT>
+                    <a:lnB w="12700" cap="flat" cmpd="sng" algn="ctr">
+                      <a:noFill/>
+                      <a:prstDash val="sysDot"/>
+                      <a:round/>
+                      <a:headEnd type="none" w="med" len="med"/>
+                      <a:tailEnd type="none" w="med" len="med"/>
+                    </a:lnB>
+                    <a:lnTlToBr w="12700" cmpd="sng">
+                      <a:noFill/>
+                      <a:prstDash val="solid"/>
+                    </a:lnTlToBr>
+                    <a:lnBlToTr w="12700" cmpd="sng">
+                      <a:noFill/>
+                      <a:prstDash val="solid"/>
+                    </a:lnBlToTr>
+                    <a:noFill/>
+                  </a:tcPr>
+                </a:tc>
+                <a:tc>
+                  <a:txBody>
+                    <a:bodyPr/>
+                    <a:lstStyle/>
+                    <a:p>
+                      <a:pPr algn="ctr"/>
+                      <a:r>
+                        <a:rPr lang="en-US" sz="1000" dirty="0">
+                          <a:solidFill>
+                            <a:schemeClr val="tx1"/>
+                          </a:solidFill>
+                          <a:latin typeface="Consolas" panose="020B0609020204030204" pitchFamily="49" charset="0"/>
+                        </a:rPr>
+                        <a:t>23</a:t>
+                      </a:r>
+                    </a:p>
+                  </a:txBody>
+                  <a:tcPr marL="0" marR="0" marT="0" marB="0" anchor="ctr">
+                    <a:lnL w="12700" cap="flat" cmpd="sng" algn="ctr">
+                      <a:noFill/>
+                      <a:prstDash val="sysDot"/>
+                      <a:round/>
+                      <a:headEnd type="none" w="med" len="med"/>
+                      <a:tailEnd type="none" w="med" len="med"/>
+                    </a:lnL>
+                    <a:lnR w="12700" cap="flat" cmpd="sng" algn="ctr">
+                      <a:noFill/>
+                      <a:prstDash val="sysDot"/>
+                      <a:round/>
+                      <a:headEnd type="none" w="med" len="med"/>
+                      <a:tailEnd type="none" w="med" len="med"/>
+                    </a:lnR>
+                    <a:lnT w="12700" cap="flat" cmpd="sng" algn="ctr">
+                      <a:noFill/>
+                      <a:prstDash val="solid"/>
+                      <a:round/>
+                      <a:headEnd type="none" w="med" len="med"/>
+                      <a:tailEnd type="none" w="med" len="med"/>
+                    </a:lnT>
+                    <a:lnB w="12700" cap="flat" cmpd="sng" algn="ctr">
+                      <a:noFill/>
+                      <a:prstDash val="sysDot"/>
+                      <a:round/>
+                      <a:headEnd type="none" w="med" len="med"/>
+                      <a:tailEnd type="none" w="med" len="med"/>
+                    </a:lnB>
+                    <a:lnTlToBr w="12700" cmpd="sng">
+                      <a:noFill/>
+                      <a:prstDash val="solid"/>
+                    </a:lnTlToBr>
+                    <a:lnBlToTr w="12700" cmpd="sng">
+                      <a:noFill/>
+                      <a:prstDash val="solid"/>
+                    </a:lnBlToTr>
+                    <a:noFill/>
+                  </a:tcPr>
+                </a:tc>
+                <a:tc>
+                  <a:txBody>
+                    <a:bodyPr/>
+                    <a:lstStyle/>
+                    <a:p>
+                      <a:pPr algn="ctr"/>
+                      <a:r>
+                        <a:rPr lang="en-US" sz="1000" dirty="0">
+                          <a:solidFill>
+                            <a:schemeClr val="tx1"/>
+                          </a:solidFill>
+                          <a:latin typeface="Consolas" panose="020B0609020204030204" pitchFamily="49" charset="0"/>
+                        </a:rPr>
+                        <a:t>24</a:t>
+                      </a:r>
+                    </a:p>
+                  </a:txBody>
+                  <a:tcPr marL="0" marR="0" marT="0" marB="0" anchor="ctr">
+                    <a:lnL w="12700" cap="flat" cmpd="sng" algn="ctr">
+                      <a:noFill/>
+                      <a:prstDash val="sysDot"/>
+                      <a:round/>
+                      <a:headEnd type="none" w="med" len="med"/>
+                      <a:tailEnd type="none" w="med" len="med"/>
+                    </a:lnL>
+                    <a:lnR w="12700" cap="flat" cmpd="sng" algn="ctr">
+                      <a:noFill/>
+                      <a:prstDash val="sysDot"/>
+                      <a:round/>
+                      <a:headEnd type="none" w="med" len="med"/>
+                      <a:tailEnd type="none" w="med" len="med"/>
+                    </a:lnR>
+                    <a:lnT w="12700" cap="flat" cmpd="sng" algn="ctr">
+                      <a:noFill/>
+                      <a:prstDash val="solid"/>
+                      <a:round/>
+                      <a:headEnd type="none" w="med" len="med"/>
+                      <a:tailEnd type="none" w="med" len="med"/>
+                    </a:lnT>
+                    <a:lnB w="12700" cap="flat" cmpd="sng" algn="ctr">
+                      <a:noFill/>
+                      <a:prstDash val="sysDot"/>
+                      <a:round/>
+                      <a:headEnd type="none" w="med" len="med"/>
+                      <a:tailEnd type="none" w="med" len="med"/>
+                    </a:lnB>
+                    <a:lnTlToBr w="12700" cmpd="sng">
+                      <a:noFill/>
+                      <a:prstDash val="solid"/>
+                    </a:lnTlToBr>
+                    <a:lnBlToTr w="12700" cmpd="sng">
+                      <a:noFill/>
+                      <a:prstDash val="solid"/>
+                    </a:lnBlToTr>
+                    <a:noFill/>
+                  </a:tcPr>
+                </a:tc>
+                <a:tc>
+                  <a:txBody>
+                    <a:bodyPr/>
+                    <a:lstStyle/>
+                    <a:p>
+                      <a:pPr algn="ctr"/>
+                      <a:r>
+                        <a:rPr lang="en-US" sz="1000" dirty="0">
+                          <a:solidFill>
+                            <a:schemeClr val="tx1"/>
+                          </a:solidFill>
+                          <a:latin typeface="Consolas" panose="020B0609020204030204" pitchFamily="49" charset="0"/>
+                        </a:rPr>
+                        <a:t>25</a:t>
+                      </a:r>
+                    </a:p>
+                  </a:txBody>
+                  <a:tcPr marL="0" marR="0" marT="0" marB="0" anchor="ctr">
+                    <a:lnL w="12700" cap="flat" cmpd="sng" algn="ctr">
+                      <a:noFill/>
+                      <a:prstDash val="sysDot"/>
+                      <a:round/>
+                      <a:headEnd type="none" w="med" len="med"/>
+                      <a:tailEnd type="none" w="med" len="med"/>
+                    </a:lnL>
+                    <a:lnR w="12700" cap="flat" cmpd="sng" algn="ctr">
+                      <a:noFill/>
+                      <a:prstDash val="sysDot"/>
+                      <a:round/>
+                      <a:headEnd type="none" w="med" len="med"/>
+                      <a:tailEnd type="none" w="med" len="med"/>
+                    </a:lnR>
+                    <a:lnT w="12700" cap="flat" cmpd="sng" algn="ctr">
+                      <a:noFill/>
+                      <a:prstDash val="solid"/>
+                      <a:round/>
+                      <a:headEnd type="none" w="med" len="med"/>
+                      <a:tailEnd type="none" w="med" len="med"/>
+                    </a:lnT>
+                    <a:lnB w="12700" cap="flat" cmpd="sng" algn="ctr">
+                      <a:noFill/>
+                      <a:prstDash val="sysDot"/>
+                      <a:round/>
+                      <a:headEnd type="none" w="med" len="med"/>
+                      <a:tailEnd type="none" w="med" len="med"/>
+                    </a:lnB>
+                    <a:lnTlToBr w="12700" cmpd="sng">
+                      <a:noFill/>
+                      <a:prstDash val="solid"/>
+                    </a:lnTlToBr>
+                    <a:lnBlToTr w="12700" cmpd="sng">
+                      <a:noFill/>
+                      <a:prstDash val="solid"/>
+                    </a:lnBlToTr>
+                    <a:noFill/>
+                  </a:tcPr>
+                </a:tc>
+                <a:tc>
+                  <a:txBody>
+                    <a:bodyPr/>
+                    <a:lstStyle/>
+                    <a:p>
+                      <a:pPr algn="ctr"/>
+                      <a:r>
+                        <a:rPr lang="en-US" sz="1000" dirty="0">
+                          <a:solidFill>
+                            <a:schemeClr val="tx1"/>
+                          </a:solidFill>
+                          <a:latin typeface="Consolas" panose="020B0609020204030204" pitchFamily="49" charset="0"/>
+                        </a:rPr>
+                        <a:t>26</a:t>
+                      </a:r>
+                    </a:p>
+                  </a:txBody>
+                  <a:tcPr marL="0" marR="0" marT="0" marB="0" anchor="ctr">
+                    <a:lnL w="12700" cap="flat" cmpd="sng" algn="ctr">
+                      <a:noFill/>
+                      <a:prstDash val="sysDot"/>
+                      <a:round/>
+                      <a:headEnd type="none" w="med" len="med"/>
+                      <a:tailEnd type="none" w="med" len="med"/>
+                    </a:lnL>
+                    <a:lnR w="12700" cap="flat" cmpd="sng" algn="ctr">
+                      <a:noFill/>
+                      <a:prstDash val="sysDot"/>
+                      <a:round/>
+                      <a:headEnd type="none" w="med" len="med"/>
+                      <a:tailEnd type="none" w="med" len="med"/>
+                    </a:lnR>
+                    <a:lnT w="12700" cap="flat" cmpd="sng" algn="ctr">
+                      <a:noFill/>
+                      <a:prstDash val="solid"/>
+                      <a:round/>
+                      <a:headEnd type="none" w="med" len="med"/>
+                      <a:tailEnd type="none" w="med" len="med"/>
+                    </a:lnT>
+                    <a:lnB w="12700" cap="flat" cmpd="sng" algn="ctr">
+                      <a:noFill/>
+                      <a:prstDash val="sysDot"/>
+                      <a:round/>
+                      <a:headEnd type="none" w="med" len="med"/>
+                      <a:tailEnd type="none" w="med" len="med"/>
+                    </a:lnB>
+                    <a:lnTlToBr w="12700" cmpd="sng">
+                      <a:noFill/>
+                      <a:prstDash val="solid"/>
+                    </a:lnTlToBr>
+                    <a:lnBlToTr w="12700" cmpd="sng">
+                      <a:noFill/>
+                      <a:prstDash val="solid"/>
+                    </a:lnBlToTr>
+                    <a:noFill/>
+                  </a:tcPr>
+                </a:tc>
+                <a:extLst>
+                  <a:ext uri="{0D108BD9-81ED-4DB2-BD59-A6C34878D82A}">
+                    <a16:rowId xmlns:a16="http://schemas.microsoft.com/office/drawing/2014/main" val="3725367810"/>
+                  </a:ext>
+                </a:extLst>
+              </a:tr>
+              <a:tr h="203345">
+                <a:tc>
+                  <a:txBody>
+                    <a:bodyPr/>
+                    <a:lstStyle/>
+                    <a:p>
+                      <a:pPr algn="ctr"/>
+                      <a:r>
+                        <a:rPr lang="en-US" sz="1000" dirty="0">
+                          <a:solidFill>
+                            <a:schemeClr val="tx1"/>
+                          </a:solidFill>
+                          <a:latin typeface="Consolas" panose="020B0609020204030204" pitchFamily="49" charset="0"/>
+                        </a:rPr>
+                        <a:t>27</a:t>
+                      </a:r>
+                    </a:p>
+                  </a:txBody>
+                  <a:tcPr marL="0" marR="0" marT="0" marB="0" anchor="ctr">
+                    <a:lnL w="12700" cap="flat" cmpd="sng" algn="ctr">
+                      <a:noFill/>
+                      <a:prstDash val="sysDot"/>
+                      <a:round/>
+                      <a:headEnd type="none" w="med" len="med"/>
+                      <a:tailEnd type="none" w="med" len="med"/>
+                    </a:lnL>
+                    <a:lnR w="12700" cap="flat" cmpd="sng" algn="ctr">
+                      <a:noFill/>
+                      <a:prstDash val="sysDot"/>
+                      <a:round/>
+                      <a:headEnd type="none" w="med" len="med"/>
+                      <a:tailEnd type="none" w="med" len="med"/>
+                    </a:lnR>
+                    <a:lnT w="12700" cap="flat" cmpd="sng" algn="ctr">
+                      <a:noFill/>
+                      <a:prstDash val="solid"/>
+                      <a:round/>
+                      <a:headEnd type="none" w="med" len="med"/>
+                      <a:tailEnd type="none" w="med" len="med"/>
+                    </a:lnT>
+                    <a:lnB w="12700" cap="flat" cmpd="sng" algn="ctr">
+                      <a:noFill/>
+                      <a:prstDash val="sysDot"/>
+                      <a:round/>
+                      <a:headEnd type="none" w="med" len="med"/>
+                      <a:tailEnd type="none" w="med" len="med"/>
+                    </a:lnB>
+                    <a:lnTlToBr w="12700" cmpd="sng">
+                      <a:noFill/>
+                      <a:prstDash val="solid"/>
+                    </a:lnTlToBr>
+                    <a:lnBlToTr w="12700" cmpd="sng">
+                      <a:noFill/>
+                      <a:prstDash val="solid"/>
+                    </a:lnBlToTr>
+                    <a:noFill/>
+                  </a:tcPr>
+                </a:tc>
+                <a:tc>
+                  <a:txBody>
+                    <a:bodyPr/>
+                    <a:lstStyle/>
+                    <a:p>
+                      <a:pPr algn="ctr"/>
+                      <a:r>
+                        <a:rPr lang="en-US" sz="1000" dirty="0">
+                          <a:solidFill>
+                            <a:schemeClr val="tx1"/>
+                          </a:solidFill>
+                          <a:latin typeface="Consolas" panose="020B0609020204030204" pitchFamily="49" charset="0"/>
+                        </a:rPr>
+                        <a:t>28</a:t>
+                      </a:r>
+                    </a:p>
+                  </a:txBody>
+                  <a:tcPr marL="0" marR="0" marT="0" marB="0" anchor="ctr">
+                    <a:lnL w="12700" cap="flat" cmpd="sng" algn="ctr">
+                      <a:noFill/>
+                      <a:prstDash val="sysDot"/>
+                      <a:round/>
+                      <a:headEnd type="none" w="med" len="med"/>
+                      <a:tailEnd type="none" w="med" len="med"/>
+                    </a:lnL>
+                    <a:lnR w="12700" cap="flat" cmpd="sng" algn="ctr">
+                      <a:noFill/>
+                      <a:prstDash val="sysDot"/>
+                      <a:round/>
+                      <a:headEnd type="none" w="med" len="med"/>
+                      <a:tailEnd type="none" w="med" len="med"/>
+                    </a:lnR>
+                    <a:lnT w="12700" cap="flat" cmpd="sng" algn="ctr">
+                      <a:noFill/>
+                      <a:prstDash val="solid"/>
+                      <a:round/>
+                      <a:headEnd type="none" w="med" len="med"/>
+                      <a:tailEnd type="none" w="med" len="med"/>
+                    </a:lnT>
+                    <a:lnB w="12700" cap="flat" cmpd="sng" algn="ctr">
+                      <a:noFill/>
+                      <a:prstDash val="sysDot"/>
+                      <a:round/>
+                      <a:headEnd type="none" w="med" len="med"/>
+                      <a:tailEnd type="none" w="med" len="med"/>
+                    </a:lnB>
+                    <a:lnTlToBr w="12700" cmpd="sng">
+                      <a:noFill/>
+                      <a:prstDash val="solid"/>
+                    </a:lnTlToBr>
+                    <a:lnBlToTr w="12700" cmpd="sng">
+                      <a:noFill/>
+                      <a:prstDash val="solid"/>
+                    </a:lnBlToTr>
+                    <a:noFill/>
+                  </a:tcPr>
+                </a:tc>
+                <a:tc>
+                  <a:txBody>
+                    <a:bodyPr/>
+                    <a:lstStyle/>
+                    <a:p>
+                      <a:pPr algn="ctr"/>
+                      <a:r>
+                        <a:rPr lang="en-US" sz="1000" dirty="0">
+                          <a:solidFill>
+                            <a:schemeClr val="tx1"/>
+                          </a:solidFill>
+                          <a:latin typeface="Consolas" panose="020B0609020204030204" pitchFamily="49" charset="0"/>
+                        </a:rPr>
+                        <a:t>29</a:t>
+                      </a:r>
+                    </a:p>
+                  </a:txBody>
+                  <a:tcPr marL="0" marR="0" marT="0" marB="0" anchor="ctr">
+                    <a:lnL w="12700" cap="flat" cmpd="sng" algn="ctr">
+                      <a:noFill/>
+                      <a:prstDash val="sysDot"/>
+                      <a:round/>
+                      <a:headEnd type="none" w="med" len="med"/>
+                      <a:tailEnd type="none" w="med" len="med"/>
+                    </a:lnL>
+                    <a:lnR w="12700" cap="flat" cmpd="sng" algn="ctr">
+                      <a:noFill/>
+                      <a:prstDash val="sysDot"/>
+                      <a:round/>
+                      <a:headEnd type="none" w="med" len="med"/>
+                      <a:tailEnd type="none" w="med" len="med"/>
+                    </a:lnR>
+                    <a:lnT w="12700" cap="flat" cmpd="sng" algn="ctr">
+                      <a:noFill/>
+                      <a:prstDash val="solid"/>
+                      <a:round/>
+                      <a:headEnd type="none" w="med" len="med"/>
+                      <a:tailEnd type="none" w="med" len="med"/>
+                    </a:lnT>
+                    <a:lnB w="12700" cap="flat" cmpd="sng" algn="ctr">
+                      <a:noFill/>
+                      <a:prstDash val="sysDot"/>
+                      <a:round/>
+                      <a:headEnd type="none" w="med" len="med"/>
+                      <a:tailEnd type="none" w="med" len="med"/>
+                    </a:lnB>
+                    <a:lnTlToBr w="12700" cmpd="sng">
+                      <a:noFill/>
+                      <a:prstDash val="solid"/>
+                    </a:lnTlToBr>
+                    <a:lnBlToTr w="12700" cmpd="sng">
+                      <a:noFill/>
+                      <a:prstDash val="solid"/>
+                    </a:lnBlToTr>
+                    <a:noFill/>
+                  </a:tcPr>
+                </a:tc>
+                <a:tc>
+                  <a:txBody>
+                    <a:bodyPr/>
+                    <a:lstStyle/>
+                    <a:p>
+                      <a:pPr algn="ctr"/>
+                      <a:r>
+                        <a:rPr lang="en-US" sz="1000" dirty="0">
+                          <a:solidFill>
+                            <a:schemeClr val="tx1"/>
+                          </a:solidFill>
+                          <a:latin typeface="Consolas" panose="020B0609020204030204" pitchFamily="49" charset="0"/>
+                        </a:rPr>
+                        <a:t>30</a:t>
+                      </a:r>
+                    </a:p>
+                  </a:txBody>
+                  <a:tcPr marL="0" marR="0" marT="0" marB="0" anchor="ctr">
+                    <a:lnL w="12700" cap="flat" cmpd="sng" algn="ctr">
+                      <a:noFill/>
+                      <a:prstDash val="sysDot"/>
+                      <a:round/>
+                      <a:headEnd type="none" w="med" len="med"/>
+                      <a:tailEnd type="none" w="med" len="med"/>
+                    </a:lnL>
+                    <a:lnR w="12700" cap="flat" cmpd="sng" algn="ctr">
+                      <a:noFill/>
+                      <a:prstDash val="sysDot"/>
+                      <a:round/>
+                      <a:headEnd type="none" w="med" len="med"/>
+                      <a:tailEnd type="none" w="med" len="med"/>
+                    </a:lnR>
+                    <a:lnT w="12700" cap="flat" cmpd="sng" algn="ctr">
+                      <a:noFill/>
+                      <a:prstDash val="solid"/>
+                      <a:round/>
+                      <a:headEnd type="none" w="med" len="med"/>
+                      <a:tailEnd type="none" w="med" len="med"/>
+                    </a:lnT>
+                    <a:lnB w="12700" cap="flat" cmpd="sng" algn="ctr">
+                      <a:noFill/>
+                      <a:prstDash val="sysDot"/>
+                      <a:round/>
+                      <a:headEnd type="none" w="med" len="med"/>
+                      <a:tailEnd type="none" w="med" len="med"/>
+                    </a:lnB>
+                    <a:lnTlToBr w="12700" cmpd="sng">
+                      <a:noFill/>
+                      <a:prstDash val="solid"/>
+                    </a:lnTlToBr>
+                    <a:lnBlToTr w="12700" cmpd="sng">
+                      <a:noFill/>
+                      <a:prstDash val="solid"/>
+                    </a:lnBlToTr>
+                    <a:noFill/>
+                  </a:tcPr>
+                </a:tc>
+                <a:tc>
+                  <a:txBody>
+                    <a:bodyPr/>
+                    <a:lstStyle/>
+                    <a:p>
+                      <a:pPr algn="ctr"/>
+                      <a:r>
+                        <a:rPr lang="en-US" sz="1000" dirty="0">
+                          <a:solidFill>
+                            <a:schemeClr val="tx1"/>
+                          </a:solidFill>
+                          <a:latin typeface="Consolas" panose="020B0609020204030204" pitchFamily="49" charset="0"/>
+                        </a:rPr>
+                        <a:t>31</a:t>
+                      </a:r>
+                    </a:p>
+                  </a:txBody>
+                  <a:tcPr marL="0" marR="0" marT="0" marB="0" anchor="ctr">
+                    <a:lnL w="12700" cap="flat" cmpd="sng" algn="ctr">
+                      <a:noFill/>
+                      <a:prstDash val="sysDot"/>
+                      <a:round/>
+                      <a:headEnd type="none" w="med" len="med"/>
+                      <a:tailEnd type="none" w="med" len="med"/>
+                    </a:lnL>
+                    <a:lnR w="12700" cap="flat" cmpd="sng" algn="ctr">
+                      <a:noFill/>
+                      <a:prstDash val="sysDot"/>
+                      <a:round/>
+                      <a:headEnd type="none" w="med" len="med"/>
+                      <a:tailEnd type="none" w="med" len="med"/>
+                    </a:lnR>
+                    <a:lnT w="12700" cap="flat" cmpd="sng" algn="ctr">
+                      <a:noFill/>
+                      <a:prstDash val="solid"/>
+                      <a:round/>
+                      <a:headEnd type="none" w="med" len="med"/>
+                      <a:tailEnd type="none" w="med" len="med"/>
+                    </a:lnT>
+                    <a:lnB w="12700" cap="flat" cmpd="sng" algn="ctr">
+                      <a:noFill/>
+                      <a:prstDash val="sysDot"/>
+                      <a:round/>
+                      <a:headEnd type="none" w="med" len="med"/>
+                      <a:tailEnd type="none" w="med" len="med"/>
+                    </a:lnB>
+                    <a:lnTlToBr w="12700" cmpd="sng">
+                      <a:noFill/>
+                      <a:prstDash val="solid"/>
+                    </a:lnTlToBr>
+                    <a:lnBlToTr w="12700" cmpd="sng">
+                      <a:noFill/>
+                      <a:prstDash val="solid"/>
+                    </a:lnBlToTr>
+                    <a:noFill/>
+                  </a:tcPr>
+                </a:tc>
+                <a:tc>
+                  <a:txBody>
+                    <a:bodyPr/>
+                    <a:lstStyle/>
+                    <a:p>
+                      <a:pPr algn="ctr"/>
+                      <a:endParaRPr lang="en-US" sz="1000" dirty="0">
+                        <a:solidFill>
+                          <a:schemeClr val="tx1"/>
+                        </a:solidFill>
+                        <a:latin typeface="Consolas" panose="020B0609020204030204" pitchFamily="49" charset="0"/>
+                      </a:endParaRPr>
+                    </a:p>
+                  </a:txBody>
+                  <a:tcPr marL="0" marR="0" marT="0" marB="0" anchor="ctr">
+                    <a:lnL w="12700" cap="flat" cmpd="sng" algn="ctr">
+                      <a:noFill/>
+                      <a:prstDash val="sysDot"/>
+                      <a:round/>
+                      <a:headEnd type="none" w="med" len="med"/>
+                      <a:tailEnd type="none" w="med" len="med"/>
+                    </a:lnL>
+                    <a:lnR w="12700" cap="flat" cmpd="sng" algn="ctr">
+                      <a:noFill/>
+                      <a:prstDash val="sysDot"/>
+                      <a:round/>
+                      <a:headEnd type="none" w="med" len="med"/>
+                      <a:tailEnd type="none" w="med" len="med"/>
+                    </a:lnR>
+                    <a:lnT w="12700" cap="flat" cmpd="sng" algn="ctr">
+                      <a:noFill/>
+                      <a:prstDash val="solid"/>
+                      <a:round/>
+                      <a:headEnd type="none" w="med" len="med"/>
+                      <a:tailEnd type="none" w="med" len="med"/>
+                    </a:lnT>
+                    <a:lnB w="12700" cap="flat" cmpd="sng" algn="ctr">
+                      <a:noFill/>
+                      <a:prstDash val="sysDot"/>
+                      <a:round/>
+                      <a:headEnd type="none" w="med" len="med"/>
+                      <a:tailEnd type="none" w="med" len="med"/>
+                    </a:lnB>
+                    <a:lnTlToBr w="12700" cmpd="sng">
+                      <a:noFill/>
+                      <a:prstDash val="solid"/>
+                    </a:lnTlToBr>
+                    <a:lnBlToTr w="12700" cmpd="sng">
+                      <a:noFill/>
+                      <a:prstDash val="solid"/>
+                    </a:lnBlToTr>
+                    <a:noFill/>
+                  </a:tcPr>
+                </a:tc>
+                <a:tc>
+                  <a:txBody>
+                    <a:bodyPr/>
+                    <a:lstStyle/>
+                    <a:p>
+                      <a:pPr algn="ctr"/>
+                      <a:endParaRPr lang="en-US" sz="1000" dirty="0">
+                        <a:solidFill>
+                          <a:schemeClr val="tx1"/>
+                        </a:solidFill>
+                        <a:latin typeface="Consolas" panose="020B0609020204030204" pitchFamily="49" charset="0"/>
+                      </a:endParaRPr>
+                    </a:p>
+                  </a:txBody>
+                  <a:tcPr marL="0" marR="0" marT="0" marB="0" anchor="ctr">
+                    <a:lnL w="12700" cap="flat" cmpd="sng" algn="ctr">
+                      <a:noFill/>
+                      <a:prstDash val="sysDot"/>
+                      <a:round/>
+                      <a:headEnd type="none" w="med" len="med"/>
+                      <a:tailEnd type="none" w="med" len="med"/>
+                    </a:lnL>
+                    <a:lnR w="12700" cap="flat" cmpd="sng" algn="ctr">
+                      <a:noFill/>
+                      <a:prstDash val="sysDot"/>
+                      <a:round/>
+                      <a:headEnd type="none" w="med" len="med"/>
+                      <a:tailEnd type="none" w="med" len="med"/>
+                    </a:lnR>
+                    <a:lnT w="12700" cap="flat" cmpd="sng" algn="ctr">
+                      <a:noFill/>
+                      <a:prstDash val="solid"/>
+                      <a:round/>
+                      <a:headEnd type="none" w="med" len="med"/>
+                      <a:tailEnd type="none" w="med" len="med"/>
+                    </a:lnT>
+                    <a:lnB w="12700" cap="flat" cmpd="sng" algn="ctr">
+                      <a:noFill/>
+                      <a:prstDash val="sysDot"/>
+                      <a:round/>
+                      <a:headEnd type="none" w="med" len="med"/>
+                      <a:tailEnd type="none" w="med" len="med"/>
+                    </a:lnB>
+                    <a:lnTlToBr w="12700" cmpd="sng">
+                      <a:noFill/>
+                      <a:prstDash val="solid"/>
+                    </a:lnTlToBr>
+                    <a:lnBlToTr w="12700" cmpd="sng">
+                      <a:noFill/>
+                      <a:prstDash val="solid"/>
+                    </a:lnBlToTr>
+                    <a:noFill/>
+                  </a:tcPr>
+                </a:tc>
+                <a:extLst>
+                  <a:ext uri="{0D108BD9-81ED-4DB2-BD59-A6C34878D82A}">
+                    <a16:rowId xmlns:a16="http://schemas.microsoft.com/office/drawing/2014/main" val="3334782150"/>
+                  </a:ext>
+                </a:extLst>
+              </a:tr>
+            </a:tbl>
+          </a:graphicData>
+        </a:graphic>
+      </p:graphicFrame>
+    </p:spTree>
+    <p:extLst>
+      <p:ext uri="{BB962C8B-B14F-4D97-AF65-F5344CB8AC3E}">
+        <p14:creationId xmlns:p14="http://schemas.microsoft.com/office/powerpoint/2010/main" val="1334271803"/>
+      </p:ext>
+    </p:extLst>
+  </p:cSld>
+  <p:clrMapOvr>
+    <a:masterClrMapping/>
+  </p:clrMapOvr>
+</p:sld>
+</file>
+
+<file path=ppt/slides/slide26.xml><?xml version="1.0" encoding="utf-8"?>
+<p:sld xmlns:a="http://schemas.openxmlformats.org/drawingml/2006/main" xmlns:r="http://schemas.openxmlformats.org/officeDocument/2006/relationships" xmlns:p="http://schemas.openxmlformats.org/presentationml/2006/main">
+  <p:cSld>
+    <p:spTree>
+      <p:nvGrpSpPr>
+        <p:cNvPr id="1" name=""/>
+        <p:cNvGrpSpPr/>
+        <p:nvPr/>
+      </p:nvGrpSpPr>
+      <p:grpSpPr>
+        <a:xfrm>
+          <a:off x="0" y="0"/>
+          <a:ext cx="0" cy="0"/>
+          <a:chOff x="0" y="0"/>
+          <a:chExt cx="0" cy="0"/>
+        </a:xfrm>
+      </p:grpSpPr>
+      <p:pic>
+        <p:nvPicPr>
+          <p:cNvPr id="2050" name="Picture 2" descr="Cardi B with Short Hair Coloring Page - Free Printable Coloring Pages for  Kids">
+            <a:extLst>
+              <a:ext uri="{FF2B5EF4-FFF2-40B4-BE49-F238E27FC236}">
+                <a16:creationId xmlns:a16="http://schemas.microsoft.com/office/drawing/2014/main" id="{B8EA6F44-C8C4-46B4-BC0C-3ABBA22707E8}"/>
+              </a:ext>
+            </a:extLst>
+          </p:cNvPr>
+          <p:cNvPicPr>
+            <a:picLocks noChangeAspect="1" noChangeArrowheads="1"/>
+          </p:cNvPicPr>
+          <p:nvPr/>
+        </p:nvPicPr>
+        <p:blipFill rotWithShape="1">
+          <a:blip r:embed="rId2">
+            <a:extLst>
+              <a:ext uri="{28A0092B-C50C-407E-A947-70E740481C1C}">
+                <a14:useLocalDpi xmlns:a14="http://schemas.microsoft.com/office/drawing/2010/main" val="0"/>
+              </a:ext>
+            </a:extLst>
+          </a:blip>
+          <a:srcRect b="30183"/>
+          <a:stretch/>
+        </p:blipFill>
+        <p:spPr bwMode="auto">
+          <a:xfrm>
+            <a:off x="3998262" y="6398958"/>
+            <a:ext cx="2367538" cy="2066173"/>
+          </a:xfrm>
+          <a:prstGeom prst="rect">
+            <a:avLst/>
+          </a:prstGeom>
+          <a:noFill/>
+          <a:extLst>
+            <a:ext uri="{909E8E84-426E-40DD-AFC4-6F175D3DCCD1}">
+              <a14:hiddenFill xmlns:a14="http://schemas.microsoft.com/office/drawing/2010/main">
+                <a:solidFill>
+                  <a:srgbClr val="FFFFFF"/>
+                </a:solidFill>
+              </a14:hiddenFill>
+            </a:ext>
+          </a:extLst>
+        </p:spPr>
+      </p:pic>
+      <p:graphicFrame>
+        <p:nvGraphicFramePr>
+          <p:cNvPr id="2" name="Table 2">
+            <a:extLst>
+              <a:ext uri="{FF2B5EF4-FFF2-40B4-BE49-F238E27FC236}">
+                <a16:creationId xmlns:a16="http://schemas.microsoft.com/office/drawing/2014/main" id="{44B78867-2CDC-48FB-8ECB-1C8783C63C5E}"/>
+              </a:ext>
+            </a:extLst>
+          </p:cNvPr>
+          <p:cNvGraphicFramePr>
+            <a:graphicFrameLocks noGrp="1"/>
+          </p:cNvGraphicFramePr>
+          <p:nvPr>
+            <p:extLst>
+              <p:ext uri="{D42A27DB-BD31-4B8C-83A1-F6EECF244321}">
+                <p14:modId xmlns:p14="http://schemas.microsoft.com/office/powerpoint/2010/main" val="2259323131"/>
+              </p:ext>
+            </p:extLst>
+          </p:nvPr>
+        </p:nvGraphicFramePr>
+        <p:xfrm>
+          <a:off x="492201" y="294766"/>
+          <a:ext cx="5873598" cy="8170365"/>
+        </p:xfrm>
+        <a:graphic>
+          <a:graphicData uri="http://schemas.openxmlformats.org/drawingml/2006/table">
+            <a:tbl>
+              <a:tblPr>
+                <a:tableStyleId>{793D81CF-94F2-401A-BA57-92F5A7B2D0C5}</a:tableStyleId>
+              </a:tblPr>
+              <a:tblGrid>
+                <a:gridCol w="911953">
+                  <a:extLst>
+                    <a:ext uri="{9D8B030D-6E8A-4147-A177-3AD203B41FA5}">
+                      <a16:colId xmlns:a16="http://schemas.microsoft.com/office/drawing/2014/main" val="2519500409"/>
+                    </a:ext>
+                  </a:extLst>
+                </a:gridCol>
+                <a:gridCol w="803756">
+                  <a:extLst>
+                    <a:ext uri="{9D8B030D-6E8A-4147-A177-3AD203B41FA5}">
+                      <a16:colId xmlns:a16="http://schemas.microsoft.com/office/drawing/2014/main" val="1816478784"/>
+                    </a:ext>
+                  </a:extLst>
+                </a:gridCol>
+                <a:gridCol w="4157889">
+                  <a:extLst>
+                    <a:ext uri="{9D8B030D-6E8A-4147-A177-3AD203B41FA5}">
+                      <a16:colId xmlns:a16="http://schemas.microsoft.com/office/drawing/2014/main" val="3861189417"/>
+                    </a:ext>
+                  </a:extLst>
+                </a:gridCol>
+              </a:tblGrid>
+              <a:tr h="1167195">
+                <a:tc>
+                  <a:txBody>
+                    <a:bodyPr/>
+                    <a:lstStyle/>
+                    <a:p>
+                      <a:endParaRPr lang="en-US" dirty="0"/>
+                    </a:p>
+                  </a:txBody>
+                  <a:tcPr>
+                    <a:lnL w="12700" cap="flat" cmpd="sng" algn="ctr">
+                      <a:solidFill>
+                        <a:schemeClr val="tx1"/>
+                      </a:solidFill>
+                      <a:prstDash val="solid"/>
+                      <a:round/>
+                      <a:headEnd type="none" w="med" len="med"/>
+                      <a:tailEnd type="none" w="med" len="med"/>
+                    </a:lnL>
+                    <a:lnR w="12700" cap="flat" cmpd="sng" algn="ctr">
+                      <a:solidFill>
+                        <a:schemeClr val="tx1"/>
+                      </a:solidFill>
+                      <a:prstDash val="solid"/>
+                      <a:round/>
+                      <a:headEnd type="none" w="med" len="med"/>
+                      <a:tailEnd type="none" w="med" len="med"/>
+                    </a:lnR>
+                    <a:lnT w="12700" cap="flat" cmpd="sng" algn="ctr">
+                      <a:solidFill>
+                        <a:schemeClr val="tx1"/>
+                      </a:solidFill>
+                      <a:prstDash val="solid"/>
+                      <a:round/>
+                      <a:headEnd type="none" w="med" len="med"/>
+                      <a:tailEnd type="none" w="med" len="med"/>
+                    </a:lnT>
+                    <a:lnB w="12700" cap="flat" cmpd="sng" algn="ctr">
+                      <a:solidFill>
+                        <a:schemeClr val="tx1"/>
+                      </a:solidFill>
+                      <a:prstDash val="solid"/>
+                      <a:round/>
+                      <a:headEnd type="none" w="med" len="med"/>
+                      <a:tailEnd type="none" w="med" len="med"/>
+                    </a:lnB>
+                    <a:noFill/>
+                  </a:tcPr>
+                </a:tc>
+                <a:tc>
+                  <a:txBody>
+                    <a:bodyPr/>
+                    <a:lstStyle/>
+                    <a:p>
+                      <a:endParaRPr lang="en-US" dirty="0"/>
+                    </a:p>
+                  </a:txBody>
+                  <a:tcPr>
+                    <a:lnL w="12700" cap="flat" cmpd="sng" algn="ctr">
+                      <a:solidFill>
+                        <a:schemeClr val="tx1"/>
+                      </a:solidFill>
+                      <a:prstDash val="solid"/>
+                      <a:round/>
+                      <a:headEnd type="none" w="med" len="med"/>
+                      <a:tailEnd type="none" w="med" len="med"/>
+                    </a:lnL>
+                    <a:lnR w="12700" cap="flat" cmpd="sng" algn="ctr">
+                      <a:solidFill>
+                        <a:schemeClr val="tx1"/>
+                      </a:solidFill>
+                      <a:prstDash val="solid"/>
+                      <a:round/>
+                      <a:headEnd type="none" w="med" len="med"/>
+                      <a:tailEnd type="none" w="med" len="med"/>
+                    </a:lnR>
+                    <a:lnT w="12700" cap="flat" cmpd="sng" algn="ctr">
+                      <a:solidFill>
+                        <a:schemeClr val="tx1"/>
+                      </a:solidFill>
+                      <a:prstDash val="solid"/>
+                      <a:round/>
+                      <a:headEnd type="none" w="med" len="med"/>
+                      <a:tailEnd type="none" w="med" len="med"/>
+                    </a:lnT>
+                    <a:lnB w="12700" cap="flat" cmpd="sng" algn="ctr">
+                      <a:solidFill>
+                        <a:schemeClr val="tx1"/>
+                      </a:solidFill>
+                      <a:prstDash val="solid"/>
+                      <a:round/>
+                      <a:headEnd type="none" w="med" len="med"/>
+                      <a:tailEnd type="none" w="med" len="med"/>
+                    </a:lnB>
+                    <a:noFill/>
+                  </a:tcPr>
+                </a:tc>
+                <a:tc>
+                  <a:txBody>
+                    <a:bodyPr/>
+                    <a:lstStyle/>
+                    <a:p>
+                      <a:endParaRPr lang="en-US" dirty="0"/>
+                    </a:p>
+                  </a:txBody>
+                  <a:tcPr>
+                    <a:lnL w="12700" cap="flat" cmpd="sng" algn="ctr">
+                      <a:solidFill>
+                        <a:schemeClr val="tx1"/>
+                      </a:solidFill>
+                      <a:prstDash val="solid"/>
+                      <a:round/>
+                      <a:headEnd type="none" w="med" len="med"/>
+                      <a:tailEnd type="none" w="med" len="med"/>
+                    </a:lnL>
+                    <a:lnR w="12700" cap="flat" cmpd="sng" algn="ctr">
+                      <a:solidFill>
+                        <a:schemeClr val="tx1"/>
+                      </a:solidFill>
+                      <a:prstDash val="solid"/>
+                      <a:round/>
+                      <a:headEnd type="none" w="med" len="med"/>
+                      <a:tailEnd type="none" w="med" len="med"/>
+                    </a:lnR>
+                    <a:lnT w="12700" cap="flat" cmpd="sng" algn="ctr">
+                      <a:solidFill>
+                        <a:schemeClr val="tx1"/>
+                      </a:solidFill>
+                      <a:prstDash val="solid"/>
+                      <a:round/>
+                      <a:headEnd type="none" w="med" len="med"/>
+                      <a:tailEnd type="none" w="med" len="med"/>
+                    </a:lnT>
+                    <a:lnB w="12700" cap="flat" cmpd="sng" algn="ctr">
+                      <a:solidFill>
+                        <a:schemeClr val="tx1"/>
+                      </a:solidFill>
+                      <a:prstDash val="solid"/>
+                      <a:round/>
+                      <a:headEnd type="none" w="med" len="med"/>
+                      <a:tailEnd type="none" w="med" len="med"/>
+                    </a:lnB>
+                    <a:noFill/>
+                  </a:tcPr>
+                </a:tc>
+                <a:extLst>
+                  <a:ext uri="{0D108BD9-81ED-4DB2-BD59-A6C34878D82A}">
+                    <a16:rowId xmlns:a16="http://schemas.microsoft.com/office/drawing/2014/main" val="3689589678"/>
+                  </a:ext>
+                </a:extLst>
+              </a:tr>
+              <a:tr h="1167195">
+                <a:tc>
+                  <a:txBody>
+                    <a:bodyPr/>
+                    <a:lstStyle/>
+                    <a:p>
+                      <a:endParaRPr lang="en-US" dirty="0"/>
+                    </a:p>
+                  </a:txBody>
+                  <a:tcPr>
+                    <a:lnL w="12700" cap="flat" cmpd="sng" algn="ctr">
+                      <a:solidFill>
+                        <a:schemeClr val="tx1"/>
+                      </a:solidFill>
+                      <a:prstDash val="solid"/>
+                      <a:round/>
+                      <a:headEnd type="none" w="med" len="med"/>
+                      <a:tailEnd type="none" w="med" len="med"/>
+                    </a:lnL>
+                    <a:lnR w="12700" cap="flat" cmpd="sng" algn="ctr">
+                      <a:solidFill>
+                        <a:schemeClr val="tx1"/>
+                      </a:solidFill>
+                      <a:prstDash val="solid"/>
+                      <a:round/>
+                      <a:headEnd type="none" w="med" len="med"/>
+                      <a:tailEnd type="none" w="med" len="med"/>
+                    </a:lnR>
+                    <a:lnT w="12700" cap="flat" cmpd="sng" algn="ctr">
+                      <a:solidFill>
+                        <a:schemeClr val="tx1"/>
+                      </a:solidFill>
+                      <a:prstDash val="solid"/>
+                      <a:round/>
+                      <a:headEnd type="none" w="med" len="med"/>
+                      <a:tailEnd type="none" w="med" len="med"/>
+                    </a:lnT>
+                    <a:lnB w="12700" cap="flat" cmpd="sng" algn="ctr">
+                      <a:solidFill>
+                        <a:schemeClr val="tx1"/>
+                      </a:solidFill>
+                      <a:prstDash val="solid"/>
+                      <a:round/>
+                      <a:headEnd type="none" w="med" len="med"/>
+                      <a:tailEnd type="none" w="med" len="med"/>
+                    </a:lnB>
+                    <a:noFill/>
+                  </a:tcPr>
+                </a:tc>
+                <a:tc>
+                  <a:txBody>
+                    <a:bodyPr/>
+                    <a:lstStyle/>
+                    <a:p>
+                      <a:endParaRPr lang="en-US"/>
+                    </a:p>
+                  </a:txBody>
+                  <a:tcPr>
+                    <a:lnL w="12700" cap="flat" cmpd="sng" algn="ctr">
+                      <a:solidFill>
+                        <a:schemeClr val="tx1"/>
+                      </a:solidFill>
+                      <a:prstDash val="solid"/>
+                      <a:round/>
+                      <a:headEnd type="none" w="med" len="med"/>
+                      <a:tailEnd type="none" w="med" len="med"/>
+                    </a:lnL>
+                    <a:lnR w="12700" cap="flat" cmpd="sng" algn="ctr">
+                      <a:solidFill>
+                        <a:schemeClr val="tx1"/>
+                      </a:solidFill>
+                      <a:prstDash val="solid"/>
+                      <a:round/>
+                      <a:headEnd type="none" w="med" len="med"/>
+                      <a:tailEnd type="none" w="med" len="med"/>
+                    </a:lnR>
+                    <a:lnT w="12700" cap="flat" cmpd="sng" algn="ctr">
+                      <a:solidFill>
+                        <a:schemeClr val="tx1"/>
+                      </a:solidFill>
+                      <a:prstDash val="solid"/>
+                      <a:round/>
+                      <a:headEnd type="none" w="med" len="med"/>
+                      <a:tailEnd type="none" w="med" len="med"/>
+                    </a:lnT>
+                    <a:lnB w="12700" cap="flat" cmpd="sng" algn="ctr">
+                      <a:solidFill>
+                        <a:schemeClr val="tx1"/>
+                      </a:solidFill>
+                      <a:prstDash val="solid"/>
+                      <a:round/>
+                      <a:headEnd type="none" w="med" len="med"/>
+                      <a:tailEnd type="none" w="med" len="med"/>
+                    </a:lnB>
+                    <a:noFill/>
+                  </a:tcPr>
+                </a:tc>
+                <a:tc>
+                  <a:txBody>
+                    <a:bodyPr/>
+                    <a:lstStyle/>
+                    <a:p>
+                      <a:endParaRPr lang="en-US" dirty="0"/>
+                    </a:p>
+                  </a:txBody>
+                  <a:tcPr>
+                    <a:lnL w="12700" cap="flat" cmpd="sng" algn="ctr">
+                      <a:solidFill>
+                        <a:schemeClr val="tx1"/>
+                      </a:solidFill>
+                      <a:prstDash val="solid"/>
+                      <a:round/>
+                      <a:headEnd type="none" w="med" len="med"/>
+                      <a:tailEnd type="none" w="med" len="med"/>
+                    </a:lnL>
+                    <a:lnR w="12700" cap="flat" cmpd="sng" algn="ctr">
+                      <a:solidFill>
+                        <a:schemeClr val="tx1"/>
+                      </a:solidFill>
+                      <a:prstDash val="solid"/>
+                      <a:round/>
+                      <a:headEnd type="none" w="med" len="med"/>
+                      <a:tailEnd type="none" w="med" len="med"/>
+                    </a:lnR>
+                    <a:lnT w="12700" cap="flat" cmpd="sng" algn="ctr">
+                      <a:solidFill>
+                        <a:schemeClr val="tx1"/>
+                      </a:solidFill>
+                      <a:prstDash val="solid"/>
+                      <a:round/>
+                      <a:headEnd type="none" w="med" len="med"/>
+                      <a:tailEnd type="none" w="med" len="med"/>
+                    </a:lnT>
+                    <a:lnB w="12700" cap="flat" cmpd="sng" algn="ctr">
+                      <a:solidFill>
+                        <a:schemeClr val="tx1"/>
+                      </a:solidFill>
+                      <a:prstDash val="solid"/>
+                      <a:round/>
+                      <a:headEnd type="none" w="med" len="med"/>
+                      <a:tailEnd type="none" w="med" len="med"/>
+                    </a:lnB>
+                    <a:noFill/>
+                  </a:tcPr>
+                </a:tc>
+                <a:extLst>
+                  <a:ext uri="{0D108BD9-81ED-4DB2-BD59-A6C34878D82A}">
+                    <a16:rowId xmlns:a16="http://schemas.microsoft.com/office/drawing/2014/main" val="1977270602"/>
+                  </a:ext>
+                </a:extLst>
+              </a:tr>
+              <a:tr h="1167195">
+                <a:tc>
+                  <a:txBody>
+                    <a:bodyPr/>
+                    <a:lstStyle/>
+                    <a:p>
+                      <a:endParaRPr lang="en-US"/>
+                    </a:p>
+                  </a:txBody>
+                  <a:tcPr>
+                    <a:lnL w="12700" cap="flat" cmpd="sng" algn="ctr">
+                      <a:solidFill>
+                        <a:schemeClr val="tx1"/>
+                      </a:solidFill>
+                      <a:prstDash val="solid"/>
+                      <a:round/>
+                      <a:headEnd type="none" w="med" len="med"/>
+                      <a:tailEnd type="none" w="med" len="med"/>
+                    </a:lnL>
+                    <a:lnR w="12700" cap="flat" cmpd="sng" algn="ctr">
+                      <a:solidFill>
+                        <a:schemeClr val="tx1"/>
+                      </a:solidFill>
+                      <a:prstDash val="solid"/>
+                      <a:round/>
+                      <a:headEnd type="none" w="med" len="med"/>
+                      <a:tailEnd type="none" w="med" len="med"/>
+                    </a:lnR>
+                    <a:lnT w="12700" cap="flat" cmpd="sng" algn="ctr">
+                      <a:solidFill>
+                        <a:schemeClr val="tx1"/>
+                      </a:solidFill>
+                      <a:prstDash val="solid"/>
+                      <a:round/>
+                      <a:headEnd type="none" w="med" len="med"/>
+                      <a:tailEnd type="none" w="med" len="med"/>
+                    </a:lnT>
+                    <a:lnB w="12700" cap="flat" cmpd="sng" algn="ctr">
+                      <a:solidFill>
+                        <a:schemeClr val="tx1"/>
+                      </a:solidFill>
+                      <a:prstDash val="solid"/>
+                      <a:round/>
+                      <a:headEnd type="none" w="med" len="med"/>
+                      <a:tailEnd type="none" w="med" len="med"/>
+                    </a:lnB>
+                    <a:noFill/>
+                  </a:tcPr>
+                </a:tc>
+                <a:tc>
+                  <a:txBody>
+                    <a:bodyPr/>
+                    <a:lstStyle/>
+                    <a:p>
+                      <a:endParaRPr lang="en-US"/>
+                    </a:p>
+                  </a:txBody>
+                  <a:tcPr>
+                    <a:lnL w="12700" cap="flat" cmpd="sng" algn="ctr">
+                      <a:solidFill>
+                        <a:schemeClr val="tx1"/>
+                      </a:solidFill>
+                      <a:prstDash val="solid"/>
+                      <a:round/>
+                      <a:headEnd type="none" w="med" len="med"/>
+                      <a:tailEnd type="none" w="med" len="med"/>
+                    </a:lnL>
+                    <a:lnR w="12700" cap="flat" cmpd="sng" algn="ctr">
+                      <a:solidFill>
+                        <a:schemeClr val="tx1"/>
+                      </a:solidFill>
+                      <a:prstDash val="solid"/>
+                      <a:round/>
+                      <a:headEnd type="none" w="med" len="med"/>
+                      <a:tailEnd type="none" w="med" len="med"/>
+                    </a:lnR>
+                    <a:lnT w="12700" cap="flat" cmpd="sng" algn="ctr">
+                      <a:solidFill>
+                        <a:schemeClr val="tx1"/>
+                      </a:solidFill>
+                      <a:prstDash val="solid"/>
+                      <a:round/>
+                      <a:headEnd type="none" w="med" len="med"/>
+                      <a:tailEnd type="none" w="med" len="med"/>
+                    </a:lnT>
+                    <a:lnB w="12700" cap="flat" cmpd="sng" algn="ctr">
+                      <a:solidFill>
+                        <a:schemeClr val="tx1"/>
+                      </a:solidFill>
+                      <a:prstDash val="solid"/>
+                      <a:round/>
+                      <a:headEnd type="none" w="med" len="med"/>
+                      <a:tailEnd type="none" w="med" len="med"/>
+                    </a:lnB>
+                    <a:noFill/>
+                  </a:tcPr>
+                </a:tc>
+                <a:tc>
+                  <a:txBody>
+                    <a:bodyPr/>
+                    <a:lstStyle/>
+                    <a:p>
+                      <a:endParaRPr lang="en-US"/>
+                    </a:p>
+                  </a:txBody>
+                  <a:tcPr>
+                    <a:lnL w="12700" cap="flat" cmpd="sng" algn="ctr">
+                      <a:solidFill>
+                        <a:schemeClr val="tx1"/>
+                      </a:solidFill>
+                      <a:prstDash val="solid"/>
+                      <a:round/>
+                      <a:headEnd type="none" w="med" len="med"/>
+                      <a:tailEnd type="none" w="med" len="med"/>
+                    </a:lnL>
+                    <a:lnR w="12700" cap="flat" cmpd="sng" algn="ctr">
+                      <a:solidFill>
+                        <a:schemeClr val="tx1"/>
+                      </a:solidFill>
+                      <a:prstDash val="solid"/>
+                      <a:round/>
+                      <a:headEnd type="none" w="med" len="med"/>
+                      <a:tailEnd type="none" w="med" len="med"/>
+                    </a:lnR>
+                    <a:lnT w="12700" cap="flat" cmpd="sng" algn="ctr">
+                      <a:solidFill>
+                        <a:schemeClr val="tx1"/>
+                      </a:solidFill>
+                      <a:prstDash val="solid"/>
+                      <a:round/>
+                      <a:headEnd type="none" w="med" len="med"/>
+                      <a:tailEnd type="none" w="med" len="med"/>
+                    </a:lnT>
+                    <a:lnB w="12700" cap="flat" cmpd="sng" algn="ctr">
+                      <a:solidFill>
+                        <a:schemeClr val="tx1"/>
+                      </a:solidFill>
+                      <a:prstDash val="solid"/>
+                      <a:round/>
+                      <a:headEnd type="none" w="med" len="med"/>
+                      <a:tailEnd type="none" w="med" len="med"/>
+                    </a:lnB>
+                    <a:noFill/>
+                  </a:tcPr>
+                </a:tc>
+                <a:extLst>
+                  <a:ext uri="{0D108BD9-81ED-4DB2-BD59-A6C34878D82A}">
+                    <a16:rowId xmlns:a16="http://schemas.microsoft.com/office/drawing/2014/main" val="3244300883"/>
+                  </a:ext>
+                </a:extLst>
+              </a:tr>
+              <a:tr h="1167195">
+                <a:tc>
+                  <a:txBody>
+                    <a:bodyPr/>
+                    <a:lstStyle/>
+                    <a:p>
+                      <a:endParaRPr lang="en-US"/>
+                    </a:p>
+                  </a:txBody>
+                  <a:tcPr>
+                    <a:lnL w="12700" cap="flat" cmpd="sng" algn="ctr">
+                      <a:solidFill>
+                        <a:schemeClr val="tx1"/>
+                      </a:solidFill>
+                      <a:prstDash val="solid"/>
+                      <a:round/>
+                      <a:headEnd type="none" w="med" len="med"/>
+                      <a:tailEnd type="none" w="med" len="med"/>
+                    </a:lnL>
+                    <a:lnR w="12700" cap="flat" cmpd="sng" algn="ctr">
+                      <a:solidFill>
+                        <a:schemeClr val="tx1"/>
+                      </a:solidFill>
+                      <a:prstDash val="solid"/>
+                      <a:round/>
+                      <a:headEnd type="none" w="med" len="med"/>
+                      <a:tailEnd type="none" w="med" len="med"/>
+                    </a:lnR>
+                    <a:lnT w="12700" cap="flat" cmpd="sng" algn="ctr">
+                      <a:solidFill>
+                        <a:schemeClr val="tx1"/>
+                      </a:solidFill>
+                      <a:prstDash val="solid"/>
+                      <a:round/>
+                      <a:headEnd type="none" w="med" len="med"/>
+                      <a:tailEnd type="none" w="med" len="med"/>
+                    </a:lnT>
+                    <a:lnB w="12700" cap="flat" cmpd="sng" algn="ctr">
+                      <a:solidFill>
+                        <a:schemeClr val="tx1"/>
+                      </a:solidFill>
+                      <a:prstDash val="solid"/>
+                      <a:round/>
+                      <a:headEnd type="none" w="med" len="med"/>
+                      <a:tailEnd type="none" w="med" len="med"/>
+                    </a:lnB>
+                    <a:noFill/>
+                  </a:tcPr>
+                </a:tc>
+                <a:tc>
+                  <a:txBody>
+                    <a:bodyPr/>
+                    <a:lstStyle/>
+                    <a:p>
+                      <a:endParaRPr lang="en-US"/>
+                    </a:p>
+                  </a:txBody>
+                  <a:tcPr>
+                    <a:lnL w="12700" cap="flat" cmpd="sng" algn="ctr">
+                      <a:solidFill>
+                        <a:schemeClr val="tx1"/>
+                      </a:solidFill>
+                      <a:prstDash val="solid"/>
+                      <a:round/>
+                      <a:headEnd type="none" w="med" len="med"/>
+                      <a:tailEnd type="none" w="med" len="med"/>
+                    </a:lnL>
+                    <a:lnR w="12700" cap="flat" cmpd="sng" algn="ctr">
+                      <a:solidFill>
+                        <a:schemeClr val="tx1"/>
+                      </a:solidFill>
+                      <a:prstDash val="solid"/>
+                      <a:round/>
+                      <a:headEnd type="none" w="med" len="med"/>
+                      <a:tailEnd type="none" w="med" len="med"/>
+                    </a:lnR>
+                    <a:lnT w="12700" cap="flat" cmpd="sng" algn="ctr">
+                      <a:solidFill>
+                        <a:schemeClr val="tx1"/>
+                      </a:solidFill>
+                      <a:prstDash val="solid"/>
+                      <a:round/>
+                      <a:headEnd type="none" w="med" len="med"/>
+                      <a:tailEnd type="none" w="med" len="med"/>
+                    </a:lnT>
+                    <a:lnB w="12700" cap="flat" cmpd="sng" algn="ctr">
+                      <a:solidFill>
+                        <a:schemeClr val="tx1"/>
+                      </a:solidFill>
+                      <a:prstDash val="solid"/>
+                      <a:round/>
+                      <a:headEnd type="none" w="med" len="med"/>
+                      <a:tailEnd type="none" w="med" len="med"/>
+                    </a:lnB>
+                    <a:noFill/>
+                  </a:tcPr>
+                </a:tc>
+                <a:tc>
+                  <a:txBody>
+                    <a:bodyPr/>
+                    <a:lstStyle/>
+                    <a:p>
+                      <a:endParaRPr lang="en-US"/>
+                    </a:p>
+                  </a:txBody>
+                  <a:tcPr>
+                    <a:lnL w="12700" cap="flat" cmpd="sng" algn="ctr">
+                      <a:solidFill>
+                        <a:schemeClr val="tx1"/>
+                      </a:solidFill>
+                      <a:prstDash val="solid"/>
+                      <a:round/>
+                      <a:headEnd type="none" w="med" len="med"/>
+                      <a:tailEnd type="none" w="med" len="med"/>
+                    </a:lnL>
+                    <a:lnR w="12700" cap="flat" cmpd="sng" algn="ctr">
+                      <a:solidFill>
+                        <a:schemeClr val="tx1"/>
+                      </a:solidFill>
+                      <a:prstDash val="solid"/>
+                      <a:round/>
+                      <a:headEnd type="none" w="med" len="med"/>
+                      <a:tailEnd type="none" w="med" len="med"/>
+                    </a:lnR>
+                    <a:lnT w="12700" cap="flat" cmpd="sng" algn="ctr">
+                      <a:solidFill>
+                        <a:schemeClr val="tx1"/>
+                      </a:solidFill>
+                      <a:prstDash val="solid"/>
+                      <a:round/>
+                      <a:headEnd type="none" w="med" len="med"/>
+                      <a:tailEnd type="none" w="med" len="med"/>
+                    </a:lnT>
+                    <a:lnB w="12700" cap="flat" cmpd="sng" algn="ctr">
+                      <a:solidFill>
+                        <a:schemeClr val="tx1"/>
+                      </a:solidFill>
+                      <a:prstDash val="solid"/>
+                      <a:round/>
+                      <a:headEnd type="none" w="med" len="med"/>
+                      <a:tailEnd type="none" w="med" len="med"/>
+                    </a:lnB>
+                    <a:noFill/>
+                  </a:tcPr>
+                </a:tc>
+                <a:extLst>
+                  <a:ext uri="{0D108BD9-81ED-4DB2-BD59-A6C34878D82A}">
+                    <a16:rowId xmlns:a16="http://schemas.microsoft.com/office/drawing/2014/main" val="108577889"/>
+                  </a:ext>
+                </a:extLst>
+              </a:tr>
+              <a:tr h="1167195">
+                <a:tc>
+                  <a:txBody>
+                    <a:bodyPr/>
+                    <a:lstStyle/>
+                    <a:p>
+                      <a:endParaRPr lang="en-US"/>
+                    </a:p>
+                  </a:txBody>
+                  <a:tcPr>
+                    <a:lnL w="12700" cap="flat" cmpd="sng" algn="ctr">
+                      <a:solidFill>
+                        <a:schemeClr val="tx1"/>
+                      </a:solidFill>
+                      <a:prstDash val="solid"/>
+                      <a:round/>
+                      <a:headEnd type="none" w="med" len="med"/>
+                      <a:tailEnd type="none" w="med" len="med"/>
+                    </a:lnL>
+                    <a:lnR w="12700" cap="flat" cmpd="sng" algn="ctr">
+                      <a:solidFill>
+                        <a:schemeClr val="tx1"/>
+                      </a:solidFill>
+                      <a:prstDash val="solid"/>
+                      <a:round/>
+                      <a:headEnd type="none" w="med" len="med"/>
+                      <a:tailEnd type="none" w="med" len="med"/>
+                    </a:lnR>
+                    <a:lnT w="12700" cap="flat" cmpd="sng" algn="ctr">
+                      <a:solidFill>
+                        <a:schemeClr val="tx1"/>
+                      </a:solidFill>
+                      <a:prstDash val="solid"/>
+                      <a:round/>
+                      <a:headEnd type="none" w="med" len="med"/>
+                      <a:tailEnd type="none" w="med" len="med"/>
+                    </a:lnT>
+                    <a:lnB w="12700" cap="flat" cmpd="sng" algn="ctr">
+                      <a:solidFill>
+                        <a:schemeClr val="tx1"/>
+                      </a:solidFill>
+                      <a:prstDash val="solid"/>
+                      <a:round/>
+                      <a:headEnd type="none" w="med" len="med"/>
+                      <a:tailEnd type="none" w="med" len="med"/>
+                    </a:lnB>
+                    <a:noFill/>
+                  </a:tcPr>
+                </a:tc>
+                <a:tc>
+                  <a:txBody>
+                    <a:bodyPr/>
+                    <a:lstStyle/>
+                    <a:p>
+                      <a:endParaRPr lang="en-US"/>
+                    </a:p>
+                  </a:txBody>
+                  <a:tcPr>
+                    <a:lnL w="12700" cap="flat" cmpd="sng" algn="ctr">
+                      <a:solidFill>
+                        <a:schemeClr val="tx1"/>
+                      </a:solidFill>
+                      <a:prstDash val="solid"/>
+                      <a:round/>
+                      <a:headEnd type="none" w="med" len="med"/>
+                      <a:tailEnd type="none" w="med" len="med"/>
+                    </a:lnL>
+                    <a:lnR w="12700" cap="flat" cmpd="sng" algn="ctr">
+                      <a:solidFill>
+                        <a:schemeClr val="tx1"/>
+                      </a:solidFill>
+                      <a:prstDash val="solid"/>
+                      <a:round/>
+                      <a:headEnd type="none" w="med" len="med"/>
+                      <a:tailEnd type="none" w="med" len="med"/>
+                    </a:lnR>
+                    <a:lnT w="12700" cap="flat" cmpd="sng" algn="ctr">
+                      <a:solidFill>
+                        <a:schemeClr val="tx1"/>
+                      </a:solidFill>
+                      <a:prstDash val="solid"/>
+                      <a:round/>
+                      <a:headEnd type="none" w="med" len="med"/>
+                      <a:tailEnd type="none" w="med" len="med"/>
+                    </a:lnT>
+                    <a:lnB w="12700" cap="flat" cmpd="sng" algn="ctr">
+                      <a:solidFill>
+                        <a:schemeClr val="tx1"/>
+                      </a:solidFill>
+                      <a:prstDash val="solid"/>
+                      <a:round/>
+                      <a:headEnd type="none" w="med" len="med"/>
+                      <a:tailEnd type="none" w="med" len="med"/>
+                    </a:lnB>
+                    <a:noFill/>
+                  </a:tcPr>
+                </a:tc>
+                <a:tc>
+                  <a:txBody>
+                    <a:bodyPr/>
+                    <a:lstStyle/>
+                    <a:p>
+                      <a:endParaRPr lang="en-US" dirty="0"/>
+                    </a:p>
+                  </a:txBody>
+                  <a:tcPr>
+                    <a:lnL w="12700" cap="flat" cmpd="sng" algn="ctr">
+                      <a:solidFill>
+                        <a:schemeClr val="tx1"/>
+                      </a:solidFill>
+                      <a:prstDash val="solid"/>
+                      <a:round/>
+                      <a:headEnd type="none" w="med" len="med"/>
+                      <a:tailEnd type="none" w="med" len="med"/>
+                    </a:lnL>
+                    <a:lnR w="12700" cap="flat" cmpd="sng" algn="ctr">
+                      <a:solidFill>
+                        <a:schemeClr val="tx1"/>
+                      </a:solidFill>
+                      <a:prstDash val="solid"/>
+                      <a:round/>
+                      <a:headEnd type="none" w="med" len="med"/>
+                      <a:tailEnd type="none" w="med" len="med"/>
+                    </a:lnR>
+                    <a:lnT w="12700" cap="flat" cmpd="sng" algn="ctr">
+                      <a:solidFill>
+                        <a:schemeClr val="tx1"/>
+                      </a:solidFill>
+                      <a:prstDash val="solid"/>
+                      <a:round/>
+                      <a:headEnd type="none" w="med" len="med"/>
+                      <a:tailEnd type="none" w="med" len="med"/>
+                    </a:lnT>
+                    <a:lnB w="12700" cap="flat" cmpd="sng" algn="ctr">
+                      <a:solidFill>
+                        <a:schemeClr val="tx1"/>
+                      </a:solidFill>
+                      <a:prstDash val="solid"/>
+                      <a:round/>
+                      <a:headEnd type="none" w="med" len="med"/>
+                      <a:tailEnd type="none" w="med" len="med"/>
+                    </a:lnB>
+                    <a:noFill/>
+                  </a:tcPr>
+                </a:tc>
+                <a:extLst>
+                  <a:ext uri="{0D108BD9-81ED-4DB2-BD59-A6C34878D82A}">
+                    <a16:rowId xmlns:a16="http://schemas.microsoft.com/office/drawing/2014/main" val="3353491500"/>
+                  </a:ext>
+                </a:extLst>
+              </a:tr>
+              <a:tr h="1167195">
+                <a:tc>
+                  <a:txBody>
+                    <a:bodyPr/>
+                    <a:lstStyle/>
+                    <a:p>
+                      <a:endParaRPr lang="en-US"/>
+                    </a:p>
+                  </a:txBody>
+                  <a:tcPr>
+                    <a:lnL w="12700" cap="flat" cmpd="sng" algn="ctr">
+                      <a:solidFill>
+                        <a:schemeClr val="tx1"/>
+                      </a:solidFill>
+                      <a:prstDash val="solid"/>
+                      <a:round/>
+                      <a:headEnd type="none" w="med" len="med"/>
+                      <a:tailEnd type="none" w="med" len="med"/>
+                    </a:lnL>
+                    <a:lnR w="12700" cap="flat" cmpd="sng" algn="ctr">
+                      <a:solidFill>
+                        <a:schemeClr val="tx1"/>
+                      </a:solidFill>
+                      <a:prstDash val="solid"/>
+                      <a:round/>
+                      <a:headEnd type="none" w="med" len="med"/>
+                      <a:tailEnd type="none" w="med" len="med"/>
+                    </a:lnR>
+                    <a:lnT w="12700" cap="flat" cmpd="sng" algn="ctr">
+                      <a:solidFill>
+                        <a:schemeClr val="tx1"/>
+                      </a:solidFill>
+                      <a:prstDash val="solid"/>
+                      <a:round/>
+                      <a:headEnd type="none" w="med" len="med"/>
+                      <a:tailEnd type="none" w="med" len="med"/>
+                    </a:lnT>
+                    <a:lnB w="12700" cap="flat" cmpd="sng" algn="ctr">
+                      <a:solidFill>
+                        <a:schemeClr val="tx1"/>
+                      </a:solidFill>
+                      <a:prstDash val="solid"/>
+                      <a:round/>
+                      <a:headEnd type="none" w="med" len="med"/>
+                      <a:tailEnd type="none" w="med" len="med"/>
+                    </a:lnB>
+                    <a:noFill/>
+                  </a:tcPr>
+                </a:tc>
+                <a:tc>
+                  <a:txBody>
+                    <a:bodyPr/>
+                    <a:lstStyle/>
+                    <a:p>
+                      <a:endParaRPr lang="en-US"/>
+                    </a:p>
+                  </a:txBody>
+                  <a:tcPr>
+                    <a:lnL w="12700" cap="flat" cmpd="sng" algn="ctr">
+                      <a:solidFill>
+                        <a:schemeClr val="tx1"/>
+                      </a:solidFill>
+                      <a:prstDash val="solid"/>
+                      <a:round/>
+                      <a:headEnd type="none" w="med" len="med"/>
+                      <a:tailEnd type="none" w="med" len="med"/>
+                    </a:lnL>
+                    <a:lnR w="12700" cap="flat" cmpd="sng" algn="ctr">
+                      <a:solidFill>
+                        <a:schemeClr val="tx1"/>
+                      </a:solidFill>
+                      <a:prstDash val="solid"/>
+                      <a:round/>
+                      <a:headEnd type="none" w="med" len="med"/>
+                      <a:tailEnd type="none" w="med" len="med"/>
+                    </a:lnR>
+                    <a:lnT w="12700" cap="flat" cmpd="sng" algn="ctr">
+                      <a:solidFill>
+                        <a:schemeClr val="tx1"/>
+                      </a:solidFill>
+                      <a:prstDash val="solid"/>
+                      <a:round/>
+                      <a:headEnd type="none" w="med" len="med"/>
+                      <a:tailEnd type="none" w="med" len="med"/>
+                    </a:lnT>
+                    <a:lnB w="12700" cap="flat" cmpd="sng" algn="ctr">
+                      <a:solidFill>
+                        <a:schemeClr val="tx1"/>
+                      </a:solidFill>
+                      <a:prstDash val="solid"/>
+                      <a:round/>
+                      <a:headEnd type="none" w="med" len="med"/>
+                      <a:tailEnd type="none" w="med" len="med"/>
+                    </a:lnB>
+                    <a:noFill/>
+                  </a:tcPr>
+                </a:tc>
+                <a:tc>
+                  <a:txBody>
+                    <a:bodyPr/>
+                    <a:lstStyle/>
+                    <a:p>
+                      <a:endParaRPr lang="en-US"/>
+                    </a:p>
+                  </a:txBody>
+                  <a:tcPr>
+                    <a:lnL w="12700" cap="flat" cmpd="sng" algn="ctr">
+                      <a:solidFill>
+                        <a:schemeClr val="tx1"/>
+                      </a:solidFill>
+                      <a:prstDash val="solid"/>
+                      <a:round/>
+                      <a:headEnd type="none" w="med" len="med"/>
+                      <a:tailEnd type="none" w="med" len="med"/>
+                    </a:lnL>
+                    <a:lnR w="12700" cap="flat" cmpd="sng" algn="ctr">
+                      <a:solidFill>
+                        <a:schemeClr val="tx1"/>
+                      </a:solidFill>
+                      <a:prstDash val="solid"/>
+                      <a:round/>
+                      <a:headEnd type="none" w="med" len="med"/>
+                      <a:tailEnd type="none" w="med" len="med"/>
+                    </a:lnR>
+                    <a:lnT w="12700" cap="flat" cmpd="sng" algn="ctr">
+                      <a:solidFill>
+                        <a:schemeClr val="tx1"/>
+                      </a:solidFill>
+                      <a:prstDash val="solid"/>
+                      <a:round/>
+                      <a:headEnd type="none" w="med" len="med"/>
+                      <a:tailEnd type="none" w="med" len="med"/>
+                    </a:lnT>
+                    <a:lnB w="12700" cap="flat" cmpd="sng" algn="ctr">
+                      <a:solidFill>
+                        <a:schemeClr val="tx1"/>
+                      </a:solidFill>
+                      <a:prstDash val="solid"/>
+                      <a:round/>
+                      <a:headEnd type="none" w="med" len="med"/>
+                      <a:tailEnd type="none" w="med" len="med"/>
+                    </a:lnB>
+                    <a:noFill/>
+                  </a:tcPr>
+                </a:tc>
+                <a:extLst>
+                  <a:ext uri="{0D108BD9-81ED-4DB2-BD59-A6C34878D82A}">
+                    <a16:rowId xmlns:a16="http://schemas.microsoft.com/office/drawing/2014/main" val="3410469418"/>
+                  </a:ext>
+                </a:extLst>
+              </a:tr>
+              <a:tr h="1167195">
+                <a:tc>
+                  <a:txBody>
+                    <a:bodyPr/>
+                    <a:lstStyle/>
+                    <a:p>
+                      <a:endParaRPr lang="en-US"/>
+                    </a:p>
+                  </a:txBody>
+                  <a:tcPr>
+                    <a:lnL w="12700" cap="flat" cmpd="sng" algn="ctr">
+                      <a:solidFill>
+                        <a:schemeClr val="tx1"/>
+                      </a:solidFill>
+                      <a:prstDash val="solid"/>
+                      <a:round/>
+                      <a:headEnd type="none" w="med" len="med"/>
+                      <a:tailEnd type="none" w="med" len="med"/>
+                    </a:lnL>
+                    <a:lnR w="12700" cap="flat" cmpd="sng" algn="ctr">
+                      <a:solidFill>
+                        <a:schemeClr val="tx1"/>
+                      </a:solidFill>
+                      <a:prstDash val="solid"/>
+                      <a:round/>
+                      <a:headEnd type="none" w="med" len="med"/>
+                      <a:tailEnd type="none" w="med" len="med"/>
+                    </a:lnR>
+                    <a:lnT w="12700" cap="flat" cmpd="sng" algn="ctr">
+                      <a:solidFill>
+                        <a:schemeClr val="tx1"/>
+                      </a:solidFill>
+                      <a:prstDash val="solid"/>
+                      <a:round/>
+                      <a:headEnd type="none" w="med" len="med"/>
+                      <a:tailEnd type="none" w="med" len="med"/>
+                    </a:lnT>
+                    <a:lnB w="12700" cap="flat" cmpd="sng" algn="ctr">
+                      <a:solidFill>
+                        <a:schemeClr val="tx1"/>
+                      </a:solidFill>
+                      <a:prstDash val="solid"/>
+                      <a:round/>
+                      <a:headEnd type="none" w="med" len="med"/>
+                      <a:tailEnd type="none" w="med" len="med"/>
+                    </a:lnB>
+                    <a:noFill/>
+                  </a:tcPr>
+                </a:tc>
+                <a:tc>
+                  <a:txBody>
+                    <a:bodyPr/>
+                    <a:lstStyle/>
+                    <a:p>
+                      <a:endParaRPr lang="en-US" dirty="0"/>
+                    </a:p>
+                  </a:txBody>
+                  <a:tcPr>
+                    <a:lnL w="12700" cap="flat" cmpd="sng" algn="ctr">
+                      <a:solidFill>
+                        <a:schemeClr val="tx1"/>
+                      </a:solidFill>
+                      <a:prstDash val="solid"/>
+                      <a:round/>
+                      <a:headEnd type="none" w="med" len="med"/>
+                      <a:tailEnd type="none" w="med" len="med"/>
+                    </a:lnL>
+                    <a:lnR w="12700" cap="flat" cmpd="sng" algn="ctr">
+                      <a:solidFill>
+                        <a:schemeClr val="tx1"/>
+                      </a:solidFill>
+                      <a:prstDash val="solid"/>
+                      <a:round/>
+                      <a:headEnd type="none" w="med" len="med"/>
+                      <a:tailEnd type="none" w="med" len="med"/>
+                    </a:lnR>
+                    <a:lnT w="12700" cap="flat" cmpd="sng" algn="ctr">
+                      <a:solidFill>
+                        <a:schemeClr val="tx1"/>
+                      </a:solidFill>
+                      <a:prstDash val="solid"/>
+                      <a:round/>
+                      <a:headEnd type="none" w="med" len="med"/>
+                      <a:tailEnd type="none" w="med" len="med"/>
+                    </a:lnT>
+                    <a:lnB w="12700" cap="flat" cmpd="sng" algn="ctr">
+                      <a:solidFill>
+                        <a:schemeClr val="tx1"/>
+                      </a:solidFill>
+                      <a:prstDash val="solid"/>
+                      <a:round/>
+                      <a:headEnd type="none" w="med" len="med"/>
+                      <a:tailEnd type="none" w="med" len="med"/>
+                    </a:lnB>
+                    <a:noFill/>
+                  </a:tcPr>
+                </a:tc>
+                <a:tc>
+                  <a:txBody>
+                    <a:bodyPr/>
+                    <a:lstStyle/>
+                    <a:p>
+                      <a:endParaRPr lang="en-US" dirty="0"/>
+                    </a:p>
+                  </a:txBody>
+                  <a:tcPr>
+                    <a:lnL w="12700" cap="flat" cmpd="sng" algn="ctr">
+                      <a:solidFill>
+                        <a:schemeClr val="tx1"/>
+                      </a:solidFill>
+                      <a:prstDash val="solid"/>
+                      <a:round/>
+                      <a:headEnd type="none" w="med" len="med"/>
+                      <a:tailEnd type="none" w="med" len="med"/>
+                    </a:lnL>
+                    <a:lnR w="12700" cap="flat" cmpd="sng" algn="ctr">
+                      <a:solidFill>
+                        <a:schemeClr val="tx1"/>
+                      </a:solidFill>
+                      <a:prstDash val="solid"/>
+                      <a:round/>
+                      <a:headEnd type="none" w="med" len="med"/>
+                      <a:tailEnd type="none" w="med" len="med"/>
+                    </a:lnR>
+                    <a:lnT w="12700" cap="flat" cmpd="sng" algn="ctr">
+                      <a:solidFill>
+                        <a:schemeClr val="tx1"/>
+                      </a:solidFill>
+                      <a:prstDash val="solid"/>
+                      <a:round/>
+                      <a:headEnd type="none" w="med" len="med"/>
+                      <a:tailEnd type="none" w="med" len="med"/>
+                    </a:lnT>
+                    <a:lnB w="12700" cap="flat" cmpd="sng" algn="ctr">
+                      <a:solidFill>
+                        <a:schemeClr val="tx1"/>
+                      </a:solidFill>
+                      <a:prstDash val="solid"/>
+                      <a:round/>
+                      <a:headEnd type="none" w="med" len="med"/>
+                      <a:tailEnd type="none" w="med" len="med"/>
+                    </a:lnB>
+                    <a:noFill/>
+                  </a:tcPr>
+                </a:tc>
+                <a:extLst>
+                  <a:ext uri="{0D108BD9-81ED-4DB2-BD59-A6C34878D82A}">
+                    <a16:rowId xmlns:a16="http://schemas.microsoft.com/office/drawing/2014/main" val="1181207589"/>
+                  </a:ext>
+                </a:extLst>
+              </a:tr>
+            </a:tbl>
+          </a:graphicData>
+        </a:graphic>
+      </p:graphicFrame>
+      <p:grpSp>
+        <p:nvGrpSpPr>
+          <p:cNvPr id="17" name="Group 16">
+            <a:extLst>
+              <a:ext uri="{FF2B5EF4-FFF2-40B4-BE49-F238E27FC236}">
+                <a16:creationId xmlns:a16="http://schemas.microsoft.com/office/drawing/2014/main" id="{2453E78E-0F92-460F-B5F5-B367A7AF41C9}"/>
+              </a:ext>
+            </a:extLst>
+          </p:cNvPr>
+          <p:cNvGrpSpPr/>
+          <p:nvPr/>
+        </p:nvGrpSpPr>
+        <p:grpSpPr>
+          <a:xfrm>
+            <a:off x="617869" y="329957"/>
+            <a:ext cx="676205" cy="876145"/>
+            <a:chOff x="469231" y="1925051"/>
+            <a:chExt cx="655415" cy="649709"/>
+          </a:xfrm>
+        </p:grpSpPr>
+        <p:cxnSp>
+          <p:nvCxnSpPr>
+            <p:cNvPr id="5" name="Straight Connector 4">
+              <a:extLst>
+                <a:ext uri="{FF2B5EF4-FFF2-40B4-BE49-F238E27FC236}">
+                  <a16:creationId xmlns:a16="http://schemas.microsoft.com/office/drawing/2014/main" id="{5B05B46E-1553-48EC-B398-D40704579071}"/>
+                </a:ext>
+              </a:extLst>
+            </p:cNvPr>
+            <p:cNvCxnSpPr>
+              <a:cxnSpLocks/>
+            </p:cNvCxnSpPr>
+            <p:nvPr/>
+          </p:nvCxnSpPr>
+          <p:spPr>
+            <a:xfrm>
+              <a:off x="469231" y="1925052"/>
+              <a:ext cx="655413" cy="0"/>
+            </a:xfrm>
+            <a:prstGeom prst="line">
+              <a:avLst/>
+            </a:prstGeom>
+            <a:ln w="38100"/>
+          </p:spPr>
+          <p:style>
+            <a:lnRef idx="1">
+              <a:schemeClr val="dk1"/>
+            </a:lnRef>
+            <a:fillRef idx="0">
+              <a:schemeClr val="dk1"/>
+            </a:fillRef>
+            <a:effectRef idx="0">
+              <a:schemeClr val="dk1"/>
+            </a:effectRef>
+            <a:fontRef idx="minor">
+              <a:schemeClr val="tx1"/>
+            </a:fontRef>
+          </p:style>
+        </p:cxnSp>
+        <p:cxnSp>
+          <p:nvCxnSpPr>
+            <p:cNvPr id="9" name="Straight Connector 8">
+              <a:extLst>
+                <a:ext uri="{FF2B5EF4-FFF2-40B4-BE49-F238E27FC236}">
+                  <a16:creationId xmlns:a16="http://schemas.microsoft.com/office/drawing/2014/main" id="{749FA54B-8EE0-4CE8-92DB-FDE7C8B8240C}"/>
+                </a:ext>
+              </a:extLst>
+            </p:cNvPr>
+            <p:cNvCxnSpPr/>
+            <p:nvPr/>
+          </p:nvCxnSpPr>
+          <p:spPr>
+            <a:xfrm>
+              <a:off x="469231" y="1925052"/>
+              <a:ext cx="0" cy="649706"/>
+            </a:xfrm>
+            <a:prstGeom prst="line">
+              <a:avLst/>
+            </a:prstGeom>
+            <a:ln w="38100"/>
+          </p:spPr>
+          <p:style>
+            <a:lnRef idx="1">
+              <a:schemeClr val="dk1"/>
+            </a:lnRef>
+            <a:fillRef idx="0">
+              <a:schemeClr val="dk1"/>
+            </a:fillRef>
+            <a:effectRef idx="0">
+              <a:schemeClr val="dk1"/>
+            </a:effectRef>
+            <a:fontRef idx="minor">
+              <a:schemeClr val="tx1"/>
+            </a:fontRef>
+          </p:style>
+        </p:cxnSp>
+        <p:cxnSp>
+          <p:nvCxnSpPr>
+            <p:cNvPr id="10" name="Straight Connector 9">
+              <a:extLst>
+                <a:ext uri="{FF2B5EF4-FFF2-40B4-BE49-F238E27FC236}">
+                  <a16:creationId xmlns:a16="http://schemas.microsoft.com/office/drawing/2014/main" id="{23E2C46C-7045-47F9-BF69-FB5F47E8B74A}"/>
+                </a:ext>
+              </a:extLst>
+            </p:cNvPr>
+            <p:cNvCxnSpPr/>
+            <p:nvPr/>
+          </p:nvCxnSpPr>
+          <p:spPr>
+            <a:xfrm>
+              <a:off x="1124644" y="1925051"/>
+              <a:ext cx="0" cy="649706"/>
+            </a:xfrm>
+            <a:prstGeom prst="line">
+              <a:avLst/>
+            </a:prstGeom>
+            <a:ln w="38100"/>
+          </p:spPr>
+          <p:style>
+            <a:lnRef idx="1">
+              <a:schemeClr val="dk1"/>
+            </a:lnRef>
+            <a:fillRef idx="0">
+              <a:schemeClr val="dk1"/>
+            </a:fillRef>
+            <a:effectRef idx="0">
+              <a:schemeClr val="dk1"/>
+            </a:effectRef>
+            <a:fontRef idx="minor">
+              <a:schemeClr val="tx1"/>
+            </a:fontRef>
+          </p:style>
+        </p:cxnSp>
+        <p:cxnSp>
+          <p:nvCxnSpPr>
+            <p:cNvPr id="13" name="Straight Connector 12">
+              <a:extLst>
+                <a:ext uri="{FF2B5EF4-FFF2-40B4-BE49-F238E27FC236}">
+                  <a16:creationId xmlns:a16="http://schemas.microsoft.com/office/drawing/2014/main" id="{F1EABA31-0247-4F7A-B2BB-566C24CCB9D0}"/>
+                </a:ext>
+              </a:extLst>
+            </p:cNvPr>
+            <p:cNvCxnSpPr>
+              <a:cxnSpLocks/>
+            </p:cNvCxnSpPr>
+            <p:nvPr/>
+          </p:nvCxnSpPr>
+          <p:spPr>
+            <a:xfrm flipV="1">
+              <a:off x="469231" y="2382865"/>
+              <a:ext cx="327707" cy="191895"/>
+            </a:xfrm>
+            <a:prstGeom prst="line">
+              <a:avLst/>
+            </a:prstGeom>
+            <a:ln w="38100"/>
+          </p:spPr>
+          <p:style>
+            <a:lnRef idx="1">
+              <a:schemeClr val="dk1"/>
+            </a:lnRef>
+            <a:fillRef idx="0">
+              <a:schemeClr val="dk1"/>
+            </a:fillRef>
+            <a:effectRef idx="0">
+              <a:schemeClr val="dk1"/>
+            </a:effectRef>
+            <a:fontRef idx="minor">
+              <a:schemeClr val="tx1"/>
+            </a:fontRef>
+          </p:style>
+        </p:cxnSp>
+        <p:cxnSp>
+          <p:nvCxnSpPr>
+            <p:cNvPr id="16" name="Straight Connector 15">
+              <a:extLst>
+                <a:ext uri="{FF2B5EF4-FFF2-40B4-BE49-F238E27FC236}">
+                  <a16:creationId xmlns:a16="http://schemas.microsoft.com/office/drawing/2014/main" id="{16DB6498-56B0-4077-ADD2-1C5B7347308E}"/>
+                </a:ext>
+              </a:extLst>
+            </p:cNvPr>
+            <p:cNvCxnSpPr>
+              <a:cxnSpLocks/>
+            </p:cNvCxnSpPr>
+            <p:nvPr/>
+          </p:nvCxnSpPr>
+          <p:spPr>
+            <a:xfrm>
+              <a:off x="796939" y="2382863"/>
+              <a:ext cx="327707" cy="191895"/>
+            </a:xfrm>
+            <a:prstGeom prst="line">
+              <a:avLst/>
+            </a:prstGeom>
+            <a:ln w="38100"/>
+          </p:spPr>
+          <p:style>
+            <a:lnRef idx="1">
+              <a:schemeClr val="dk1"/>
+            </a:lnRef>
+            <a:fillRef idx="0">
+              <a:schemeClr val="dk1"/>
+            </a:fillRef>
+            <a:effectRef idx="0">
+              <a:schemeClr val="dk1"/>
+            </a:effectRef>
+            <a:fontRef idx="minor">
+              <a:schemeClr val="tx1"/>
+            </a:fontRef>
+          </p:style>
+        </p:cxnSp>
+      </p:grpSp>
+      <p:grpSp>
+        <p:nvGrpSpPr>
+          <p:cNvPr id="20" name="Group 19">
+            <a:extLst>
+              <a:ext uri="{FF2B5EF4-FFF2-40B4-BE49-F238E27FC236}">
+                <a16:creationId xmlns:a16="http://schemas.microsoft.com/office/drawing/2014/main" id="{58C03B2E-8418-4737-B151-8647E189AE73}"/>
+              </a:ext>
+            </a:extLst>
+          </p:cNvPr>
+          <p:cNvGrpSpPr/>
+          <p:nvPr/>
+        </p:nvGrpSpPr>
+        <p:grpSpPr>
+          <a:xfrm>
+            <a:off x="617867" y="1509205"/>
+            <a:ext cx="676205" cy="876145"/>
+            <a:chOff x="469231" y="1925051"/>
+            <a:chExt cx="655415" cy="649709"/>
+          </a:xfrm>
+        </p:grpSpPr>
+        <p:cxnSp>
+          <p:nvCxnSpPr>
+            <p:cNvPr id="21" name="Straight Connector 20">
+              <a:extLst>
+                <a:ext uri="{FF2B5EF4-FFF2-40B4-BE49-F238E27FC236}">
+                  <a16:creationId xmlns:a16="http://schemas.microsoft.com/office/drawing/2014/main" id="{0181C339-4B36-4136-B36A-4BB0034B2268}"/>
+                </a:ext>
+              </a:extLst>
+            </p:cNvPr>
+            <p:cNvCxnSpPr>
+              <a:cxnSpLocks/>
+            </p:cNvCxnSpPr>
+            <p:nvPr/>
+          </p:nvCxnSpPr>
+          <p:spPr>
+            <a:xfrm>
+              <a:off x="469231" y="1925052"/>
+              <a:ext cx="655413" cy="0"/>
+            </a:xfrm>
+            <a:prstGeom prst="line">
+              <a:avLst/>
+            </a:prstGeom>
+            <a:ln w="38100"/>
+          </p:spPr>
+          <p:style>
+            <a:lnRef idx="1">
+              <a:schemeClr val="dk1"/>
+            </a:lnRef>
+            <a:fillRef idx="0">
+              <a:schemeClr val="dk1"/>
+            </a:fillRef>
+            <a:effectRef idx="0">
+              <a:schemeClr val="dk1"/>
+            </a:effectRef>
+            <a:fontRef idx="minor">
+              <a:schemeClr val="tx1"/>
+            </a:fontRef>
+          </p:style>
+        </p:cxnSp>
+        <p:cxnSp>
+          <p:nvCxnSpPr>
+            <p:cNvPr id="22" name="Straight Connector 21">
+              <a:extLst>
+                <a:ext uri="{FF2B5EF4-FFF2-40B4-BE49-F238E27FC236}">
+                  <a16:creationId xmlns:a16="http://schemas.microsoft.com/office/drawing/2014/main" id="{80C2B7A3-DA21-4C22-8229-A0FAD09E1116}"/>
+                </a:ext>
+              </a:extLst>
+            </p:cNvPr>
+            <p:cNvCxnSpPr/>
+            <p:nvPr/>
+          </p:nvCxnSpPr>
+          <p:spPr>
+            <a:xfrm>
+              <a:off x="469231" y="1925052"/>
+              <a:ext cx="0" cy="649706"/>
+            </a:xfrm>
+            <a:prstGeom prst="line">
+              <a:avLst/>
+            </a:prstGeom>
+            <a:ln w="38100"/>
+          </p:spPr>
+          <p:style>
+            <a:lnRef idx="1">
+              <a:schemeClr val="dk1"/>
+            </a:lnRef>
+            <a:fillRef idx="0">
+              <a:schemeClr val="dk1"/>
+            </a:fillRef>
+            <a:effectRef idx="0">
+              <a:schemeClr val="dk1"/>
+            </a:effectRef>
+            <a:fontRef idx="minor">
+              <a:schemeClr val="tx1"/>
+            </a:fontRef>
+          </p:style>
+        </p:cxnSp>
+        <p:cxnSp>
+          <p:nvCxnSpPr>
+            <p:cNvPr id="23" name="Straight Connector 22">
+              <a:extLst>
+                <a:ext uri="{FF2B5EF4-FFF2-40B4-BE49-F238E27FC236}">
+                  <a16:creationId xmlns:a16="http://schemas.microsoft.com/office/drawing/2014/main" id="{29D74C66-AD41-4350-B7AB-093CBBE2EA80}"/>
+                </a:ext>
+              </a:extLst>
+            </p:cNvPr>
+            <p:cNvCxnSpPr/>
+            <p:nvPr/>
+          </p:nvCxnSpPr>
+          <p:spPr>
+            <a:xfrm>
+              <a:off x="1124644" y="1925051"/>
+              <a:ext cx="0" cy="649706"/>
+            </a:xfrm>
+            <a:prstGeom prst="line">
+              <a:avLst/>
+            </a:prstGeom>
+            <a:ln w="38100"/>
+          </p:spPr>
+          <p:style>
+            <a:lnRef idx="1">
+              <a:schemeClr val="dk1"/>
+            </a:lnRef>
+            <a:fillRef idx="0">
+              <a:schemeClr val="dk1"/>
+            </a:fillRef>
+            <a:effectRef idx="0">
+              <a:schemeClr val="dk1"/>
+            </a:effectRef>
+            <a:fontRef idx="minor">
+              <a:schemeClr val="tx1"/>
+            </a:fontRef>
+          </p:style>
+        </p:cxnSp>
+        <p:cxnSp>
+          <p:nvCxnSpPr>
+            <p:cNvPr id="24" name="Straight Connector 23">
+              <a:extLst>
+                <a:ext uri="{FF2B5EF4-FFF2-40B4-BE49-F238E27FC236}">
+                  <a16:creationId xmlns:a16="http://schemas.microsoft.com/office/drawing/2014/main" id="{BD69ECA8-1356-4F5B-BD8B-2976D92E746B}"/>
+                </a:ext>
+              </a:extLst>
+            </p:cNvPr>
+            <p:cNvCxnSpPr>
+              <a:cxnSpLocks/>
+            </p:cNvCxnSpPr>
+            <p:nvPr/>
+          </p:nvCxnSpPr>
+          <p:spPr>
+            <a:xfrm flipV="1">
+              <a:off x="469231" y="2382865"/>
+              <a:ext cx="327707" cy="191895"/>
+            </a:xfrm>
+            <a:prstGeom prst="line">
+              <a:avLst/>
+            </a:prstGeom>
+            <a:ln w="38100"/>
+          </p:spPr>
+          <p:style>
+            <a:lnRef idx="1">
+              <a:schemeClr val="dk1"/>
+            </a:lnRef>
+            <a:fillRef idx="0">
+              <a:schemeClr val="dk1"/>
+            </a:fillRef>
+            <a:effectRef idx="0">
+              <a:schemeClr val="dk1"/>
+            </a:effectRef>
+            <a:fontRef idx="minor">
+              <a:schemeClr val="tx1"/>
+            </a:fontRef>
+          </p:style>
+        </p:cxnSp>
+        <p:cxnSp>
+          <p:nvCxnSpPr>
+            <p:cNvPr id="25" name="Straight Connector 24">
+              <a:extLst>
+                <a:ext uri="{FF2B5EF4-FFF2-40B4-BE49-F238E27FC236}">
+                  <a16:creationId xmlns:a16="http://schemas.microsoft.com/office/drawing/2014/main" id="{FBCB8A7C-5050-4DC0-8230-89F82605FF21}"/>
+                </a:ext>
+              </a:extLst>
+            </p:cNvPr>
+            <p:cNvCxnSpPr>
+              <a:cxnSpLocks/>
+            </p:cNvCxnSpPr>
+            <p:nvPr/>
+          </p:nvCxnSpPr>
+          <p:spPr>
+            <a:xfrm>
+              <a:off x="796939" y="2382863"/>
+              <a:ext cx="327707" cy="191895"/>
+            </a:xfrm>
+            <a:prstGeom prst="line">
+              <a:avLst/>
+            </a:prstGeom>
+            <a:ln w="38100"/>
+          </p:spPr>
+          <p:style>
+            <a:lnRef idx="1">
+              <a:schemeClr val="dk1"/>
+            </a:lnRef>
+            <a:fillRef idx="0">
+              <a:schemeClr val="dk1"/>
+            </a:fillRef>
+            <a:effectRef idx="0">
+              <a:schemeClr val="dk1"/>
+            </a:effectRef>
+            <a:fontRef idx="minor">
+              <a:schemeClr val="tx1"/>
+            </a:fontRef>
+          </p:style>
+        </p:cxnSp>
+      </p:grpSp>
+      <p:grpSp>
+        <p:nvGrpSpPr>
+          <p:cNvPr id="26" name="Group 25">
+            <a:extLst>
+              <a:ext uri="{FF2B5EF4-FFF2-40B4-BE49-F238E27FC236}">
+                <a16:creationId xmlns:a16="http://schemas.microsoft.com/office/drawing/2014/main" id="{D7968970-4DF5-4DD4-8066-BBC89C14FE76}"/>
+              </a:ext>
+            </a:extLst>
+          </p:cNvPr>
+          <p:cNvGrpSpPr/>
+          <p:nvPr/>
+        </p:nvGrpSpPr>
+        <p:grpSpPr>
+          <a:xfrm>
+            <a:off x="617867" y="2678902"/>
+            <a:ext cx="676205" cy="876145"/>
+            <a:chOff x="469231" y="1925051"/>
+            <a:chExt cx="655415" cy="649709"/>
+          </a:xfrm>
+        </p:grpSpPr>
+        <p:cxnSp>
+          <p:nvCxnSpPr>
+            <p:cNvPr id="27" name="Straight Connector 26">
+              <a:extLst>
+                <a:ext uri="{FF2B5EF4-FFF2-40B4-BE49-F238E27FC236}">
+                  <a16:creationId xmlns:a16="http://schemas.microsoft.com/office/drawing/2014/main" id="{62AF99DC-C9AC-4A19-9F41-B2523CA434AB}"/>
+                </a:ext>
+              </a:extLst>
+            </p:cNvPr>
+            <p:cNvCxnSpPr>
+              <a:cxnSpLocks/>
+            </p:cNvCxnSpPr>
+            <p:nvPr/>
+          </p:nvCxnSpPr>
+          <p:spPr>
+            <a:xfrm>
+              <a:off x="469231" y="1925052"/>
+              <a:ext cx="655413" cy="0"/>
+            </a:xfrm>
+            <a:prstGeom prst="line">
+              <a:avLst/>
+            </a:prstGeom>
+            <a:ln w="38100"/>
+          </p:spPr>
+          <p:style>
+            <a:lnRef idx="1">
+              <a:schemeClr val="dk1"/>
+            </a:lnRef>
+            <a:fillRef idx="0">
+              <a:schemeClr val="dk1"/>
+            </a:fillRef>
+            <a:effectRef idx="0">
+              <a:schemeClr val="dk1"/>
+            </a:effectRef>
+            <a:fontRef idx="minor">
+              <a:schemeClr val="tx1"/>
+            </a:fontRef>
+          </p:style>
+        </p:cxnSp>
+        <p:cxnSp>
+          <p:nvCxnSpPr>
+            <p:cNvPr id="28" name="Straight Connector 27">
+              <a:extLst>
+                <a:ext uri="{FF2B5EF4-FFF2-40B4-BE49-F238E27FC236}">
+                  <a16:creationId xmlns:a16="http://schemas.microsoft.com/office/drawing/2014/main" id="{3EBAFFDC-90E7-499F-A6CA-6FB374FE811A}"/>
+                </a:ext>
+              </a:extLst>
+            </p:cNvPr>
+            <p:cNvCxnSpPr/>
+            <p:nvPr/>
+          </p:nvCxnSpPr>
+          <p:spPr>
+            <a:xfrm>
+              <a:off x="469231" y="1925052"/>
+              <a:ext cx="0" cy="649706"/>
+            </a:xfrm>
+            <a:prstGeom prst="line">
+              <a:avLst/>
+            </a:prstGeom>
+            <a:ln w="38100"/>
+          </p:spPr>
+          <p:style>
+            <a:lnRef idx="1">
+              <a:schemeClr val="dk1"/>
+            </a:lnRef>
+            <a:fillRef idx="0">
+              <a:schemeClr val="dk1"/>
+            </a:fillRef>
+            <a:effectRef idx="0">
+              <a:schemeClr val="dk1"/>
+            </a:effectRef>
+            <a:fontRef idx="minor">
+              <a:schemeClr val="tx1"/>
+            </a:fontRef>
+          </p:style>
+        </p:cxnSp>
+        <p:cxnSp>
+          <p:nvCxnSpPr>
+            <p:cNvPr id="29" name="Straight Connector 28">
+              <a:extLst>
+                <a:ext uri="{FF2B5EF4-FFF2-40B4-BE49-F238E27FC236}">
+                  <a16:creationId xmlns:a16="http://schemas.microsoft.com/office/drawing/2014/main" id="{93A30016-DB35-49BB-B54E-B4D4128D557D}"/>
+                </a:ext>
+              </a:extLst>
+            </p:cNvPr>
+            <p:cNvCxnSpPr/>
+            <p:nvPr/>
+          </p:nvCxnSpPr>
+          <p:spPr>
+            <a:xfrm>
+              <a:off x="1124644" y="1925051"/>
+              <a:ext cx="0" cy="649706"/>
+            </a:xfrm>
+            <a:prstGeom prst="line">
+              <a:avLst/>
+            </a:prstGeom>
+            <a:ln w="38100"/>
+          </p:spPr>
+          <p:style>
+            <a:lnRef idx="1">
+              <a:schemeClr val="dk1"/>
+            </a:lnRef>
+            <a:fillRef idx="0">
+              <a:schemeClr val="dk1"/>
+            </a:fillRef>
+            <a:effectRef idx="0">
+              <a:schemeClr val="dk1"/>
+            </a:effectRef>
+            <a:fontRef idx="minor">
+              <a:schemeClr val="tx1"/>
+            </a:fontRef>
+          </p:style>
+        </p:cxnSp>
+        <p:cxnSp>
+          <p:nvCxnSpPr>
+            <p:cNvPr id="30" name="Straight Connector 29">
+              <a:extLst>
+                <a:ext uri="{FF2B5EF4-FFF2-40B4-BE49-F238E27FC236}">
+                  <a16:creationId xmlns:a16="http://schemas.microsoft.com/office/drawing/2014/main" id="{CD2DA11C-C2C3-4755-B965-027203DEDA67}"/>
+                </a:ext>
+              </a:extLst>
+            </p:cNvPr>
+            <p:cNvCxnSpPr>
+              <a:cxnSpLocks/>
+            </p:cNvCxnSpPr>
+            <p:nvPr/>
+          </p:nvCxnSpPr>
+          <p:spPr>
+            <a:xfrm flipV="1">
+              <a:off x="469231" y="2382865"/>
+              <a:ext cx="327707" cy="191895"/>
+            </a:xfrm>
+            <a:prstGeom prst="line">
+              <a:avLst/>
+            </a:prstGeom>
+            <a:ln w="38100"/>
+          </p:spPr>
+          <p:style>
+            <a:lnRef idx="1">
+              <a:schemeClr val="dk1"/>
+            </a:lnRef>
+            <a:fillRef idx="0">
+              <a:schemeClr val="dk1"/>
+            </a:fillRef>
+            <a:effectRef idx="0">
+              <a:schemeClr val="dk1"/>
+            </a:effectRef>
+            <a:fontRef idx="minor">
+              <a:schemeClr val="tx1"/>
+            </a:fontRef>
+          </p:style>
+        </p:cxnSp>
+        <p:cxnSp>
+          <p:nvCxnSpPr>
+            <p:cNvPr id="31" name="Straight Connector 30">
+              <a:extLst>
+                <a:ext uri="{FF2B5EF4-FFF2-40B4-BE49-F238E27FC236}">
+                  <a16:creationId xmlns:a16="http://schemas.microsoft.com/office/drawing/2014/main" id="{777CF0B9-91FC-4AC9-98E3-75D3EE0EDFCC}"/>
+                </a:ext>
+              </a:extLst>
+            </p:cNvPr>
+            <p:cNvCxnSpPr>
+              <a:cxnSpLocks/>
+            </p:cNvCxnSpPr>
+            <p:nvPr/>
+          </p:nvCxnSpPr>
+          <p:spPr>
+            <a:xfrm>
+              <a:off x="796939" y="2382863"/>
+              <a:ext cx="327707" cy="191895"/>
+            </a:xfrm>
+            <a:prstGeom prst="line">
+              <a:avLst/>
+            </a:prstGeom>
+            <a:ln w="38100"/>
+          </p:spPr>
+          <p:style>
+            <a:lnRef idx="1">
+              <a:schemeClr val="dk1"/>
+            </a:lnRef>
+            <a:fillRef idx="0">
+              <a:schemeClr val="dk1"/>
+            </a:fillRef>
+            <a:effectRef idx="0">
+              <a:schemeClr val="dk1"/>
+            </a:effectRef>
+            <a:fontRef idx="minor">
+              <a:schemeClr val="tx1"/>
+            </a:fontRef>
+          </p:style>
+        </p:cxnSp>
+      </p:grpSp>
+      <p:grpSp>
+        <p:nvGrpSpPr>
+          <p:cNvPr id="32" name="Group 31">
+            <a:extLst>
+              <a:ext uri="{FF2B5EF4-FFF2-40B4-BE49-F238E27FC236}">
+                <a16:creationId xmlns:a16="http://schemas.microsoft.com/office/drawing/2014/main" id="{38DAE3FA-B3E3-407B-887F-4A0EB6B37A6F}"/>
+              </a:ext>
+            </a:extLst>
+          </p:cNvPr>
+          <p:cNvGrpSpPr/>
+          <p:nvPr/>
+        </p:nvGrpSpPr>
+        <p:grpSpPr>
+          <a:xfrm>
+            <a:off x="617867" y="3844720"/>
+            <a:ext cx="676205" cy="876145"/>
+            <a:chOff x="469231" y="1925051"/>
+            <a:chExt cx="655415" cy="649709"/>
+          </a:xfrm>
+        </p:grpSpPr>
+        <p:cxnSp>
+          <p:nvCxnSpPr>
+            <p:cNvPr id="33" name="Straight Connector 32">
+              <a:extLst>
+                <a:ext uri="{FF2B5EF4-FFF2-40B4-BE49-F238E27FC236}">
+                  <a16:creationId xmlns:a16="http://schemas.microsoft.com/office/drawing/2014/main" id="{B8BCD61C-4B93-4EEE-AE0A-9CC43BF87984}"/>
+                </a:ext>
+              </a:extLst>
+            </p:cNvPr>
+            <p:cNvCxnSpPr>
+              <a:cxnSpLocks/>
+            </p:cNvCxnSpPr>
+            <p:nvPr/>
+          </p:nvCxnSpPr>
+          <p:spPr>
+            <a:xfrm>
+              <a:off x="469231" y="1925052"/>
+              <a:ext cx="655413" cy="0"/>
+            </a:xfrm>
+            <a:prstGeom prst="line">
+              <a:avLst/>
+            </a:prstGeom>
+            <a:ln w="38100"/>
+          </p:spPr>
+          <p:style>
+            <a:lnRef idx="1">
+              <a:schemeClr val="dk1"/>
+            </a:lnRef>
+            <a:fillRef idx="0">
+              <a:schemeClr val="dk1"/>
+            </a:fillRef>
+            <a:effectRef idx="0">
+              <a:schemeClr val="dk1"/>
+            </a:effectRef>
+            <a:fontRef idx="minor">
+              <a:schemeClr val="tx1"/>
+            </a:fontRef>
+          </p:style>
+        </p:cxnSp>
+        <p:cxnSp>
+          <p:nvCxnSpPr>
+            <p:cNvPr id="34" name="Straight Connector 33">
+              <a:extLst>
+                <a:ext uri="{FF2B5EF4-FFF2-40B4-BE49-F238E27FC236}">
+                  <a16:creationId xmlns:a16="http://schemas.microsoft.com/office/drawing/2014/main" id="{858B31CA-6909-4C5C-B187-1F001D03B01C}"/>
+                </a:ext>
+              </a:extLst>
+            </p:cNvPr>
+            <p:cNvCxnSpPr/>
+            <p:nvPr/>
+          </p:nvCxnSpPr>
+          <p:spPr>
+            <a:xfrm>
+              <a:off x="469231" y="1925052"/>
+              <a:ext cx="0" cy="649706"/>
+            </a:xfrm>
+            <a:prstGeom prst="line">
+              <a:avLst/>
+            </a:prstGeom>
+            <a:ln w="38100"/>
+          </p:spPr>
+          <p:style>
+            <a:lnRef idx="1">
+              <a:schemeClr val="dk1"/>
+            </a:lnRef>
+            <a:fillRef idx="0">
+              <a:schemeClr val="dk1"/>
+            </a:fillRef>
+            <a:effectRef idx="0">
+              <a:schemeClr val="dk1"/>
+            </a:effectRef>
+            <a:fontRef idx="minor">
+              <a:schemeClr val="tx1"/>
+            </a:fontRef>
+          </p:style>
+        </p:cxnSp>
+        <p:cxnSp>
+          <p:nvCxnSpPr>
+            <p:cNvPr id="35" name="Straight Connector 34">
+              <a:extLst>
+                <a:ext uri="{FF2B5EF4-FFF2-40B4-BE49-F238E27FC236}">
+                  <a16:creationId xmlns:a16="http://schemas.microsoft.com/office/drawing/2014/main" id="{A371A355-280D-4A7E-AB58-5A32C9A28382}"/>
+                </a:ext>
+              </a:extLst>
+            </p:cNvPr>
+            <p:cNvCxnSpPr/>
+            <p:nvPr/>
+          </p:nvCxnSpPr>
+          <p:spPr>
+            <a:xfrm>
+              <a:off x="1124644" y="1925051"/>
+              <a:ext cx="0" cy="649706"/>
+            </a:xfrm>
+            <a:prstGeom prst="line">
+              <a:avLst/>
+            </a:prstGeom>
+            <a:ln w="38100"/>
+          </p:spPr>
+          <p:style>
+            <a:lnRef idx="1">
+              <a:schemeClr val="dk1"/>
+            </a:lnRef>
+            <a:fillRef idx="0">
+              <a:schemeClr val="dk1"/>
+            </a:fillRef>
+            <a:effectRef idx="0">
+              <a:schemeClr val="dk1"/>
+            </a:effectRef>
+            <a:fontRef idx="minor">
+              <a:schemeClr val="tx1"/>
+            </a:fontRef>
+          </p:style>
+        </p:cxnSp>
+        <p:cxnSp>
+          <p:nvCxnSpPr>
+            <p:cNvPr id="36" name="Straight Connector 35">
+              <a:extLst>
+                <a:ext uri="{FF2B5EF4-FFF2-40B4-BE49-F238E27FC236}">
+                  <a16:creationId xmlns:a16="http://schemas.microsoft.com/office/drawing/2014/main" id="{8594814E-F6A2-4993-A82A-7BE9259D2EA8}"/>
+                </a:ext>
+              </a:extLst>
+            </p:cNvPr>
+            <p:cNvCxnSpPr>
+              <a:cxnSpLocks/>
+            </p:cNvCxnSpPr>
+            <p:nvPr/>
+          </p:nvCxnSpPr>
+          <p:spPr>
+            <a:xfrm flipV="1">
+              <a:off x="469231" y="2382865"/>
+              <a:ext cx="327707" cy="191895"/>
+            </a:xfrm>
+            <a:prstGeom prst="line">
+              <a:avLst/>
+            </a:prstGeom>
+            <a:ln w="38100"/>
+          </p:spPr>
+          <p:style>
+            <a:lnRef idx="1">
+              <a:schemeClr val="dk1"/>
+            </a:lnRef>
+            <a:fillRef idx="0">
+              <a:schemeClr val="dk1"/>
+            </a:fillRef>
+            <a:effectRef idx="0">
+              <a:schemeClr val="dk1"/>
+            </a:effectRef>
+            <a:fontRef idx="minor">
+              <a:schemeClr val="tx1"/>
+            </a:fontRef>
+          </p:style>
+        </p:cxnSp>
+        <p:cxnSp>
+          <p:nvCxnSpPr>
+            <p:cNvPr id="37" name="Straight Connector 36">
+              <a:extLst>
+                <a:ext uri="{FF2B5EF4-FFF2-40B4-BE49-F238E27FC236}">
+                  <a16:creationId xmlns:a16="http://schemas.microsoft.com/office/drawing/2014/main" id="{95EC048F-18CF-4562-B5B7-10F835AD1173}"/>
+                </a:ext>
+              </a:extLst>
+            </p:cNvPr>
+            <p:cNvCxnSpPr>
+              <a:cxnSpLocks/>
+            </p:cNvCxnSpPr>
+            <p:nvPr/>
+          </p:nvCxnSpPr>
+          <p:spPr>
+            <a:xfrm>
+              <a:off x="796939" y="2382863"/>
+              <a:ext cx="327707" cy="191895"/>
+            </a:xfrm>
+            <a:prstGeom prst="line">
+              <a:avLst/>
+            </a:prstGeom>
+            <a:ln w="38100"/>
+          </p:spPr>
+          <p:style>
+            <a:lnRef idx="1">
+              <a:schemeClr val="dk1"/>
+            </a:lnRef>
+            <a:fillRef idx="0">
+              <a:schemeClr val="dk1"/>
+            </a:fillRef>
+            <a:effectRef idx="0">
+              <a:schemeClr val="dk1"/>
+            </a:effectRef>
+            <a:fontRef idx="minor">
+              <a:schemeClr val="tx1"/>
+            </a:fontRef>
+          </p:style>
+        </p:cxnSp>
+      </p:grpSp>
+      <p:grpSp>
+        <p:nvGrpSpPr>
+          <p:cNvPr id="38" name="Group 37">
+            <a:extLst>
+              <a:ext uri="{FF2B5EF4-FFF2-40B4-BE49-F238E27FC236}">
+                <a16:creationId xmlns:a16="http://schemas.microsoft.com/office/drawing/2014/main" id="{6F765AE5-A017-49C8-9897-52CD8D8A32B8}"/>
+              </a:ext>
+            </a:extLst>
+          </p:cNvPr>
+          <p:cNvGrpSpPr/>
+          <p:nvPr/>
+        </p:nvGrpSpPr>
+        <p:grpSpPr>
+          <a:xfrm>
+            <a:off x="617867" y="5016659"/>
+            <a:ext cx="676205" cy="876145"/>
+            <a:chOff x="469231" y="1925051"/>
+            <a:chExt cx="655415" cy="649709"/>
+          </a:xfrm>
+        </p:grpSpPr>
+        <p:cxnSp>
+          <p:nvCxnSpPr>
+            <p:cNvPr id="39" name="Straight Connector 38">
+              <a:extLst>
+                <a:ext uri="{FF2B5EF4-FFF2-40B4-BE49-F238E27FC236}">
+                  <a16:creationId xmlns:a16="http://schemas.microsoft.com/office/drawing/2014/main" id="{B0E350BC-4EBA-4C81-91BE-1AABE27A12C9}"/>
+                </a:ext>
+              </a:extLst>
+            </p:cNvPr>
+            <p:cNvCxnSpPr>
+              <a:cxnSpLocks/>
+            </p:cNvCxnSpPr>
+            <p:nvPr/>
+          </p:nvCxnSpPr>
+          <p:spPr>
+            <a:xfrm>
+              <a:off x="469231" y="1925052"/>
+              <a:ext cx="655413" cy="0"/>
+            </a:xfrm>
+            <a:prstGeom prst="line">
+              <a:avLst/>
+            </a:prstGeom>
+            <a:ln w="38100"/>
+          </p:spPr>
+          <p:style>
+            <a:lnRef idx="1">
+              <a:schemeClr val="dk1"/>
+            </a:lnRef>
+            <a:fillRef idx="0">
+              <a:schemeClr val="dk1"/>
+            </a:fillRef>
+            <a:effectRef idx="0">
+              <a:schemeClr val="dk1"/>
+            </a:effectRef>
+            <a:fontRef idx="minor">
+              <a:schemeClr val="tx1"/>
+            </a:fontRef>
+          </p:style>
+        </p:cxnSp>
+        <p:cxnSp>
+          <p:nvCxnSpPr>
+            <p:cNvPr id="40" name="Straight Connector 39">
+              <a:extLst>
+                <a:ext uri="{FF2B5EF4-FFF2-40B4-BE49-F238E27FC236}">
+                  <a16:creationId xmlns:a16="http://schemas.microsoft.com/office/drawing/2014/main" id="{17A44698-8821-40D5-A233-ABA33314781E}"/>
+                </a:ext>
+              </a:extLst>
+            </p:cNvPr>
+            <p:cNvCxnSpPr/>
+            <p:nvPr/>
+          </p:nvCxnSpPr>
+          <p:spPr>
+            <a:xfrm>
+              <a:off x="469231" y="1925052"/>
+              <a:ext cx="0" cy="649706"/>
+            </a:xfrm>
+            <a:prstGeom prst="line">
+              <a:avLst/>
+            </a:prstGeom>
+            <a:ln w="38100"/>
+          </p:spPr>
+          <p:style>
+            <a:lnRef idx="1">
+              <a:schemeClr val="dk1"/>
+            </a:lnRef>
+            <a:fillRef idx="0">
+              <a:schemeClr val="dk1"/>
+            </a:fillRef>
+            <a:effectRef idx="0">
+              <a:schemeClr val="dk1"/>
+            </a:effectRef>
+            <a:fontRef idx="minor">
+              <a:schemeClr val="tx1"/>
+            </a:fontRef>
+          </p:style>
+        </p:cxnSp>
+        <p:cxnSp>
+          <p:nvCxnSpPr>
+            <p:cNvPr id="41" name="Straight Connector 40">
+              <a:extLst>
+                <a:ext uri="{FF2B5EF4-FFF2-40B4-BE49-F238E27FC236}">
+                  <a16:creationId xmlns:a16="http://schemas.microsoft.com/office/drawing/2014/main" id="{ABAA75A0-31C9-41EF-B6E6-9A6C55B609E0}"/>
+                </a:ext>
+              </a:extLst>
+            </p:cNvPr>
+            <p:cNvCxnSpPr/>
+            <p:nvPr/>
+          </p:nvCxnSpPr>
+          <p:spPr>
+            <a:xfrm>
+              <a:off x="1124644" y="1925051"/>
+              <a:ext cx="0" cy="649706"/>
+            </a:xfrm>
+            <a:prstGeom prst="line">
+              <a:avLst/>
+            </a:prstGeom>
+            <a:ln w="38100"/>
+          </p:spPr>
+          <p:style>
+            <a:lnRef idx="1">
+              <a:schemeClr val="dk1"/>
+            </a:lnRef>
+            <a:fillRef idx="0">
+              <a:schemeClr val="dk1"/>
+            </a:fillRef>
+            <a:effectRef idx="0">
+              <a:schemeClr val="dk1"/>
+            </a:effectRef>
+            <a:fontRef idx="minor">
+              <a:schemeClr val="tx1"/>
+            </a:fontRef>
+          </p:style>
+        </p:cxnSp>
+        <p:cxnSp>
+          <p:nvCxnSpPr>
+            <p:cNvPr id="42" name="Straight Connector 41">
+              <a:extLst>
+                <a:ext uri="{FF2B5EF4-FFF2-40B4-BE49-F238E27FC236}">
+                  <a16:creationId xmlns:a16="http://schemas.microsoft.com/office/drawing/2014/main" id="{3D58B7B5-71B2-4819-9C75-F121B2561AFF}"/>
+                </a:ext>
+              </a:extLst>
+            </p:cNvPr>
+            <p:cNvCxnSpPr>
+              <a:cxnSpLocks/>
+            </p:cNvCxnSpPr>
+            <p:nvPr/>
+          </p:nvCxnSpPr>
+          <p:spPr>
+            <a:xfrm flipV="1">
+              <a:off x="469231" y="2382865"/>
+              <a:ext cx="327707" cy="191895"/>
+            </a:xfrm>
+            <a:prstGeom prst="line">
+              <a:avLst/>
+            </a:prstGeom>
+            <a:ln w="38100"/>
+          </p:spPr>
+          <p:style>
+            <a:lnRef idx="1">
+              <a:schemeClr val="dk1"/>
+            </a:lnRef>
+            <a:fillRef idx="0">
+              <a:schemeClr val="dk1"/>
+            </a:fillRef>
+            <a:effectRef idx="0">
+              <a:schemeClr val="dk1"/>
+            </a:effectRef>
+            <a:fontRef idx="minor">
+              <a:schemeClr val="tx1"/>
+            </a:fontRef>
+          </p:style>
+        </p:cxnSp>
+        <p:cxnSp>
+          <p:nvCxnSpPr>
+            <p:cNvPr id="43" name="Straight Connector 42">
+              <a:extLst>
+                <a:ext uri="{FF2B5EF4-FFF2-40B4-BE49-F238E27FC236}">
+                  <a16:creationId xmlns:a16="http://schemas.microsoft.com/office/drawing/2014/main" id="{C363E138-0E23-4E9A-89E9-699EE9A650C7}"/>
+                </a:ext>
+              </a:extLst>
+            </p:cNvPr>
+            <p:cNvCxnSpPr>
+              <a:cxnSpLocks/>
+            </p:cNvCxnSpPr>
+            <p:nvPr/>
+          </p:nvCxnSpPr>
+          <p:spPr>
+            <a:xfrm>
+              <a:off x="796939" y="2382863"/>
+              <a:ext cx="327707" cy="191895"/>
+            </a:xfrm>
+            <a:prstGeom prst="line">
+              <a:avLst/>
+            </a:prstGeom>
+            <a:ln w="38100"/>
+          </p:spPr>
+          <p:style>
+            <a:lnRef idx="1">
+              <a:schemeClr val="dk1"/>
+            </a:lnRef>
+            <a:fillRef idx="0">
+              <a:schemeClr val="dk1"/>
+            </a:fillRef>
+            <a:effectRef idx="0">
+              <a:schemeClr val="dk1"/>
+            </a:effectRef>
+            <a:fontRef idx="minor">
+              <a:schemeClr val="tx1"/>
+            </a:fontRef>
+          </p:style>
+        </p:cxnSp>
+      </p:grpSp>
+      <p:grpSp>
+        <p:nvGrpSpPr>
+          <p:cNvPr id="44" name="Group 43">
+            <a:extLst>
+              <a:ext uri="{FF2B5EF4-FFF2-40B4-BE49-F238E27FC236}">
+                <a16:creationId xmlns:a16="http://schemas.microsoft.com/office/drawing/2014/main" id="{3D3E0923-C4AF-4E43-81CD-142968031362}"/>
+              </a:ext>
+            </a:extLst>
+          </p:cNvPr>
+          <p:cNvGrpSpPr/>
+          <p:nvPr/>
+        </p:nvGrpSpPr>
+        <p:grpSpPr>
+          <a:xfrm>
+            <a:off x="617865" y="6172992"/>
+            <a:ext cx="676205" cy="876145"/>
+            <a:chOff x="469231" y="1925051"/>
+            <a:chExt cx="655415" cy="649709"/>
+          </a:xfrm>
+        </p:grpSpPr>
+        <p:cxnSp>
+          <p:nvCxnSpPr>
+            <p:cNvPr id="45" name="Straight Connector 44">
+              <a:extLst>
+                <a:ext uri="{FF2B5EF4-FFF2-40B4-BE49-F238E27FC236}">
+                  <a16:creationId xmlns:a16="http://schemas.microsoft.com/office/drawing/2014/main" id="{7574BA51-4E7A-41D8-820E-8159AE01D14C}"/>
+                </a:ext>
+              </a:extLst>
+            </p:cNvPr>
+            <p:cNvCxnSpPr>
+              <a:cxnSpLocks/>
+            </p:cNvCxnSpPr>
+            <p:nvPr/>
+          </p:nvCxnSpPr>
+          <p:spPr>
+            <a:xfrm>
+              <a:off x="469231" y="1925052"/>
+              <a:ext cx="655413" cy="0"/>
+            </a:xfrm>
+            <a:prstGeom prst="line">
+              <a:avLst/>
+            </a:prstGeom>
+            <a:ln w="38100"/>
+          </p:spPr>
+          <p:style>
+            <a:lnRef idx="1">
+              <a:schemeClr val="dk1"/>
+            </a:lnRef>
+            <a:fillRef idx="0">
+              <a:schemeClr val="dk1"/>
+            </a:fillRef>
+            <a:effectRef idx="0">
+              <a:schemeClr val="dk1"/>
+            </a:effectRef>
+            <a:fontRef idx="minor">
+              <a:schemeClr val="tx1"/>
+            </a:fontRef>
+          </p:style>
+        </p:cxnSp>
+        <p:cxnSp>
+          <p:nvCxnSpPr>
+            <p:cNvPr id="46" name="Straight Connector 45">
+              <a:extLst>
+                <a:ext uri="{FF2B5EF4-FFF2-40B4-BE49-F238E27FC236}">
+                  <a16:creationId xmlns:a16="http://schemas.microsoft.com/office/drawing/2014/main" id="{627D4F19-DE66-4637-9467-A1EA7D4A0455}"/>
+                </a:ext>
+              </a:extLst>
+            </p:cNvPr>
+            <p:cNvCxnSpPr/>
+            <p:nvPr/>
+          </p:nvCxnSpPr>
+          <p:spPr>
+            <a:xfrm>
+              <a:off x="469231" y="1925052"/>
+              <a:ext cx="0" cy="649706"/>
+            </a:xfrm>
+            <a:prstGeom prst="line">
+              <a:avLst/>
+            </a:prstGeom>
+            <a:ln w="38100"/>
+          </p:spPr>
+          <p:style>
+            <a:lnRef idx="1">
+              <a:schemeClr val="dk1"/>
+            </a:lnRef>
+            <a:fillRef idx="0">
+              <a:schemeClr val="dk1"/>
+            </a:fillRef>
+            <a:effectRef idx="0">
+              <a:schemeClr val="dk1"/>
+            </a:effectRef>
+            <a:fontRef idx="minor">
+              <a:schemeClr val="tx1"/>
+            </a:fontRef>
+          </p:style>
+        </p:cxnSp>
+        <p:cxnSp>
+          <p:nvCxnSpPr>
+            <p:cNvPr id="47" name="Straight Connector 46">
+              <a:extLst>
+                <a:ext uri="{FF2B5EF4-FFF2-40B4-BE49-F238E27FC236}">
+                  <a16:creationId xmlns:a16="http://schemas.microsoft.com/office/drawing/2014/main" id="{1A59FD32-C443-4F64-AD72-710E87CB8A64}"/>
+                </a:ext>
+              </a:extLst>
+            </p:cNvPr>
+            <p:cNvCxnSpPr/>
+            <p:nvPr/>
+          </p:nvCxnSpPr>
+          <p:spPr>
+            <a:xfrm>
+              <a:off x="1124644" y="1925051"/>
+              <a:ext cx="0" cy="649706"/>
+            </a:xfrm>
+            <a:prstGeom prst="line">
+              <a:avLst/>
+            </a:prstGeom>
+            <a:ln w="38100"/>
+          </p:spPr>
+          <p:style>
+            <a:lnRef idx="1">
+              <a:schemeClr val="dk1"/>
+            </a:lnRef>
+            <a:fillRef idx="0">
+              <a:schemeClr val="dk1"/>
+            </a:fillRef>
+            <a:effectRef idx="0">
+              <a:schemeClr val="dk1"/>
+            </a:effectRef>
+            <a:fontRef idx="minor">
+              <a:schemeClr val="tx1"/>
+            </a:fontRef>
+          </p:style>
+        </p:cxnSp>
+        <p:cxnSp>
+          <p:nvCxnSpPr>
+            <p:cNvPr id="48" name="Straight Connector 47">
+              <a:extLst>
+                <a:ext uri="{FF2B5EF4-FFF2-40B4-BE49-F238E27FC236}">
+                  <a16:creationId xmlns:a16="http://schemas.microsoft.com/office/drawing/2014/main" id="{FC4615B2-FDA2-4025-BD72-565F70458ABC}"/>
+                </a:ext>
+              </a:extLst>
+            </p:cNvPr>
+            <p:cNvCxnSpPr>
+              <a:cxnSpLocks/>
+            </p:cNvCxnSpPr>
+            <p:nvPr/>
+          </p:nvCxnSpPr>
+          <p:spPr>
+            <a:xfrm flipV="1">
+              <a:off x="469231" y="2382865"/>
+              <a:ext cx="327707" cy="191895"/>
+            </a:xfrm>
+            <a:prstGeom prst="line">
+              <a:avLst/>
+            </a:prstGeom>
+            <a:ln w="38100"/>
+          </p:spPr>
+          <p:style>
+            <a:lnRef idx="1">
+              <a:schemeClr val="dk1"/>
+            </a:lnRef>
+            <a:fillRef idx="0">
+              <a:schemeClr val="dk1"/>
+            </a:fillRef>
+            <a:effectRef idx="0">
+              <a:schemeClr val="dk1"/>
+            </a:effectRef>
+            <a:fontRef idx="minor">
+              <a:schemeClr val="tx1"/>
+            </a:fontRef>
+          </p:style>
+        </p:cxnSp>
+        <p:cxnSp>
+          <p:nvCxnSpPr>
+            <p:cNvPr id="49" name="Straight Connector 48">
+              <a:extLst>
+                <a:ext uri="{FF2B5EF4-FFF2-40B4-BE49-F238E27FC236}">
+                  <a16:creationId xmlns:a16="http://schemas.microsoft.com/office/drawing/2014/main" id="{1885C3FD-D3BD-4E64-8F68-391EAA71638C}"/>
+                </a:ext>
+              </a:extLst>
+            </p:cNvPr>
+            <p:cNvCxnSpPr>
+              <a:cxnSpLocks/>
+            </p:cNvCxnSpPr>
+            <p:nvPr/>
+          </p:nvCxnSpPr>
+          <p:spPr>
+            <a:xfrm>
+              <a:off x="796939" y="2382863"/>
+              <a:ext cx="327707" cy="191895"/>
+            </a:xfrm>
+            <a:prstGeom prst="line">
+              <a:avLst/>
+            </a:prstGeom>
+            <a:ln w="38100"/>
+          </p:spPr>
+          <p:style>
+            <a:lnRef idx="1">
+              <a:schemeClr val="dk1"/>
+            </a:lnRef>
+            <a:fillRef idx="0">
+              <a:schemeClr val="dk1"/>
+            </a:fillRef>
+            <a:effectRef idx="0">
+              <a:schemeClr val="dk1"/>
+            </a:effectRef>
+            <a:fontRef idx="minor">
+              <a:schemeClr val="tx1"/>
+            </a:fontRef>
+          </p:style>
+        </p:cxnSp>
+      </p:grpSp>
+      <p:grpSp>
+        <p:nvGrpSpPr>
+          <p:cNvPr id="50" name="Group 49">
+            <a:extLst>
+              <a:ext uri="{FF2B5EF4-FFF2-40B4-BE49-F238E27FC236}">
+                <a16:creationId xmlns:a16="http://schemas.microsoft.com/office/drawing/2014/main" id="{9DAC3C1C-0EC8-42DA-BDD4-BF9D203096DB}"/>
+              </a:ext>
+            </a:extLst>
+          </p:cNvPr>
+          <p:cNvGrpSpPr/>
+          <p:nvPr/>
+        </p:nvGrpSpPr>
+        <p:grpSpPr>
+          <a:xfrm>
+            <a:off x="617863" y="7352133"/>
+            <a:ext cx="676205" cy="876145"/>
+            <a:chOff x="469231" y="1925051"/>
+            <a:chExt cx="655415" cy="649709"/>
+          </a:xfrm>
+        </p:grpSpPr>
+        <p:cxnSp>
+          <p:nvCxnSpPr>
+            <p:cNvPr id="51" name="Straight Connector 50">
+              <a:extLst>
+                <a:ext uri="{FF2B5EF4-FFF2-40B4-BE49-F238E27FC236}">
+                  <a16:creationId xmlns:a16="http://schemas.microsoft.com/office/drawing/2014/main" id="{56DA1D14-C572-45F4-9FF2-68D6D1A3C158}"/>
+                </a:ext>
+              </a:extLst>
+            </p:cNvPr>
+            <p:cNvCxnSpPr>
+              <a:cxnSpLocks/>
+            </p:cNvCxnSpPr>
+            <p:nvPr/>
+          </p:nvCxnSpPr>
+          <p:spPr>
+            <a:xfrm>
+              <a:off x="469231" y="1925052"/>
+              <a:ext cx="655413" cy="0"/>
+            </a:xfrm>
+            <a:prstGeom prst="line">
+              <a:avLst/>
+            </a:prstGeom>
+            <a:ln w="38100"/>
+          </p:spPr>
+          <p:style>
+            <a:lnRef idx="1">
+              <a:schemeClr val="dk1"/>
+            </a:lnRef>
+            <a:fillRef idx="0">
+              <a:schemeClr val="dk1"/>
+            </a:fillRef>
+            <a:effectRef idx="0">
+              <a:schemeClr val="dk1"/>
+            </a:effectRef>
+            <a:fontRef idx="minor">
+              <a:schemeClr val="tx1"/>
+            </a:fontRef>
+          </p:style>
+        </p:cxnSp>
+        <p:cxnSp>
+          <p:nvCxnSpPr>
+            <p:cNvPr id="52" name="Straight Connector 51">
+              <a:extLst>
+                <a:ext uri="{FF2B5EF4-FFF2-40B4-BE49-F238E27FC236}">
+                  <a16:creationId xmlns:a16="http://schemas.microsoft.com/office/drawing/2014/main" id="{9B2FDC0F-4039-4745-8BD8-99B8170028E5}"/>
+                </a:ext>
+              </a:extLst>
+            </p:cNvPr>
+            <p:cNvCxnSpPr/>
+            <p:nvPr/>
+          </p:nvCxnSpPr>
+          <p:spPr>
+            <a:xfrm>
+              <a:off x="469231" y="1925052"/>
+              <a:ext cx="0" cy="649706"/>
+            </a:xfrm>
+            <a:prstGeom prst="line">
+              <a:avLst/>
+            </a:prstGeom>
+            <a:ln w="38100"/>
+          </p:spPr>
+          <p:style>
+            <a:lnRef idx="1">
+              <a:schemeClr val="dk1"/>
+            </a:lnRef>
+            <a:fillRef idx="0">
+              <a:schemeClr val="dk1"/>
+            </a:fillRef>
+            <a:effectRef idx="0">
+              <a:schemeClr val="dk1"/>
+            </a:effectRef>
+            <a:fontRef idx="minor">
+              <a:schemeClr val="tx1"/>
+            </a:fontRef>
+          </p:style>
+        </p:cxnSp>
+        <p:cxnSp>
+          <p:nvCxnSpPr>
+            <p:cNvPr id="53" name="Straight Connector 52">
+              <a:extLst>
+                <a:ext uri="{FF2B5EF4-FFF2-40B4-BE49-F238E27FC236}">
+                  <a16:creationId xmlns:a16="http://schemas.microsoft.com/office/drawing/2014/main" id="{6FB9F4D0-F309-4715-AF4C-F864DB2E5AFB}"/>
+                </a:ext>
+              </a:extLst>
+            </p:cNvPr>
+            <p:cNvCxnSpPr/>
+            <p:nvPr/>
+          </p:nvCxnSpPr>
+          <p:spPr>
+            <a:xfrm>
+              <a:off x="1124644" y="1925051"/>
+              <a:ext cx="0" cy="649706"/>
+            </a:xfrm>
+            <a:prstGeom prst="line">
+              <a:avLst/>
+            </a:prstGeom>
+            <a:ln w="38100"/>
+          </p:spPr>
+          <p:style>
+            <a:lnRef idx="1">
+              <a:schemeClr val="dk1"/>
+            </a:lnRef>
+            <a:fillRef idx="0">
+              <a:schemeClr val="dk1"/>
+            </a:fillRef>
+            <a:effectRef idx="0">
+              <a:schemeClr val="dk1"/>
+            </a:effectRef>
+            <a:fontRef idx="minor">
+              <a:schemeClr val="tx1"/>
+            </a:fontRef>
+          </p:style>
+        </p:cxnSp>
+        <p:cxnSp>
+          <p:nvCxnSpPr>
+            <p:cNvPr id="54" name="Straight Connector 53">
+              <a:extLst>
+                <a:ext uri="{FF2B5EF4-FFF2-40B4-BE49-F238E27FC236}">
+                  <a16:creationId xmlns:a16="http://schemas.microsoft.com/office/drawing/2014/main" id="{99EA9225-DDC3-4F56-9B8D-82569029F629}"/>
+                </a:ext>
+              </a:extLst>
+            </p:cNvPr>
+            <p:cNvCxnSpPr>
+              <a:cxnSpLocks/>
+            </p:cNvCxnSpPr>
+            <p:nvPr/>
+          </p:nvCxnSpPr>
+          <p:spPr>
+            <a:xfrm flipV="1">
+              <a:off x="469231" y="2382865"/>
+              <a:ext cx="327707" cy="191895"/>
+            </a:xfrm>
+            <a:prstGeom prst="line">
+              <a:avLst/>
+            </a:prstGeom>
+            <a:ln w="38100"/>
+          </p:spPr>
+          <p:style>
+            <a:lnRef idx="1">
+              <a:schemeClr val="dk1"/>
+            </a:lnRef>
+            <a:fillRef idx="0">
+              <a:schemeClr val="dk1"/>
+            </a:fillRef>
+            <a:effectRef idx="0">
+              <a:schemeClr val="dk1"/>
+            </a:effectRef>
+            <a:fontRef idx="minor">
+              <a:schemeClr val="tx1"/>
+            </a:fontRef>
+          </p:style>
+        </p:cxnSp>
+        <p:cxnSp>
+          <p:nvCxnSpPr>
+            <p:cNvPr id="55" name="Straight Connector 54">
+              <a:extLst>
+                <a:ext uri="{FF2B5EF4-FFF2-40B4-BE49-F238E27FC236}">
+                  <a16:creationId xmlns:a16="http://schemas.microsoft.com/office/drawing/2014/main" id="{49FB07F7-9FDD-4311-B578-32EDF4ED9B97}"/>
+                </a:ext>
+              </a:extLst>
+            </p:cNvPr>
+            <p:cNvCxnSpPr>
+              <a:cxnSpLocks/>
+            </p:cNvCxnSpPr>
+            <p:nvPr/>
+          </p:nvCxnSpPr>
+          <p:spPr>
+            <a:xfrm>
+              <a:off x="796939" y="2382863"/>
+              <a:ext cx="327707" cy="191895"/>
+            </a:xfrm>
+            <a:prstGeom prst="line">
+              <a:avLst/>
+            </a:prstGeom>
+            <a:ln w="38100"/>
+          </p:spPr>
+          <p:style>
+            <a:lnRef idx="1">
+              <a:schemeClr val="dk1"/>
+            </a:lnRef>
+            <a:fillRef idx="0">
+              <a:schemeClr val="dk1"/>
+            </a:fillRef>
+            <a:effectRef idx="0">
+              <a:schemeClr val="dk1"/>
+            </a:effectRef>
+            <a:fontRef idx="minor">
+              <a:schemeClr val="tx1"/>
+            </a:fontRef>
+          </p:style>
+        </p:cxnSp>
+      </p:grpSp>
+      <p:grpSp>
+        <p:nvGrpSpPr>
+          <p:cNvPr id="72" name="Group 71">
+            <a:extLst>
+              <a:ext uri="{FF2B5EF4-FFF2-40B4-BE49-F238E27FC236}">
+                <a16:creationId xmlns:a16="http://schemas.microsoft.com/office/drawing/2014/main" id="{67022EA0-0865-49CE-A644-D48FF45B8B05}"/>
+              </a:ext>
+            </a:extLst>
+          </p:cNvPr>
+          <p:cNvGrpSpPr/>
+          <p:nvPr/>
+        </p:nvGrpSpPr>
+        <p:grpSpPr>
+          <a:xfrm flipV="1">
+            <a:off x="1419740" y="282013"/>
+            <a:ext cx="792152" cy="1173106"/>
+            <a:chOff x="1622023" y="615048"/>
+            <a:chExt cx="827556" cy="1202342"/>
+          </a:xfrm>
+        </p:grpSpPr>
+        <p:cxnSp>
+          <p:nvCxnSpPr>
+            <p:cNvPr id="69" name="Straight Connector 68">
+              <a:extLst>
+                <a:ext uri="{FF2B5EF4-FFF2-40B4-BE49-F238E27FC236}">
+                  <a16:creationId xmlns:a16="http://schemas.microsoft.com/office/drawing/2014/main" id="{76C66025-8F20-419A-9B10-882A9B196E5A}"/>
+                </a:ext>
+              </a:extLst>
+            </p:cNvPr>
+            <p:cNvCxnSpPr>
+              <a:cxnSpLocks/>
+            </p:cNvCxnSpPr>
+            <p:nvPr/>
+          </p:nvCxnSpPr>
+          <p:spPr>
+            <a:xfrm flipV="1">
+              <a:off x="2035803" y="615048"/>
+              <a:ext cx="413776" cy="1202342"/>
+            </a:xfrm>
+            <a:prstGeom prst="line">
+              <a:avLst/>
+            </a:prstGeom>
+          </p:spPr>
+          <p:style>
+            <a:lnRef idx="1">
+              <a:schemeClr val="dk1"/>
+            </a:lnRef>
+            <a:fillRef idx="0">
+              <a:schemeClr val="dk1"/>
+            </a:fillRef>
+            <a:effectRef idx="0">
+              <a:schemeClr val="dk1"/>
+            </a:effectRef>
+            <a:fontRef idx="minor">
+              <a:schemeClr val="tx1"/>
+            </a:fontRef>
+          </p:style>
+        </p:cxnSp>
+        <p:cxnSp>
+          <p:nvCxnSpPr>
+            <p:cNvPr id="71" name="Straight Connector 70">
+              <a:extLst>
+                <a:ext uri="{FF2B5EF4-FFF2-40B4-BE49-F238E27FC236}">
+                  <a16:creationId xmlns:a16="http://schemas.microsoft.com/office/drawing/2014/main" id="{7CDB8D84-ECEF-4829-AA25-760348307408}"/>
+                </a:ext>
+              </a:extLst>
+            </p:cNvPr>
+            <p:cNvCxnSpPr>
+              <a:cxnSpLocks/>
+            </p:cNvCxnSpPr>
+            <p:nvPr/>
+          </p:nvCxnSpPr>
+          <p:spPr>
+            <a:xfrm>
+              <a:off x="1622023" y="615048"/>
+              <a:ext cx="413776" cy="1202342"/>
+            </a:xfrm>
+            <a:prstGeom prst="line">
+              <a:avLst/>
+            </a:prstGeom>
+          </p:spPr>
+          <p:style>
+            <a:lnRef idx="1">
+              <a:schemeClr val="dk1"/>
+            </a:lnRef>
+            <a:fillRef idx="0">
+              <a:schemeClr val="dk1"/>
+            </a:fillRef>
+            <a:effectRef idx="0">
+              <a:schemeClr val="dk1"/>
+            </a:effectRef>
+            <a:fontRef idx="minor">
+              <a:schemeClr val="tx1"/>
+            </a:fontRef>
+          </p:style>
+        </p:cxnSp>
+      </p:grpSp>
+      <p:grpSp>
+        <p:nvGrpSpPr>
+          <p:cNvPr id="73" name="Group 72">
+            <a:extLst>
+              <a:ext uri="{FF2B5EF4-FFF2-40B4-BE49-F238E27FC236}">
+                <a16:creationId xmlns:a16="http://schemas.microsoft.com/office/drawing/2014/main" id="{8331CC57-AED4-4F15-B97E-232CB8A44D46}"/>
+              </a:ext>
+            </a:extLst>
+          </p:cNvPr>
+          <p:cNvGrpSpPr/>
+          <p:nvPr/>
+        </p:nvGrpSpPr>
+        <p:grpSpPr>
+          <a:xfrm>
+            <a:off x="1420628" y="1441915"/>
+            <a:ext cx="792152" cy="1173106"/>
+            <a:chOff x="1622023" y="615048"/>
+            <a:chExt cx="827556" cy="1202342"/>
+          </a:xfrm>
+        </p:grpSpPr>
+        <p:cxnSp>
+          <p:nvCxnSpPr>
+            <p:cNvPr id="74" name="Straight Connector 73">
+              <a:extLst>
+                <a:ext uri="{FF2B5EF4-FFF2-40B4-BE49-F238E27FC236}">
+                  <a16:creationId xmlns:a16="http://schemas.microsoft.com/office/drawing/2014/main" id="{45F2C47A-9B81-45DA-901F-C03538EF9385}"/>
+                </a:ext>
+              </a:extLst>
+            </p:cNvPr>
+            <p:cNvCxnSpPr>
+              <a:cxnSpLocks/>
+            </p:cNvCxnSpPr>
+            <p:nvPr/>
+          </p:nvCxnSpPr>
+          <p:spPr>
+            <a:xfrm flipV="1">
+              <a:off x="2035803" y="615048"/>
+              <a:ext cx="413776" cy="1202342"/>
+            </a:xfrm>
+            <a:prstGeom prst="line">
+              <a:avLst/>
+            </a:prstGeom>
+          </p:spPr>
+          <p:style>
+            <a:lnRef idx="1">
+              <a:schemeClr val="dk1"/>
+            </a:lnRef>
+            <a:fillRef idx="0">
+              <a:schemeClr val="dk1"/>
+            </a:fillRef>
+            <a:effectRef idx="0">
+              <a:schemeClr val="dk1"/>
+            </a:effectRef>
+            <a:fontRef idx="minor">
+              <a:schemeClr val="tx1"/>
+            </a:fontRef>
+          </p:style>
+        </p:cxnSp>
+        <p:cxnSp>
+          <p:nvCxnSpPr>
+            <p:cNvPr id="75" name="Straight Connector 74">
+              <a:extLst>
+                <a:ext uri="{FF2B5EF4-FFF2-40B4-BE49-F238E27FC236}">
+                  <a16:creationId xmlns:a16="http://schemas.microsoft.com/office/drawing/2014/main" id="{A49927EA-9E8F-4FB1-843D-C1FB390086E1}"/>
+                </a:ext>
+              </a:extLst>
+            </p:cNvPr>
+            <p:cNvCxnSpPr>
+              <a:cxnSpLocks/>
+            </p:cNvCxnSpPr>
+            <p:nvPr/>
+          </p:nvCxnSpPr>
+          <p:spPr>
+            <a:xfrm>
+              <a:off x="1622023" y="615048"/>
+              <a:ext cx="413776" cy="1202342"/>
+            </a:xfrm>
+            <a:prstGeom prst="line">
+              <a:avLst/>
+            </a:prstGeom>
+          </p:spPr>
+          <p:style>
+            <a:lnRef idx="1">
+              <a:schemeClr val="dk1"/>
+            </a:lnRef>
+            <a:fillRef idx="0">
+              <a:schemeClr val="dk1"/>
+            </a:fillRef>
+            <a:effectRef idx="0">
+              <a:schemeClr val="dk1"/>
+            </a:effectRef>
+            <a:fontRef idx="minor">
+              <a:schemeClr val="tx1"/>
+            </a:fontRef>
+          </p:style>
+        </p:cxnSp>
+      </p:grpSp>
+      <p:grpSp>
+        <p:nvGrpSpPr>
+          <p:cNvPr id="76" name="Group 75">
+            <a:extLst>
+              <a:ext uri="{FF2B5EF4-FFF2-40B4-BE49-F238E27FC236}">
+                <a16:creationId xmlns:a16="http://schemas.microsoft.com/office/drawing/2014/main" id="{0A31A248-CD65-4007-85B1-30A8261140C9}"/>
+              </a:ext>
+            </a:extLst>
+          </p:cNvPr>
+          <p:cNvGrpSpPr/>
+          <p:nvPr/>
+        </p:nvGrpSpPr>
+        <p:grpSpPr>
+          <a:xfrm flipV="1">
+            <a:off x="1419740" y="2638523"/>
+            <a:ext cx="792152" cy="1173106"/>
+            <a:chOff x="1622023" y="615048"/>
+            <a:chExt cx="827556" cy="1202342"/>
+          </a:xfrm>
+        </p:grpSpPr>
+        <p:cxnSp>
+          <p:nvCxnSpPr>
+            <p:cNvPr id="77" name="Straight Connector 76">
+              <a:extLst>
+                <a:ext uri="{FF2B5EF4-FFF2-40B4-BE49-F238E27FC236}">
+                  <a16:creationId xmlns:a16="http://schemas.microsoft.com/office/drawing/2014/main" id="{5197E789-5182-4AFB-9534-EF4F1577D915}"/>
+                </a:ext>
+              </a:extLst>
+            </p:cNvPr>
+            <p:cNvCxnSpPr>
+              <a:cxnSpLocks/>
+            </p:cNvCxnSpPr>
+            <p:nvPr/>
+          </p:nvCxnSpPr>
+          <p:spPr>
+            <a:xfrm flipV="1">
+              <a:off x="2035803" y="615048"/>
+              <a:ext cx="413776" cy="1202342"/>
+            </a:xfrm>
+            <a:prstGeom prst="line">
+              <a:avLst/>
+            </a:prstGeom>
+          </p:spPr>
+          <p:style>
+            <a:lnRef idx="1">
+              <a:schemeClr val="dk1"/>
+            </a:lnRef>
+            <a:fillRef idx="0">
+              <a:schemeClr val="dk1"/>
+            </a:fillRef>
+            <a:effectRef idx="0">
+              <a:schemeClr val="dk1"/>
+            </a:effectRef>
+            <a:fontRef idx="minor">
+              <a:schemeClr val="tx1"/>
+            </a:fontRef>
+          </p:style>
+        </p:cxnSp>
+        <p:cxnSp>
+          <p:nvCxnSpPr>
+            <p:cNvPr id="78" name="Straight Connector 77">
+              <a:extLst>
+                <a:ext uri="{FF2B5EF4-FFF2-40B4-BE49-F238E27FC236}">
+                  <a16:creationId xmlns:a16="http://schemas.microsoft.com/office/drawing/2014/main" id="{99601C5F-D96D-40A1-90F6-F59BA6BA304C}"/>
+                </a:ext>
+              </a:extLst>
+            </p:cNvPr>
+            <p:cNvCxnSpPr>
+              <a:cxnSpLocks/>
+            </p:cNvCxnSpPr>
+            <p:nvPr/>
+          </p:nvCxnSpPr>
+          <p:spPr>
+            <a:xfrm>
+              <a:off x="1622023" y="615048"/>
+              <a:ext cx="413776" cy="1202342"/>
+            </a:xfrm>
+            <a:prstGeom prst="line">
+              <a:avLst/>
+            </a:prstGeom>
+          </p:spPr>
+          <p:style>
+            <a:lnRef idx="1">
+              <a:schemeClr val="dk1"/>
+            </a:lnRef>
+            <a:fillRef idx="0">
+              <a:schemeClr val="dk1"/>
+            </a:fillRef>
+            <a:effectRef idx="0">
+              <a:schemeClr val="dk1"/>
+            </a:effectRef>
+            <a:fontRef idx="minor">
+              <a:schemeClr val="tx1"/>
+            </a:fontRef>
+          </p:style>
+        </p:cxnSp>
+      </p:grpSp>
+      <p:grpSp>
+        <p:nvGrpSpPr>
+          <p:cNvPr id="79" name="Group 78">
+            <a:extLst>
+              <a:ext uri="{FF2B5EF4-FFF2-40B4-BE49-F238E27FC236}">
+                <a16:creationId xmlns:a16="http://schemas.microsoft.com/office/drawing/2014/main" id="{40242C44-4C9F-439A-AF74-7312B09E26F0}"/>
+              </a:ext>
+            </a:extLst>
+          </p:cNvPr>
+          <p:cNvGrpSpPr/>
+          <p:nvPr/>
+        </p:nvGrpSpPr>
+        <p:grpSpPr>
+          <a:xfrm>
+            <a:off x="1419740" y="3785672"/>
+            <a:ext cx="792152" cy="1173106"/>
+            <a:chOff x="1622023" y="615048"/>
+            <a:chExt cx="827556" cy="1202342"/>
+          </a:xfrm>
+        </p:grpSpPr>
+        <p:cxnSp>
+          <p:nvCxnSpPr>
+            <p:cNvPr id="80" name="Straight Connector 79">
+              <a:extLst>
+                <a:ext uri="{FF2B5EF4-FFF2-40B4-BE49-F238E27FC236}">
+                  <a16:creationId xmlns:a16="http://schemas.microsoft.com/office/drawing/2014/main" id="{F4235C4D-850F-418C-AEE1-34C56AB07633}"/>
+                </a:ext>
+              </a:extLst>
+            </p:cNvPr>
+            <p:cNvCxnSpPr>
+              <a:cxnSpLocks/>
+            </p:cNvCxnSpPr>
+            <p:nvPr/>
+          </p:nvCxnSpPr>
+          <p:spPr>
+            <a:xfrm flipV="1">
+              <a:off x="2035803" y="615048"/>
+              <a:ext cx="413776" cy="1202342"/>
+            </a:xfrm>
+            <a:prstGeom prst="line">
+              <a:avLst/>
+            </a:prstGeom>
+          </p:spPr>
+          <p:style>
+            <a:lnRef idx="1">
+              <a:schemeClr val="dk1"/>
+            </a:lnRef>
+            <a:fillRef idx="0">
+              <a:schemeClr val="dk1"/>
+            </a:fillRef>
+            <a:effectRef idx="0">
+              <a:schemeClr val="dk1"/>
+            </a:effectRef>
+            <a:fontRef idx="minor">
+              <a:schemeClr val="tx1"/>
+            </a:fontRef>
+          </p:style>
+        </p:cxnSp>
+        <p:cxnSp>
+          <p:nvCxnSpPr>
+            <p:cNvPr id="81" name="Straight Connector 80">
+              <a:extLst>
+                <a:ext uri="{FF2B5EF4-FFF2-40B4-BE49-F238E27FC236}">
+                  <a16:creationId xmlns:a16="http://schemas.microsoft.com/office/drawing/2014/main" id="{A3D316C9-3B6B-4004-A958-D203313C86C2}"/>
+                </a:ext>
+              </a:extLst>
+            </p:cNvPr>
+            <p:cNvCxnSpPr>
+              <a:cxnSpLocks/>
+            </p:cNvCxnSpPr>
+            <p:nvPr/>
+          </p:nvCxnSpPr>
+          <p:spPr>
+            <a:xfrm>
+              <a:off x="1622023" y="615048"/>
+              <a:ext cx="413776" cy="1202342"/>
+            </a:xfrm>
+            <a:prstGeom prst="line">
+              <a:avLst/>
+            </a:prstGeom>
+          </p:spPr>
+          <p:style>
+            <a:lnRef idx="1">
+              <a:schemeClr val="dk1"/>
+            </a:lnRef>
+            <a:fillRef idx="0">
+              <a:schemeClr val="dk1"/>
+            </a:fillRef>
+            <a:effectRef idx="0">
+              <a:schemeClr val="dk1"/>
+            </a:effectRef>
+            <a:fontRef idx="minor">
+              <a:schemeClr val="tx1"/>
+            </a:fontRef>
+          </p:style>
+        </p:cxnSp>
+      </p:grpSp>
+      <p:grpSp>
+        <p:nvGrpSpPr>
+          <p:cNvPr id="82" name="Group 81">
+            <a:extLst>
+              <a:ext uri="{FF2B5EF4-FFF2-40B4-BE49-F238E27FC236}">
+                <a16:creationId xmlns:a16="http://schemas.microsoft.com/office/drawing/2014/main" id="{41989CD8-AB45-48EE-828B-AD2E2EB68AB6}"/>
+              </a:ext>
+            </a:extLst>
+          </p:cNvPr>
+          <p:cNvGrpSpPr/>
+          <p:nvPr/>
+        </p:nvGrpSpPr>
+        <p:grpSpPr>
+          <a:xfrm flipV="1">
+            <a:off x="1419740" y="4953811"/>
+            <a:ext cx="792152" cy="1173106"/>
+            <a:chOff x="1622023" y="615048"/>
+            <a:chExt cx="827556" cy="1202342"/>
+          </a:xfrm>
+        </p:grpSpPr>
+        <p:cxnSp>
+          <p:nvCxnSpPr>
+            <p:cNvPr id="83" name="Straight Connector 82">
+              <a:extLst>
+                <a:ext uri="{FF2B5EF4-FFF2-40B4-BE49-F238E27FC236}">
+                  <a16:creationId xmlns:a16="http://schemas.microsoft.com/office/drawing/2014/main" id="{F78B8D56-74B1-4BF1-9898-428374E47D62}"/>
+                </a:ext>
+              </a:extLst>
+            </p:cNvPr>
+            <p:cNvCxnSpPr>
+              <a:cxnSpLocks/>
+            </p:cNvCxnSpPr>
+            <p:nvPr/>
+          </p:nvCxnSpPr>
+          <p:spPr>
+            <a:xfrm flipV="1">
+              <a:off x="2035803" y="615048"/>
+              <a:ext cx="413776" cy="1202342"/>
+            </a:xfrm>
+            <a:prstGeom prst="line">
+              <a:avLst/>
+            </a:prstGeom>
+          </p:spPr>
+          <p:style>
+            <a:lnRef idx="1">
+              <a:schemeClr val="dk1"/>
+            </a:lnRef>
+            <a:fillRef idx="0">
+              <a:schemeClr val="dk1"/>
+            </a:fillRef>
+            <a:effectRef idx="0">
+              <a:schemeClr val="dk1"/>
+            </a:effectRef>
+            <a:fontRef idx="minor">
+              <a:schemeClr val="tx1"/>
+            </a:fontRef>
+          </p:style>
+        </p:cxnSp>
+        <p:cxnSp>
+          <p:nvCxnSpPr>
+            <p:cNvPr id="84" name="Straight Connector 83">
+              <a:extLst>
+                <a:ext uri="{FF2B5EF4-FFF2-40B4-BE49-F238E27FC236}">
+                  <a16:creationId xmlns:a16="http://schemas.microsoft.com/office/drawing/2014/main" id="{F45B827D-16D3-4486-AAF1-CEF9D0628225}"/>
+                </a:ext>
+              </a:extLst>
+            </p:cNvPr>
+            <p:cNvCxnSpPr>
+              <a:cxnSpLocks/>
+            </p:cNvCxnSpPr>
+            <p:nvPr/>
+          </p:nvCxnSpPr>
+          <p:spPr>
+            <a:xfrm>
+              <a:off x="1622023" y="615048"/>
+              <a:ext cx="413776" cy="1202342"/>
+            </a:xfrm>
+            <a:prstGeom prst="line">
+              <a:avLst/>
+            </a:prstGeom>
+          </p:spPr>
+          <p:style>
+            <a:lnRef idx="1">
+              <a:schemeClr val="dk1"/>
+            </a:lnRef>
+            <a:fillRef idx="0">
+              <a:schemeClr val="dk1"/>
+            </a:fillRef>
+            <a:effectRef idx="0">
+              <a:schemeClr val="dk1"/>
+            </a:effectRef>
+            <a:fontRef idx="minor">
+              <a:schemeClr val="tx1"/>
+            </a:fontRef>
+          </p:style>
+        </p:cxnSp>
+      </p:grpSp>
+      <p:grpSp>
+        <p:nvGrpSpPr>
+          <p:cNvPr id="85" name="Group 84">
+            <a:extLst>
+              <a:ext uri="{FF2B5EF4-FFF2-40B4-BE49-F238E27FC236}">
+                <a16:creationId xmlns:a16="http://schemas.microsoft.com/office/drawing/2014/main" id="{440F02FF-BD3C-4B7C-8C42-A27A0217103F}"/>
+              </a:ext>
+            </a:extLst>
+          </p:cNvPr>
+          <p:cNvGrpSpPr/>
+          <p:nvPr/>
+        </p:nvGrpSpPr>
+        <p:grpSpPr>
+          <a:xfrm>
+            <a:off x="1419740" y="6126917"/>
+            <a:ext cx="792152" cy="1173106"/>
+            <a:chOff x="1622023" y="615048"/>
+            <a:chExt cx="827556" cy="1202342"/>
+          </a:xfrm>
+        </p:grpSpPr>
+        <p:cxnSp>
+          <p:nvCxnSpPr>
+            <p:cNvPr id="86" name="Straight Connector 85">
+              <a:extLst>
+                <a:ext uri="{FF2B5EF4-FFF2-40B4-BE49-F238E27FC236}">
+                  <a16:creationId xmlns:a16="http://schemas.microsoft.com/office/drawing/2014/main" id="{771F1482-68A9-45A8-875C-131D6A58EE61}"/>
+                </a:ext>
+              </a:extLst>
+            </p:cNvPr>
+            <p:cNvCxnSpPr>
+              <a:cxnSpLocks/>
+            </p:cNvCxnSpPr>
+            <p:nvPr/>
+          </p:nvCxnSpPr>
+          <p:spPr>
+            <a:xfrm flipV="1">
+              <a:off x="2035803" y="615048"/>
+              <a:ext cx="413776" cy="1202342"/>
+            </a:xfrm>
+            <a:prstGeom prst="line">
+              <a:avLst/>
+            </a:prstGeom>
+          </p:spPr>
+          <p:style>
+            <a:lnRef idx="1">
+              <a:schemeClr val="dk1"/>
+            </a:lnRef>
+            <a:fillRef idx="0">
+              <a:schemeClr val="dk1"/>
+            </a:fillRef>
+            <a:effectRef idx="0">
+              <a:schemeClr val="dk1"/>
+            </a:effectRef>
+            <a:fontRef idx="minor">
+              <a:schemeClr val="tx1"/>
+            </a:fontRef>
+          </p:style>
+        </p:cxnSp>
+        <p:cxnSp>
+          <p:nvCxnSpPr>
+            <p:cNvPr id="87" name="Straight Connector 86">
+              <a:extLst>
+                <a:ext uri="{FF2B5EF4-FFF2-40B4-BE49-F238E27FC236}">
+                  <a16:creationId xmlns:a16="http://schemas.microsoft.com/office/drawing/2014/main" id="{E41B9534-1A44-497B-88B3-E079510C752A}"/>
+                </a:ext>
+              </a:extLst>
+            </p:cNvPr>
+            <p:cNvCxnSpPr>
+              <a:cxnSpLocks/>
+            </p:cNvCxnSpPr>
+            <p:nvPr/>
+          </p:nvCxnSpPr>
+          <p:spPr>
+            <a:xfrm>
+              <a:off x="1622023" y="615048"/>
+              <a:ext cx="413776" cy="1202342"/>
+            </a:xfrm>
+            <a:prstGeom prst="line">
+              <a:avLst/>
+            </a:prstGeom>
+          </p:spPr>
+          <p:style>
+            <a:lnRef idx="1">
+              <a:schemeClr val="dk1"/>
+            </a:lnRef>
+            <a:fillRef idx="0">
+              <a:schemeClr val="dk1"/>
+            </a:fillRef>
+            <a:effectRef idx="0">
+              <a:schemeClr val="dk1"/>
+            </a:effectRef>
+            <a:fontRef idx="minor">
+              <a:schemeClr val="tx1"/>
+            </a:fontRef>
+          </p:style>
+        </p:cxnSp>
+      </p:grpSp>
+      <p:grpSp>
+        <p:nvGrpSpPr>
+          <p:cNvPr id="88" name="Group 87">
+            <a:extLst>
+              <a:ext uri="{FF2B5EF4-FFF2-40B4-BE49-F238E27FC236}">
+                <a16:creationId xmlns:a16="http://schemas.microsoft.com/office/drawing/2014/main" id="{C4E4AEF3-6B59-4E1F-9DF3-B55C698B4E10}"/>
+              </a:ext>
+            </a:extLst>
+          </p:cNvPr>
+          <p:cNvGrpSpPr/>
+          <p:nvPr/>
+        </p:nvGrpSpPr>
+        <p:grpSpPr>
+          <a:xfrm flipV="1">
+            <a:off x="1419740" y="7261745"/>
+            <a:ext cx="792152" cy="1173106"/>
+            <a:chOff x="1622023" y="615048"/>
+            <a:chExt cx="827556" cy="1202342"/>
+          </a:xfrm>
+        </p:grpSpPr>
+        <p:cxnSp>
+          <p:nvCxnSpPr>
+            <p:cNvPr id="89" name="Straight Connector 88">
+              <a:extLst>
+                <a:ext uri="{FF2B5EF4-FFF2-40B4-BE49-F238E27FC236}">
+                  <a16:creationId xmlns:a16="http://schemas.microsoft.com/office/drawing/2014/main" id="{37A23DC2-50DC-4E9B-88A4-63887EABC8D2}"/>
+                </a:ext>
+              </a:extLst>
+            </p:cNvPr>
+            <p:cNvCxnSpPr>
+              <a:cxnSpLocks/>
+            </p:cNvCxnSpPr>
+            <p:nvPr/>
+          </p:nvCxnSpPr>
+          <p:spPr>
+            <a:xfrm flipV="1">
+              <a:off x="2035803" y="615048"/>
+              <a:ext cx="413776" cy="1202342"/>
+            </a:xfrm>
+            <a:prstGeom prst="line">
+              <a:avLst/>
+            </a:prstGeom>
+          </p:spPr>
+          <p:style>
+            <a:lnRef idx="1">
+              <a:schemeClr val="dk1"/>
+            </a:lnRef>
+            <a:fillRef idx="0">
+              <a:schemeClr val="dk1"/>
+            </a:fillRef>
+            <a:effectRef idx="0">
+              <a:schemeClr val="dk1"/>
+            </a:effectRef>
+            <a:fontRef idx="minor">
+              <a:schemeClr val="tx1"/>
+            </a:fontRef>
+          </p:style>
+        </p:cxnSp>
+        <p:cxnSp>
+          <p:nvCxnSpPr>
+            <p:cNvPr id="90" name="Straight Connector 89">
+              <a:extLst>
+                <a:ext uri="{FF2B5EF4-FFF2-40B4-BE49-F238E27FC236}">
+                  <a16:creationId xmlns:a16="http://schemas.microsoft.com/office/drawing/2014/main" id="{23D61D83-323A-466E-9D33-D37F06603E04}"/>
+                </a:ext>
+              </a:extLst>
+            </p:cNvPr>
+            <p:cNvCxnSpPr>
+              <a:cxnSpLocks/>
+            </p:cNvCxnSpPr>
+            <p:nvPr/>
+          </p:nvCxnSpPr>
+          <p:spPr>
+            <a:xfrm>
+              <a:off x="1622023" y="615048"/>
+              <a:ext cx="413776" cy="1202342"/>
+            </a:xfrm>
+            <a:prstGeom prst="line">
+              <a:avLst/>
+            </a:prstGeom>
+          </p:spPr>
+          <p:style>
+            <a:lnRef idx="1">
+              <a:schemeClr val="dk1"/>
+            </a:lnRef>
+            <a:fillRef idx="0">
+              <a:schemeClr val="dk1"/>
+            </a:fillRef>
+            <a:effectRef idx="0">
+              <a:schemeClr val="dk1"/>
+            </a:effectRef>
+            <a:fontRef idx="minor">
+              <a:schemeClr val="tx1"/>
+            </a:fontRef>
+          </p:style>
+        </p:cxnSp>
+      </p:grpSp>
+      <p:graphicFrame>
+        <p:nvGraphicFramePr>
+          <p:cNvPr id="91" name="Table 91">
+            <a:extLst>
+              <a:ext uri="{FF2B5EF4-FFF2-40B4-BE49-F238E27FC236}">
+                <a16:creationId xmlns:a16="http://schemas.microsoft.com/office/drawing/2014/main" id="{C5A78335-9D6B-4DBD-A184-4DC0638C6B13}"/>
+              </a:ext>
+            </a:extLst>
+          </p:cNvPr>
+          <p:cNvGraphicFramePr>
+            <a:graphicFrameLocks noGrp="1"/>
+          </p:cNvGraphicFramePr>
+          <p:nvPr>
+            <p:extLst>
+              <p:ext uri="{D42A27DB-BD31-4B8C-83A1-F6EECF244321}">
+                <p14:modId xmlns:p14="http://schemas.microsoft.com/office/powerpoint/2010/main" val="3750684887"/>
+              </p:ext>
+            </p:extLst>
+          </p:nvPr>
+        </p:nvGraphicFramePr>
+        <p:xfrm>
+          <a:off x="1163782" y="8484288"/>
+          <a:ext cx="4530435" cy="534401"/>
+        </p:xfrm>
+        <a:graphic>
+          <a:graphicData uri="http://schemas.openxmlformats.org/drawingml/2006/table">
+            <a:tbl>
+              <a:tblPr firstRow="1" bandRow="1">
+                <a:tableStyleId>{5940675A-B579-460E-94D1-54222C63F5DA}</a:tableStyleId>
+              </a:tblPr>
+              <a:tblGrid>
+                <a:gridCol w="647205">
+                  <a:extLst>
+                    <a:ext uri="{9D8B030D-6E8A-4147-A177-3AD203B41FA5}">
+                      <a16:colId xmlns:a16="http://schemas.microsoft.com/office/drawing/2014/main" val="647039042"/>
+                    </a:ext>
+                  </a:extLst>
+                </a:gridCol>
+                <a:gridCol w="647205">
+                  <a:extLst>
+                    <a:ext uri="{9D8B030D-6E8A-4147-A177-3AD203B41FA5}">
+                      <a16:colId xmlns:a16="http://schemas.microsoft.com/office/drawing/2014/main" val="1148269103"/>
+                    </a:ext>
+                  </a:extLst>
+                </a:gridCol>
+                <a:gridCol w="647205">
+                  <a:extLst>
+                    <a:ext uri="{9D8B030D-6E8A-4147-A177-3AD203B41FA5}">
+                      <a16:colId xmlns:a16="http://schemas.microsoft.com/office/drawing/2014/main" val="873453379"/>
+                    </a:ext>
+                  </a:extLst>
+                </a:gridCol>
+                <a:gridCol w="647205">
+                  <a:extLst>
+                    <a:ext uri="{9D8B030D-6E8A-4147-A177-3AD203B41FA5}">
+                      <a16:colId xmlns:a16="http://schemas.microsoft.com/office/drawing/2014/main" val="3315437480"/>
+                    </a:ext>
+                  </a:extLst>
+                </a:gridCol>
+                <a:gridCol w="647205">
+                  <a:extLst>
+                    <a:ext uri="{9D8B030D-6E8A-4147-A177-3AD203B41FA5}">
+                      <a16:colId xmlns:a16="http://schemas.microsoft.com/office/drawing/2014/main" val="4077752589"/>
+                    </a:ext>
+                  </a:extLst>
+                </a:gridCol>
+                <a:gridCol w="647205">
+                  <a:extLst>
+                    <a:ext uri="{9D8B030D-6E8A-4147-A177-3AD203B41FA5}">
+                      <a16:colId xmlns:a16="http://schemas.microsoft.com/office/drawing/2014/main" val="3951062450"/>
+                    </a:ext>
+                  </a:extLst>
+                </a:gridCol>
+                <a:gridCol w="647205">
+                  <a:extLst>
+                    <a:ext uri="{9D8B030D-6E8A-4147-A177-3AD203B41FA5}">
+                      <a16:colId xmlns:a16="http://schemas.microsoft.com/office/drawing/2014/main" val="124619526"/>
+                    </a:ext>
+                  </a:extLst>
+                </a:gridCol>
+              </a:tblGrid>
+              <a:tr h="534401">
+                <a:tc>
+                  <a:txBody>
+                    <a:bodyPr/>
+                    <a:lstStyle/>
+                    <a:p>
+                      <a:endParaRPr lang="en-US"/>
+                    </a:p>
+                  </a:txBody>
+                  <a:tcPr/>
+                </a:tc>
+                <a:tc>
+                  <a:txBody>
+                    <a:bodyPr/>
+                    <a:lstStyle/>
+                    <a:p>
+                      <a:endParaRPr lang="en-US"/>
+                    </a:p>
+                  </a:txBody>
+                  <a:tcPr/>
+                </a:tc>
+                <a:tc>
+                  <a:txBody>
+                    <a:bodyPr/>
+                    <a:lstStyle/>
+                    <a:p>
+                      <a:endParaRPr lang="en-US"/>
+                    </a:p>
+                  </a:txBody>
+                  <a:tcPr/>
+                </a:tc>
+                <a:tc>
+                  <a:txBody>
+                    <a:bodyPr/>
+                    <a:lstStyle/>
+                    <a:p>
+                      <a:endParaRPr lang="en-US"/>
+                    </a:p>
+                  </a:txBody>
+                  <a:tcPr/>
+                </a:tc>
+                <a:tc>
+                  <a:txBody>
+                    <a:bodyPr/>
+                    <a:lstStyle/>
+                    <a:p>
+                      <a:endParaRPr lang="en-US"/>
+                    </a:p>
+                  </a:txBody>
+                  <a:tcPr/>
+                </a:tc>
+                <a:tc>
+                  <a:txBody>
+                    <a:bodyPr/>
+                    <a:lstStyle/>
+                    <a:p>
+                      <a:endParaRPr lang="en-US"/>
+                    </a:p>
+                  </a:txBody>
+                  <a:tcPr/>
+                </a:tc>
+                <a:tc>
+                  <a:txBody>
+                    <a:bodyPr/>
+                    <a:lstStyle/>
+                    <a:p>
+                      <a:endParaRPr lang="en-US" dirty="0"/>
+                    </a:p>
+                  </a:txBody>
+                  <a:tcPr/>
+                </a:tc>
+                <a:extLst>
+                  <a:ext uri="{0D108BD9-81ED-4DB2-BD59-A6C34878D82A}">
+                    <a16:rowId xmlns:a16="http://schemas.microsoft.com/office/drawing/2014/main" val="495710424"/>
+                  </a:ext>
+                </a:extLst>
+              </a:tr>
+            </a:tbl>
+          </a:graphicData>
+        </a:graphic>
+      </p:graphicFrame>
+      <p:sp>
+        <p:nvSpPr>
+          <p:cNvPr id="92" name="TextBox 91">
+            <a:extLst>
+              <a:ext uri="{FF2B5EF4-FFF2-40B4-BE49-F238E27FC236}">
+                <a16:creationId xmlns:a16="http://schemas.microsoft.com/office/drawing/2014/main" id="{624D7E53-9A9E-46F9-9722-E35F15380B87}"/>
+              </a:ext>
+            </a:extLst>
+          </p:cNvPr>
+          <p:cNvSpPr txBox="1"/>
+          <p:nvPr/>
+        </p:nvSpPr>
+        <p:spPr>
+          <a:xfrm flipH="1">
+            <a:off x="544483" y="314721"/>
+            <a:ext cx="822962" cy="338554"/>
+          </a:xfrm>
+          <a:prstGeom prst="rect">
+            <a:avLst/>
+          </a:prstGeom>
+          <a:noFill/>
+        </p:spPr>
+        <p:txBody>
+          <a:bodyPr wrap="square" rtlCol="0">
+            <a:spAutoFit/>
+          </a:bodyPr>
+          <a:lstStyle/>
+          <a:p>
+            <a:pPr algn="ctr"/>
+            <a:r>
+              <a:rPr lang="en-US" sz="1600" b="1" dirty="0">
+                <a:latin typeface="Bradley Hand ITC" panose="03070402050302030203" pitchFamily="66" charset="0"/>
+              </a:rPr>
+              <a:t>MON</a:t>
+            </a:r>
+          </a:p>
+        </p:txBody>
+      </p:sp>
+      <p:sp>
+        <p:nvSpPr>
+          <p:cNvPr id="93" name="TextBox 92">
+            <a:extLst>
+              <a:ext uri="{FF2B5EF4-FFF2-40B4-BE49-F238E27FC236}">
+                <a16:creationId xmlns:a16="http://schemas.microsoft.com/office/drawing/2014/main" id="{4392BC43-2597-4711-9F92-545676CF9C24}"/>
+              </a:ext>
+            </a:extLst>
+          </p:cNvPr>
+          <p:cNvSpPr txBox="1"/>
+          <p:nvPr/>
+        </p:nvSpPr>
+        <p:spPr>
+          <a:xfrm flipH="1">
+            <a:off x="534387" y="1478646"/>
+            <a:ext cx="822962" cy="338554"/>
+          </a:xfrm>
+          <a:prstGeom prst="rect">
+            <a:avLst/>
+          </a:prstGeom>
+          <a:noFill/>
+        </p:spPr>
+        <p:txBody>
+          <a:bodyPr wrap="square" rtlCol="0">
+            <a:spAutoFit/>
+          </a:bodyPr>
+          <a:lstStyle/>
+          <a:p>
+            <a:pPr algn="ctr"/>
+            <a:r>
+              <a:rPr lang="en-US" sz="1600" b="1" dirty="0">
+                <a:latin typeface="Bradley Hand ITC" panose="03070402050302030203" pitchFamily="66" charset="0"/>
+              </a:rPr>
+              <a:t>TUES</a:t>
+            </a:r>
+          </a:p>
+        </p:txBody>
+      </p:sp>
+      <p:sp>
+        <p:nvSpPr>
+          <p:cNvPr id="94" name="TextBox 93">
+            <a:extLst>
+              <a:ext uri="{FF2B5EF4-FFF2-40B4-BE49-F238E27FC236}">
+                <a16:creationId xmlns:a16="http://schemas.microsoft.com/office/drawing/2014/main" id="{3C0971D1-A1B0-42DD-A6CF-27628FCC0647}"/>
+              </a:ext>
+            </a:extLst>
+          </p:cNvPr>
+          <p:cNvSpPr txBox="1"/>
+          <p:nvPr/>
+        </p:nvSpPr>
+        <p:spPr>
+          <a:xfrm flipH="1">
+            <a:off x="544483" y="2629834"/>
+            <a:ext cx="822962" cy="338554"/>
+          </a:xfrm>
+          <a:prstGeom prst="rect">
+            <a:avLst/>
+          </a:prstGeom>
+          <a:noFill/>
+        </p:spPr>
+        <p:txBody>
+          <a:bodyPr wrap="square" rtlCol="0">
+            <a:spAutoFit/>
+          </a:bodyPr>
+          <a:lstStyle/>
+          <a:p>
+            <a:pPr algn="ctr"/>
+            <a:r>
+              <a:rPr lang="en-US" sz="1600" b="1" dirty="0">
+                <a:latin typeface="Bradley Hand ITC" panose="03070402050302030203" pitchFamily="66" charset="0"/>
+              </a:rPr>
+              <a:t>WED</a:t>
+            </a:r>
+          </a:p>
+        </p:txBody>
+      </p:sp>
+      <p:sp>
+        <p:nvSpPr>
+          <p:cNvPr id="95" name="TextBox 94">
+            <a:extLst>
+              <a:ext uri="{FF2B5EF4-FFF2-40B4-BE49-F238E27FC236}">
+                <a16:creationId xmlns:a16="http://schemas.microsoft.com/office/drawing/2014/main" id="{292EB32D-51E4-4E13-90E6-D95D0EB2D990}"/>
+              </a:ext>
+            </a:extLst>
+          </p:cNvPr>
+          <p:cNvSpPr txBox="1"/>
+          <p:nvPr/>
+        </p:nvSpPr>
+        <p:spPr>
+          <a:xfrm flipH="1">
+            <a:off x="533943" y="3806059"/>
+            <a:ext cx="822962" cy="338554"/>
+          </a:xfrm>
+          <a:prstGeom prst="rect">
+            <a:avLst/>
+          </a:prstGeom>
+          <a:noFill/>
+        </p:spPr>
+        <p:txBody>
+          <a:bodyPr wrap="square" rtlCol="0">
+            <a:spAutoFit/>
+          </a:bodyPr>
+          <a:lstStyle/>
+          <a:p>
+            <a:pPr algn="ctr"/>
+            <a:r>
+              <a:rPr lang="en-US" sz="1600" b="1" dirty="0">
+                <a:latin typeface="Bradley Hand ITC" panose="03070402050302030203" pitchFamily="66" charset="0"/>
+              </a:rPr>
+              <a:t>THUR</a:t>
+            </a:r>
+          </a:p>
+        </p:txBody>
+      </p:sp>
+      <p:sp>
+        <p:nvSpPr>
+          <p:cNvPr id="96" name="TextBox 95">
+            <a:extLst>
+              <a:ext uri="{FF2B5EF4-FFF2-40B4-BE49-F238E27FC236}">
+                <a16:creationId xmlns:a16="http://schemas.microsoft.com/office/drawing/2014/main" id="{939E12E1-2BF4-453A-A892-EF1AF707F6F0}"/>
+              </a:ext>
+            </a:extLst>
+          </p:cNvPr>
+          <p:cNvSpPr txBox="1"/>
+          <p:nvPr/>
+        </p:nvSpPr>
+        <p:spPr>
+          <a:xfrm flipH="1">
+            <a:off x="544483" y="4983608"/>
+            <a:ext cx="822962" cy="338554"/>
+          </a:xfrm>
+          <a:prstGeom prst="rect">
+            <a:avLst/>
+          </a:prstGeom>
+          <a:noFill/>
+        </p:spPr>
+        <p:txBody>
+          <a:bodyPr wrap="square" rtlCol="0">
+            <a:spAutoFit/>
+          </a:bodyPr>
+          <a:lstStyle/>
+          <a:p>
+            <a:pPr algn="ctr"/>
+            <a:r>
+              <a:rPr lang="en-US" sz="1600" b="1" dirty="0">
+                <a:latin typeface="Bradley Hand ITC" panose="03070402050302030203" pitchFamily="66" charset="0"/>
+              </a:rPr>
+              <a:t>FRI</a:t>
+            </a:r>
+          </a:p>
+        </p:txBody>
+      </p:sp>
+      <p:sp>
+        <p:nvSpPr>
+          <p:cNvPr id="97" name="TextBox 96">
+            <a:extLst>
+              <a:ext uri="{FF2B5EF4-FFF2-40B4-BE49-F238E27FC236}">
+                <a16:creationId xmlns:a16="http://schemas.microsoft.com/office/drawing/2014/main" id="{14DAC989-3DA9-4967-BCD2-84AE9554DFC5}"/>
+              </a:ext>
+            </a:extLst>
+          </p:cNvPr>
+          <p:cNvSpPr txBox="1"/>
+          <p:nvPr/>
+        </p:nvSpPr>
+        <p:spPr>
+          <a:xfrm flipH="1">
+            <a:off x="533942" y="6146328"/>
+            <a:ext cx="822962" cy="338554"/>
+          </a:xfrm>
+          <a:prstGeom prst="rect">
+            <a:avLst/>
+          </a:prstGeom>
+          <a:noFill/>
+        </p:spPr>
+        <p:txBody>
+          <a:bodyPr wrap="square" rtlCol="0">
+            <a:spAutoFit/>
+          </a:bodyPr>
+          <a:lstStyle/>
+          <a:p>
+            <a:pPr algn="ctr"/>
+            <a:r>
+              <a:rPr lang="en-US" sz="1600" b="1" dirty="0">
+                <a:latin typeface="Bradley Hand ITC" panose="03070402050302030203" pitchFamily="66" charset="0"/>
+              </a:rPr>
+              <a:t>SAT</a:t>
+            </a:r>
+          </a:p>
+        </p:txBody>
+      </p:sp>
+      <p:sp>
+        <p:nvSpPr>
+          <p:cNvPr id="98" name="TextBox 97">
+            <a:extLst>
+              <a:ext uri="{FF2B5EF4-FFF2-40B4-BE49-F238E27FC236}">
+                <a16:creationId xmlns:a16="http://schemas.microsoft.com/office/drawing/2014/main" id="{C6A7D812-74E1-42E4-9F5A-6A912F53E344}"/>
+              </a:ext>
+            </a:extLst>
+          </p:cNvPr>
+          <p:cNvSpPr txBox="1"/>
+          <p:nvPr/>
+        </p:nvSpPr>
+        <p:spPr>
+          <a:xfrm flipH="1">
+            <a:off x="533941" y="7323877"/>
+            <a:ext cx="822962" cy="338554"/>
+          </a:xfrm>
+          <a:prstGeom prst="rect">
+            <a:avLst/>
+          </a:prstGeom>
+          <a:noFill/>
+        </p:spPr>
+        <p:txBody>
+          <a:bodyPr wrap="square" rtlCol="0">
+            <a:spAutoFit/>
+          </a:bodyPr>
+          <a:lstStyle/>
+          <a:p>
+            <a:pPr algn="ctr"/>
+            <a:r>
+              <a:rPr lang="en-US" sz="1600" b="1" dirty="0">
+                <a:latin typeface="Bradley Hand ITC" panose="03070402050302030203" pitchFamily="66" charset="0"/>
+              </a:rPr>
+              <a:t>SUN</a:t>
+            </a:r>
+          </a:p>
+        </p:txBody>
+      </p:sp>
+    </p:spTree>
+    <p:extLst>
+      <p:ext uri="{BB962C8B-B14F-4D97-AF65-F5344CB8AC3E}">
+        <p14:creationId xmlns:p14="http://schemas.microsoft.com/office/powerpoint/2010/main" val="3956747056"/>
+      </p:ext>
+    </p:extLst>
+  </p:cSld>
+  <p:clrMapOvr>
+    <a:masterClrMapping/>
+  </p:clrMapOvr>
+</p:sld>
+</file>
+
+<file path=ppt/slides/slide27.xml><?xml version="1.0" encoding="utf-8"?>
+<p:sld xmlns:a="http://schemas.openxmlformats.org/drawingml/2006/main" xmlns:r="http://schemas.openxmlformats.org/officeDocument/2006/relationships" xmlns:p="http://schemas.openxmlformats.org/presentationml/2006/main">
+  <p:cSld>
+    <p:spTree>
+      <p:nvGrpSpPr>
+        <p:cNvPr id="1" name=""/>
+        <p:cNvGrpSpPr/>
+        <p:nvPr/>
+      </p:nvGrpSpPr>
+      <p:grpSpPr>
+        <a:xfrm>
+          <a:off x="0" y="0"/>
+          <a:ext cx="0" cy="0"/>
+          <a:chOff x="0" y="0"/>
+          <a:chExt cx="0" cy="0"/>
+        </a:xfrm>
+      </p:grpSpPr>
+      <p:sp>
+        <p:nvSpPr>
+          <p:cNvPr id="2" name="Rectangle 1">
+            <a:extLst>
+              <a:ext uri="{FF2B5EF4-FFF2-40B4-BE49-F238E27FC236}">
+                <a16:creationId xmlns:a16="http://schemas.microsoft.com/office/drawing/2014/main" id="{9973E77B-CCCC-44DB-93C0-CD5DCF28206F}"/>
+              </a:ext>
+            </a:extLst>
+          </p:cNvPr>
+          <p:cNvSpPr/>
+          <p:nvPr/>
+        </p:nvSpPr>
+        <p:spPr>
+          <a:xfrm>
+            <a:off x="289816" y="231062"/>
+            <a:ext cx="2066591" cy="1015663"/>
+          </a:xfrm>
+          <a:prstGeom prst="rect">
+            <a:avLst/>
+          </a:prstGeom>
+          <a:noFill/>
+        </p:spPr>
+        <p:txBody>
+          <a:bodyPr wrap="none" lIns="91440" tIns="45720" rIns="91440" bIns="45720">
+            <a:spAutoFit/>
+          </a:bodyPr>
+          <a:lstStyle/>
+          <a:p>
+            <a:pPr algn="ctr"/>
+            <a:r>
+              <a:rPr lang="en-US" sz="6000" b="1" cap="none" spc="0" dirty="0">
+                <a:ln w="10160">
+                  <a:solidFill>
+                    <a:schemeClr val="tx1"/>
+                  </a:solidFill>
+                  <a:prstDash val="solid"/>
+                </a:ln>
+                <a:solidFill>
+                  <a:srgbClr val="FFFFFF"/>
+                </a:solidFill>
+                <a:effectLst>
+                  <a:outerShdw blurRad="38100" dist="22860" dir="5400000" algn="tl" rotWithShape="0">
+                    <a:srgbClr val="000000">
+                      <a:alpha val="30000"/>
+                    </a:srgbClr>
+                  </a:outerShdw>
+                </a:effectLst>
+                <a:latin typeface="Georgia" panose="02040502050405020303" pitchFamily="18" charset="0"/>
+              </a:rPr>
+              <a:t>2021</a:t>
+            </a:r>
+          </a:p>
+        </p:txBody>
+      </p:sp>
+      <p:sp>
+        <p:nvSpPr>
+          <p:cNvPr id="3" name="TextBox 2">
+            <a:extLst>
+              <a:ext uri="{FF2B5EF4-FFF2-40B4-BE49-F238E27FC236}">
+                <a16:creationId xmlns:a16="http://schemas.microsoft.com/office/drawing/2014/main" id="{6BE5D498-9AE7-4824-918F-E69B81D95788}"/>
+              </a:ext>
+            </a:extLst>
+          </p:cNvPr>
+          <p:cNvSpPr txBox="1"/>
+          <p:nvPr/>
+        </p:nvSpPr>
+        <p:spPr>
+          <a:xfrm flipH="1">
+            <a:off x="2151610" y="794313"/>
+            <a:ext cx="1131917" cy="338554"/>
+          </a:xfrm>
+          <a:prstGeom prst="rect">
+            <a:avLst/>
+          </a:prstGeom>
+          <a:noFill/>
+        </p:spPr>
+        <p:txBody>
+          <a:bodyPr wrap="square" rtlCol="0" anchor="b">
+            <a:spAutoFit/>
+          </a:bodyPr>
+          <a:lstStyle/>
+          <a:p>
+            <a:pPr algn="ctr"/>
+            <a:r>
+              <a:rPr lang="en-US" sz="1600" b="1" dirty="0">
+                <a:latin typeface="Bradley Hand ITC" panose="03070402050302030203" pitchFamily="66" charset="0"/>
+              </a:rPr>
+              <a:t>in review</a:t>
+            </a:r>
+          </a:p>
+        </p:txBody>
+      </p:sp>
+      <p:cxnSp>
+        <p:nvCxnSpPr>
+          <p:cNvPr id="5" name="Straight Connector 4">
+            <a:extLst>
+              <a:ext uri="{FF2B5EF4-FFF2-40B4-BE49-F238E27FC236}">
+                <a16:creationId xmlns:a16="http://schemas.microsoft.com/office/drawing/2014/main" id="{4555D820-C063-4E42-8869-A716B6FDAF78}"/>
+              </a:ext>
+            </a:extLst>
+          </p:cNvPr>
+          <p:cNvCxnSpPr>
+            <a:cxnSpLocks/>
+          </p:cNvCxnSpPr>
+          <p:nvPr/>
+        </p:nvCxnSpPr>
+        <p:spPr>
+          <a:xfrm>
+            <a:off x="955964" y="6594764"/>
+            <a:ext cx="5611091" cy="0"/>
+          </a:xfrm>
+          <a:prstGeom prst="line">
+            <a:avLst/>
+          </a:prstGeom>
+          <a:ln w="25400">
+            <a:solidFill>
+              <a:schemeClr val="dk1"/>
+            </a:solidFill>
+          </a:ln>
+        </p:spPr>
+        <p:style>
+          <a:lnRef idx="1">
+            <a:schemeClr val="dk1"/>
+          </a:lnRef>
+          <a:fillRef idx="0">
+            <a:schemeClr val="dk1"/>
+          </a:fillRef>
+          <a:effectRef idx="0">
+            <a:schemeClr val="dk1"/>
+          </a:effectRef>
+          <a:fontRef idx="minor">
+            <a:schemeClr val="tx1"/>
+          </a:fontRef>
+        </p:style>
+      </p:cxnSp>
+      <p:cxnSp>
+        <p:nvCxnSpPr>
+          <p:cNvPr id="9" name="Straight Connector 8">
+            <a:extLst>
+              <a:ext uri="{FF2B5EF4-FFF2-40B4-BE49-F238E27FC236}">
+                <a16:creationId xmlns:a16="http://schemas.microsoft.com/office/drawing/2014/main" id="{642A8E9E-E490-46BE-8BC8-0F0566A0416D}"/>
+              </a:ext>
+            </a:extLst>
+          </p:cNvPr>
+          <p:cNvCxnSpPr/>
+          <p:nvPr/>
+        </p:nvCxnSpPr>
+        <p:spPr>
+          <a:xfrm flipV="1">
+            <a:off x="1600200" y="6225540"/>
+            <a:ext cx="0" cy="358140"/>
+          </a:xfrm>
+          <a:prstGeom prst="line">
+            <a:avLst/>
+          </a:prstGeom>
+          <a:ln w="25400"/>
+        </p:spPr>
+        <p:style>
+          <a:lnRef idx="1">
+            <a:schemeClr val="dk1"/>
+          </a:lnRef>
+          <a:fillRef idx="0">
+            <a:schemeClr val="dk1"/>
+          </a:fillRef>
+          <a:effectRef idx="0">
+            <a:schemeClr val="dk1"/>
+          </a:effectRef>
+          <a:fontRef idx="minor">
+            <a:schemeClr val="tx1"/>
+          </a:fontRef>
+        </p:style>
+      </p:cxnSp>
+      <p:cxnSp>
+        <p:nvCxnSpPr>
+          <p:cNvPr id="10" name="Straight Connector 9">
+            <a:extLst>
+              <a:ext uri="{FF2B5EF4-FFF2-40B4-BE49-F238E27FC236}">
+                <a16:creationId xmlns:a16="http://schemas.microsoft.com/office/drawing/2014/main" id="{FE9A6D03-5692-4191-8545-230DA038F817}"/>
+              </a:ext>
+            </a:extLst>
+          </p:cNvPr>
+          <p:cNvCxnSpPr/>
+          <p:nvPr/>
+        </p:nvCxnSpPr>
+        <p:spPr>
+          <a:xfrm flipV="1">
+            <a:off x="2514600" y="6583680"/>
+            <a:ext cx="0" cy="358140"/>
+          </a:xfrm>
+          <a:prstGeom prst="line">
+            <a:avLst/>
+          </a:prstGeom>
+          <a:ln w="25400"/>
+        </p:spPr>
+        <p:style>
+          <a:lnRef idx="1">
+            <a:schemeClr val="dk1"/>
+          </a:lnRef>
+          <a:fillRef idx="0">
+            <a:schemeClr val="dk1"/>
+          </a:fillRef>
+          <a:effectRef idx="0">
+            <a:schemeClr val="dk1"/>
+          </a:effectRef>
+          <a:fontRef idx="minor">
+            <a:schemeClr val="tx1"/>
+          </a:fontRef>
+        </p:style>
+      </p:cxnSp>
+      <p:cxnSp>
+        <p:nvCxnSpPr>
+          <p:cNvPr id="11" name="Straight Connector 10">
+            <a:extLst>
+              <a:ext uri="{FF2B5EF4-FFF2-40B4-BE49-F238E27FC236}">
+                <a16:creationId xmlns:a16="http://schemas.microsoft.com/office/drawing/2014/main" id="{8A5DBE0B-52A5-40DE-B1AA-3D62FBF92645}"/>
+              </a:ext>
+            </a:extLst>
+          </p:cNvPr>
+          <p:cNvCxnSpPr/>
+          <p:nvPr/>
+        </p:nvCxnSpPr>
+        <p:spPr>
+          <a:xfrm flipV="1">
+            <a:off x="3429000" y="6225540"/>
+            <a:ext cx="0" cy="358140"/>
+          </a:xfrm>
+          <a:prstGeom prst="line">
+            <a:avLst/>
+          </a:prstGeom>
+          <a:ln w="25400"/>
+        </p:spPr>
+        <p:style>
+          <a:lnRef idx="1">
+            <a:schemeClr val="dk1"/>
+          </a:lnRef>
+          <a:fillRef idx="0">
+            <a:schemeClr val="dk1"/>
+          </a:fillRef>
+          <a:effectRef idx="0">
+            <a:schemeClr val="dk1"/>
+          </a:effectRef>
+          <a:fontRef idx="minor">
+            <a:schemeClr val="tx1"/>
+          </a:fontRef>
+        </p:style>
+      </p:cxnSp>
+      <p:cxnSp>
+        <p:nvCxnSpPr>
+          <p:cNvPr id="12" name="Straight Connector 11">
+            <a:extLst>
+              <a:ext uri="{FF2B5EF4-FFF2-40B4-BE49-F238E27FC236}">
+                <a16:creationId xmlns:a16="http://schemas.microsoft.com/office/drawing/2014/main" id="{7A5E0B44-08CC-4372-B87F-81DB159D3808}"/>
+              </a:ext>
+            </a:extLst>
+          </p:cNvPr>
+          <p:cNvCxnSpPr/>
+          <p:nvPr/>
+        </p:nvCxnSpPr>
+        <p:spPr>
+          <a:xfrm flipV="1">
+            <a:off x="4343400" y="6583680"/>
+            <a:ext cx="0" cy="358140"/>
+          </a:xfrm>
+          <a:prstGeom prst="line">
+            <a:avLst/>
+          </a:prstGeom>
+          <a:ln w="25400"/>
+        </p:spPr>
+        <p:style>
+          <a:lnRef idx="1">
+            <a:schemeClr val="dk1"/>
+          </a:lnRef>
+          <a:fillRef idx="0">
+            <a:schemeClr val="dk1"/>
+          </a:fillRef>
+          <a:effectRef idx="0">
+            <a:schemeClr val="dk1"/>
+          </a:effectRef>
+          <a:fontRef idx="minor">
+            <a:schemeClr val="tx1"/>
+          </a:fontRef>
+        </p:style>
+      </p:cxnSp>
+      <p:cxnSp>
+        <p:nvCxnSpPr>
+          <p:cNvPr id="13" name="Straight Connector 12">
+            <a:extLst>
+              <a:ext uri="{FF2B5EF4-FFF2-40B4-BE49-F238E27FC236}">
+                <a16:creationId xmlns:a16="http://schemas.microsoft.com/office/drawing/2014/main" id="{7CDD2183-CF2A-473F-89A9-26562901DF74}"/>
+              </a:ext>
+            </a:extLst>
+          </p:cNvPr>
+          <p:cNvCxnSpPr/>
+          <p:nvPr/>
+        </p:nvCxnSpPr>
+        <p:spPr>
+          <a:xfrm flipV="1">
+            <a:off x="5257800" y="6225540"/>
+            <a:ext cx="0" cy="358140"/>
+          </a:xfrm>
+          <a:prstGeom prst="line">
+            <a:avLst/>
+          </a:prstGeom>
+          <a:ln w="25400"/>
+        </p:spPr>
+        <p:style>
+          <a:lnRef idx="1">
+            <a:schemeClr val="dk1"/>
+          </a:lnRef>
+          <a:fillRef idx="0">
+            <a:schemeClr val="dk1"/>
+          </a:fillRef>
+          <a:effectRef idx="0">
+            <a:schemeClr val="dk1"/>
+          </a:effectRef>
+          <a:fontRef idx="minor">
+            <a:schemeClr val="tx1"/>
+          </a:fontRef>
+        </p:style>
+      </p:cxnSp>
+      <p:cxnSp>
+        <p:nvCxnSpPr>
+          <p:cNvPr id="14" name="Straight Connector 13">
+            <a:extLst>
+              <a:ext uri="{FF2B5EF4-FFF2-40B4-BE49-F238E27FC236}">
+                <a16:creationId xmlns:a16="http://schemas.microsoft.com/office/drawing/2014/main" id="{07890F4A-6739-4EE2-A626-2543502B6392}"/>
+              </a:ext>
+            </a:extLst>
+          </p:cNvPr>
+          <p:cNvCxnSpPr/>
+          <p:nvPr/>
+        </p:nvCxnSpPr>
+        <p:spPr>
+          <a:xfrm flipV="1">
+            <a:off x="6187440" y="6583680"/>
+            <a:ext cx="0" cy="358140"/>
+          </a:xfrm>
+          <a:prstGeom prst="line">
+            <a:avLst/>
+          </a:prstGeom>
+          <a:ln w="25400"/>
+        </p:spPr>
+        <p:style>
+          <a:lnRef idx="1">
+            <a:schemeClr val="dk1"/>
+          </a:lnRef>
+          <a:fillRef idx="0">
+            <a:schemeClr val="dk1"/>
+          </a:fillRef>
+          <a:effectRef idx="0">
+            <a:schemeClr val="dk1"/>
+          </a:effectRef>
+          <a:fontRef idx="minor">
+            <a:schemeClr val="tx1"/>
+          </a:fontRef>
+        </p:style>
+      </p:cxnSp>
+      <p:sp>
+        <p:nvSpPr>
+          <p:cNvPr id="15" name="TextBox 14">
+            <a:extLst>
+              <a:ext uri="{FF2B5EF4-FFF2-40B4-BE49-F238E27FC236}">
+                <a16:creationId xmlns:a16="http://schemas.microsoft.com/office/drawing/2014/main" id="{7504CD5A-29E1-4C69-B4D7-A74A6BC335CC}"/>
+              </a:ext>
+            </a:extLst>
+          </p:cNvPr>
+          <p:cNvSpPr txBox="1"/>
+          <p:nvPr/>
+        </p:nvSpPr>
+        <p:spPr>
+          <a:xfrm flipH="1">
+            <a:off x="1034240" y="5892743"/>
+            <a:ext cx="1131917" cy="338554"/>
+          </a:xfrm>
+          <a:prstGeom prst="rect">
+            <a:avLst/>
+          </a:prstGeom>
+          <a:noFill/>
+        </p:spPr>
+        <p:txBody>
+          <a:bodyPr wrap="square" rtlCol="0" anchor="b">
+            <a:spAutoFit/>
+          </a:bodyPr>
+          <a:lstStyle/>
+          <a:p>
+            <a:pPr algn="ctr"/>
+            <a:r>
+              <a:rPr lang="en-US" sz="1600" b="1" dirty="0">
+                <a:latin typeface="Bradley Hand ITC" panose="03070402050302030203" pitchFamily="66" charset="0"/>
+              </a:rPr>
+              <a:t>JAN</a:t>
+            </a:r>
+          </a:p>
+        </p:txBody>
+      </p:sp>
+      <p:sp>
+        <p:nvSpPr>
+          <p:cNvPr id="16" name="TextBox 15">
+            <a:extLst>
+              <a:ext uri="{FF2B5EF4-FFF2-40B4-BE49-F238E27FC236}">
+                <a16:creationId xmlns:a16="http://schemas.microsoft.com/office/drawing/2014/main" id="{0DE3EA72-832B-4662-B671-B04BEC43C7F7}"/>
+              </a:ext>
+            </a:extLst>
+          </p:cNvPr>
+          <p:cNvSpPr txBox="1"/>
+          <p:nvPr/>
+        </p:nvSpPr>
+        <p:spPr>
+          <a:xfrm flipH="1">
+            <a:off x="1948641" y="6941820"/>
+            <a:ext cx="1131917" cy="338554"/>
+          </a:xfrm>
+          <a:prstGeom prst="rect">
+            <a:avLst/>
+          </a:prstGeom>
+          <a:noFill/>
+        </p:spPr>
+        <p:txBody>
+          <a:bodyPr wrap="square" rtlCol="0" anchor="b">
+            <a:spAutoFit/>
+          </a:bodyPr>
+          <a:lstStyle/>
+          <a:p>
+            <a:pPr algn="ctr"/>
+            <a:r>
+              <a:rPr lang="en-US" sz="1600" b="1" dirty="0">
+                <a:latin typeface="Bradley Hand ITC" panose="03070402050302030203" pitchFamily="66" charset="0"/>
+              </a:rPr>
+              <a:t>FEB</a:t>
+            </a:r>
+          </a:p>
+        </p:txBody>
+      </p:sp>
+      <p:sp>
+        <p:nvSpPr>
+          <p:cNvPr id="17" name="TextBox 16">
+            <a:extLst>
+              <a:ext uri="{FF2B5EF4-FFF2-40B4-BE49-F238E27FC236}">
+                <a16:creationId xmlns:a16="http://schemas.microsoft.com/office/drawing/2014/main" id="{B2F819DA-F9B4-4E21-9D6C-6EECB35DFCD7}"/>
+              </a:ext>
+            </a:extLst>
+          </p:cNvPr>
+          <p:cNvSpPr txBox="1"/>
+          <p:nvPr/>
+        </p:nvSpPr>
+        <p:spPr>
+          <a:xfrm flipH="1">
+            <a:off x="2863041" y="5874530"/>
+            <a:ext cx="1131917" cy="338554"/>
+          </a:xfrm>
+          <a:prstGeom prst="rect">
+            <a:avLst/>
+          </a:prstGeom>
+          <a:noFill/>
+        </p:spPr>
+        <p:txBody>
+          <a:bodyPr wrap="square" rtlCol="0" anchor="b">
+            <a:spAutoFit/>
+          </a:bodyPr>
+          <a:lstStyle/>
+          <a:p>
+            <a:pPr algn="ctr"/>
+            <a:r>
+              <a:rPr lang="en-US" sz="1600" b="1" dirty="0">
+                <a:latin typeface="Bradley Hand ITC" panose="03070402050302030203" pitchFamily="66" charset="0"/>
+              </a:rPr>
+              <a:t>MAR</a:t>
+            </a:r>
+          </a:p>
+        </p:txBody>
+      </p:sp>
+      <p:sp>
+        <p:nvSpPr>
+          <p:cNvPr id="18" name="TextBox 17">
+            <a:extLst>
+              <a:ext uri="{FF2B5EF4-FFF2-40B4-BE49-F238E27FC236}">
+                <a16:creationId xmlns:a16="http://schemas.microsoft.com/office/drawing/2014/main" id="{AE2A01B4-F05C-40F5-B6B5-1D402A2F7437}"/>
+              </a:ext>
+            </a:extLst>
+          </p:cNvPr>
+          <p:cNvSpPr txBox="1"/>
+          <p:nvPr/>
+        </p:nvSpPr>
+        <p:spPr>
+          <a:xfrm flipH="1">
+            <a:off x="3777441" y="6941820"/>
+            <a:ext cx="1131917" cy="338554"/>
+          </a:xfrm>
+          <a:prstGeom prst="rect">
+            <a:avLst/>
+          </a:prstGeom>
+          <a:noFill/>
+        </p:spPr>
+        <p:txBody>
+          <a:bodyPr wrap="square" rtlCol="0" anchor="b">
+            <a:spAutoFit/>
+          </a:bodyPr>
+          <a:lstStyle/>
+          <a:p>
+            <a:pPr algn="ctr"/>
+            <a:r>
+              <a:rPr lang="en-US" sz="1600" b="1" dirty="0">
+                <a:latin typeface="Bradley Hand ITC" panose="03070402050302030203" pitchFamily="66" charset="0"/>
+              </a:rPr>
+              <a:t>APR</a:t>
+            </a:r>
+          </a:p>
+        </p:txBody>
+      </p:sp>
+      <p:sp>
+        <p:nvSpPr>
+          <p:cNvPr id="19" name="TextBox 18">
+            <a:extLst>
+              <a:ext uri="{FF2B5EF4-FFF2-40B4-BE49-F238E27FC236}">
+                <a16:creationId xmlns:a16="http://schemas.microsoft.com/office/drawing/2014/main" id="{E4CD2C03-6739-4CAB-83E4-B989EA3066B3}"/>
+              </a:ext>
+            </a:extLst>
+          </p:cNvPr>
+          <p:cNvSpPr txBox="1"/>
+          <p:nvPr/>
+        </p:nvSpPr>
+        <p:spPr>
+          <a:xfrm flipH="1">
+            <a:off x="4691841" y="5871145"/>
+            <a:ext cx="1131917" cy="338554"/>
+          </a:xfrm>
+          <a:prstGeom prst="rect">
+            <a:avLst/>
+          </a:prstGeom>
+          <a:noFill/>
+        </p:spPr>
+        <p:txBody>
+          <a:bodyPr wrap="square" rtlCol="0" anchor="b">
+            <a:spAutoFit/>
+          </a:bodyPr>
+          <a:lstStyle/>
+          <a:p>
+            <a:pPr algn="ctr"/>
+            <a:r>
+              <a:rPr lang="en-US" sz="1600" b="1" dirty="0">
+                <a:latin typeface="Bradley Hand ITC" panose="03070402050302030203" pitchFamily="66" charset="0"/>
+              </a:rPr>
+              <a:t>MAY</a:t>
+            </a:r>
+          </a:p>
+        </p:txBody>
+      </p:sp>
+      <p:sp>
+        <p:nvSpPr>
+          <p:cNvPr id="20" name="TextBox 19">
+            <a:extLst>
+              <a:ext uri="{FF2B5EF4-FFF2-40B4-BE49-F238E27FC236}">
+                <a16:creationId xmlns:a16="http://schemas.microsoft.com/office/drawing/2014/main" id="{DFA74331-349F-49A5-B08D-46E122CFDA18}"/>
+              </a:ext>
+            </a:extLst>
+          </p:cNvPr>
+          <p:cNvSpPr txBox="1"/>
+          <p:nvPr/>
+        </p:nvSpPr>
+        <p:spPr>
+          <a:xfrm flipH="1">
+            <a:off x="5621481" y="6941820"/>
+            <a:ext cx="1131917" cy="338554"/>
+          </a:xfrm>
+          <a:prstGeom prst="rect">
+            <a:avLst/>
+          </a:prstGeom>
+          <a:noFill/>
+        </p:spPr>
+        <p:txBody>
+          <a:bodyPr wrap="square" rtlCol="0" anchor="b">
+            <a:spAutoFit/>
+          </a:bodyPr>
+          <a:lstStyle/>
+          <a:p>
+            <a:pPr algn="ctr"/>
+            <a:r>
+              <a:rPr lang="en-US" sz="1600" b="1" dirty="0">
+                <a:latin typeface="Bradley Hand ITC" panose="03070402050302030203" pitchFamily="66" charset="0"/>
+              </a:rPr>
+              <a:t>JUNE</a:t>
+            </a:r>
+          </a:p>
+        </p:txBody>
+      </p:sp>
+      <p:sp>
+        <p:nvSpPr>
+          <p:cNvPr id="21" name="Oval 20">
+            <a:extLst>
+              <a:ext uri="{FF2B5EF4-FFF2-40B4-BE49-F238E27FC236}">
+                <a16:creationId xmlns:a16="http://schemas.microsoft.com/office/drawing/2014/main" id="{DCF01953-FA11-48C6-935B-AC61B5296FC1}"/>
+              </a:ext>
+            </a:extLst>
+          </p:cNvPr>
+          <p:cNvSpPr/>
+          <p:nvPr/>
+        </p:nvSpPr>
+        <p:spPr>
+          <a:xfrm>
+            <a:off x="791455" y="6475661"/>
+            <a:ext cx="242785" cy="238205"/>
+          </a:xfrm>
+          <a:prstGeom prst="ellipse">
+            <a:avLst/>
+          </a:prstGeom>
+          <a:solidFill>
+            <a:schemeClr val="bg1"/>
+          </a:solidFill>
+          <a:ln w="25400">
+            <a:solidFill>
+              <a:schemeClr val="tx1"/>
+            </a:solidFill>
+          </a:ln>
+        </p:spPr>
+        <p:style>
+          <a:lnRef idx="2">
+            <a:schemeClr val="accent1">
+              <a:shade val="50000"/>
+            </a:schemeClr>
+          </a:lnRef>
+          <a:fillRef idx="1">
+            <a:schemeClr val="accent1"/>
+          </a:fillRef>
+          <a:effectRef idx="0">
+            <a:schemeClr val="accent1"/>
+          </a:effectRef>
+          <a:fontRef idx="minor">
+            <a:schemeClr val="lt1"/>
+          </a:fontRef>
+        </p:style>
+        <p:txBody>
+          <a:bodyPr rtlCol="0" anchor="ctr"/>
+          <a:lstStyle/>
+          <a:p>
+            <a:pPr algn="ctr"/>
+            <a:endParaRPr lang="en-US"/>
+          </a:p>
+        </p:txBody>
+      </p:sp>
+      <p:sp>
+        <p:nvSpPr>
+          <p:cNvPr id="22" name="TextBox 21">
+            <a:extLst>
+              <a:ext uri="{FF2B5EF4-FFF2-40B4-BE49-F238E27FC236}">
+                <a16:creationId xmlns:a16="http://schemas.microsoft.com/office/drawing/2014/main" id="{92E1A8AF-5C4A-4E28-8AF8-C5B86B9AA303}"/>
+              </a:ext>
+            </a:extLst>
+          </p:cNvPr>
+          <p:cNvSpPr txBox="1"/>
+          <p:nvPr/>
+        </p:nvSpPr>
+        <p:spPr>
+          <a:xfrm flipH="1">
+            <a:off x="448010" y="1479922"/>
+            <a:ext cx="2066590" cy="338554"/>
+          </a:xfrm>
+          <a:prstGeom prst="rect">
+            <a:avLst/>
+          </a:prstGeom>
+          <a:noFill/>
+        </p:spPr>
+        <p:txBody>
+          <a:bodyPr wrap="square" rtlCol="0" anchor="b">
+            <a:spAutoFit/>
+          </a:bodyPr>
+          <a:lstStyle/>
+          <a:p>
+            <a:r>
+              <a:rPr lang="en-US" sz="1600" b="1" dirty="0">
+                <a:latin typeface="Bradley Hand ITC" panose="03070402050302030203" pitchFamily="66" charset="0"/>
+              </a:rPr>
+              <a:t>What I’m Proud of:</a:t>
+            </a:r>
+          </a:p>
+        </p:txBody>
+      </p:sp>
+      <p:sp>
+        <p:nvSpPr>
+          <p:cNvPr id="23" name="TextBox 22">
+            <a:extLst>
+              <a:ext uri="{FF2B5EF4-FFF2-40B4-BE49-F238E27FC236}">
+                <a16:creationId xmlns:a16="http://schemas.microsoft.com/office/drawing/2014/main" id="{8CC067DB-9E8F-4621-B8E4-E9B91026B620}"/>
+              </a:ext>
+            </a:extLst>
+          </p:cNvPr>
+          <p:cNvSpPr txBox="1"/>
+          <p:nvPr/>
+        </p:nvSpPr>
+        <p:spPr>
+          <a:xfrm flipH="1">
+            <a:off x="448010" y="2781186"/>
+            <a:ext cx="2066590" cy="338554"/>
+          </a:xfrm>
+          <a:prstGeom prst="rect">
+            <a:avLst/>
+          </a:prstGeom>
+          <a:noFill/>
+        </p:spPr>
+        <p:txBody>
+          <a:bodyPr wrap="square" rtlCol="0" anchor="b">
+            <a:spAutoFit/>
+          </a:bodyPr>
+          <a:lstStyle/>
+          <a:p>
+            <a:r>
+              <a:rPr lang="en-US" sz="1600" b="1" dirty="0">
+                <a:latin typeface="Bradley Hand ITC" panose="03070402050302030203" pitchFamily="66" charset="0"/>
+              </a:rPr>
+              <a:t>Favorite Memories:</a:t>
+            </a:r>
+          </a:p>
+        </p:txBody>
+      </p:sp>
+      <p:sp>
+        <p:nvSpPr>
+          <p:cNvPr id="24" name="TextBox 23">
+            <a:extLst>
+              <a:ext uri="{FF2B5EF4-FFF2-40B4-BE49-F238E27FC236}">
+                <a16:creationId xmlns:a16="http://schemas.microsoft.com/office/drawing/2014/main" id="{A5E04E8A-66BC-4C49-9E42-68890447DDB2}"/>
+              </a:ext>
+            </a:extLst>
+          </p:cNvPr>
+          <p:cNvSpPr txBox="1"/>
+          <p:nvPr/>
+        </p:nvSpPr>
+        <p:spPr>
+          <a:xfrm flipH="1">
+            <a:off x="448010" y="4082450"/>
+            <a:ext cx="2066590" cy="338554"/>
+          </a:xfrm>
+          <a:prstGeom prst="rect">
+            <a:avLst/>
+          </a:prstGeom>
+          <a:noFill/>
+        </p:spPr>
+        <p:txBody>
+          <a:bodyPr wrap="square" rtlCol="0" anchor="b">
+            <a:spAutoFit/>
+          </a:bodyPr>
+          <a:lstStyle/>
+          <a:p>
+            <a:r>
+              <a:rPr lang="en-US" sz="1600" b="1" dirty="0">
+                <a:latin typeface="Bradley Hand ITC" panose="03070402050302030203" pitchFamily="66" charset="0"/>
+              </a:rPr>
+              <a:t>Things I Can Improve:</a:t>
+            </a:r>
+          </a:p>
+        </p:txBody>
+      </p:sp>
+    </p:spTree>
+    <p:extLst>
+      <p:ext uri="{BB962C8B-B14F-4D97-AF65-F5344CB8AC3E}">
+        <p14:creationId xmlns:p14="http://schemas.microsoft.com/office/powerpoint/2010/main" val="1414113117"/>
+      </p:ext>
+    </p:extLst>
+  </p:cSld>
+  <p:clrMapOvr>
+    <a:masterClrMapping/>
+  </p:clrMapOvr>
+</p:sld>
+</file>
+
+<file path=ppt/slides/slide28.xml><?xml version="1.0" encoding="utf-8"?>
+<p:sld xmlns:a="http://schemas.openxmlformats.org/drawingml/2006/main" xmlns:r="http://schemas.openxmlformats.org/officeDocument/2006/relationships" xmlns:p="http://schemas.openxmlformats.org/presentationml/2006/main">
+  <p:cSld>
+    <p:spTree>
+      <p:nvGrpSpPr>
+        <p:cNvPr id="1" name=""/>
+        <p:cNvGrpSpPr/>
+        <p:nvPr/>
+      </p:nvGrpSpPr>
+      <p:grpSpPr>
+        <a:xfrm>
+          <a:off x="0" y="0"/>
+          <a:ext cx="0" cy="0"/>
+          <a:chOff x="0" y="0"/>
+          <a:chExt cx="0" cy="0"/>
+        </a:xfrm>
+      </p:grpSpPr>
+      <p:cxnSp>
+        <p:nvCxnSpPr>
+          <p:cNvPr id="5" name="Straight Connector 4">
+            <a:extLst>
+              <a:ext uri="{FF2B5EF4-FFF2-40B4-BE49-F238E27FC236}">
+                <a16:creationId xmlns:a16="http://schemas.microsoft.com/office/drawing/2014/main" id="{4555D820-C063-4E42-8869-A716B6FDAF78}"/>
+              </a:ext>
+            </a:extLst>
+          </p:cNvPr>
+          <p:cNvCxnSpPr>
+            <a:cxnSpLocks/>
+          </p:cNvCxnSpPr>
+          <p:nvPr/>
+        </p:nvCxnSpPr>
+        <p:spPr>
+          <a:xfrm>
+            <a:off x="367031" y="6594764"/>
+            <a:ext cx="5611091" cy="0"/>
+          </a:xfrm>
+          <a:prstGeom prst="line">
+            <a:avLst/>
+          </a:prstGeom>
+          <a:ln w="25400">
+            <a:solidFill>
+              <a:schemeClr val="dk1"/>
+            </a:solidFill>
+          </a:ln>
+        </p:spPr>
+        <p:style>
+          <a:lnRef idx="1">
+            <a:schemeClr val="dk1"/>
+          </a:lnRef>
+          <a:fillRef idx="0">
+            <a:schemeClr val="dk1"/>
+          </a:fillRef>
+          <a:effectRef idx="0">
+            <a:schemeClr val="dk1"/>
+          </a:effectRef>
+          <a:fontRef idx="minor">
+            <a:schemeClr val="tx1"/>
+          </a:fontRef>
+        </p:style>
+      </p:cxnSp>
+      <p:cxnSp>
+        <p:nvCxnSpPr>
+          <p:cNvPr id="9" name="Straight Connector 8">
+            <a:extLst>
+              <a:ext uri="{FF2B5EF4-FFF2-40B4-BE49-F238E27FC236}">
+                <a16:creationId xmlns:a16="http://schemas.microsoft.com/office/drawing/2014/main" id="{642A8E9E-E490-46BE-8BC8-0F0566A0416D}"/>
+              </a:ext>
+            </a:extLst>
+          </p:cNvPr>
+          <p:cNvCxnSpPr/>
+          <p:nvPr/>
+        </p:nvCxnSpPr>
+        <p:spPr>
+          <a:xfrm flipV="1">
+            <a:off x="1011267" y="6225540"/>
+            <a:ext cx="0" cy="358140"/>
+          </a:xfrm>
+          <a:prstGeom prst="line">
+            <a:avLst/>
+          </a:prstGeom>
+          <a:ln w="25400"/>
+        </p:spPr>
+        <p:style>
+          <a:lnRef idx="1">
+            <a:schemeClr val="dk1"/>
+          </a:lnRef>
+          <a:fillRef idx="0">
+            <a:schemeClr val="dk1"/>
+          </a:fillRef>
+          <a:effectRef idx="0">
+            <a:schemeClr val="dk1"/>
+          </a:effectRef>
+          <a:fontRef idx="minor">
+            <a:schemeClr val="tx1"/>
+          </a:fontRef>
+        </p:style>
+      </p:cxnSp>
+      <p:cxnSp>
+        <p:nvCxnSpPr>
+          <p:cNvPr id="10" name="Straight Connector 9">
+            <a:extLst>
+              <a:ext uri="{FF2B5EF4-FFF2-40B4-BE49-F238E27FC236}">
+                <a16:creationId xmlns:a16="http://schemas.microsoft.com/office/drawing/2014/main" id="{FE9A6D03-5692-4191-8545-230DA038F817}"/>
+              </a:ext>
+            </a:extLst>
+          </p:cNvPr>
+          <p:cNvCxnSpPr/>
+          <p:nvPr/>
+        </p:nvCxnSpPr>
+        <p:spPr>
+          <a:xfrm flipV="1">
+            <a:off x="1925667" y="6583680"/>
+            <a:ext cx="0" cy="358140"/>
+          </a:xfrm>
+          <a:prstGeom prst="line">
+            <a:avLst/>
+          </a:prstGeom>
+          <a:ln w="25400"/>
+        </p:spPr>
+        <p:style>
+          <a:lnRef idx="1">
+            <a:schemeClr val="dk1"/>
+          </a:lnRef>
+          <a:fillRef idx="0">
+            <a:schemeClr val="dk1"/>
+          </a:fillRef>
+          <a:effectRef idx="0">
+            <a:schemeClr val="dk1"/>
+          </a:effectRef>
+          <a:fontRef idx="minor">
+            <a:schemeClr val="tx1"/>
+          </a:fontRef>
+        </p:style>
+      </p:cxnSp>
+      <p:cxnSp>
+        <p:nvCxnSpPr>
+          <p:cNvPr id="11" name="Straight Connector 10">
+            <a:extLst>
+              <a:ext uri="{FF2B5EF4-FFF2-40B4-BE49-F238E27FC236}">
+                <a16:creationId xmlns:a16="http://schemas.microsoft.com/office/drawing/2014/main" id="{8A5DBE0B-52A5-40DE-B1AA-3D62FBF92645}"/>
+              </a:ext>
+            </a:extLst>
+          </p:cNvPr>
+          <p:cNvCxnSpPr/>
+          <p:nvPr/>
+        </p:nvCxnSpPr>
+        <p:spPr>
+          <a:xfrm flipV="1">
+            <a:off x="2840067" y="6225540"/>
+            <a:ext cx="0" cy="358140"/>
+          </a:xfrm>
+          <a:prstGeom prst="line">
+            <a:avLst/>
+          </a:prstGeom>
+          <a:ln w="25400"/>
+        </p:spPr>
+        <p:style>
+          <a:lnRef idx="1">
+            <a:schemeClr val="dk1"/>
+          </a:lnRef>
+          <a:fillRef idx="0">
+            <a:schemeClr val="dk1"/>
+          </a:fillRef>
+          <a:effectRef idx="0">
+            <a:schemeClr val="dk1"/>
+          </a:effectRef>
+          <a:fontRef idx="minor">
+            <a:schemeClr val="tx1"/>
+          </a:fontRef>
+        </p:style>
+      </p:cxnSp>
+      <p:cxnSp>
+        <p:nvCxnSpPr>
+          <p:cNvPr id="12" name="Straight Connector 11">
+            <a:extLst>
+              <a:ext uri="{FF2B5EF4-FFF2-40B4-BE49-F238E27FC236}">
+                <a16:creationId xmlns:a16="http://schemas.microsoft.com/office/drawing/2014/main" id="{7A5E0B44-08CC-4372-B87F-81DB159D3808}"/>
+              </a:ext>
+            </a:extLst>
+          </p:cNvPr>
+          <p:cNvCxnSpPr/>
+          <p:nvPr/>
+        </p:nvCxnSpPr>
+        <p:spPr>
+          <a:xfrm flipV="1">
+            <a:off x="3754467" y="6583680"/>
+            <a:ext cx="0" cy="358140"/>
+          </a:xfrm>
+          <a:prstGeom prst="line">
+            <a:avLst/>
+          </a:prstGeom>
+          <a:ln w="25400"/>
+        </p:spPr>
+        <p:style>
+          <a:lnRef idx="1">
+            <a:schemeClr val="dk1"/>
+          </a:lnRef>
+          <a:fillRef idx="0">
+            <a:schemeClr val="dk1"/>
+          </a:fillRef>
+          <a:effectRef idx="0">
+            <a:schemeClr val="dk1"/>
+          </a:effectRef>
+          <a:fontRef idx="minor">
+            <a:schemeClr val="tx1"/>
+          </a:fontRef>
+        </p:style>
+      </p:cxnSp>
+      <p:cxnSp>
+        <p:nvCxnSpPr>
+          <p:cNvPr id="13" name="Straight Connector 12">
+            <a:extLst>
+              <a:ext uri="{FF2B5EF4-FFF2-40B4-BE49-F238E27FC236}">
+                <a16:creationId xmlns:a16="http://schemas.microsoft.com/office/drawing/2014/main" id="{7CDD2183-CF2A-473F-89A9-26562901DF74}"/>
+              </a:ext>
+            </a:extLst>
+          </p:cNvPr>
+          <p:cNvCxnSpPr/>
+          <p:nvPr/>
+        </p:nvCxnSpPr>
+        <p:spPr>
+          <a:xfrm flipV="1">
+            <a:off x="4668867" y="6225540"/>
+            <a:ext cx="0" cy="358140"/>
+          </a:xfrm>
+          <a:prstGeom prst="line">
+            <a:avLst/>
+          </a:prstGeom>
+          <a:ln w="25400"/>
+        </p:spPr>
+        <p:style>
+          <a:lnRef idx="1">
+            <a:schemeClr val="dk1"/>
+          </a:lnRef>
+          <a:fillRef idx="0">
+            <a:schemeClr val="dk1"/>
+          </a:fillRef>
+          <a:effectRef idx="0">
+            <a:schemeClr val="dk1"/>
+          </a:effectRef>
+          <a:fontRef idx="minor">
+            <a:schemeClr val="tx1"/>
+          </a:fontRef>
+        </p:style>
+      </p:cxnSp>
+      <p:cxnSp>
+        <p:nvCxnSpPr>
+          <p:cNvPr id="14" name="Straight Connector 13">
+            <a:extLst>
+              <a:ext uri="{FF2B5EF4-FFF2-40B4-BE49-F238E27FC236}">
+                <a16:creationId xmlns:a16="http://schemas.microsoft.com/office/drawing/2014/main" id="{07890F4A-6739-4EE2-A626-2543502B6392}"/>
+              </a:ext>
+            </a:extLst>
+          </p:cNvPr>
+          <p:cNvCxnSpPr/>
+          <p:nvPr/>
+        </p:nvCxnSpPr>
+        <p:spPr>
+          <a:xfrm flipV="1">
+            <a:off x="5598507" y="6583680"/>
+            <a:ext cx="0" cy="358140"/>
+          </a:xfrm>
+          <a:prstGeom prst="line">
+            <a:avLst/>
+          </a:prstGeom>
+          <a:ln w="25400"/>
+        </p:spPr>
+        <p:style>
+          <a:lnRef idx="1">
+            <a:schemeClr val="dk1"/>
+          </a:lnRef>
+          <a:fillRef idx="0">
+            <a:schemeClr val="dk1"/>
+          </a:fillRef>
+          <a:effectRef idx="0">
+            <a:schemeClr val="dk1"/>
+          </a:effectRef>
+          <a:fontRef idx="minor">
+            <a:schemeClr val="tx1"/>
+          </a:fontRef>
+        </p:style>
+      </p:cxnSp>
+      <p:sp>
+        <p:nvSpPr>
+          <p:cNvPr id="15" name="TextBox 14">
+            <a:extLst>
+              <a:ext uri="{FF2B5EF4-FFF2-40B4-BE49-F238E27FC236}">
+                <a16:creationId xmlns:a16="http://schemas.microsoft.com/office/drawing/2014/main" id="{7504CD5A-29E1-4C69-B4D7-A74A6BC335CC}"/>
+              </a:ext>
+            </a:extLst>
+          </p:cNvPr>
+          <p:cNvSpPr txBox="1"/>
+          <p:nvPr/>
+        </p:nvSpPr>
+        <p:spPr>
+          <a:xfrm flipH="1">
+            <a:off x="445307" y="5892743"/>
+            <a:ext cx="1131917" cy="338554"/>
+          </a:xfrm>
+          <a:prstGeom prst="rect">
+            <a:avLst/>
+          </a:prstGeom>
+          <a:noFill/>
+        </p:spPr>
+        <p:txBody>
+          <a:bodyPr wrap="square" rtlCol="0" anchor="b">
+            <a:spAutoFit/>
+          </a:bodyPr>
+          <a:lstStyle/>
+          <a:p>
+            <a:pPr algn="ctr"/>
+            <a:r>
+              <a:rPr lang="en-US" sz="1600" b="1" dirty="0">
+                <a:latin typeface="Bradley Hand ITC" panose="03070402050302030203" pitchFamily="66" charset="0"/>
+              </a:rPr>
+              <a:t>JULY</a:t>
+            </a:r>
+          </a:p>
+        </p:txBody>
+      </p:sp>
+      <p:sp>
+        <p:nvSpPr>
+          <p:cNvPr id="16" name="TextBox 15">
+            <a:extLst>
+              <a:ext uri="{FF2B5EF4-FFF2-40B4-BE49-F238E27FC236}">
+                <a16:creationId xmlns:a16="http://schemas.microsoft.com/office/drawing/2014/main" id="{0DE3EA72-832B-4662-B671-B04BEC43C7F7}"/>
+              </a:ext>
+            </a:extLst>
+          </p:cNvPr>
+          <p:cNvSpPr txBox="1"/>
+          <p:nvPr/>
+        </p:nvSpPr>
+        <p:spPr>
+          <a:xfrm flipH="1">
+            <a:off x="1359708" y="6941820"/>
+            <a:ext cx="1131917" cy="338554"/>
+          </a:xfrm>
+          <a:prstGeom prst="rect">
+            <a:avLst/>
+          </a:prstGeom>
+          <a:noFill/>
+        </p:spPr>
+        <p:txBody>
+          <a:bodyPr wrap="square" rtlCol="0" anchor="b">
+            <a:spAutoFit/>
+          </a:bodyPr>
+          <a:lstStyle/>
+          <a:p>
+            <a:pPr algn="ctr"/>
+            <a:r>
+              <a:rPr lang="en-US" sz="1600" b="1" dirty="0">
+                <a:latin typeface="Bradley Hand ITC" panose="03070402050302030203" pitchFamily="66" charset="0"/>
+              </a:rPr>
+              <a:t>AUG</a:t>
+            </a:r>
+          </a:p>
+        </p:txBody>
+      </p:sp>
+      <p:sp>
+        <p:nvSpPr>
+          <p:cNvPr id="17" name="TextBox 16">
+            <a:extLst>
+              <a:ext uri="{FF2B5EF4-FFF2-40B4-BE49-F238E27FC236}">
+                <a16:creationId xmlns:a16="http://schemas.microsoft.com/office/drawing/2014/main" id="{B2F819DA-F9B4-4E21-9D6C-6EECB35DFCD7}"/>
+              </a:ext>
+            </a:extLst>
+          </p:cNvPr>
+          <p:cNvSpPr txBox="1"/>
+          <p:nvPr/>
+        </p:nvSpPr>
+        <p:spPr>
+          <a:xfrm flipH="1">
+            <a:off x="2274108" y="5874530"/>
+            <a:ext cx="1131917" cy="338554"/>
+          </a:xfrm>
+          <a:prstGeom prst="rect">
+            <a:avLst/>
+          </a:prstGeom>
+          <a:noFill/>
+        </p:spPr>
+        <p:txBody>
+          <a:bodyPr wrap="square" rtlCol="0" anchor="b">
+            <a:spAutoFit/>
+          </a:bodyPr>
+          <a:lstStyle/>
+          <a:p>
+            <a:pPr algn="ctr"/>
+            <a:r>
+              <a:rPr lang="en-US" sz="1600" b="1" dirty="0">
+                <a:latin typeface="Bradley Hand ITC" panose="03070402050302030203" pitchFamily="66" charset="0"/>
+              </a:rPr>
+              <a:t>SEP</a:t>
+            </a:r>
+          </a:p>
+        </p:txBody>
+      </p:sp>
+      <p:sp>
+        <p:nvSpPr>
+          <p:cNvPr id="18" name="TextBox 17">
+            <a:extLst>
+              <a:ext uri="{FF2B5EF4-FFF2-40B4-BE49-F238E27FC236}">
+                <a16:creationId xmlns:a16="http://schemas.microsoft.com/office/drawing/2014/main" id="{AE2A01B4-F05C-40F5-B6B5-1D402A2F7437}"/>
+              </a:ext>
+            </a:extLst>
+          </p:cNvPr>
+          <p:cNvSpPr txBox="1"/>
+          <p:nvPr/>
+        </p:nvSpPr>
+        <p:spPr>
+          <a:xfrm flipH="1">
+            <a:off x="3188508" y="6941820"/>
+            <a:ext cx="1131917" cy="338554"/>
+          </a:xfrm>
+          <a:prstGeom prst="rect">
+            <a:avLst/>
+          </a:prstGeom>
+          <a:noFill/>
+        </p:spPr>
+        <p:txBody>
+          <a:bodyPr wrap="square" rtlCol="0" anchor="b">
+            <a:spAutoFit/>
+          </a:bodyPr>
+          <a:lstStyle/>
+          <a:p>
+            <a:pPr algn="ctr"/>
+            <a:r>
+              <a:rPr lang="en-US" sz="1600" b="1" dirty="0">
+                <a:latin typeface="Bradley Hand ITC" panose="03070402050302030203" pitchFamily="66" charset="0"/>
+              </a:rPr>
+              <a:t>OCT</a:t>
+            </a:r>
+          </a:p>
+        </p:txBody>
+      </p:sp>
+      <p:sp>
+        <p:nvSpPr>
+          <p:cNvPr id="19" name="TextBox 18">
+            <a:extLst>
+              <a:ext uri="{FF2B5EF4-FFF2-40B4-BE49-F238E27FC236}">
+                <a16:creationId xmlns:a16="http://schemas.microsoft.com/office/drawing/2014/main" id="{E4CD2C03-6739-4CAB-83E4-B989EA3066B3}"/>
+              </a:ext>
+            </a:extLst>
+          </p:cNvPr>
+          <p:cNvSpPr txBox="1"/>
+          <p:nvPr/>
+        </p:nvSpPr>
+        <p:spPr>
+          <a:xfrm flipH="1">
+            <a:off x="4102908" y="5871145"/>
+            <a:ext cx="1131917" cy="338554"/>
+          </a:xfrm>
+          <a:prstGeom prst="rect">
+            <a:avLst/>
+          </a:prstGeom>
+          <a:noFill/>
+        </p:spPr>
+        <p:txBody>
+          <a:bodyPr wrap="square" rtlCol="0" anchor="b">
+            <a:spAutoFit/>
+          </a:bodyPr>
+          <a:lstStyle/>
+          <a:p>
+            <a:pPr algn="ctr"/>
+            <a:r>
+              <a:rPr lang="en-US" sz="1600" b="1" dirty="0">
+                <a:latin typeface="Bradley Hand ITC" panose="03070402050302030203" pitchFamily="66" charset="0"/>
+              </a:rPr>
+              <a:t>NOV</a:t>
+            </a:r>
+          </a:p>
+        </p:txBody>
+      </p:sp>
+      <p:sp>
+        <p:nvSpPr>
+          <p:cNvPr id="20" name="TextBox 19">
+            <a:extLst>
+              <a:ext uri="{FF2B5EF4-FFF2-40B4-BE49-F238E27FC236}">
+                <a16:creationId xmlns:a16="http://schemas.microsoft.com/office/drawing/2014/main" id="{DFA74331-349F-49A5-B08D-46E122CFDA18}"/>
+              </a:ext>
+            </a:extLst>
+          </p:cNvPr>
+          <p:cNvSpPr txBox="1"/>
+          <p:nvPr/>
+        </p:nvSpPr>
+        <p:spPr>
+          <a:xfrm flipH="1">
+            <a:off x="5032548" y="6941820"/>
+            <a:ext cx="1131917" cy="338554"/>
+          </a:xfrm>
+          <a:prstGeom prst="rect">
+            <a:avLst/>
+          </a:prstGeom>
+          <a:noFill/>
+        </p:spPr>
+        <p:txBody>
+          <a:bodyPr wrap="square" rtlCol="0" anchor="b">
+            <a:spAutoFit/>
+          </a:bodyPr>
+          <a:lstStyle/>
+          <a:p>
+            <a:pPr algn="ctr"/>
+            <a:r>
+              <a:rPr lang="en-US" sz="1600" b="1" dirty="0">
+                <a:latin typeface="Bradley Hand ITC" panose="03070402050302030203" pitchFamily="66" charset="0"/>
+              </a:rPr>
+              <a:t>DEC</a:t>
+            </a:r>
+          </a:p>
+        </p:txBody>
+      </p:sp>
+      <p:sp>
+        <p:nvSpPr>
+          <p:cNvPr id="4" name="Isosceles Triangle 3">
+            <a:extLst>
+              <a:ext uri="{FF2B5EF4-FFF2-40B4-BE49-F238E27FC236}">
+                <a16:creationId xmlns:a16="http://schemas.microsoft.com/office/drawing/2014/main" id="{6B7CFC7A-7101-4C0B-90A5-500E5941FF17}"/>
+              </a:ext>
+            </a:extLst>
+          </p:cNvPr>
+          <p:cNvSpPr/>
+          <p:nvPr/>
+        </p:nvSpPr>
+        <p:spPr>
+          <a:xfrm rot="5400000">
+            <a:off x="5955250" y="6427482"/>
+            <a:ext cx="358139" cy="312396"/>
+          </a:xfrm>
+          <a:prstGeom prst="triangle">
+            <a:avLst/>
+          </a:prstGeom>
+          <a:solidFill>
+            <a:schemeClr val="bg1"/>
+          </a:solidFill>
+          <a:ln w="25400">
+            <a:solidFill>
+              <a:schemeClr val="tx1"/>
+            </a:solidFill>
+          </a:ln>
+        </p:spPr>
+        <p:style>
+          <a:lnRef idx="2">
+            <a:schemeClr val="accent1">
+              <a:shade val="50000"/>
+            </a:schemeClr>
+          </a:lnRef>
+          <a:fillRef idx="1">
+            <a:schemeClr val="accent1"/>
+          </a:fillRef>
+          <a:effectRef idx="0">
+            <a:schemeClr val="accent1"/>
+          </a:effectRef>
+          <a:fontRef idx="minor">
+            <a:schemeClr val="lt1"/>
+          </a:fontRef>
+        </p:style>
+        <p:txBody>
+          <a:bodyPr rtlCol="0" anchor="ctr"/>
+          <a:lstStyle/>
+          <a:p>
+            <a:pPr algn="ctr"/>
+            <a:endParaRPr lang="en-US"/>
+          </a:p>
+        </p:txBody>
+      </p:sp>
+      <p:sp>
+        <p:nvSpPr>
+          <p:cNvPr id="22" name="TextBox 21">
+            <a:extLst>
+              <a:ext uri="{FF2B5EF4-FFF2-40B4-BE49-F238E27FC236}">
+                <a16:creationId xmlns:a16="http://schemas.microsoft.com/office/drawing/2014/main" id="{BEFBB483-9EBA-4305-AD1A-84814EE8E9A5}"/>
+              </a:ext>
+            </a:extLst>
+          </p:cNvPr>
+          <p:cNvSpPr txBox="1"/>
+          <p:nvPr/>
+        </p:nvSpPr>
+        <p:spPr>
+          <a:xfrm flipH="1">
+            <a:off x="445308" y="5886986"/>
+            <a:ext cx="1131917" cy="338554"/>
+          </a:xfrm>
+          <a:prstGeom prst="rect">
+            <a:avLst/>
+          </a:prstGeom>
+          <a:noFill/>
+        </p:spPr>
+        <p:txBody>
+          <a:bodyPr wrap="square" rtlCol="0" anchor="b">
+            <a:spAutoFit/>
+          </a:bodyPr>
+          <a:lstStyle/>
+          <a:p>
+            <a:pPr algn="ctr"/>
+            <a:r>
+              <a:rPr lang="en-US" sz="1600" b="1" dirty="0">
+                <a:latin typeface="Bradley Hand ITC" panose="03070402050302030203" pitchFamily="66" charset="0"/>
+              </a:rPr>
+              <a:t>JULY</a:t>
+            </a:r>
+          </a:p>
+        </p:txBody>
+      </p:sp>
+      <p:sp>
+        <p:nvSpPr>
+          <p:cNvPr id="23" name="TextBox 22">
+            <a:extLst>
+              <a:ext uri="{FF2B5EF4-FFF2-40B4-BE49-F238E27FC236}">
+                <a16:creationId xmlns:a16="http://schemas.microsoft.com/office/drawing/2014/main" id="{B15BC8DA-0F40-451A-B999-CEF9E16AE4BD}"/>
+              </a:ext>
+            </a:extLst>
+          </p:cNvPr>
+          <p:cNvSpPr txBox="1"/>
+          <p:nvPr/>
+        </p:nvSpPr>
+        <p:spPr>
+          <a:xfrm flipH="1">
+            <a:off x="2840066" y="2676691"/>
+            <a:ext cx="1131917" cy="400110"/>
+          </a:xfrm>
+          <a:prstGeom prst="rect">
+            <a:avLst/>
+          </a:prstGeom>
+          <a:noFill/>
+        </p:spPr>
+        <p:txBody>
+          <a:bodyPr wrap="square" rtlCol="0" anchor="b">
+            <a:spAutoFit/>
+          </a:bodyPr>
+          <a:lstStyle/>
+          <a:p>
+            <a:pPr algn="ctr"/>
+            <a:r>
+              <a:rPr lang="en-US" sz="2000" b="1" dirty="0">
+                <a:latin typeface="Harlow Solid Italic" panose="04030604020F02020D02" pitchFamily="82" charset="0"/>
+              </a:rPr>
+              <a:t>favorites</a:t>
+            </a:r>
+          </a:p>
+        </p:txBody>
+      </p:sp>
+    </p:spTree>
+    <p:extLst>
+      <p:ext uri="{BB962C8B-B14F-4D97-AF65-F5344CB8AC3E}">
+        <p14:creationId xmlns:p14="http://schemas.microsoft.com/office/powerpoint/2010/main" val="3308625694"/>
       </p:ext>
     </p:extLst>
   </p:cSld>
@@ -46939,16 +56118,16 @@
 <file path=customXml/itemProps1.xml><?xml version="1.0" encoding="utf-8"?>
 <ds:datastoreItem xmlns:ds="http://schemas.openxmlformats.org/officeDocument/2006/customXml" ds:itemID="{8177CA62-3668-4016-B75D-C1755BA8F857}">
   <ds:schemaRefs>
+    <ds:schemaRef ds:uri="http://schemas.microsoft.com/office/2006/documentManagement/types"/>
+    <ds:schemaRef ds:uri="http://purl.org/dc/elements/1.1/"/>
     <ds:schemaRef ds:uri="http://www.w3.org/XML/1998/namespace"/>
+    <ds:schemaRef ds:uri="http://schemas.microsoft.com/office/infopath/2007/PartnerControls"/>
     <ds:schemaRef ds:uri="http://schemas.openxmlformats.org/package/2006/metadata/core-properties"/>
-    <ds:schemaRef ds:uri="http://purl.org/dc/elements/1.1/"/>
-    <ds:schemaRef ds:uri="http://schemas.microsoft.com/office/2006/metadata/properties"/>
-    <ds:schemaRef ds:uri="http://schemas.microsoft.com/office/2006/documentManagement/types"/>
     <ds:schemaRef ds:uri="http://purl.org/dc/dcmitype/"/>
-    <ds:schemaRef ds:uri="http://schemas.microsoft.com/office/infopath/2007/PartnerControls"/>
+    <ds:schemaRef ds:uri="http://purl.org/dc/terms/"/>
     <ds:schemaRef ds:uri="043e0d1c-a665-408c-8e87-bbf69a661b03"/>
     <ds:schemaRef ds:uri="7cdc60f3-49e9-43c0-aaac-e2785a77b6b3"/>
-    <ds:schemaRef ds:uri="http://purl.org/dc/terms/"/>
+    <ds:schemaRef ds:uri="http://schemas.microsoft.com/office/2006/metadata/properties"/>
   </ds:schemaRefs>
 </ds:datastoreItem>
 </file>
